--- a/course/compiler/LectureNotes/(Spring2017)Lecture4.pptx
+++ b/course/compiler/LectureNotes/(Spring2017)Lecture4.pptx
@@ -5,34 +5,35 @@
     <p:sldMasterId id="2147483648" r:id="rId4"/>
   </p:sldMasterIdLst>
   <p:notesMasterIdLst>
-    <p:notesMasterId r:id="rId27"/>
+    <p:notesMasterId r:id="rId28"/>
   </p:notesMasterIdLst>
   <p:handoutMasterIdLst>
-    <p:handoutMasterId r:id="rId28"/>
+    <p:handoutMasterId r:id="rId29"/>
   </p:handoutMasterIdLst>
   <p:sldIdLst>
     <p:sldId id="256" r:id="rId5"/>
     <p:sldId id="261" r:id="rId6"/>
     <p:sldId id="278" r:id="rId7"/>
-    <p:sldId id="263" r:id="rId8"/>
-    <p:sldId id="264" r:id="rId9"/>
-    <p:sldId id="271" r:id="rId10"/>
-    <p:sldId id="272" r:id="rId11"/>
-    <p:sldId id="273" r:id="rId12"/>
-    <p:sldId id="274" r:id="rId13"/>
-    <p:sldId id="275" r:id="rId14"/>
-    <p:sldId id="276" r:id="rId15"/>
-    <p:sldId id="277" r:id="rId16"/>
-    <p:sldId id="279" r:id="rId17"/>
-    <p:sldId id="280" r:id="rId18"/>
-    <p:sldId id="281" r:id="rId19"/>
-    <p:sldId id="282" r:id="rId20"/>
-    <p:sldId id="283" r:id="rId21"/>
-    <p:sldId id="284" r:id="rId22"/>
-    <p:sldId id="285" r:id="rId23"/>
-    <p:sldId id="286" r:id="rId24"/>
-    <p:sldId id="287" r:id="rId25"/>
-    <p:sldId id="288" r:id="rId26"/>
+    <p:sldId id="289" r:id="rId8"/>
+    <p:sldId id="263" r:id="rId9"/>
+    <p:sldId id="264" r:id="rId10"/>
+    <p:sldId id="271" r:id="rId11"/>
+    <p:sldId id="272" r:id="rId12"/>
+    <p:sldId id="273" r:id="rId13"/>
+    <p:sldId id="274" r:id="rId14"/>
+    <p:sldId id="275" r:id="rId15"/>
+    <p:sldId id="276" r:id="rId16"/>
+    <p:sldId id="277" r:id="rId17"/>
+    <p:sldId id="279" r:id="rId18"/>
+    <p:sldId id="280" r:id="rId19"/>
+    <p:sldId id="281" r:id="rId20"/>
+    <p:sldId id="282" r:id="rId21"/>
+    <p:sldId id="283" r:id="rId22"/>
+    <p:sldId id="284" r:id="rId23"/>
+    <p:sldId id="285" r:id="rId24"/>
+    <p:sldId id="286" r:id="rId25"/>
+    <p:sldId id="287" r:id="rId26"/>
+    <p:sldId id="288" r:id="rId27"/>
   </p:sldIdLst>
   <p:sldSz cx="9144000" cy="6858000" type="screen4x3"/>
   <p:notesSz cx="6858000" cy="9144000"/>
@@ -5673,6 +5674,521 @@
             <p:ph idx="1"/>
           </p:nvPr>
         </p:nvSpPr>
+        <p:spPr/>
+        <p:txBody>
+          <a:bodyPr>
+            <a:normAutofit/>
+          </a:bodyPr>
+          <a:lstStyle/>
+          <a:p>
+            <a:r>
+              <a:rPr lang="en-US" altLang="zh-CN" sz="2000" dirty="0"/>
+              <a:t>Eliminating Ambiguity</a:t>
+            </a:r>
+          </a:p>
+          <a:p>
+            <a:pPr marL="457200" indent="-457200">
+              <a:buAutoNum type="arabicParenBoth"/>
+            </a:pPr>
+            <a:r>
+              <a:rPr lang="en-US" altLang="zh-CN" sz="1600" dirty="0"/>
+              <a:t>Expressions</a:t>
+            </a:r>
+          </a:p>
+          <a:p>
+            <a:pPr marL="457200" indent="-457200">
+              <a:buAutoNum type="arabicParenBoth"/>
+            </a:pPr>
+            <a:endParaRPr lang="en-US" altLang="zh-CN" sz="1600" dirty="0"/>
+          </a:p>
+          <a:p>
+            <a:pPr marL="457200" indent="-457200">
+              <a:buAutoNum type="arabicParenBoth"/>
+            </a:pPr>
+            <a:endParaRPr lang="en-US" altLang="zh-CN" sz="1600" dirty="0"/>
+          </a:p>
+          <a:p>
+            <a:pPr marL="457200" indent="-457200">
+              <a:buAutoNum type="arabicParenBoth"/>
+            </a:pPr>
+            <a:endParaRPr lang="en-US" altLang="zh-CN" sz="1600" dirty="0"/>
+          </a:p>
+          <a:p>
+            <a:pPr marL="457200" indent="-457200">
+              <a:buAutoNum type="arabicParenBoth"/>
+            </a:pPr>
+            <a:r>
+              <a:rPr lang="en-US" altLang="zh-CN" sz="1600" dirty="0"/>
+              <a:t>If … then … else</a:t>
+            </a:r>
+          </a:p>
+          <a:p>
+            <a:pPr marL="457200" indent="-457200">
+              <a:buAutoNum type="arabicParenBoth"/>
+            </a:pPr>
+            <a:endParaRPr lang="en-US" altLang="zh-CN" sz="1600" dirty="0"/>
+          </a:p>
+          <a:p>
+            <a:pPr marL="0" indent="0">
+              <a:buNone/>
+            </a:pPr>
+            <a:r>
+              <a:rPr lang="en-US" altLang="zh-CN" sz="2000" dirty="0"/>
+              <a:t>      </a:t>
+            </a:r>
+            <a:endParaRPr lang="zh-CN" altLang="en-US" sz="2000" dirty="0"/>
+          </a:p>
+        </p:txBody>
+      </p:sp>
+      <p:graphicFrame>
+        <p:nvGraphicFramePr>
+          <p:cNvPr id="4" name="对象 3"/>
+          <p:cNvGraphicFramePr>
+            <a:graphicFrameLocks noChangeAspect="1"/>
+          </p:cNvGraphicFramePr>
+          <p:nvPr>
+            <p:extLst>
+              <p:ext uri="{D42A27DB-BD31-4B8C-83A1-F6EECF244321}">
+                <p14:modId xmlns:p14="http://schemas.microsoft.com/office/powerpoint/2010/main" val="4228015586"/>
+              </p:ext>
+            </p:extLst>
+          </p:nvPr>
+        </p:nvGraphicFramePr>
+        <p:xfrm>
+          <a:off x="1239156" y="2406422"/>
+          <a:ext cx="1057729" cy="1259201"/>
+        </p:xfrm>
+        <a:graphic>
+          <a:graphicData uri="http://schemas.openxmlformats.org/presentationml/2006/ole">
+            <mc:AlternateContent xmlns:mc="http://schemas.openxmlformats.org/markup-compatibility/2006">
+              <mc:Choice xmlns:v="urn:schemas-microsoft-com:vml" Requires="v">
+                <p:oleObj spid="_x0000_s11509" name="Equation" r:id="rId3" imgW="533160" imgH="634680" progId="Equation.DSMT4">
+                  <p:embed/>
+                </p:oleObj>
+              </mc:Choice>
+              <mc:Fallback>
+                <p:oleObj name="Equation" r:id="rId3" imgW="533160" imgH="634680" progId="Equation.DSMT4">
+                  <p:embed/>
+                  <p:pic>
+                    <p:nvPicPr>
+                      <p:cNvPr id="0" name=""/>
+                      <p:cNvPicPr/>
+                      <p:nvPr/>
+                    </p:nvPicPr>
+                    <p:blipFill>
+                      <a:blip r:embed="rId4"/>
+                      <a:stretch>
+                        <a:fillRect/>
+                      </a:stretch>
+                    </p:blipFill>
+                    <p:spPr>
+                      <a:xfrm>
+                        <a:off x="1239156" y="2406422"/>
+                        <a:ext cx="1057729" cy="1259201"/>
+                      </a:xfrm>
+                      <a:prstGeom prst="rect">
+                        <a:avLst/>
+                      </a:prstGeom>
+                    </p:spPr>
+                  </p:pic>
+                </p:oleObj>
+              </mc:Fallback>
+            </mc:AlternateContent>
+          </a:graphicData>
+        </a:graphic>
+      </p:graphicFrame>
+      <p:sp>
+        <p:nvSpPr>
+          <p:cNvPr id="5" name="右箭头 4"/>
+          <p:cNvSpPr/>
+          <p:nvPr/>
+        </p:nvSpPr>
+        <p:spPr>
+          <a:xfrm>
+            <a:off x="2699657" y="2775857"/>
+            <a:ext cx="892629" cy="457200"/>
+          </a:xfrm>
+          <a:prstGeom prst="rightArrow">
+            <a:avLst/>
+          </a:prstGeom>
+        </p:spPr>
+        <p:style>
+          <a:lnRef idx="2">
+            <a:schemeClr val="accent1">
+              <a:shade val="50000"/>
+            </a:schemeClr>
+          </a:lnRef>
+          <a:fillRef idx="1">
+            <a:schemeClr val="accent1"/>
+          </a:fillRef>
+          <a:effectRef idx="0">
+            <a:schemeClr val="accent1"/>
+          </a:effectRef>
+          <a:fontRef idx="minor">
+            <a:schemeClr val="lt1"/>
+          </a:fontRef>
+        </p:style>
+        <p:txBody>
+          <a:bodyPr rtlCol="0" anchor="ctr"/>
+          <a:lstStyle/>
+          <a:p>
+            <a:pPr algn="ctr"/>
+            <a:endParaRPr lang="zh-CN" altLang="en-US"/>
+          </a:p>
+        </p:txBody>
+      </p:sp>
+      <p:graphicFrame>
+        <p:nvGraphicFramePr>
+          <p:cNvPr id="6" name="对象 5"/>
+          <p:cNvGraphicFramePr>
+            <a:graphicFrameLocks noChangeAspect="1"/>
+          </p:cNvGraphicFramePr>
+          <p:nvPr>
+            <p:extLst>
+              <p:ext uri="{D42A27DB-BD31-4B8C-83A1-F6EECF244321}">
+                <p14:modId xmlns:p14="http://schemas.microsoft.com/office/powerpoint/2010/main" val="2589875994"/>
+              </p:ext>
+            </p:extLst>
+          </p:nvPr>
+        </p:nvGraphicFramePr>
+        <p:xfrm>
+          <a:off x="3865337" y="2472499"/>
+          <a:ext cx="1348920" cy="985418"/>
+        </p:xfrm>
+        <a:graphic>
+          <a:graphicData uri="http://schemas.openxmlformats.org/presentationml/2006/ole">
+            <mc:AlternateContent xmlns:mc="http://schemas.openxmlformats.org/markup-compatibility/2006">
+              <mc:Choice xmlns:v="urn:schemas-microsoft-com:vml" Requires="v">
+                <p:oleObj spid="_x0000_s11510" name="Equation" r:id="rId5" imgW="660240" imgH="482400" progId="Equation.DSMT4">
+                  <p:embed/>
+                </p:oleObj>
+              </mc:Choice>
+              <mc:Fallback>
+                <p:oleObj name="Equation" r:id="rId5" imgW="660240" imgH="482400" progId="Equation.DSMT4">
+                  <p:embed/>
+                  <p:pic>
+                    <p:nvPicPr>
+                      <p:cNvPr id="0" name=""/>
+                      <p:cNvPicPr/>
+                      <p:nvPr/>
+                    </p:nvPicPr>
+                    <p:blipFill>
+                      <a:blip r:embed="rId6"/>
+                      <a:stretch>
+                        <a:fillRect/>
+                      </a:stretch>
+                    </p:blipFill>
+                    <p:spPr>
+                      <a:xfrm>
+                        <a:off x="3865337" y="2472499"/>
+                        <a:ext cx="1348920" cy="985418"/>
+                      </a:xfrm>
+                      <a:prstGeom prst="rect">
+                        <a:avLst/>
+                      </a:prstGeom>
+                    </p:spPr>
+                  </p:pic>
+                </p:oleObj>
+              </mc:Fallback>
+            </mc:AlternateContent>
+          </a:graphicData>
+        </a:graphic>
+      </p:graphicFrame>
+      <p:graphicFrame>
+        <p:nvGraphicFramePr>
+          <p:cNvPr id="7" name="对象 6"/>
+          <p:cNvGraphicFramePr>
+            <a:graphicFrameLocks noChangeAspect="1"/>
+          </p:cNvGraphicFramePr>
+          <p:nvPr>
+            <p:extLst>
+              <p:ext uri="{D42A27DB-BD31-4B8C-83A1-F6EECF244321}">
+                <p14:modId xmlns:p14="http://schemas.microsoft.com/office/powerpoint/2010/main" val="3506390537"/>
+              </p:ext>
+            </p:extLst>
+          </p:nvPr>
+        </p:nvGraphicFramePr>
+        <p:xfrm>
+          <a:off x="1239157" y="4027865"/>
+          <a:ext cx="2914650" cy="898299"/>
+        </p:xfrm>
+        <a:graphic>
+          <a:graphicData uri="http://schemas.openxmlformats.org/presentationml/2006/ole">
+            <mc:AlternateContent xmlns:mc="http://schemas.openxmlformats.org/markup-compatibility/2006">
+              <mc:Choice xmlns:v="urn:schemas-microsoft-com:vml" Requires="v">
+                <p:oleObj spid="_x0000_s11511" name="Equation" r:id="rId7" imgW="1549080" imgH="482400" progId="Equation.DSMT4">
+                  <p:embed/>
+                </p:oleObj>
+              </mc:Choice>
+              <mc:Fallback>
+                <p:oleObj name="Equation" r:id="rId7" imgW="1549080" imgH="482400" progId="Equation.DSMT4">
+                  <p:embed/>
+                  <p:pic>
+                    <p:nvPicPr>
+                      <p:cNvPr id="0" name=""/>
+                      <p:cNvPicPr/>
+                      <p:nvPr/>
+                    </p:nvPicPr>
+                    <p:blipFill>
+                      <a:blip r:embed="rId8"/>
+                      <a:stretch>
+                        <a:fillRect/>
+                      </a:stretch>
+                    </p:blipFill>
+                    <p:spPr>
+                      <a:xfrm>
+                        <a:off x="1239157" y="4027865"/>
+                        <a:ext cx="2914650" cy="898299"/>
+                      </a:xfrm>
+                      <a:prstGeom prst="rect">
+                        <a:avLst/>
+                      </a:prstGeom>
+                    </p:spPr>
+                  </p:pic>
+                </p:oleObj>
+              </mc:Fallback>
+            </mc:AlternateContent>
+          </a:graphicData>
+        </a:graphic>
+      </p:graphicFrame>
+      <p:sp>
+        <p:nvSpPr>
+          <p:cNvPr id="8" name="右箭头 7"/>
+          <p:cNvSpPr/>
+          <p:nvPr/>
+        </p:nvSpPr>
+        <p:spPr>
+          <a:xfrm rot="5400000">
+            <a:off x="2868781" y="4735550"/>
+            <a:ext cx="554378" cy="337457"/>
+          </a:xfrm>
+          <a:prstGeom prst="rightArrow">
+            <a:avLst/>
+          </a:prstGeom>
+        </p:spPr>
+        <p:style>
+          <a:lnRef idx="2">
+            <a:schemeClr val="accent1">
+              <a:shade val="50000"/>
+            </a:schemeClr>
+          </a:lnRef>
+          <a:fillRef idx="1">
+            <a:schemeClr val="accent1"/>
+          </a:fillRef>
+          <a:effectRef idx="0">
+            <a:schemeClr val="accent1"/>
+          </a:effectRef>
+          <a:fontRef idx="minor">
+            <a:schemeClr val="lt1"/>
+          </a:fontRef>
+        </p:style>
+        <p:txBody>
+          <a:bodyPr rtlCol="0" anchor="ctr"/>
+          <a:lstStyle/>
+          <a:p>
+            <a:pPr algn="ctr"/>
+            <a:endParaRPr lang="zh-CN" altLang="en-US"/>
+          </a:p>
+        </p:txBody>
+      </p:sp>
+      <p:graphicFrame>
+        <p:nvGraphicFramePr>
+          <p:cNvPr id="10" name="对象 9"/>
+          <p:cNvGraphicFramePr>
+            <a:graphicFrameLocks noChangeAspect="1"/>
+          </p:cNvGraphicFramePr>
+          <p:nvPr>
+            <p:extLst>
+              <p:ext uri="{D42A27DB-BD31-4B8C-83A1-F6EECF244321}">
+                <p14:modId xmlns:p14="http://schemas.microsoft.com/office/powerpoint/2010/main" val="2119658796"/>
+              </p:ext>
+            </p:extLst>
+          </p:nvPr>
+        </p:nvGraphicFramePr>
+        <p:xfrm>
+          <a:off x="1059771" y="5229261"/>
+          <a:ext cx="5303837" cy="1512887"/>
+        </p:xfrm>
+        <a:graphic>
+          <a:graphicData uri="http://schemas.openxmlformats.org/presentationml/2006/ole">
+            <mc:AlternateContent xmlns:mc="http://schemas.openxmlformats.org/markup-compatibility/2006">
+              <mc:Choice xmlns:v="urn:schemas-microsoft-com:vml" Requires="v">
+                <p:oleObj spid="_x0000_s11512" name="Equation" r:id="rId9" imgW="2819160" imgH="812520" progId="Equation.DSMT4">
+                  <p:embed/>
+                </p:oleObj>
+              </mc:Choice>
+              <mc:Fallback>
+                <p:oleObj name="Equation" r:id="rId9" imgW="2819160" imgH="812520" progId="Equation.DSMT4">
+                  <p:embed/>
+                  <p:pic>
+                    <p:nvPicPr>
+                      <p:cNvPr id="0" name=""/>
+                      <p:cNvPicPr/>
+                      <p:nvPr/>
+                    </p:nvPicPr>
+                    <p:blipFill>
+                      <a:blip r:embed="rId10"/>
+                      <a:stretch>
+                        <a:fillRect/>
+                      </a:stretch>
+                    </p:blipFill>
+                    <p:spPr>
+                      <a:xfrm>
+                        <a:off x="1059771" y="5229261"/>
+                        <a:ext cx="5303837" cy="1512887"/>
+                      </a:xfrm>
+                      <a:prstGeom prst="rect">
+                        <a:avLst/>
+                      </a:prstGeom>
+                    </p:spPr>
+                  </p:pic>
+                </p:oleObj>
+              </mc:Fallback>
+            </mc:AlternateContent>
+          </a:graphicData>
+        </a:graphic>
+      </p:graphicFrame>
+      <p:sp>
+        <p:nvSpPr>
+          <p:cNvPr id="11" name="文本框 10"/>
+          <p:cNvSpPr txBox="1"/>
+          <p:nvPr/>
+        </p:nvSpPr>
+        <p:spPr>
+          <a:xfrm>
+            <a:off x="3484462" y="4676825"/>
+            <a:ext cx="5471370" cy="338554"/>
+          </a:xfrm>
+          <a:prstGeom prst="rect">
+            <a:avLst/>
+          </a:prstGeom>
+          <a:noFill/>
+        </p:spPr>
+        <p:txBody>
+          <a:bodyPr wrap="none" rtlCol="0">
+            <a:spAutoFit/>
+          </a:bodyPr>
+          <a:lstStyle/>
+          <a:p>
+            <a:r>
+              <a:rPr lang="en-US" altLang="zh-CN" sz="1600" dirty="0">
+                <a:solidFill>
+                  <a:srgbClr val="00B050"/>
+                </a:solidFill>
+                <a:latin typeface="Arial Unicode MS" panose="020B0604020202020204" pitchFamily="34" charset="-122"/>
+                <a:ea typeface="Arial Unicode MS" panose="020B0604020202020204" pitchFamily="34" charset="-122"/>
+                <a:cs typeface="Arial Unicode MS" panose="020B0604020202020204" pitchFamily="34" charset="-122"/>
+              </a:rPr>
+              <a:t>Idea: a </a:t>
+            </a:r>
+            <a:r>
+              <a:rPr lang="en-US" altLang="zh-CN" sz="1600" dirty="0" err="1">
+                <a:solidFill>
+                  <a:srgbClr val="00B050"/>
+                </a:solidFill>
+                <a:latin typeface="Arial Unicode MS" panose="020B0604020202020204" pitchFamily="34" charset="-122"/>
+                <a:ea typeface="Arial Unicode MS" panose="020B0604020202020204" pitchFamily="34" charset="-122"/>
+                <a:cs typeface="Arial Unicode MS" panose="020B0604020202020204" pitchFamily="34" charset="-122"/>
+              </a:rPr>
+              <a:t>stmt</a:t>
+            </a:r>
+            <a:r>
+              <a:rPr lang="en-US" altLang="zh-CN" sz="1600" dirty="0">
+                <a:solidFill>
+                  <a:srgbClr val="00B050"/>
+                </a:solidFill>
+                <a:latin typeface="Arial Unicode MS" panose="020B0604020202020204" pitchFamily="34" charset="-122"/>
+                <a:ea typeface="Arial Unicode MS" panose="020B0604020202020204" pitchFamily="34" charset="-122"/>
+                <a:cs typeface="Arial Unicode MS" panose="020B0604020202020204" pitchFamily="34" charset="-122"/>
+              </a:rPr>
+              <a:t> between a then and an else must be matched</a:t>
+            </a:r>
+            <a:endParaRPr lang="zh-CN" altLang="en-US" sz="1600" dirty="0">
+              <a:solidFill>
+                <a:srgbClr val="00B050"/>
+              </a:solidFill>
+              <a:latin typeface="Arial Unicode MS" panose="020B0604020202020204" pitchFamily="34" charset="-122"/>
+              <a:ea typeface="Arial Unicode MS" panose="020B0604020202020204" pitchFamily="34" charset="-122"/>
+              <a:cs typeface="Arial Unicode MS" panose="020B0604020202020204" pitchFamily="34" charset="-122"/>
+            </a:endParaRPr>
+          </a:p>
+        </p:txBody>
+      </p:sp>
+    </p:spTree>
+    <p:extLst>
+      <p:ext uri="{BB962C8B-B14F-4D97-AF65-F5344CB8AC3E}">
+        <p14:creationId xmlns:p14="http://schemas.microsoft.com/office/powerpoint/2010/main" val="902909431"/>
+      </p:ext>
+    </p:extLst>
+  </p:cSld>
+  <p:clrMapOvr>
+    <a:masterClrMapping/>
+  </p:clrMapOvr>
+  <mc:AlternateContent xmlns:mc="http://schemas.openxmlformats.org/markup-compatibility/2006" xmlns:p14="http://schemas.microsoft.com/office/powerpoint/2010/main">
+    <mc:Choice Requires="p14">
+      <p:transition spd="med" p14:dur="700">
+        <p:fade/>
+      </p:transition>
+    </mc:Choice>
+    <mc:Fallback xmlns="">
+      <p:transition spd="med">
+        <p:fade/>
+      </p:transition>
+    </mc:Fallback>
+  </mc:AlternateContent>
+</p:sld>
+</file>
+
+<file path=ppt/slides/slide11.xml><?xml version="1.0" encoding="utf-8"?>
+<p:sld xmlns:a="http://schemas.openxmlformats.org/drawingml/2006/main" xmlns:r="http://schemas.openxmlformats.org/officeDocument/2006/relationships" xmlns:p="http://schemas.openxmlformats.org/presentationml/2006/main">
+  <p:cSld>
+    <p:spTree>
+      <p:nvGrpSpPr>
+        <p:cNvPr id="1" name=""/>
+        <p:cNvGrpSpPr/>
+        <p:nvPr/>
+      </p:nvGrpSpPr>
+      <p:grpSpPr>
+        <a:xfrm>
+          <a:off x="0" y="0"/>
+          <a:ext cx="0" cy="0"/>
+          <a:chOff x="0" y="0"/>
+          <a:chExt cx="0" cy="0"/>
+        </a:xfrm>
+      </p:grpSpPr>
+      <p:sp>
+        <p:nvSpPr>
+          <p:cNvPr id="2" name="标题 1"/>
+          <p:cNvSpPr>
+            <a:spLocks noGrp="1"/>
+          </p:cNvSpPr>
+          <p:nvPr>
+            <p:ph type="title"/>
+          </p:nvPr>
+        </p:nvSpPr>
+        <p:spPr/>
+        <p:txBody>
+          <a:bodyPr/>
+          <a:lstStyle/>
+          <a:p>
+            <a:r>
+              <a:rPr lang="en-US" altLang="zh-CN" dirty="0"/>
+              <a:t>3.3 Write Grammar for Top-Down Parsing</a:t>
+            </a:r>
+            <a:endParaRPr lang="zh-CN" altLang="en-US" dirty="0"/>
+          </a:p>
+        </p:txBody>
+      </p:sp>
+      <p:sp>
+        <p:nvSpPr>
+          <p:cNvPr id="3" name="内容占位符 2"/>
+          <p:cNvSpPr>
+            <a:spLocks noGrp="1"/>
+          </p:cNvSpPr>
+          <p:nvPr>
+            <p:ph idx="1"/>
+          </p:nvPr>
+        </p:nvSpPr>
         <p:spPr>
           <a:xfrm>
             <a:off x="828675" y="1600200"/>
@@ -5689,10 +6205,9 @@
               </a:lnSpc>
             </a:pPr>
             <a:r>
-              <a:rPr lang="en-US" altLang="zh-CN" sz="1800" dirty="0" smtClean="0"/>
+              <a:rPr lang="en-US" altLang="zh-CN" sz="1800" dirty="0"/>
               <a:t>Elimination of Left Recursion</a:t>
             </a:r>
-            <a:endParaRPr lang="en-US" altLang="zh-CN" sz="1800" dirty="0"/>
           </a:p>
           <a:p>
             <a:pPr lvl="1">
@@ -5701,11 +6216,11 @@
               </a:lnSpc>
             </a:pPr>
             <a:r>
-              <a:rPr lang="en-US" altLang="zh-CN" sz="1600" dirty="0" smtClean="0"/>
+              <a:rPr lang="en-US" altLang="zh-CN" sz="1600" dirty="0"/>
               <a:t>A grammar is </a:t>
             </a:r>
             <a:r>
-              <a:rPr lang="en-US" altLang="zh-CN" sz="1600" i="1" dirty="0" smtClean="0">
+              <a:rPr lang="en-US" altLang="zh-CN" sz="1600" i="1" dirty="0">
                 <a:solidFill>
                   <a:srgbClr val="7030A0"/>
                 </a:solidFill>
@@ -5713,7 +6228,7 @@
               <a:t>left recursive </a:t>
             </a:r>
             <a:r>
-              <a:rPr lang="en-US" altLang="zh-CN" sz="1600" dirty="0" smtClean="0"/>
+              <a:rPr lang="en-US" altLang="zh-CN" sz="1600" dirty="0"/>
               <a:t>if it has a nonterminal A such that there is a derivation               for some string </a:t>
             </a:r>
           </a:p>
@@ -5724,7 +6239,7 @@
               </a:lnSpc>
             </a:pPr>
             <a:r>
-              <a:rPr lang="en-US" altLang="zh-CN" sz="1600" dirty="0" smtClean="0"/>
+              <a:rPr lang="en-US" altLang="zh-CN" sz="1600" dirty="0"/>
               <a:t>Immediate left recursion has the form               .</a:t>
             </a:r>
           </a:p>
@@ -5736,7 +6251,7 @@
               <a:buNone/>
             </a:pPr>
             <a:r>
-              <a:rPr lang="en-US" altLang="zh-CN" sz="1600" dirty="0" smtClean="0">
+              <a:rPr lang="en-US" altLang="zh-CN" sz="1600" dirty="0">
                 <a:solidFill>
                   <a:srgbClr val="FF0000"/>
                 </a:solidFill>
@@ -5751,7 +6266,7 @@
               </a:lnSpc>
               <a:buNone/>
             </a:pPr>
-            <a:endParaRPr lang="en-US" altLang="zh-CN" sz="1600" dirty="0" smtClean="0"/>
+            <a:endParaRPr lang="en-US" altLang="zh-CN" sz="1600" dirty="0"/>
           </a:p>
           <a:p>
             <a:pPr lvl="1">
@@ -5759,7 +6274,7 @@
                 <a:spcPct val="100000"/>
               </a:lnSpc>
             </a:pPr>
-            <a:endParaRPr lang="en-US" altLang="zh-CN" sz="1600" dirty="0" smtClean="0"/>
+            <a:endParaRPr lang="en-US" altLang="zh-CN" sz="1600" dirty="0"/>
           </a:p>
           <a:p>
             <a:pPr lvl="1">
@@ -5793,7 +6308,7 @@
           <a:graphicData uri="http://schemas.openxmlformats.org/presentationml/2006/ole">
             <mc:AlternateContent xmlns:mc="http://schemas.openxmlformats.org/markup-compatibility/2006">
               <mc:Choice xmlns:v="urn:schemas-microsoft-com:vml" Requires="v">
-                <p:oleObj spid="_x0000_s12737" name="Equation" r:id="rId3" imgW="469800" imgH="164880" progId="Equation.DSMT4">
+                <p:oleObj spid="_x0000_s12755" name="Equation" r:id="rId3" imgW="469800" imgH="164880" progId="Equation.DSMT4">
                   <p:embed/>
                 </p:oleObj>
               </mc:Choice>
@@ -5933,7 +6448,7 @@
           <a:graphicData uri="http://schemas.openxmlformats.org/presentationml/2006/ole">
             <mc:AlternateContent xmlns:mc="http://schemas.openxmlformats.org/markup-compatibility/2006">
               <mc:Choice xmlns:v="urn:schemas-microsoft-com:vml" Requires="v">
-                <p:oleObj spid="_x0000_s12738" name="Equation" r:id="rId6" imgW="558720" imgH="152280" progId="Equation.DSMT4">
+                <p:oleObj spid="_x0000_s12756" name="Equation" r:id="rId6" imgW="558720" imgH="152280" progId="Equation.DSMT4">
                   <p:embed/>
                 </p:oleObj>
               </mc:Choice>
@@ -5990,7 +6505,7 @@
           <a:graphicData uri="http://schemas.openxmlformats.org/presentationml/2006/ole">
             <mc:AlternateContent xmlns:mc="http://schemas.openxmlformats.org/markup-compatibility/2006">
               <mc:Choice xmlns:v="urn:schemas-microsoft-com:vml" Requires="v">
-                <p:oleObj spid="_x0000_s12739" name="Equation" r:id="rId8" imgW="419040" imgH="139680" progId="Equation.DSMT4">
+                <p:oleObj spid="_x0000_s12757" name="Equation" r:id="rId8" imgW="419040" imgH="139680" progId="Equation.DSMT4">
                   <p:embed/>
                 </p:oleObj>
               </mc:Choice>
@@ -6047,7 +6562,7 @@
           <a:graphicData uri="http://schemas.openxmlformats.org/presentationml/2006/ole">
             <mc:AlternateContent xmlns:mc="http://schemas.openxmlformats.org/markup-compatibility/2006">
               <mc:Choice xmlns:v="urn:schemas-microsoft-com:vml" Requires="v">
-                <p:oleObj spid="_x0000_s12740" name="Equation" r:id="rId10" imgW="596880" imgH="330120" progId="Equation.DSMT4">
+                <p:oleObj spid="_x0000_s12758" name="Equation" r:id="rId10" imgW="596880" imgH="330120" progId="Equation.DSMT4">
                   <p:embed/>
                 </p:oleObj>
               </mc:Choice>
@@ -6144,7 +6659,7 @@
           <a:graphicData uri="http://schemas.openxmlformats.org/presentationml/2006/ole">
             <mc:AlternateContent xmlns:mc="http://schemas.openxmlformats.org/markup-compatibility/2006">
               <mc:Choice xmlns:v="urn:schemas-microsoft-com:vml" Requires="v">
-                <p:oleObj spid="_x0000_s12741" name="Equation" r:id="rId12" imgW="1625400" imgH="177480" progId="Equation.DSMT4">
+                <p:oleObj spid="_x0000_s12759" name="Equation" r:id="rId12" imgW="1625400" imgH="177480" progId="Equation.DSMT4">
                   <p:embed/>
                 </p:oleObj>
               </mc:Choice>
@@ -6201,7 +6716,7 @@
           <a:graphicData uri="http://schemas.openxmlformats.org/presentationml/2006/ole">
             <mc:AlternateContent xmlns:mc="http://schemas.openxmlformats.org/markup-compatibility/2006">
               <mc:Choice xmlns:v="urn:schemas-microsoft-com:vml" Requires="v">
-                <p:oleObj spid="_x0000_s12742" name="Equation" r:id="rId14" imgW="1307880" imgH="342720" progId="Equation.DSMT4">
+                <p:oleObj spid="_x0000_s12760" name="Equation" r:id="rId14" imgW="1307880" imgH="342720" progId="Equation.DSMT4">
                   <p:embed/>
                 </p:oleObj>
               </mc:Choice>
@@ -6298,7 +6813,7 @@
           <a:graphicData uri="http://schemas.openxmlformats.org/presentationml/2006/ole">
             <mc:AlternateContent xmlns:mc="http://schemas.openxmlformats.org/markup-compatibility/2006">
               <mc:Choice xmlns:v="urn:schemas-microsoft-com:vml" Requires="v">
-                <p:oleObj spid="_x0000_s12743" name="Equation" r:id="rId16" imgW="533160" imgH="634680" progId="Equation.DSMT4">
+                <p:oleObj spid="_x0000_s12761" name="Equation" r:id="rId16" imgW="533160" imgH="634680" progId="Equation.DSMT4">
                   <p:embed/>
                 </p:oleObj>
               </mc:Choice>
@@ -6395,7 +6910,7 @@
           <a:graphicData uri="http://schemas.openxmlformats.org/presentationml/2006/ole">
             <mc:AlternateContent xmlns:mc="http://schemas.openxmlformats.org/markup-compatibility/2006">
               <mc:Choice xmlns:v="urn:schemas-microsoft-com:vml" Requires="v">
-                <p:oleObj spid="_x0000_s12744" name="Equation" r:id="rId18" imgW="660240" imgH="482400" progId="Equation.DSMT4">
+                <p:oleObj spid="_x0000_s12762" name="Equation" r:id="rId18" imgW="660240" imgH="482400" progId="Equation.DSMT4">
                   <p:embed/>
                 </p:oleObj>
               </mc:Choice>
@@ -6492,7 +7007,7 @@
           <a:graphicData uri="http://schemas.openxmlformats.org/presentationml/2006/ole">
             <mc:AlternateContent xmlns:mc="http://schemas.openxmlformats.org/markup-compatibility/2006">
               <mc:Choice xmlns:v="urn:schemas-microsoft-com:vml" Requires="v">
-                <p:oleObj spid="_x0000_s12745" name="Equation" r:id="rId20" imgW="647640" imgH="812520" progId="Equation.DSMT4">
+                <p:oleObj spid="_x0000_s12763" name="Equation" r:id="rId20" imgW="647640" imgH="812520" progId="Equation.DSMT4">
                   <p:embed/>
                 </p:oleObj>
               </mc:Choice>
@@ -6635,7 +7150,7 @@
 </p:sld>
 </file>
 
-<file path=ppt/slides/slide11.xml><?xml version="1.0" encoding="utf-8"?>
+<file path=ppt/slides/slide12.xml><?xml version="1.0" encoding="utf-8"?>
 <p:sld xmlns:a="http://schemas.openxmlformats.org/drawingml/2006/main" xmlns:r="http://schemas.openxmlformats.org/officeDocument/2006/relationships" xmlns:p="http://schemas.openxmlformats.org/presentationml/2006/main">
   <p:cSld>
     <p:spTree>
@@ -6703,28 +7218,20 @@
                   <a:srgbClr val="FF0000"/>
                 </a:solidFill>
               </a:rPr>
-              <a:t>Eliminating </a:t>
-            </a:r>
-            <a:r>
-              <a:rPr lang="en-US" altLang="zh-CN" sz="1600" dirty="0" smtClean="0">
-                <a:solidFill>
-                  <a:srgbClr val="FF0000"/>
-                </a:solidFill>
-              </a:rPr>
-              <a:t>left recursion involving derivations of two or more steps.</a:t>
-            </a:r>
-          </a:p>
-          <a:p>
-            <a:r>
-              <a:rPr lang="en-US" altLang="zh-CN" sz="1600" dirty="0" smtClean="0"/>
+              <a:t>Eliminating left recursion involving derivations of two or more steps.</a:t>
+            </a:r>
+          </a:p>
+          <a:p>
+            <a:r>
+              <a:rPr lang="en-US" altLang="zh-CN" sz="1600" dirty="0"/>
               <a:t>E.g., </a:t>
             </a:r>
             <a:r>
-              <a:rPr lang="zh-CN" altLang="en-US" dirty="0" smtClean="0"/>
+              <a:rPr lang="zh-CN" altLang="en-US" dirty="0"/>
               <a:t>                                  </a:t>
             </a:r>
             <a:r>
-              <a:rPr lang="en-US" altLang="zh-CN" dirty="0" smtClean="0"/>
+              <a:rPr lang="en-US" altLang="zh-CN" dirty="0"/>
               <a:t>we have </a:t>
             </a:r>
           </a:p>
@@ -6733,7 +7240,7 @@
           </a:p>
           <a:p>
             <a:r>
-              <a:rPr lang="en-US" altLang="zh-CN" sz="1600" dirty="0" smtClean="0"/>
+              <a:rPr lang="en-US" altLang="zh-CN" sz="1600" dirty="0"/>
               <a:t>If the grammar has no cycles (derivations of the form            ) or</a:t>
             </a:r>
           </a:p>
@@ -6742,7 +7249,7 @@
               <a:buNone/>
             </a:pPr>
             <a:r>
-              <a:rPr lang="en-US" altLang="zh-CN" sz="1600" dirty="0" smtClean="0"/>
+              <a:rPr lang="en-US" altLang="zh-CN" sz="1600" dirty="0"/>
               <a:t>the follow algorithm systematically eliminates left recursion.</a:t>
             </a:r>
           </a:p>
@@ -6751,10 +7258,9 @@
               <a:buNone/>
             </a:pPr>
             <a:r>
-              <a:rPr lang="en-US" altLang="zh-CN" sz="1600" dirty="0" smtClean="0"/>
+              <a:rPr lang="en-US" altLang="zh-CN" sz="1600" dirty="0"/>
               <a:t> </a:t>
             </a:r>
-            <a:endParaRPr lang="en-US" altLang="zh-CN" sz="1600" dirty="0"/>
           </a:p>
         </p:txBody>
       </p:sp>
@@ -6780,7 +7286,7 @@
           <a:graphicData uri="http://schemas.openxmlformats.org/presentationml/2006/ole">
             <mc:AlternateContent xmlns:mc="http://schemas.openxmlformats.org/markup-compatibility/2006">
               <mc:Choice xmlns:v="urn:schemas-microsoft-com:vml" Requires="v">
-                <p:oleObj spid="_x0000_s13514" name="Equation" r:id="rId3" imgW="596880" imgH="330120" progId="Equation.DSMT4">
+                <p:oleObj spid="_x0000_s13522" name="Equation" r:id="rId3" imgW="596880" imgH="330120" progId="Equation.DSMT4">
                   <p:embed/>
                 </p:oleObj>
               </mc:Choice>
@@ -6837,7 +7343,7 @@
           <a:graphicData uri="http://schemas.openxmlformats.org/presentationml/2006/ole">
             <mc:AlternateContent xmlns:mc="http://schemas.openxmlformats.org/markup-compatibility/2006">
               <mc:Choice xmlns:v="urn:schemas-microsoft-com:vml" Requires="v">
-                <p:oleObj spid="_x0000_s13515" name="Equation" r:id="rId5" imgW="723600" imgH="139680" progId="Equation.DSMT4">
+                <p:oleObj spid="_x0000_s13523" name="Equation" r:id="rId5" imgW="723600" imgH="139680" progId="Equation.DSMT4">
                   <p:embed/>
                 </p:oleObj>
               </mc:Choice>
@@ -6894,7 +7400,7 @@
           <a:graphicData uri="http://schemas.openxmlformats.org/presentationml/2006/ole">
             <mc:AlternateContent xmlns:mc="http://schemas.openxmlformats.org/markup-compatibility/2006">
               <mc:Choice xmlns:v="urn:schemas-microsoft-com:vml" Requires="v">
-                <p:oleObj spid="_x0000_s13516" name="Equation" r:id="rId7" imgW="406080" imgH="164880" progId="Equation.DSMT4">
+                <p:oleObj spid="_x0000_s13524" name="Equation" r:id="rId7" imgW="406080" imgH="164880" progId="Equation.DSMT4">
                   <p:embed/>
                 </p:oleObj>
               </mc:Choice>
@@ -6951,7 +7457,7 @@
           <a:graphicData uri="http://schemas.openxmlformats.org/presentationml/2006/ole">
             <mc:AlternateContent xmlns:mc="http://schemas.openxmlformats.org/markup-compatibility/2006">
               <mc:Choice xmlns:v="urn:schemas-microsoft-com:vml" Requires="v">
-                <p:oleObj spid="_x0000_s13517" name="Equation" r:id="rId9" imgW="685800" imgH="152280" progId="Equation.DSMT4">
+                <p:oleObj spid="_x0000_s13525" name="Equation" r:id="rId9" imgW="685800" imgH="152280" progId="Equation.DSMT4">
                   <p:embed/>
                 </p:oleObj>
               </mc:Choice>
@@ -7038,17 +7544,10 @@
       </p:transition>
     </mc:Fallback>
   </mc:AlternateContent>
-  <p:timing>
-    <p:tnLst>
-      <p:par>
-        <p:cTn id="1" dur="indefinite" restart="never" nodeType="tmRoot"/>
-      </p:par>
-    </p:tnLst>
-  </p:timing>
 </p:sld>
 </file>
 
-<file path=ppt/slides/slide12.xml><?xml version="1.0" encoding="utf-8"?>
+<file path=ppt/slides/slide13.xml><?xml version="1.0" encoding="utf-8"?>
 <p:sld xmlns:a="http://schemas.openxmlformats.org/drawingml/2006/main" xmlns:r="http://schemas.openxmlformats.org/officeDocument/2006/relationships" xmlns:p="http://schemas.openxmlformats.org/presentationml/2006/main">
   <p:cSld>
     <p:spTree>
@@ -7111,12 +7610,12 @@
           <a:lstStyle/>
           <a:p>
             <a:r>
-              <a:rPr lang="en-US" altLang="zh-CN" sz="2000" dirty="0" smtClean="0"/>
+              <a:rPr lang="en-US" altLang="zh-CN" sz="2000" dirty="0"/>
               <a:t>Left factoring</a:t>
             </a:r>
           </a:p>
           <a:p>
-            <a:endParaRPr lang="en-US" altLang="zh-CN" sz="1600" dirty="0" smtClean="0"/>
+            <a:endParaRPr lang="en-US" altLang="zh-CN" sz="1600" dirty="0"/>
           </a:p>
           <a:p>
             <a:pPr marL="457200" indent="-457200">
@@ -7128,13 +7627,13 @@
             <a:pPr marL="457200" indent="-457200">
               <a:buAutoNum type="arabicParenBoth"/>
             </a:pPr>
-            <a:endParaRPr lang="en-US" altLang="zh-CN" sz="1600" dirty="0" smtClean="0"/>
+            <a:endParaRPr lang="en-US" altLang="zh-CN" sz="1600" dirty="0"/>
           </a:p>
           <a:p>
             <a:pPr marL="0" indent="0">
               <a:buNone/>
             </a:pPr>
-            <a:endParaRPr lang="en-US" altLang="zh-CN" sz="1600" dirty="0" smtClean="0"/>
+            <a:endParaRPr lang="en-US" altLang="zh-CN" sz="1600" dirty="0"/>
           </a:p>
           <a:p>
             <a:pPr marL="0" indent="0">
@@ -7142,11 +7641,7 @@
             </a:pPr>
             <a:r>
               <a:rPr lang="en-US" altLang="zh-CN" sz="2000" dirty="0"/>
-              <a:t> </a:t>
-            </a:r>
-            <a:r>
-              <a:rPr lang="en-US" altLang="zh-CN" sz="2000" dirty="0" smtClean="0"/>
-              <a:t>     </a:t>
+              <a:t>      </a:t>
             </a:r>
             <a:endParaRPr lang="zh-CN" altLang="en-US" sz="2000" dirty="0"/>
           </a:p>
@@ -7174,7 +7669,7 @@
           <a:graphicData uri="http://schemas.openxmlformats.org/presentationml/2006/ole">
             <mc:AlternateContent xmlns:mc="http://schemas.openxmlformats.org/markup-compatibility/2006">
               <mc:Choice xmlns:v="urn:schemas-microsoft-com:vml" Requires="v">
-                <p:oleObj spid="_x0000_s14578" name="Equation" r:id="rId3" imgW="1549080" imgH="330120" progId="Equation.DSMT4">
+                <p:oleObj spid="_x0000_s14588" name="Equation" r:id="rId3" imgW="1549080" imgH="330120" progId="Equation.DSMT4">
                   <p:embed/>
                 </p:oleObj>
               </mc:Choice>
@@ -7231,7 +7726,7 @@
           <a:graphicData uri="http://schemas.openxmlformats.org/presentationml/2006/ole">
             <mc:AlternateContent xmlns:mc="http://schemas.openxmlformats.org/markup-compatibility/2006">
               <mc:Choice xmlns:v="urn:schemas-microsoft-com:vml" Requires="v">
-                <p:oleObj spid="_x0000_s14579" name="Equation" r:id="rId5" imgW="622080" imgH="177480" progId="Equation.DSMT4">
+                <p:oleObj spid="_x0000_s14589" name="Equation" r:id="rId5" imgW="622080" imgH="177480" progId="Equation.DSMT4">
                   <p:embed/>
                 </p:oleObj>
               </mc:Choice>
@@ -7328,7 +7823,7 @@
           <a:graphicData uri="http://schemas.openxmlformats.org/presentationml/2006/ole">
             <mc:AlternateContent xmlns:mc="http://schemas.openxmlformats.org/markup-compatibility/2006">
               <mc:Choice xmlns:v="urn:schemas-microsoft-com:vml" Requires="v">
-                <p:oleObj spid="_x0000_s14580" name="Equation" r:id="rId7" imgW="571320" imgH="330120" progId="Equation.DSMT4">
+                <p:oleObj spid="_x0000_s14590" name="Equation" r:id="rId7" imgW="571320" imgH="330120" progId="Equation.DSMT4">
                   <p:embed/>
                 </p:oleObj>
               </mc:Choice>
@@ -7385,7 +7880,7 @@
           <a:graphicData uri="http://schemas.openxmlformats.org/presentationml/2006/ole">
             <mc:AlternateContent xmlns:mc="http://schemas.openxmlformats.org/markup-compatibility/2006">
               <mc:Choice xmlns:v="urn:schemas-microsoft-com:vml" Requires="v">
-                <p:oleObj spid="_x0000_s14581" name="Equation" r:id="rId9" imgW="1143000" imgH="177480" progId="Equation.DSMT4">
+                <p:oleObj spid="_x0000_s14591" name="Equation" r:id="rId9" imgW="1143000" imgH="177480" progId="Equation.DSMT4">
                   <p:embed/>
                 </p:oleObj>
               </mc:Choice>
@@ -7482,7 +7977,7 @@
           <a:graphicData uri="http://schemas.openxmlformats.org/presentationml/2006/ole">
             <mc:AlternateContent xmlns:mc="http://schemas.openxmlformats.org/markup-compatibility/2006">
               <mc:Choice xmlns:v="urn:schemas-microsoft-com:vml" Requires="v">
-                <p:oleObj spid="_x0000_s14582" name="Equation" r:id="rId11" imgW="825480" imgH="330120" progId="Equation.DSMT4">
+                <p:oleObj spid="_x0000_s14592" name="Equation" r:id="rId11" imgW="825480" imgH="330120" progId="Equation.DSMT4">
                   <p:embed/>
                 </p:oleObj>
               </mc:Choice>
@@ -7539,17 +8034,10 @@
       </p:transition>
     </mc:Fallback>
   </mc:AlternateContent>
-  <p:timing>
-    <p:tnLst>
-      <p:par>
-        <p:cTn id="1" dur="indefinite" restart="never" nodeType="tmRoot"/>
-      </p:par>
-    </p:tnLst>
-  </p:timing>
 </p:sld>
 </file>
 
-<file path=ppt/slides/slide13.xml><?xml version="1.0" encoding="utf-8"?>
+<file path=ppt/slides/slide14.xml><?xml version="1.0" encoding="utf-8"?>
 <p:sld xmlns:a="http://schemas.openxmlformats.org/drawingml/2006/main" xmlns:r="http://schemas.openxmlformats.org/officeDocument/2006/relationships" xmlns:p="http://schemas.openxmlformats.org/presentationml/2006/main">
   <p:cSld>
     <p:spTree>
@@ -7582,7 +8070,7 @@
           <a:lstStyle/>
           <a:p>
             <a:r>
-              <a:rPr lang="en-US" altLang="zh-CN" dirty="0" smtClean="0"/>
+              <a:rPr lang="en-US" altLang="zh-CN" dirty="0"/>
               <a:t>3.4 Recursive-Descent Parsing</a:t>
             </a:r>
             <a:endParaRPr lang="zh-CN" altLang="en-US" dirty="0"/>
@@ -7610,41 +8098,36 @@
           <a:lstStyle/>
           <a:p>
             <a:r>
-              <a:rPr lang="en-US" altLang="zh-CN" dirty="0" smtClean="0"/>
+              <a:rPr lang="en-US" altLang="zh-CN" dirty="0"/>
               <a:t>If all the following conditions are satisfied, we can construct a recursive-descent parser.</a:t>
             </a:r>
           </a:p>
           <a:p>
             <a:pPr lvl="1"/>
             <a:r>
-              <a:rPr lang="en-US" altLang="zh-CN" dirty="0" smtClean="0"/>
+              <a:rPr lang="en-US" altLang="zh-CN" dirty="0"/>
               <a:t>No Ambiguity</a:t>
             </a:r>
           </a:p>
           <a:p>
             <a:pPr lvl="1"/>
             <a:r>
-              <a:rPr lang="en-US" altLang="zh-CN" dirty="0" smtClean="0"/>
+              <a:rPr lang="en-US" altLang="zh-CN" dirty="0"/>
               <a:t>No left recursion</a:t>
             </a:r>
           </a:p>
           <a:p>
             <a:pPr lvl="1"/>
             <a:r>
-              <a:rPr lang="en-US" altLang="zh-CN" dirty="0" smtClean="0"/>
+              <a:rPr lang="en-US" altLang="zh-CN" dirty="0"/>
               <a:t>Left factoring completed</a:t>
             </a:r>
           </a:p>
           <a:p>
             <a:r>
               <a:rPr lang="en-US" altLang="zh-CN" dirty="0"/>
-              <a:t>recursive-descent </a:t>
-            </a:r>
-            <a:r>
-              <a:rPr lang="en-US" altLang="zh-CN" dirty="0" smtClean="0"/>
-              <a:t>parsing construct a recursive procedure for each nonterminal.</a:t>
-            </a:r>
-            <a:endParaRPr lang="en-US" altLang="zh-CN" dirty="0"/>
+              <a:t>recursive-descent parsing construct a recursive procedure for each nonterminal.</a:t>
+            </a:r>
           </a:p>
           <a:p>
             <a:pPr marL="0" indent="0">
@@ -7652,11 +8135,7 @@
             </a:pPr>
             <a:r>
               <a:rPr lang="en-US" altLang="zh-CN" dirty="0"/>
-              <a:t> </a:t>
-            </a:r>
-            <a:r>
-              <a:rPr lang="en-US" altLang="zh-CN" dirty="0" smtClean="0"/>
-              <a:t>  </a:t>
+              <a:t>   </a:t>
             </a:r>
           </a:p>
         </p:txBody>
@@ -7707,17 +8186,10 @@
       </p:transition>
     </mc:Fallback>
   </mc:AlternateContent>
-  <p:timing>
-    <p:tnLst>
-      <p:par>
-        <p:cTn id="1" dur="indefinite" restart="never" nodeType="tmRoot"/>
-      </p:par>
-    </p:tnLst>
-  </p:timing>
 </p:sld>
 </file>
 
-<file path=ppt/slides/slide14.xml><?xml version="1.0" encoding="utf-8"?>
+<file path=ppt/slides/slide15.xml><?xml version="1.0" encoding="utf-8"?>
 <p:sld xmlns:a="http://schemas.openxmlformats.org/drawingml/2006/main" xmlns:r="http://schemas.openxmlformats.org/officeDocument/2006/relationships" xmlns:p="http://schemas.openxmlformats.org/presentationml/2006/main">
   <p:cSld>
     <p:spTree>
@@ -7773,7 +8245,7 @@
           <a:lstStyle/>
           <a:p>
             <a:r>
-              <a:rPr lang="en-US" altLang="zh-CN" dirty="0" smtClean="0"/>
+              <a:rPr lang="en-US" altLang="zh-CN" dirty="0"/>
               <a:t>E.g.</a:t>
             </a:r>
           </a:p>
@@ -7781,7 +8253,7 @@
             <a:endParaRPr lang="en-US" altLang="zh-CN" dirty="0"/>
           </a:p>
           <a:p>
-            <a:endParaRPr lang="en-US" altLang="zh-CN" dirty="0" smtClean="0"/>
+            <a:endParaRPr lang="en-US" altLang="zh-CN" dirty="0"/>
           </a:p>
           <a:p>
             <a:endParaRPr lang="en-US" altLang="zh-CN" dirty="0"/>
@@ -7816,7 +8288,7 @@
           <a:graphicData uri="http://schemas.openxmlformats.org/presentationml/2006/ole">
             <mc:AlternateContent xmlns:mc="http://schemas.openxmlformats.org/markup-compatibility/2006">
               <mc:Choice xmlns:v="urn:schemas-microsoft-com:vml" Requires="v">
-                <p:oleObj spid="_x0000_s15404" name="Equation" r:id="rId3" imgW="647640" imgH="812520" progId="Equation.DSMT4">
+                <p:oleObj spid="_x0000_s15406" name="Equation" r:id="rId3" imgW="647640" imgH="812520" progId="Equation.DSMT4">
                   <p:embed/>
                 </p:oleObj>
               </mc:Choice>
@@ -7921,17 +8393,10 @@
       </p:transition>
     </mc:Fallback>
   </mc:AlternateContent>
-  <p:timing>
-    <p:tnLst>
-      <p:par>
-        <p:cTn id="1" dur="indefinite" restart="never" nodeType="tmRoot"/>
-      </p:par>
-    </p:tnLst>
-  </p:timing>
 </p:sld>
 </file>
 
-<file path=ppt/slides/slide15.xml><?xml version="1.0" encoding="utf-8"?>
+<file path=ppt/slides/slide16.xml><?xml version="1.0" encoding="utf-8"?>
 <p:sld xmlns:a="http://schemas.openxmlformats.org/drawingml/2006/main" xmlns:r="http://schemas.openxmlformats.org/officeDocument/2006/relationships" xmlns:p="http://schemas.openxmlformats.org/presentationml/2006/main">
   <p:cSld>
     <p:spTree>
@@ -7987,7 +8452,7 @@
           <a:lstStyle/>
           <a:p>
             <a:r>
-              <a:rPr lang="en-US" altLang="zh-CN" dirty="0" smtClean="0"/>
+              <a:rPr lang="en-US" altLang="zh-CN" dirty="0"/>
               <a:t>E.g.</a:t>
             </a:r>
           </a:p>
@@ -7995,7 +8460,7 @@
             <a:endParaRPr lang="en-US" altLang="zh-CN" dirty="0"/>
           </a:p>
           <a:p>
-            <a:endParaRPr lang="en-US" altLang="zh-CN" dirty="0" smtClean="0"/>
+            <a:endParaRPr lang="en-US" altLang="zh-CN" dirty="0"/>
           </a:p>
           <a:p>
             <a:endParaRPr lang="en-US" altLang="zh-CN" dirty="0"/>
@@ -8030,7 +8495,7 @@
           <a:graphicData uri="http://schemas.openxmlformats.org/presentationml/2006/ole">
             <mc:AlternateContent xmlns:mc="http://schemas.openxmlformats.org/markup-compatibility/2006">
               <mc:Choice xmlns:v="urn:schemas-microsoft-com:vml" Requires="v">
-                <p:oleObj spid="_x0000_s16425" name="Equation" r:id="rId3" imgW="647640" imgH="812520" progId="Equation.DSMT4">
+                <p:oleObj spid="_x0000_s16427" name="Equation" r:id="rId3" imgW="647640" imgH="812520" progId="Equation.DSMT4">
                   <p:embed/>
                 </p:oleObj>
               </mc:Choice>
@@ -8187,228 +8652,6 @@
       </p:transition>
     </mc:Fallback>
   </mc:AlternateContent>
-  <p:timing>
-    <p:tnLst>
-      <p:par>
-        <p:cTn id="1" dur="indefinite" restart="never" nodeType="tmRoot"/>
-      </p:par>
-    </p:tnLst>
-  </p:timing>
-</p:sld>
-</file>
-
-<file path=ppt/slides/slide16.xml><?xml version="1.0" encoding="utf-8"?>
-<p:sld xmlns:a="http://schemas.openxmlformats.org/drawingml/2006/main" xmlns:r="http://schemas.openxmlformats.org/officeDocument/2006/relationships" xmlns:p="http://schemas.openxmlformats.org/presentationml/2006/main">
-  <p:cSld>
-    <p:spTree>
-      <p:nvGrpSpPr>
-        <p:cNvPr id="1" name=""/>
-        <p:cNvGrpSpPr/>
-        <p:nvPr/>
-      </p:nvGrpSpPr>
-      <p:grpSpPr>
-        <a:xfrm>
-          <a:off x="0" y="0"/>
-          <a:ext cx="0" cy="0"/>
-          <a:chOff x="0" y="0"/>
-          <a:chExt cx="0" cy="0"/>
-        </a:xfrm>
-      </p:grpSpPr>
-      <p:sp>
-        <p:nvSpPr>
-          <p:cNvPr id="2" name="标题 1"/>
-          <p:cNvSpPr>
-            <a:spLocks noGrp="1"/>
-          </p:cNvSpPr>
-          <p:nvPr>
-            <p:ph type="title"/>
-          </p:nvPr>
-        </p:nvSpPr>
-        <p:spPr/>
-        <p:txBody>
-          <a:bodyPr/>
-          <a:lstStyle/>
-          <a:p>
-            <a:r>
-              <a:rPr lang="en-US" altLang="zh-CN" dirty="0"/>
-              <a:t>3.4 Recursive-Descent Parsing</a:t>
-            </a:r>
-            <a:endParaRPr lang="zh-CN" altLang="en-US" dirty="0"/>
-          </a:p>
-        </p:txBody>
-      </p:sp>
-      <p:sp>
-        <p:nvSpPr>
-          <p:cNvPr id="3" name="内容占位符 2"/>
-          <p:cNvSpPr>
-            <a:spLocks noGrp="1"/>
-          </p:cNvSpPr>
-          <p:nvPr>
-            <p:ph idx="1"/>
-          </p:nvPr>
-        </p:nvSpPr>
-        <p:spPr>
-          <a:xfrm>
-            <a:off x="741589" y="1534886"/>
-            <a:ext cx="7486650" cy="4572000"/>
-          </a:xfrm>
-        </p:spPr>
-        <p:txBody>
-          <a:bodyPr/>
-          <a:lstStyle/>
-          <a:p>
-            <a:pPr>
-              <a:lnSpc>
-                <a:spcPct val="100000"/>
-              </a:lnSpc>
-            </a:pPr>
-            <a:r>
-              <a:rPr lang="en-US" altLang="zh-CN" dirty="0"/>
-              <a:t>If all the following conditions are satisfied, we can construct a recursive-descent parser.</a:t>
-            </a:r>
-          </a:p>
-          <a:p>
-            <a:pPr lvl="1">
-              <a:lnSpc>
-                <a:spcPct val="100000"/>
-              </a:lnSpc>
-            </a:pPr>
-            <a:r>
-              <a:rPr lang="en-US" altLang="zh-CN" dirty="0"/>
-              <a:t>No Ambiguity</a:t>
-            </a:r>
-          </a:p>
-          <a:p>
-            <a:pPr lvl="1">
-              <a:lnSpc>
-                <a:spcPct val="100000"/>
-              </a:lnSpc>
-            </a:pPr>
-            <a:r>
-              <a:rPr lang="en-US" altLang="zh-CN" dirty="0"/>
-              <a:t>No left recursion</a:t>
-            </a:r>
-          </a:p>
-          <a:p>
-            <a:pPr lvl="1">
-              <a:lnSpc>
-                <a:spcPct val="100000"/>
-              </a:lnSpc>
-            </a:pPr>
-            <a:r>
-              <a:rPr lang="en-US" altLang="zh-CN" dirty="0"/>
-              <a:t>Left factoring completed</a:t>
-            </a:r>
-          </a:p>
-          <a:p>
-            <a:pPr>
-              <a:lnSpc>
-                <a:spcPct val="100000"/>
-              </a:lnSpc>
-            </a:pPr>
-            <a:r>
-              <a:rPr lang="en-US" altLang="zh-CN" dirty="0" smtClean="0"/>
-              <a:t>My question is whether there exists backtracking during the parsing. We hope not.  (Pay attention recursive-descent parsing implicitly includes backtracking because it will try all productions of a nonterminal).</a:t>
-            </a:r>
-            <a:endParaRPr lang="en-US" altLang="zh-CN" dirty="0"/>
-          </a:p>
-          <a:p>
-            <a:pPr>
-              <a:lnSpc>
-                <a:spcPct val="100000"/>
-              </a:lnSpc>
-            </a:pPr>
-            <a:r>
-              <a:rPr lang="en-US" altLang="zh-CN" dirty="0" smtClean="0"/>
-              <a:t>The ideal situation is </a:t>
-            </a:r>
-            <a:r>
-              <a:rPr lang="en-US" altLang="zh-CN" dirty="0" smtClean="0">
-                <a:solidFill>
-                  <a:srgbClr val="7030A0"/>
-                </a:solidFill>
-              </a:rPr>
-              <a:t>when we see the input symbol a, we exactly know which production should be chosen, or the occurrence of a is a syntax error</a:t>
-            </a:r>
-            <a:r>
-              <a:rPr lang="en-US" altLang="zh-CN" dirty="0" smtClean="0"/>
-              <a:t>.</a:t>
-            </a:r>
-          </a:p>
-          <a:p>
-            <a:pPr>
-              <a:lnSpc>
-                <a:spcPct val="100000"/>
-              </a:lnSpc>
-            </a:pPr>
-            <a:endParaRPr lang="en-US" altLang="zh-CN" dirty="0" smtClean="0"/>
-          </a:p>
-          <a:p>
-            <a:pPr>
-              <a:lnSpc>
-                <a:spcPct val="100000"/>
-              </a:lnSpc>
-            </a:pPr>
-            <a:r>
-              <a:rPr lang="en-US" altLang="zh-CN" dirty="0" smtClean="0">
-                <a:solidFill>
-                  <a:srgbClr val="FF0000"/>
-                </a:solidFill>
-              </a:rPr>
-              <a:t>Which kind of grammar that results in non-backtracking recursive-descent parser?</a:t>
-            </a:r>
-          </a:p>
-          <a:p>
-            <a:pPr>
-              <a:lnSpc>
-                <a:spcPct val="100000"/>
-              </a:lnSpc>
-            </a:pPr>
-            <a:r>
-              <a:rPr lang="en-US" altLang="zh-CN" dirty="0" smtClean="0">
-                <a:solidFill>
-                  <a:srgbClr val="FF0000"/>
-                </a:solidFill>
-              </a:rPr>
-              <a:t>Do we have more efficient methods that do not involve recursive procedure?</a:t>
-            </a:r>
-            <a:endParaRPr lang="en-US" altLang="zh-CN" dirty="0">
-              <a:solidFill>
-                <a:srgbClr val="FF0000"/>
-              </a:solidFill>
-            </a:endParaRPr>
-          </a:p>
-        </p:txBody>
-      </p:sp>
-    </p:spTree>
-    <p:extLst>
-      <p:ext uri="{BB962C8B-B14F-4D97-AF65-F5344CB8AC3E}">
-        <p14:creationId xmlns:p14="http://schemas.microsoft.com/office/powerpoint/2010/main" val="1451604971"/>
-      </p:ext>
-    </p:extLst>
-  </p:cSld>
-  <p:clrMapOvr>
-    <a:masterClrMapping/>
-  </p:clrMapOvr>
-  <mc:AlternateContent xmlns:mc="http://schemas.openxmlformats.org/markup-compatibility/2006" xmlns:p14="http://schemas.microsoft.com/office/powerpoint/2010/main">
-    <mc:Choice Requires="p14">
-      <p:transition spd="med" p14:dur="700">
-        <p:fade/>
-      </p:transition>
-    </mc:Choice>
-    <mc:Fallback xmlns="">
-      <p:transition spd="med">
-        <p:fade/>
-      </p:transition>
-    </mc:Fallback>
-  </mc:AlternateContent>
-  <p:timing>
-    <p:tnLst>
-      <p:par>
-        <p:cTn id="1" dur="indefinite" restart="never" nodeType="tmRoot"/>
-      </p:par>
-    </p:tnLst>
-  </p:timing>
 </p:sld>
 </file>
 
@@ -8445,8 +8688,8 @@
           <a:lstStyle/>
           <a:p>
             <a:r>
-              <a:rPr lang="en-US" altLang="zh-CN" dirty="0" smtClean="0"/>
-              <a:t>3.5 LL(1) Grammar</a:t>
+              <a:rPr lang="en-US" altLang="zh-CN" dirty="0"/>
+              <a:t>3.4 Recursive-Descent Parsing</a:t>
             </a:r>
             <a:endParaRPr lang="zh-CN" altLang="en-US" dirty="0"/>
           </a:p>
@@ -8462,77 +8705,137 @@
             <p:ph idx="1"/>
           </p:nvPr>
         </p:nvSpPr>
-        <p:spPr/>
+        <p:spPr>
+          <a:xfrm>
+            <a:off x="741589" y="1534886"/>
+            <a:ext cx="7486650" cy="4572000"/>
+          </a:xfrm>
+        </p:spPr>
         <p:txBody>
-          <a:bodyPr>
-            <a:normAutofit/>
-          </a:bodyPr>
+          <a:bodyPr/>
           <a:lstStyle/>
           <a:p>
-            <a:r>
-              <a:rPr lang="en-US" altLang="zh-CN" sz="2000" dirty="0"/>
-              <a:t>Predictive parsers, that is, recursive-descent parsers needing no </a:t>
-            </a:r>
-            <a:r>
-              <a:rPr lang="en-US" altLang="zh-CN" sz="2000" dirty="0" smtClean="0"/>
-              <a:t>backtracking, can </a:t>
-            </a:r>
-            <a:r>
-              <a:rPr lang="en-US" altLang="zh-CN" sz="2000" dirty="0"/>
-              <a:t>be constructed for a class of grammars called </a:t>
-            </a:r>
-            <a:r>
-              <a:rPr lang="en-US" altLang="zh-CN" sz="2000" dirty="0" smtClean="0"/>
-              <a:t>LL(1) .The </a:t>
-            </a:r>
-            <a:r>
-              <a:rPr lang="en-US" altLang="zh-CN" sz="2000" dirty="0"/>
-              <a:t>first "L" in </a:t>
-            </a:r>
-            <a:r>
-              <a:rPr lang="en-US" altLang="zh-CN" sz="2000" dirty="0" smtClean="0"/>
-              <a:t>LL(1) stands </a:t>
-            </a:r>
-            <a:r>
-              <a:rPr lang="en-US" altLang="zh-CN" sz="2000" dirty="0"/>
-              <a:t>for scanning the input from left to right, the second "L" for </a:t>
-            </a:r>
-            <a:r>
-              <a:rPr lang="en-US" altLang="zh-CN" sz="2000" dirty="0" smtClean="0"/>
-              <a:t>producing a </a:t>
-            </a:r>
-            <a:r>
-              <a:rPr lang="en-US" altLang="zh-CN" sz="2000" dirty="0"/>
-              <a:t>leftmost derivation, and the "I" for using one input symbol of </a:t>
-            </a:r>
-            <a:r>
-              <a:rPr lang="en-US" altLang="zh-CN" sz="2000" dirty="0" err="1"/>
-              <a:t>lookahead</a:t>
-            </a:r>
-            <a:r>
-              <a:rPr lang="en-US" altLang="zh-CN" sz="2000" dirty="0"/>
-              <a:t> </a:t>
-            </a:r>
-            <a:r>
-              <a:rPr lang="en-US" altLang="zh-CN" sz="2000" dirty="0" smtClean="0"/>
-              <a:t>at each </a:t>
-            </a:r>
-            <a:r>
-              <a:rPr lang="en-US" altLang="zh-CN" sz="2000" dirty="0"/>
-              <a:t>step to make parsing action </a:t>
-            </a:r>
-            <a:r>
-              <a:rPr lang="en-US" altLang="zh-CN" sz="2000" dirty="0" smtClean="0"/>
-              <a:t>decisions.</a:t>
-            </a:r>
-            <a:endParaRPr lang="zh-CN" altLang="en-US" sz="2000" dirty="0"/>
+            <a:pPr>
+              <a:lnSpc>
+                <a:spcPct val="100000"/>
+              </a:lnSpc>
+            </a:pPr>
+            <a:r>
+              <a:rPr lang="en-US" altLang="zh-CN" dirty="0"/>
+              <a:t>If all the following conditions are satisfied, we can construct a recursive-descent parser.</a:t>
+            </a:r>
+          </a:p>
+          <a:p>
+            <a:pPr lvl="1">
+              <a:lnSpc>
+                <a:spcPct val="100000"/>
+              </a:lnSpc>
+            </a:pPr>
+            <a:r>
+              <a:rPr lang="en-US" altLang="zh-CN" dirty="0"/>
+              <a:t>No Ambiguity</a:t>
+            </a:r>
+          </a:p>
+          <a:p>
+            <a:pPr lvl="1">
+              <a:lnSpc>
+                <a:spcPct val="100000"/>
+              </a:lnSpc>
+            </a:pPr>
+            <a:r>
+              <a:rPr lang="en-US" altLang="zh-CN" dirty="0"/>
+              <a:t>No left recursion</a:t>
+            </a:r>
+          </a:p>
+          <a:p>
+            <a:pPr lvl="1">
+              <a:lnSpc>
+                <a:spcPct val="100000"/>
+              </a:lnSpc>
+            </a:pPr>
+            <a:r>
+              <a:rPr lang="en-US" altLang="zh-CN" dirty="0"/>
+              <a:t>Left factoring completed</a:t>
+            </a:r>
+          </a:p>
+          <a:p>
+            <a:pPr>
+              <a:lnSpc>
+                <a:spcPct val="100000"/>
+              </a:lnSpc>
+            </a:pPr>
+            <a:r>
+              <a:rPr lang="en-US" altLang="zh-CN" dirty="0"/>
+              <a:t>My question is whether there exists backtracking during the parsing. We hope not.  (Pay attention recursive-descent parsing implicitly includes backtracking because it will try all productions of a nonterminal).</a:t>
+            </a:r>
+          </a:p>
+          <a:p>
+            <a:pPr>
+              <a:lnSpc>
+                <a:spcPct val="100000"/>
+              </a:lnSpc>
+            </a:pPr>
+            <a:r>
+              <a:rPr lang="en-US" altLang="zh-CN" dirty="0"/>
+              <a:t>The ideal situation is </a:t>
+            </a:r>
+            <a:r>
+              <a:rPr lang="en-US" altLang="zh-CN" dirty="0">
+                <a:solidFill>
+                  <a:srgbClr val="7030A0"/>
+                </a:solidFill>
+              </a:rPr>
+              <a:t>when we see the input symbol a, we exactly know which production should be chosen, or the occurrence of a is a syntax error</a:t>
+            </a:r>
+            <a:r>
+              <a:rPr lang="en-US" altLang="zh-CN" dirty="0"/>
+              <a:t>.</a:t>
+            </a:r>
+          </a:p>
+          <a:p>
+            <a:pPr>
+              <a:lnSpc>
+                <a:spcPct val="100000"/>
+              </a:lnSpc>
+            </a:pPr>
+            <a:endParaRPr lang="en-US" altLang="zh-CN" dirty="0"/>
+          </a:p>
+          <a:p>
+            <a:pPr>
+              <a:lnSpc>
+                <a:spcPct val="100000"/>
+              </a:lnSpc>
+            </a:pPr>
+            <a:r>
+              <a:rPr lang="en-US" altLang="zh-CN" dirty="0">
+                <a:solidFill>
+                  <a:srgbClr val="FF0000"/>
+                </a:solidFill>
+              </a:rPr>
+              <a:t>Which kind of grammar that results in non-backtracking recursive-descent parser?</a:t>
+            </a:r>
+          </a:p>
+          <a:p>
+            <a:pPr>
+              <a:lnSpc>
+                <a:spcPct val="100000"/>
+              </a:lnSpc>
+            </a:pPr>
+            <a:r>
+              <a:rPr lang="en-US" altLang="zh-CN" dirty="0">
+                <a:solidFill>
+                  <a:srgbClr val="FF0000"/>
+                </a:solidFill>
+              </a:rPr>
+              <a:t>Do we have more efficient methods that do not involve recursive procedure?</a:t>
+            </a:r>
           </a:p>
         </p:txBody>
       </p:sp>
     </p:spTree>
     <p:extLst>
       <p:ext uri="{BB962C8B-B14F-4D97-AF65-F5344CB8AC3E}">
-        <p14:creationId xmlns:p14="http://schemas.microsoft.com/office/powerpoint/2010/main" val="2554674386"/>
+        <p14:creationId xmlns:p14="http://schemas.microsoft.com/office/powerpoint/2010/main" val="1451604971"/>
       </p:ext>
     </p:extLst>
   </p:cSld>
@@ -8551,13 +8854,6 @@
       </p:transition>
     </mc:Fallback>
   </mc:AlternateContent>
-  <p:timing>
-    <p:tnLst>
-      <p:par>
-        <p:cTn id="1" dur="indefinite" restart="never" nodeType="tmRoot"/>
-      </p:par>
-    </p:tnLst>
-  </p:timing>
 </p:sld>
 </file>
 
@@ -8595,11 +8891,7 @@
           <a:p>
             <a:r>
               <a:rPr lang="en-US" altLang="zh-CN" dirty="0"/>
-              <a:t>3.5 LL(1) </a:t>
-            </a:r>
-            <a:r>
-              <a:rPr lang="en-US" altLang="zh-CN" dirty="0" smtClean="0"/>
-              <a:t>Grammar - FIRST and FOLLOW</a:t>
+              <a:t>3.5 LL(1) Grammar</a:t>
             </a:r>
             <a:endParaRPr lang="zh-CN" altLang="en-US" dirty="0"/>
           </a:p>
@@ -8617,6 +8909,104 @@
         </p:nvSpPr>
         <p:spPr/>
         <p:txBody>
+          <a:bodyPr>
+            <a:normAutofit/>
+          </a:bodyPr>
+          <a:lstStyle/>
+          <a:p>
+            <a:r>
+              <a:rPr lang="en-US" altLang="zh-CN" sz="2000" dirty="0"/>
+              <a:t>Predictive parsers, that is, recursive-descent parsers needing no backtracking, can be constructed for a class of grammars called LL(1) .The first "L" in LL(1) stands for scanning the input from left to right, the second "L" for producing a leftmost derivation, and the "I" for using one input symbol of </a:t>
+            </a:r>
+            <a:r>
+              <a:rPr lang="en-US" altLang="zh-CN" sz="2000" dirty="0" err="1"/>
+              <a:t>lookahead</a:t>
+            </a:r>
+            <a:r>
+              <a:rPr lang="en-US" altLang="zh-CN" sz="2000" dirty="0"/>
+              <a:t> at each step to make parsing action decisions.</a:t>
+            </a:r>
+            <a:endParaRPr lang="zh-CN" altLang="en-US" sz="2000" dirty="0"/>
+          </a:p>
+        </p:txBody>
+      </p:sp>
+    </p:spTree>
+    <p:extLst>
+      <p:ext uri="{BB962C8B-B14F-4D97-AF65-F5344CB8AC3E}">
+        <p14:creationId xmlns:p14="http://schemas.microsoft.com/office/powerpoint/2010/main" val="2554674386"/>
+      </p:ext>
+    </p:extLst>
+  </p:cSld>
+  <p:clrMapOvr>
+    <a:masterClrMapping/>
+  </p:clrMapOvr>
+  <mc:AlternateContent xmlns:mc="http://schemas.openxmlformats.org/markup-compatibility/2006" xmlns:p14="http://schemas.microsoft.com/office/powerpoint/2010/main">
+    <mc:Choice Requires="p14">
+      <p:transition spd="med" p14:dur="700">
+        <p:fade/>
+      </p:transition>
+    </mc:Choice>
+    <mc:Fallback xmlns="">
+      <p:transition spd="med">
+        <p:fade/>
+      </p:transition>
+    </mc:Fallback>
+  </mc:AlternateContent>
+</p:sld>
+</file>
+
+<file path=ppt/slides/slide19.xml><?xml version="1.0" encoding="utf-8"?>
+<p:sld xmlns:a="http://schemas.openxmlformats.org/drawingml/2006/main" xmlns:r="http://schemas.openxmlformats.org/officeDocument/2006/relationships" xmlns:p="http://schemas.openxmlformats.org/presentationml/2006/main">
+  <p:cSld>
+    <p:spTree>
+      <p:nvGrpSpPr>
+        <p:cNvPr id="1" name=""/>
+        <p:cNvGrpSpPr/>
+        <p:nvPr/>
+      </p:nvGrpSpPr>
+      <p:grpSpPr>
+        <a:xfrm>
+          <a:off x="0" y="0"/>
+          <a:ext cx="0" cy="0"/>
+          <a:chOff x="0" y="0"/>
+          <a:chExt cx="0" cy="0"/>
+        </a:xfrm>
+      </p:grpSpPr>
+      <p:sp>
+        <p:nvSpPr>
+          <p:cNvPr id="2" name="标题 1"/>
+          <p:cNvSpPr>
+            <a:spLocks noGrp="1"/>
+          </p:cNvSpPr>
+          <p:nvPr>
+            <p:ph type="title"/>
+          </p:nvPr>
+        </p:nvSpPr>
+        <p:spPr/>
+        <p:txBody>
+          <a:bodyPr/>
+          <a:lstStyle/>
+          <a:p>
+            <a:r>
+              <a:rPr lang="en-US" altLang="zh-CN" dirty="0"/>
+              <a:t>3.5 LL(1) Grammar - FIRST and FOLLOW</a:t>
+            </a:r>
+            <a:endParaRPr lang="zh-CN" altLang="en-US" dirty="0"/>
+          </a:p>
+        </p:txBody>
+      </p:sp>
+      <p:sp>
+        <p:nvSpPr>
+          <p:cNvPr id="3" name="内容占位符 2"/>
+          <p:cNvSpPr>
+            <a:spLocks noGrp="1"/>
+          </p:cNvSpPr>
+          <p:nvPr>
+            <p:ph idx="1"/>
+          </p:nvPr>
+        </p:nvSpPr>
+        <p:spPr/>
+        <p:txBody>
           <a:bodyPr/>
           <a:lstStyle/>
           <a:p>
@@ -8626,7 +9016,7 @@
               </a:lnSpc>
             </a:pPr>
             <a:r>
-              <a:rPr lang="en-US" altLang="zh-CN" dirty="0" smtClean="0"/>
+              <a:rPr lang="en-US" altLang="zh-CN" dirty="0"/>
               <a:t>Suppose                                  , when facing an input symbol a, if we know exactly which production of A should be designated to match a, we do not need backtracking. That is, the first terminals of                     should be different.</a:t>
             </a:r>
           </a:p>
@@ -8637,7 +9027,7 @@
               </a:lnSpc>
             </a:pPr>
             <a:r>
-              <a:rPr lang="en-US" altLang="zh-CN" dirty="0" smtClean="0"/>
+              <a:rPr lang="en-US" altLang="zh-CN" dirty="0"/>
               <a:t>Formally,  </a:t>
             </a:r>
           </a:p>
@@ -8649,7 +9039,7 @@
               <a:buNone/>
             </a:pPr>
             <a:r>
-              <a:rPr lang="en-US" altLang="zh-CN" dirty="0" smtClean="0"/>
+              <a:rPr lang="en-US" altLang="zh-CN" dirty="0"/>
               <a:t>         Specially, if                , we have</a:t>
             </a:r>
           </a:p>
@@ -8662,18 +9052,14 @@
             </a:pPr>
             <a:r>
               <a:rPr lang="en-US" altLang="zh-CN" dirty="0"/>
-              <a:t> </a:t>
-            </a:r>
-            <a:r>
-              <a:rPr lang="en-US" altLang="zh-CN" dirty="0" smtClean="0"/>
-              <a:t>  sometimes,     start with a nonterminal X, how to </a:t>
-            </a:r>
-            <a:r>
-              <a:rPr lang="en-US" altLang="zh-CN" dirty="0" err="1" smtClean="0"/>
+              <a:t>   sometimes,     start with a nonterminal X, how to </a:t>
+            </a:r>
+            <a:r>
+              <a:rPr lang="en-US" altLang="zh-CN" dirty="0" err="1"/>
               <a:t>comput</a:t>
             </a:r>
             <a:r>
-              <a:rPr lang="en-US" altLang="zh-CN" dirty="0" smtClean="0"/>
+              <a:rPr lang="en-US" altLang="zh-CN" dirty="0"/>
               <a:t> FIRST(X)?   </a:t>
             </a:r>
             <a:endParaRPr lang="zh-CN" altLang="en-US" dirty="0"/>
@@ -8702,7 +9088,7 @@
           <a:graphicData uri="http://schemas.openxmlformats.org/presentationml/2006/ole">
             <mc:AlternateContent xmlns:mc="http://schemas.openxmlformats.org/markup-compatibility/2006">
               <mc:Choice xmlns:v="urn:schemas-microsoft-com:vml" Requires="v">
-                <p:oleObj spid="_x0000_s17597" name="Equation" r:id="rId3" imgW="876240" imgH="177480" progId="Equation.DSMT4">
+                <p:oleObj spid="_x0000_s17609" name="Equation" r:id="rId3" imgW="876240" imgH="177480" progId="Equation.DSMT4">
                   <p:embed/>
                 </p:oleObj>
               </mc:Choice>
@@ -8759,7 +9145,7 @@
           <a:graphicData uri="http://schemas.openxmlformats.org/presentationml/2006/ole">
             <mc:AlternateContent xmlns:mc="http://schemas.openxmlformats.org/markup-compatibility/2006">
               <mc:Choice xmlns:v="urn:schemas-microsoft-com:vml" Requires="v">
-                <p:oleObj spid="_x0000_s17598" name="Equation" r:id="rId5" imgW="571320" imgH="177480" progId="Equation.DSMT4">
+                <p:oleObj spid="_x0000_s17610" name="Equation" r:id="rId5" imgW="571320" imgH="177480" progId="Equation.DSMT4">
                   <p:embed/>
                 </p:oleObj>
               </mc:Choice>
@@ -8816,7 +9202,7 @@
           <a:graphicData uri="http://schemas.openxmlformats.org/presentationml/2006/ole">
             <mc:AlternateContent xmlns:mc="http://schemas.openxmlformats.org/markup-compatibility/2006">
               <mc:Choice xmlns:v="urn:schemas-microsoft-com:vml" Requires="v">
-                <p:oleObj spid="_x0000_s17599" name="Equation" r:id="rId7" imgW="1434960" imgH="190440" progId="Equation.DSMT4">
+                <p:oleObj spid="_x0000_s17611" name="Equation" r:id="rId7" imgW="1434960" imgH="190440" progId="Equation.DSMT4">
                   <p:embed/>
                 </p:oleObj>
               </mc:Choice>
@@ -8873,7 +9259,7 @@
           <a:graphicData uri="http://schemas.openxmlformats.org/presentationml/2006/ole">
             <mc:AlternateContent xmlns:mc="http://schemas.openxmlformats.org/markup-compatibility/2006">
               <mc:Choice xmlns:v="urn:schemas-microsoft-com:vml" Requires="v">
-                <p:oleObj spid="_x0000_s17600" name="Equation" r:id="rId9" imgW="355320" imgH="164880" progId="Equation.DSMT4">
+                <p:oleObj spid="_x0000_s17612" name="Equation" r:id="rId9" imgW="355320" imgH="164880" progId="Equation.DSMT4">
                   <p:embed/>
                 </p:oleObj>
               </mc:Choice>
@@ -8930,7 +9316,7 @@
           <a:graphicData uri="http://schemas.openxmlformats.org/presentationml/2006/ole">
             <mc:AlternateContent xmlns:mc="http://schemas.openxmlformats.org/markup-compatibility/2006">
               <mc:Choice xmlns:v="urn:schemas-microsoft-com:vml" Requires="v">
-                <p:oleObj spid="_x0000_s17601" name="Equation" r:id="rId11" imgW="634680" imgH="152280" progId="Equation.DSMT4">
+                <p:oleObj spid="_x0000_s17613" name="Equation" r:id="rId11" imgW="634680" imgH="152280" progId="Equation.DSMT4">
                   <p:embed/>
                 </p:oleObj>
               </mc:Choice>
@@ -8987,7 +9373,7 @@
           <a:graphicData uri="http://schemas.openxmlformats.org/presentationml/2006/ole">
             <mc:AlternateContent xmlns:mc="http://schemas.openxmlformats.org/markup-compatibility/2006">
               <mc:Choice xmlns:v="urn:schemas-microsoft-com:vml" Requires="v">
-                <p:oleObj spid="_x0000_s17602" name="Equation" r:id="rId13" imgW="101520" imgH="114120" progId="Equation.DSMT4">
+                <p:oleObj spid="_x0000_s17614" name="Equation" r:id="rId13" imgW="101520" imgH="114120" progId="Equation.DSMT4">
                   <p:embed/>
                 </p:oleObj>
               </mc:Choice>
@@ -9077,7 +9463,7 @@
 </p:sld>
 </file>
 
-<file path=ppt/slides/slide19.xml><?xml version="1.0" encoding="utf-8"?>
+<file path=ppt/slides/slide2.xml><?xml version="1.0" encoding="utf-8"?>
 <p:sld xmlns:a="http://schemas.openxmlformats.org/drawingml/2006/main" xmlns:r="http://schemas.openxmlformats.org/officeDocument/2006/relationships" xmlns:p="http://schemas.openxmlformats.org/presentationml/2006/main">
   <p:cSld>
     <p:spTree>
@@ -9106,6 +9492,92 @@
         </p:nvSpPr>
         <p:spPr/>
         <p:txBody>
+          <a:bodyPr rtlCol="0"/>
+          <a:lstStyle/>
+          <a:p>
+            <a:pPr rtl="0"/>
+            <a:r>
+              <a:rPr lang="en-US" altLang="zh-CN" dirty="0"/>
+              <a:t>Syntax Analysis – Top Down Method</a:t>
+            </a:r>
+            <a:endParaRPr lang="en-US" dirty="0"/>
+          </a:p>
+        </p:txBody>
+      </p:sp>
+      <p:sp>
+        <p:nvSpPr>
+          <p:cNvPr id="3" name="文本占位符 2"/>
+          <p:cNvSpPr>
+            <a:spLocks noGrp="1"/>
+          </p:cNvSpPr>
+          <p:nvPr>
+            <p:ph type="body" idx="1"/>
+          </p:nvPr>
+        </p:nvSpPr>
+        <p:spPr/>
+        <p:txBody>
+          <a:bodyPr rtlCol="0"/>
+          <a:lstStyle/>
+          <a:p>
+            <a:pPr rtl="0"/>
+            <a:endParaRPr lang="en-US"/>
+          </a:p>
+        </p:txBody>
+      </p:sp>
+    </p:spTree>
+    <p:extLst>
+      <p:ext uri="{BB962C8B-B14F-4D97-AF65-F5344CB8AC3E}">
+        <p14:creationId xmlns:p14="http://schemas.microsoft.com/office/powerpoint/2010/main" val="132884364"/>
+      </p:ext>
+    </p:extLst>
+  </p:cSld>
+  <p:clrMapOvr>
+    <a:masterClrMapping/>
+  </p:clrMapOvr>
+  <mc:AlternateContent xmlns:mc="http://schemas.openxmlformats.org/markup-compatibility/2006" xmlns:p14="http://schemas.microsoft.com/office/powerpoint/2010/main">
+    <mc:Choice Requires="p14">
+      <p:transition spd="med" p14:dur="700">
+        <p:fade/>
+      </p:transition>
+    </mc:Choice>
+    <mc:Fallback xmlns="">
+      <p:transition spd="med">
+        <p:fade/>
+      </p:transition>
+    </mc:Fallback>
+  </mc:AlternateContent>
+</p:sld>
+</file>
+
+<file path=ppt/slides/slide20.xml><?xml version="1.0" encoding="utf-8"?>
+<p:sld xmlns:a="http://schemas.openxmlformats.org/drawingml/2006/main" xmlns:r="http://schemas.openxmlformats.org/officeDocument/2006/relationships" xmlns:p="http://schemas.openxmlformats.org/presentationml/2006/main">
+  <p:cSld>
+    <p:spTree>
+      <p:nvGrpSpPr>
+        <p:cNvPr id="1" name=""/>
+        <p:cNvGrpSpPr/>
+        <p:nvPr/>
+      </p:nvGrpSpPr>
+      <p:grpSpPr>
+        <a:xfrm>
+          <a:off x="0" y="0"/>
+          <a:ext cx="0" cy="0"/>
+          <a:chOff x="0" y="0"/>
+          <a:chExt cx="0" cy="0"/>
+        </a:xfrm>
+      </p:grpSpPr>
+      <p:sp>
+        <p:nvSpPr>
+          <p:cNvPr id="2" name="标题 1"/>
+          <p:cNvSpPr>
+            <a:spLocks noGrp="1"/>
+          </p:cNvSpPr>
+          <p:nvPr>
+            <p:ph type="title"/>
+          </p:nvPr>
+        </p:nvSpPr>
+        <p:spPr/>
+        <p:txBody>
           <a:bodyPr/>
           <a:lstStyle/>
           <a:p>
@@ -9138,31 +9610,31 @@
               </a:lnSpc>
             </a:pPr>
             <a:r>
-              <a:rPr lang="en-US" altLang="zh-CN" dirty="0" smtClean="0"/>
+              <a:rPr lang="en-US" altLang="zh-CN" dirty="0"/>
               <a:t>Define FOLLOW(A), for nonterminal </a:t>
             </a:r>
             <a:r>
-              <a:rPr lang="en-US" altLang="zh-CN" i="1" dirty="0" smtClean="0"/>
+              <a:rPr lang="en-US" altLang="zh-CN" i="1" dirty="0"/>
               <a:t>A</a:t>
             </a:r>
             <a:r>
-              <a:rPr lang="en-US" altLang="zh-CN" dirty="0" smtClean="0"/>
+              <a:rPr lang="en-US" altLang="zh-CN" dirty="0"/>
               <a:t>, to be the set of terminals </a:t>
             </a:r>
             <a:r>
-              <a:rPr lang="en-US" altLang="zh-CN" i="1" dirty="0" smtClean="0"/>
+              <a:rPr lang="en-US" altLang="zh-CN" i="1" dirty="0"/>
               <a:t>a</a:t>
             </a:r>
             <a:r>
-              <a:rPr lang="en-US" altLang="zh-CN" dirty="0" smtClean="0"/>
+              <a:rPr lang="en-US" altLang="zh-CN" dirty="0"/>
               <a:t> that can appear immediately to the right of </a:t>
             </a:r>
             <a:r>
-              <a:rPr lang="en-US" altLang="zh-CN" i="1" dirty="0" smtClean="0"/>
+              <a:rPr lang="en-US" altLang="zh-CN" i="1" dirty="0"/>
               <a:t>A</a:t>
             </a:r>
             <a:r>
-              <a:rPr lang="en-US" altLang="zh-CN" dirty="0" smtClean="0"/>
+              <a:rPr lang="en-US" altLang="zh-CN" dirty="0"/>
               <a:t> in some sentential form.</a:t>
             </a:r>
           </a:p>
@@ -9181,15 +9653,15 @@
               </a:lnSpc>
             </a:pPr>
             <a:r>
-              <a:rPr lang="en-US" altLang="zh-CN" dirty="0" smtClean="0"/>
+              <a:rPr lang="en-US" altLang="zh-CN" dirty="0"/>
               <a:t>Specially, if                     we have                               , where      is the right </a:t>
             </a:r>
             <a:r>
-              <a:rPr lang="en-US" altLang="zh-CN" dirty="0" err="1" smtClean="0"/>
+              <a:rPr lang="en-US" altLang="zh-CN" dirty="0" err="1"/>
               <a:t>endmarker</a:t>
             </a:r>
             <a:r>
-              <a:rPr lang="en-US" altLang="zh-CN" dirty="0" smtClean="0"/>
+              <a:rPr lang="en-US" altLang="zh-CN" dirty="0"/>
               <a:t>.</a:t>
             </a:r>
           </a:p>
@@ -9235,7 +9707,6 @@
               <a:rPr lang="en-US" altLang="zh-CN" dirty="0"/>
               <a:t>until nothing can be added to any FOLLOW set.</a:t>
             </a:r>
-            <a:endParaRPr lang="en-US" altLang="zh-CN" dirty="0" smtClean="0"/>
           </a:p>
           <a:p>
             <a:pPr marL="0" indent="0">
@@ -9244,7 +9715,7 @@
               </a:lnSpc>
               <a:buNone/>
             </a:pPr>
-            <a:endParaRPr lang="en-US" altLang="zh-CN" dirty="0" smtClean="0"/>
+            <a:endParaRPr lang="en-US" altLang="zh-CN" dirty="0"/>
           </a:p>
         </p:txBody>
       </p:sp>
@@ -9270,7 +9741,7 @@
           <a:graphicData uri="http://schemas.openxmlformats.org/presentationml/2006/ole">
             <mc:AlternateContent xmlns:mc="http://schemas.openxmlformats.org/markup-compatibility/2006">
               <mc:Choice xmlns:v="urn:schemas-microsoft-com:vml" Requires="v">
-                <p:oleObj spid="_x0000_s18520" name="Equation" r:id="rId3" imgW="1879560" imgH="190440" progId="Equation.DSMT4">
+                <p:oleObj spid="_x0000_s18528" name="Equation" r:id="rId3" imgW="1879560" imgH="190440" progId="Equation.DSMT4">
                   <p:embed/>
                 </p:oleObj>
               </mc:Choice>
@@ -9327,7 +9798,7 @@
           <a:graphicData uri="http://schemas.openxmlformats.org/presentationml/2006/ole">
             <mc:AlternateContent xmlns:mc="http://schemas.openxmlformats.org/markup-compatibility/2006">
               <mc:Choice xmlns:v="urn:schemas-microsoft-com:vml" Requires="v">
-                <p:oleObj spid="_x0000_s18521" name="Equation" r:id="rId5" imgW="482400" imgH="164880" progId="Equation.DSMT4">
+                <p:oleObj spid="_x0000_s18529" name="Equation" r:id="rId5" imgW="482400" imgH="164880" progId="Equation.DSMT4">
                   <p:embed/>
                 </p:oleObj>
               </mc:Choice>
@@ -9384,7 +9855,7 @@
           <a:graphicData uri="http://schemas.openxmlformats.org/presentationml/2006/ole">
             <mc:AlternateContent xmlns:mc="http://schemas.openxmlformats.org/markup-compatibility/2006">
               <mc:Choice xmlns:v="urn:schemas-microsoft-com:vml" Requires="v">
-                <p:oleObj spid="_x0000_s18522" name="Equation" r:id="rId7" imgW="812520" imgH="164880" progId="Equation.DSMT4">
+                <p:oleObj spid="_x0000_s18530" name="Equation" r:id="rId7" imgW="812520" imgH="164880" progId="Equation.DSMT4">
                   <p:embed/>
                 </p:oleObj>
               </mc:Choice>
@@ -9441,7 +9912,7 @@
           <a:graphicData uri="http://schemas.openxmlformats.org/presentationml/2006/ole">
             <mc:AlternateContent xmlns:mc="http://schemas.openxmlformats.org/markup-compatibility/2006">
               <mc:Choice xmlns:v="urn:schemas-microsoft-com:vml" Requires="v">
-                <p:oleObj spid="_x0000_s18523" name="Equation" r:id="rId9" imgW="101520" imgH="152280" progId="Equation.DSMT4">
+                <p:oleObj spid="_x0000_s18531" name="Equation" r:id="rId9" imgW="101520" imgH="152280" progId="Equation.DSMT4">
                   <p:embed/>
                 </p:oleObj>
               </mc:Choice>
@@ -9549,7 +10020,7 @@
 </p:sld>
 </file>
 
-<file path=ppt/slides/slide2.xml><?xml version="1.0" encoding="utf-8"?>
+<file path=ppt/slides/slide21.xml><?xml version="1.0" encoding="utf-8"?>
 <p:sld xmlns:a="http://schemas.openxmlformats.org/drawingml/2006/main" xmlns:r="http://schemas.openxmlformats.org/officeDocument/2006/relationships" xmlns:p="http://schemas.openxmlformats.org/presentationml/2006/main">
   <p:cSld>
     <p:spTree>
@@ -9578,109 +10049,12 @@
         </p:nvSpPr>
         <p:spPr/>
         <p:txBody>
-          <a:bodyPr rtlCol="0"/>
-          <a:lstStyle/>
-          <a:p>
-            <a:pPr rtl="0"/>
-            <a:r>
-              <a:rPr lang="en-US" altLang="zh-CN" dirty="0" smtClean="0"/>
-              <a:t>Syntax Analysis – Top Down Method</a:t>
-            </a:r>
-            <a:endParaRPr lang="en-US" dirty="0"/>
-          </a:p>
-        </p:txBody>
-      </p:sp>
-      <p:sp>
-        <p:nvSpPr>
-          <p:cNvPr id="3" name="文本占位符 2"/>
-          <p:cNvSpPr>
-            <a:spLocks noGrp="1"/>
-          </p:cNvSpPr>
-          <p:nvPr>
-            <p:ph type="body" idx="1"/>
-          </p:nvPr>
-        </p:nvSpPr>
-        <p:spPr/>
-        <p:txBody>
-          <a:bodyPr rtlCol="0"/>
-          <a:lstStyle/>
-          <a:p>
-            <a:pPr rtl="0"/>
-            <a:endParaRPr lang="en-US"/>
-          </a:p>
-        </p:txBody>
-      </p:sp>
-    </p:spTree>
-    <p:extLst>
-      <p:ext uri="{BB962C8B-B14F-4D97-AF65-F5344CB8AC3E}">
-        <p14:creationId xmlns:p14="http://schemas.microsoft.com/office/powerpoint/2010/main" val="132884364"/>
-      </p:ext>
-    </p:extLst>
-  </p:cSld>
-  <p:clrMapOvr>
-    <a:masterClrMapping/>
-  </p:clrMapOvr>
-  <mc:AlternateContent xmlns:mc="http://schemas.openxmlformats.org/markup-compatibility/2006" xmlns:p14="http://schemas.microsoft.com/office/powerpoint/2010/main">
-    <mc:Choice Requires="p14">
-      <p:transition spd="med" p14:dur="700">
-        <p:fade/>
-      </p:transition>
-    </mc:Choice>
-    <mc:Fallback xmlns="">
-      <p:transition spd="med">
-        <p:fade/>
-      </p:transition>
-    </mc:Fallback>
-  </mc:AlternateContent>
-  <p:timing>
-    <p:tnLst>
-      <p:par>
-        <p:cTn id="1" dur="indefinite" restart="never" nodeType="tmRoot"/>
-      </p:par>
-    </p:tnLst>
-  </p:timing>
-</p:sld>
-</file>
-
-<file path=ppt/slides/slide20.xml><?xml version="1.0" encoding="utf-8"?>
-<p:sld xmlns:a="http://schemas.openxmlformats.org/drawingml/2006/main" xmlns:r="http://schemas.openxmlformats.org/officeDocument/2006/relationships" xmlns:p="http://schemas.openxmlformats.org/presentationml/2006/main">
-  <p:cSld>
-    <p:spTree>
-      <p:nvGrpSpPr>
-        <p:cNvPr id="1" name=""/>
-        <p:cNvGrpSpPr/>
-        <p:nvPr/>
-      </p:nvGrpSpPr>
-      <p:grpSpPr>
-        <a:xfrm>
-          <a:off x="0" y="0"/>
-          <a:ext cx="0" cy="0"/>
-          <a:chOff x="0" y="0"/>
-          <a:chExt cx="0" cy="0"/>
-        </a:xfrm>
-      </p:grpSpPr>
-      <p:sp>
-        <p:nvSpPr>
-          <p:cNvPr id="2" name="标题 1"/>
-          <p:cNvSpPr>
-            <a:spLocks noGrp="1"/>
-          </p:cNvSpPr>
-          <p:nvPr>
-            <p:ph type="title"/>
-          </p:nvPr>
-        </p:nvSpPr>
-        <p:spPr/>
-        <p:txBody>
           <a:bodyPr/>
           <a:lstStyle/>
           <a:p>
             <a:r>
               <a:rPr lang="en-US" altLang="zh-CN" dirty="0"/>
-              <a:t>3.5 LL(1) </a:t>
-            </a:r>
-            <a:r>
-              <a:rPr lang="en-US" altLang="zh-CN" dirty="0" smtClean="0"/>
-              <a:t>Grammar - definition</a:t>
+              <a:t>3.5 LL(1) Grammar - definition</a:t>
             </a:r>
             <a:endParaRPr lang="zh-CN" altLang="en-US" dirty="0"/>
           </a:p>
@@ -9702,7 +10076,7 @@
           <a:lstStyle/>
           <a:p>
             <a:r>
-              <a:rPr lang="en-US" altLang="zh-CN" dirty="0" smtClean="0"/>
+              <a:rPr lang="en-US" altLang="zh-CN" dirty="0"/>
               <a:t>A grammar G is LL(1) if the follow conditions are satisfied:</a:t>
             </a:r>
           </a:p>
@@ -9711,7 +10085,7 @@
               <a:buNone/>
             </a:pPr>
             <a:r>
-              <a:rPr lang="en-US" altLang="zh-CN" dirty="0" smtClean="0"/>
+              <a:rPr lang="en-US" altLang="zh-CN" dirty="0"/>
               <a:t>   (1) no left recursive production</a:t>
             </a:r>
           </a:p>
@@ -9721,11 +10095,7 @@
             </a:pPr>
             <a:r>
               <a:rPr lang="en-US" altLang="zh-CN" dirty="0"/>
-              <a:t> </a:t>
-            </a:r>
-            <a:r>
-              <a:rPr lang="en-US" altLang="zh-CN" dirty="0" smtClean="0"/>
-              <a:t>  (2) For each nonterminal A in the grammar, if A has the form</a:t>
+              <a:t>   (2) For each nonterminal A in the grammar, if A has the form</a:t>
             </a:r>
           </a:p>
           <a:p>
@@ -9739,7 +10109,7 @@
               <a:buNone/>
             </a:pPr>
             <a:r>
-              <a:rPr lang="en-US" altLang="zh-CN" dirty="0" smtClean="0"/>
+              <a:rPr lang="en-US" altLang="zh-CN" dirty="0"/>
               <a:t>        then </a:t>
             </a:r>
           </a:p>
@@ -9748,7 +10118,7 @@
               <a:buNone/>
             </a:pPr>
             <a:r>
-              <a:rPr lang="en-US" altLang="zh-CN" dirty="0" smtClean="0"/>
+              <a:rPr lang="en-US" altLang="zh-CN" dirty="0"/>
               <a:t>   (3) For each nonterminal A in the grammar, if         </a:t>
             </a:r>
           </a:p>
@@ -9758,11 +10128,7 @@
             </a:pPr>
             <a:r>
               <a:rPr lang="en-US" altLang="zh-CN" dirty="0"/>
-              <a:t> </a:t>
-            </a:r>
-            <a:r>
-              <a:rPr lang="en-US" altLang="zh-CN" dirty="0" smtClean="0"/>
-              <a:t>       then </a:t>
+              <a:t>        then </a:t>
             </a:r>
             <a:endParaRPr lang="zh-CN" altLang="en-US" dirty="0"/>
           </a:p>
@@ -9790,7 +10156,7 @@
           <a:graphicData uri="http://schemas.openxmlformats.org/presentationml/2006/ole">
             <mc:AlternateContent xmlns:mc="http://schemas.openxmlformats.org/markup-compatibility/2006">
               <mc:Choice xmlns:v="urn:schemas-microsoft-com:vml" Requires="v">
-                <p:oleObj spid="_x0000_s19522" name="Equation" r:id="rId3" imgW="876240" imgH="177480" progId="Equation.DSMT4">
+                <p:oleObj spid="_x0000_s19530" name="Equation" r:id="rId3" imgW="876240" imgH="177480" progId="Equation.DSMT4">
                   <p:embed/>
                 </p:oleObj>
               </mc:Choice>
@@ -9847,7 +10213,7 @@
           <a:graphicData uri="http://schemas.openxmlformats.org/presentationml/2006/ole">
             <mc:AlternateContent xmlns:mc="http://schemas.openxmlformats.org/markup-compatibility/2006">
               <mc:Choice xmlns:v="urn:schemas-microsoft-com:vml" Requires="v">
-                <p:oleObj spid="_x0000_s19523" name="Equation" r:id="rId5" imgW="1688760" imgH="190440" progId="Equation.DSMT4">
+                <p:oleObj spid="_x0000_s19531" name="Equation" r:id="rId5" imgW="1688760" imgH="190440" progId="Equation.DSMT4">
                   <p:embed/>
                 </p:oleObj>
               </mc:Choice>
@@ -9904,7 +10270,7 @@
           <a:graphicData uri="http://schemas.openxmlformats.org/presentationml/2006/ole">
             <mc:AlternateContent xmlns:mc="http://schemas.openxmlformats.org/markup-compatibility/2006">
               <mc:Choice xmlns:v="urn:schemas-microsoft-com:vml" Requires="v">
-                <p:oleObj spid="_x0000_s19524" name="Equation" r:id="rId7" imgW="660240" imgH="152280" progId="Equation.DSMT4">
+                <p:oleObj spid="_x0000_s19532" name="Equation" r:id="rId7" imgW="660240" imgH="152280" progId="Equation.DSMT4">
                   <p:embed/>
                 </p:oleObj>
               </mc:Choice>
@@ -9961,7 +10327,7 @@
           <a:graphicData uri="http://schemas.openxmlformats.org/presentationml/2006/ole">
             <mc:AlternateContent xmlns:mc="http://schemas.openxmlformats.org/markup-compatibility/2006">
               <mc:Choice xmlns:v="urn:schemas-microsoft-com:vml" Requires="v">
-                <p:oleObj spid="_x0000_s19525" name="Equation" r:id="rId9" imgW="1384200" imgH="152280" progId="Equation.DSMT4">
+                <p:oleObj spid="_x0000_s19533" name="Equation" r:id="rId9" imgW="1384200" imgH="152280" progId="Equation.DSMT4">
                   <p:embed/>
                 </p:oleObj>
               </mc:Choice>
@@ -10021,7 +10387,7 @@
 </p:sld>
 </file>
 
-<file path=ppt/slides/slide21.xml><?xml version="1.0" encoding="utf-8"?>
+<file path=ppt/slides/slide22.xml><?xml version="1.0" encoding="utf-8"?>
 <p:sld xmlns:a="http://schemas.openxmlformats.org/drawingml/2006/main" xmlns:r="http://schemas.openxmlformats.org/officeDocument/2006/relationships" xmlns:p="http://schemas.openxmlformats.org/presentationml/2006/main">
   <p:cSld>
     <p:spTree>
@@ -10055,11 +10421,7 @@
           <a:p>
             <a:r>
               <a:rPr lang="en-US" altLang="zh-CN" dirty="0"/>
-              <a:t>3.5 LL(1) Grammar </a:t>
-            </a:r>
-            <a:r>
-              <a:rPr lang="en-US" altLang="zh-CN" dirty="0" smtClean="0"/>
-              <a:t>– Top-Down Parsing (Framework)</a:t>
+              <a:t>3.5 LL(1) Grammar – Top-Down Parsing (Framework)</a:t>
             </a:r>
             <a:endParaRPr lang="zh-CN" altLang="en-US" dirty="0"/>
           </a:p>
@@ -10086,11 +10448,11 @@
               </a:lnSpc>
             </a:pPr>
             <a:r>
-              <a:rPr lang="en-US" altLang="zh-CN" dirty="0" smtClean="0"/>
+              <a:rPr lang="en-US" altLang="zh-CN" dirty="0"/>
               <a:t>Suppose that we use a nonterminal </a:t>
             </a:r>
             <a:r>
-              <a:rPr lang="en-US" altLang="zh-CN" i="1" dirty="0" smtClean="0"/>
+              <a:rPr lang="en-US" altLang="zh-CN" i="1" dirty="0"/>
               <a:t>A</a:t>
             </a:r>
             <a:r>
@@ -10098,23 +10460,23 @@
               <a:t> </a:t>
             </a:r>
             <a:r>
-              <a:rPr lang="en-US" altLang="zh-CN" dirty="0" smtClean="0"/>
+              <a:rPr lang="en-US" altLang="zh-CN" dirty="0"/>
               <a:t>to match input symbol </a:t>
             </a:r>
             <a:r>
-              <a:rPr lang="en-US" altLang="zh-CN" i="1" dirty="0" smtClean="0"/>
+              <a:rPr lang="en-US" altLang="zh-CN" i="1" dirty="0"/>
               <a:t>a</a:t>
             </a:r>
             <a:r>
-              <a:rPr lang="en-US" altLang="zh-CN" dirty="0" smtClean="0"/>
+              <a:rPr lang="en-US" altLang="zh-CN" dirty="0"/>
               <a:t> , if the production of </a:t>
             </a:r>
             <a:r>
-              <a:rPr lang="en-US" altLang="zh-CN" i="1" dirty="0" smtClean="0"/>
+              <a:rPr lang="en-US" altLang="zh-CN" i="1" dirty="0"/>
               <a:t>A</a:t>
             </a:r>
             <a:r>
-              <a:rPr lang="en-US" altLang="zh-CN" dirty="0" smtClean="0"/>
+              <a:rPr lang="en-US" altLang="zh-CN" dirty="0"/>
               <a:t> is</a:t>
             </a:r>
           </a:p>
@@ -10127,11 +10489,7 @@
             </a:pPr>
             <a:r>
               <a:rPr lang="en-US" altLang="zh-CN" dirty="0"/>
-              <a:t> </a:t>
-            </a:r>
-            <a:r>
-              <a:rPr lang="en-US" altLang="zh-CN" dirty="0" smtClean="0"/>
-              <a:t>  (1) if                           then we use      to match input a</a:t>
+              <a:t>   (1) if                           then we use      to match input a</a:t>
             </a:r>
           </a:p>
           <a:p>
@@ -10143,11 +10501,7 @@
             </a:pPr>
             <a:r>
               <a:rPr lang="en-US" altLang="zh-CN" dirty="0"/>
-              <a:t> </a:t>
-            </a:r>
-            <a:r>
-              <a:rPr lang="en-US" altLang="zh-CN" dirty="0" smtClean="0"/>
-              <a:t>  (2) if </a:t>
+              <a:t>   (2) if </a:t>
             </a:r>
           </a:p>
           <a:p>
@@ -10160,11 +10514,7 @@
             </a:pPr>
             <a:r>
               <a:rPr lang="en-US" altLang="zh-CN" sz="1600" dirty="0"/>
-              <a:t> </a:t>
-            </a:r>
-            <a:r>
-              <a:rPr lang="en-US" altLang="zh-CN" sz="1600" dirty="0" smtClean="0"/>
-              <a:t>    if                           and                               then let A match </a:t>
+              <a:t>     if                           and                               then let A match </a:t>
             </a:r>
           </a:p>
           <a:p>
@@ -10177,11 +10527,7 @@
             </a:pPr>
             <a:r>
               <a:rPr lang="en-US" altLang="zh-CN" sz="1600" dirty="0"/>
-              <a:t> </a:t>
-            </a:r>
-            <a:r>
-              <a:rPr lang="en-US" altLang="zh-CN" sz="1600" dirty="0" smtClean="0"/>
-              <a:t>    otherwise, the occurrence of a is an error.</a:t>
+              <a:t>     otherwise, the occurrence of a is an error.</a:t>
             </a:r>
           </a:p>
           <a:p>
@@ -10201,16 +10547,8 @@
               <a:buNone/>
             </a:pPr>
             <a:r>
-              <a:rPr lang="en-US" altLang="zh-CN" sz="1600" dirty="0" smtClean="0"/>
-              <a:t>According to LL(1) Grammar, each step is deterministic. It will result in </a:t>
-            </a:r>
-            <a:r>
               <a:rPr lang="en-US" altLang="zh-CN" sz="1600" dirty="0"/>
-              <a:t>a Recursive-Descent </a:t>
-            </a:r>
-            <a:r>
-              <a:rPr lang="en-US" altLang="zh-CN" sz="1600" dirty="0" smtClean="0"/>
-              <a:t>Parsing without Backtracking.</a:t>
+              <a:t>According to LL(1) Grammar, each step is deterministic. It will result in a Recursive-Descent Parsing without Backtracking.</a:t>
             </a:r>
           </a:p>
           <a:p>
@@ -10221,7 +10559,7 @@
               <a:buNone/>
             </a:pPr>
             <a:r>
-              <a:rPr lang="en-US" altLang="zh-CN" dirty="0" smtClean="0"/>
+              <a:rPr lang="en-US" altLang="zh-CN" dirty="0"/>
               <a:t>   </a:t>
             </a:r>
             <a:endParaRPr lang="zh-CN" altLang="en-US" dirty="0"/>
@@ -10250,7 +10588,7 @@
           <a:graphicData uri="http://schemas.openxmlformats.org/presentationml/2006/ole">
             <mc:AlternateContent xmlns:mc="http://schemas.openxmlformats.org/markup-compatibility/2006">
               <mc:Choice xmlns:v="urn:schemas-microsoft-com:vml" Requires="v">
-                <p:oleObj spid="_x0000_s20553" name="Equation" r:id="rId3" imgW="876240" imgH="177480" progId="Equation.DSMT4">
+                <p:oleObj spid="_x0000_s20567" name="Equation" r:id="rId3" imgW="876240" imgH="177480" progId="Equation.DSMT4">
                   <p:embed/>
                 </p:oleObj>
               </mc:Choice>
@@ -10307,7 +10645,7 @@
           <a:graphicData uri="http://schemas.openxmlformats.org/presentationml/2006/ole">
             <mc:AlternateContent xmlns:mc="http://schemas.openxmlformats.org/markup-compatibility/2006">
               <mc:Choice xmlns:v="urn:schemas-microsoft-com:vml" Requires="v">
-                <p:oleObj spid="_x0000_s20554" name="Equation" r:id="rId5" imgW="685800" imgH="177480" progId="Equation.DSMT4">
+                <p:oleObj spid="_x0000_s20568" name="Equation" r:id="rId5" imgW="685800" imgH="177480" progId="Equation.DSMT4">
                   <p:embed/>
                 </p:oleObj>
               </mc:Choice>
@@ -10364,7 +10702,7 @@
           <a:graphicData uri="http://schemas.openxmlformats.org/presentationml/2006/ole">
             <mc:AlternateContent xmlns:mc="http://schemas.openxmlformats.org/markup-compatibility/2006">
               <mc:Choice xmlns:v="urn:schemas-microsoft-com:vml" Requires="v">
-                <p:oleObj spid="_x0000_s20555" name="Equation" r:id="rId7" imgW="139680" imgH="177480" progId="Equation.DSMT4">
+                <p:oleObj spid="_x0000_s20569" name="Equation" r:id="rId7" imgW="139680" imgH="177480" progId="Equation.DSMT4">
                   <p:embed/>
                 </p:oleObj>
               </mc:Choice>
@@ -10421,7 +10759,7 @@
           <a:graphicData uri="http://schemas.openxmlformats.org/presentationml/2006/ole">
             <mc:AlternateContent xmlns:mc="http://schemas.openxmlformats.org/markup-compatibility/2006">
               <mc:Choice xmlns:v="urn:schemas-microsoft-com:vml" Requires="v">
-                <p:oleObj spid="_x0000_s20556" name="Equation" r:id="rId9" imgW="2171520" imgH="177480" progId="Equation.DSMT4">
+                <p:oleObj spid="_x0000_s20570" name="Equation" r:id="rId9" imgW="2171520" imgH="177480" progId="Equation.DSMT4">
                   <p:embed/>
                 </p:oleObj>
               </mc:Choice>
@@ -10478,7 +10816,7 @@
           <a:graphicData uri="http://schemas.openxmlformats.org/presentationml/2006/ole">
             <mc:AlternateContent xmlns:mc="http://schemas.openxmlformats.org/markup-compatibility/2006">
               <mc:Choice xmlns:v="urn:schemas-microsoft-com:vml" Requires="v">
-                <p:oleObj spid="_x0000_s20557" name="Equation" r:id="rId11" imgW="685800" imgH="177480" progId="Equation.DSMT4">
+                <p:oleObj spid="_x0000_s20571" name="Equation" r:id="rId11" imgW="685800" imgH="177480" progId="Equation.DSMT4">
                   <p:embed/>
                 </p:oleObj>
               </mc:Choice>
@@ -10535,7 +10873,7 @@
           <a:graphicData uri="http://schemas.openxmlformats.org/presentationml/2006/ole">
             <mc:AlternateContent xmlns:mc="http://schemas.openxmlformats.org/markup-compatibility/2006">
               <mc:Choice xmlns:v="urn:schemas-microsoft-com:vml" Requires="v">
-                <p:oleObj spid="_x0000_s20558" name="Equation" r:id="rId13" imgW="812520" imgH="152280" progId="Equation.DSMT4">
+                <p:oleObj spid="_x0000_s20572" name="Equation" r:id="rId13" imgW="812520" imgH="152280" progId="Equation.DSMT4">
                   <p:embed/>
                 </p:oleObj>
               </mc:Choice>
@@ -10592,7 +10930,7 @@
           <a:graphicData uri="http://schemas.openxmlformats.org/presentationml/2006/ole">
             <mc:AlternateContent xmlns:mc="http://schemas.openxmlformats.org/markup-compatibility/2006">
               <mc:Choice xmlns:v="urn:schemas-microsoft-com:vml" Requires="v">
-                <p:oleObj spid="_x0000_s20559" name="Equation" r:id="rId15" imgW="101520" imgH="114120" progId="Equation.DSMT4">
+                <p:oleObj spid="_x0000_s20573" name="Equation" r:id="rId15" imgW="101520" imgH="114120" progId="Equation.DSMT4">
                   <p:embed/>
                 </p:oleObj>
               </mc:Choice>
@@ -10652,7 +10990,7 @@
 </p:sld>
 </file>
 
-<file path=ppt/slides/slide22.xml><?xml version="1.0" encoding="utf-8"?>
+<file path=ppt/slides/slide23.xml><?xml version="1.0" encoding="utf-8"?>
 <p:sld xmlns:a="http://schemas.openxmlformats.org/drawingml/2006/main" xmlns:r="http://schemas.openxmlformats.org/officeDocument/2006/relationships" xmlns:p="http://schemas.openxmlformats.org/presentationml/2006/main">
   <p:cSld>
     <p:spTree>
@@ -10685,12 +11023,8 @@
           <a:lstStyle/>
           <a:p>
             <a:r>
-              <a:rPr lang="en-US" altLang="zh-CN" dirty="0" smtClean="0"/>
-              <a:t>3.6 Predictive Parsing for LL(1</a:t>
-            </a:r>
-            <a:r>
               <a:rPr lang="en-US" altLang="zh-CN" dirty="0"/>
-              <a:t>) Grammar</a:t>
+              <a:t>3.6 Predictive Parsing for LL(1) Grammar</a:t>
             </a:r>
             <a:endParaRPr lang="zh-CN" altLang="en-US" dirty="0"/>
           </a:p>
@@ -10712,42 +11046,42 @@
           <a:lstStyle/>
           <a:p>
             <a:r>
-              <a:rPr lang="en-US" altLang="zh-CN" sz="2000" dirty="0" smtClean="0"/>
+              <a:rPr lang="en-US" altLang="zh-CN" sz="2000" dirty="0"/>
               <a:t>Weakness of Recursive-Descent Parsing</a:t>
             </a:r>
           </a:p>
           <a:p>
             <a:pPr lvl="1"/>
             <a:r>
-              <a:rPr lang="en-US" altLang="zh-CN" sz="1600" dirty="0" smtClean="0"/>
+              <a:rPr lang="en-US" altLang="zh-CN" sz="1600" dirty="0"/>
               <a:t>At least we need a programming language that supports recursion</a:t>
             </a:r>
           </a:p>
           <a:p>
             <a:pPr lvl="1"/>
             <a:r>
-              <a:rPr lang="en-US" altLang="zh-CN" sz="1600" dirty="0" smtClean="0"/>
+              <a:rPr lang="en-US" altLang="zh-CN" sz="1600" dirty="0"/>
               <a:t>The efficiency of a recursive programming is not good</a:t>
             </a:r>
           </a:p>
           <a:p>
             <a:pPr lvl="1"/>
             <a:r>
-              <a:rPr lang="en-US" altLang="zh-CN" sz="1600" dirty="0" smtClean="0"/>
+              <a:rPr lang="en-US" altLang="zh-CN" sz="1600" dirty="0"/>
               <a:t>Error handling is not easy</a:t>
             </a:r>
           </a:p>
           <a:p>
             <a:r>
-              <a:rPr lang="en-US" altLang="zh-CN" sz="1900" dirty="0" smtClean="0"/>
+              <a:rPr lang="en-US" altLang="zh-CN" sz="1900" dirty="0"/>
               <a:t>A </a:t>
             </a:r>
             <a:r>
-              <a:rPr lang="en-US" altLang="zh-CN" sz="1900" dirty="0" err="1" smtClean="0"/>
+              <a:rPr lang="en-US" altLang="zh-CN" sz="1900" dirty="0" err="1"/>
               <a:t>nonrecursive</a:t>
             </a:r>
             <a:r>
-              <a:rPr lang="en-US" altLang="zh-CN" sz="1900" dirty="0" smtClean="0"/>
+              <a:rPr lang="en-US" altLang="zh-CN" sz="1900" dirty="0"/>
               <a:t> predictive parser can be built by maintaining a stack explicitly, rather than implicitly via recursive calls.</a:t>
             </a:r>
           </a:p>
@@ -10755,7 +11089,7 @@
             <a:pPr marL="0" indent="0">
               <a:buNone/>
             </a:pPr>
-            <a:endParaRPr lang="en-US" altLang="zh-CN" sz="1900" dirty="0" smtClean="0"/>
+            <a:endParaRPr lang="en-US" altLang="zh-CN" sz="1900" dirty="0"/>
           </a:p>
           <a:p>
             <a:endParaRPr lang="zh-CN" altLang="en-US" sz="1900" dirty="0"/>
@@ -10820,7 +11154,7 @@
           <a:lstStyle/>
           <a:p>
             <a:r>
-              <a:rPr lang="en-US" altLang="zh-CN" dirty="0" smtClean="0"/>
+              <a:rPr lang="en-US" altLang="zh-CN" dirty="0"/>
               <a:t>Outlines</a:t>
             </a:r>
             <a:endParaRPr lang="zh-CN" altLang="en-US" dirty="0"/>
@@ -10844,38 +11178,37 @@
           <a:p>
             <a:r>
               <a:rPr lang="en-US" altLang="zh-CN" dirty="0"/>
-              <a:t>Context-free Grammar </a:t>
-            </a:r>
-            <a:r>
-              <a:rPr lang="en-US" altLang="zh-CN" dirty="0" smtClean="0"/>
-              <a:t>– review</a:t>
-            </a:r>
-          </a:p>
-          <a:p>
-            <a:r>
-              <a:rPr lang="en-US" altLang="zh-CN" dirty="0" smtClean="0"/>
-              <a:t>Top-Down </a:t>
-            </a:r>
+              <a:t>Context-free Grammar – review</a:t>
+            </a:r>
+          </a:p>
+          <a:p>
             <a:r>
               <a:rPr lang="en-US" altLang="zh-CN" dirty="0"/>
-              <a:t>Parsing</a:t>
-            </a:r>
-            <a:endParaRPr lang="en-US" altLang="zh-CN" dirty="0" smtClean="0"/>
+              <a:t>Top-Down Parsing</a:t>
+            </a:r>
           </a:p>
           <a:p>
             <a:r>
               <a:rPr lang="en-US" altLang="zh-CN" dirty="0"/>
-              <a:t>Write Grammar for Top-Down </a:t>
-            </a:r>
-            <a:r>
-              <a:rPr lang="en-US" altLang="zh-CN" dirty="0" smtClean="0"/>
-              <a:t>Parsing</a:t>
-            </a:r>
-          </a:p>
-          <a:p>
-            <a:r>
-              <a:rPr lang="en-US" altLang="zh-CN" dirty="0" smtClean="0"/>
+              <a:t>Write Grammar for Top-Down Parsing</a:t>
+            </a:r>
+          </a:p>
+          <a:p>
+            <a:r>
+              <a:rPr lang="en-US" altLang="zh-CN" dirty="0"/>
               <a:t>Recursive-Descent Parsing</a:t>
+            </a:r>
+          </a:p>
+          <a:p>
+            <a:r>
+              <a:rPr lang="en-US" altLang="zh-CN" dirty="0"/>
+              <a:t>LL(1) Grammar</a:t>
+            </a:r>
+          </a:p>
+          <a:p>
+            <a:r>
+              <a:rPr lang="en-US" altLang="zh-CN" dirty="0"/>
+              <a:t>Predictive Parsing for LL(1) Grammar</a:t>
             </a:r>
             <a:endParaRPr lang="zh-CN" altLang="en-US" dirty="0"/>
           </a:p>
@@ -10903,13 +11236,6 @@
       </p:transition>
     </mc:Fallback>
   </mc:AlternateContent>
-  <p:timing>
-    <p:tnLst>
-      <p:par>
-        <p:cTn id="1" dur="indefinite" restart="never" nodeType="tmRoot"/>
-      </p:par>
-    </p:tnLst>
-  </p:timing>
 </p:sld>
 </file>
 
@@ -10946,7 +11272,129 @@
           <a:lstStyle/>
           <a:p>
             <a:r>
-              <a:rPr lang="en-US" altLang="zh-CN" dirty="0" smtClean="0"/>
+              <a:rPr lang="en-US" altLang="zh-CN" dirty="0"/>
+              <a:t>3.1 Context-free Grammar - review</a:t>
+            </a:r>
+            <a:endParaRPr lang="zh-CN" altLang="en-US" dirty="0"/>
+          </a:p>
+        </p:txBody>
+      </p:sp>
+      <p:graphicFrame>
+        <p:nvGraphicFramePr>
+          <p:cNvPr id="6" name="对象 5"/>
+          <p:cNvGraphicFramePr>
+            <a:graphicFrameLocks noChangeAspect="1"/>
+          </p:cNvGraphicFramePr>
+          <p:nvPr>
+            <p:extLst>
+              <p:ext uri="{D42A27DB-BD31-4B8C-83A1-F6EECF244321}">
+                <p14:modId xmlns:p14="http://schemas.microsoft.com/office/powerpoint/2010/main" val="3057352287"/>
+              </p:ext>
+            </p:extLst>
+          </p:nvPr>
+        </p:nvGraphicFramePr>
+        <p:xfrm>
+          <a:off x="692150" y="1911350"/>
+          <a:ext cx="7759700" cy="3035300"/>
+        </p:xfrm>
+        <a:graphic>
+          <a:graphicData uri="http://schemas.openxmlformats.org/presentationml/2006/ole">
+            <mc:AlternateContent xmlns:mc="http://schemas.openxmlformats.org/markup-compatibility/2006">
+              <mc:Choice xmlns:v="urn:schemas-microsoft-com:vml" Requires="v">
+                <p:oleObj spid="_x0000_s21507" name="Visio" r:id="rId3" imgW="9303798" imgH="3634662" progId="Visio.Drawing.15">
+                  <p:embed/>
+                </p:oleObj>
+              </mc:Choice>
+              <mc:Fallback>
+                <p:oleObj name="Visio" r:id="rId3" imgW="9303798" imgH="3634662" progId="Visio.Drawing.15">
+                  <p:embed/>
+                  <p:pic>
+                    <p:nvPicPr>
+                      <p:cNvPr id="0" name=""/>
+                      <p:cNvPicPr/>
+                      <p:nvPr/>
+                    </p:nvPicPr>
+                    <p:blipFill>
+                      <a:blip r:embed="rId4"/>
+                      <a:stretch>
+                        <a:fillRect/>
+                      </a:stretch>
+                    </p:blipFill>
+                    <p:spPr>
+                      <a:xfrm>
+                        <a:off x="692150" y="1911350"/>
+                        <a:ext cx="7759700" cy="3035300"/>
+                      </a:xfrm>
+                      <a:prstGeom prst="rect">
+                        <a:avLst/>
+                      </a:prstGeom>
+                    </p:spPr>
+                  </p:pic>
+                </p:oleObj>
+              </mc:Fallback>
+            </mc:AlternateContent>
+          </a:graphicData>
+        </a:graphic>
+      </p:graphicFrame>
+    </p:spTree>
+    <p:extLst>
+      <p:ext uri="{BB962C8B-B14F-4D97-AF65-F5344CB8AC3E}">
+        <p14:creationId xmlns:p14="http://schemas.microsoft.com/office/powerpoint/2010/main" val="3413184979"/>
+      </p:ext>
+    </p:extLst>
+  </p:cSld>
+  <p:clrMapOvr>
+    <a:masterClrMapping/>
+  </p:clrMapOvr>
+  <mc:AlternateContent xmlns:mc="http://schemas.openxmlformats.org/markup-compatibility/2006" xmlns:p14="http://schemas.microsoft.com/office/powerpoint/2010/main">
+    <mc:Choice Requires="p14">
+      <p:transition spd="med" p14:dur="700">
+        <p:fade/>
+      </p:transition>
+    </mc:Choice>
+    <mc:Fallback xmlns="">
+      <p:transition spd="med">
+        <p:fade/>
+      </p:transition>
+    </mc:Fallback>
+  </mc:AlternateContent>
+</p:sld>
+</file>
+
+<file path=ppt/slides/slide5.xml><?xml version="1.0" encoding="utf-8"?>
+<p:sld xmlns:a="http://schemas.openxmlformats.org/drawingml/2006/main" xmlns:r="http://schemas.openxmlformats.org/officeDocument/2006/relationships" xmlns:p="http://schemas.openxmlformats.org/presentationml/2006/main">
+  <p:cSld>
+    <p:spTree>
+      <p:nvGrpSpPr>
+        <p:cNvPr id="1" name=""/>
+        <p:cNvGrpSpPr/>
+        <p:nvPr/>
+      </p:nvGrpSpPr>
+      <p:grpSpPr>
+        <a:xfrm>
+          <a:off x="0" y="0"/>
+          <a:ext cx="0" cy="0"/>
+          <a:chOff x="0" y="0"/>
+          <a:chExt cx="0" cy="0"/>
+        </a:xfrm>
+      </p:grpSpPr>
+      <p:sp>
+        <p:nvSpPr>
+          <p:cNvPr id="2" name="标题 1"/>
+          <p:cNvSpPr>
+            <a:spLocks noGrp="1"/>
+          </p:cNvSpPr>
+          <p:nvPr>
+            <p:ph type="title"/>
+          </p:nvPr>
+        </p:nvSpPr>
+        <p:spPr/>
+        <p:txBody>
+          <a:bodyPr/>
+          <a:lstStyle/>
+          <a:p>
+            <a:r>
+              <a:rPr lang="en-US" altLang="zh-CN" dirty="0"/>
               <a:t>3.1 Context-free Grammar - review</a:t>
             </a:r>
             <a:endParaRPr lang="zh-CN" altLang="en-US" dirty="0"/>
@@ -10971,11 +11419,11 @@
           <a:lstStyle/>
           <a:p>
             <a:r>
-              <a:rPr lang="en-US" altLang="zh-CN" sz="2000" dirty="0" smtClean="0"/>
+              <a:rPr lang="en-US" altLang="zh-CN" sz="2000" dirty="0"/>
               <a:t>A </a:t>
             </a:r>
             <a:r>
-              <a:rPr lang="en-US" altLang="zh-CN" sz="2000" i="1" dirty="0" smtClean="0">
+              <a:rPr lang="en-US" altLang="zh-CN" sz="2000" i="1" dirty="0">
                 <a:solidFill>
                   <a:srgbClr val="FF0000"/>
                 </a:solidFill>
@@ -10983,7 +11431,7 @@
               <a:t>grammar</a:t>
             </a:r>
             <a:r>
-              <a:rPr lang="en-US" altLang="zh-CN" sz="2000" dirty="0" smtClean="0">
+              <a:rPr lang="en-US" altLang="zh-CN" sz="2000" dirty="0">
                 <a:solidFill>
                   <a:srgbClr val="FF0000"/>
                 </a:solidFill>
@@ -10991,11 +11439,11 @@
               <a:t> </a:t>
             </a:r>
             <a:r>
-              <a:rPr lang="en-US" altLang="zh-CN" sz="2000" dirty="0" smtClean="0"/>
+              <a:rPr lang="en-US" altLang="zh-CN" sz="2000" dirty="0"/>
               <a:t>is a set of </a:t>
             </a:r>
             <a:r>
-              <a:rPr lang="en-US" altLang="zh-CN" sz="2000" i="1" dirty="0" smtClean="0">
+              <a:rPr lang="en-US" altLang="zh-CN" sz="2000" i="1" dirty="0">
                 <a:solidFill>
                   <a:srgbClr val="FF0000"/>
                 </a:solidFill>
@@ -11003,7 +11451,7 @@
               <a:t>formal regulations </a:t>
             </a:r>
             <a:r>
-              <a:rPr lang="en-US" altLang="zh-CN" sz="2000" dirty="0" smtClean="0"/>
+              <a:rPr lang="en-US" altLang="zh-CN" sz="2000" dirty="0"/>
               <a:t>that describes the syntax structures of a language.</a:t>
             </a:r>
           </a:p>
@@ -11022,29 +11470,17 @@
             </a:r>
             <a:r>
               <a:rPr lang="en-US" altLang="zh-CN" sz="2000" dirty="0"/>
-              <a:t>grammar has four </a:t>
-            </a:r>
-            <a:r>
-              <a:rPr lang="en-US" altLang="zh-CN" sz="2000" dirty="0" smtClean="0"/>
-              <a:t>components</a:t>
+              <a:t>grammar has four components</a:t>
             </a:r>
           </a:p>
           <a:p>
             <a:pPr lvl="1"/>
             <a:r>
               <a:rPr lang="en-US" altLang="zh-CN" sz="1700" dirty="0"/>
-              <a:t>(</a:t>
-            </a:r>
-            <a:r>
-              <a:rPr lang="en-US" altLang="zh-CN" sz="1700" dirty="0" smtClean="0"/>
-              <a:t>1) A </a:t>
-            </a:r>
-            <a:r>
-              <a:rPr lang="en-US" altLang="zh-CN" sz="1700" dirty="0"/>
-              <a:t>set of terminal symbols, sometimes referred to as "tokens." The </a:t>
-            </a:r>
-            <a:r>
-              <a:rPr lang="en-US" altLang="zh-CN" sz="1700" b="1" dirty="0" smtClean="0">
+              <a:t>(1) A set of terminal symbols, sometimes referred to as "tokens." The </a:t>
+            </a:r>
+            <a:r>
+              <a:rPr lang="en-US" altLang="zh-CN" sz="1700" b="1" dirty="0">
                 <a:solidFill>
                   <a:srgbClr val="7030A0"/>
                 </a:solidFill>
@@ -11052,27 +11488,15 @@
               <a:t>terminals</a:t>
             </a:r>
             <a:r>
-              <a:rPr lang="en-US" altLang="zh-CN" sz="1700" dirty="0" smtClean="0"/>
-              <a:t> are </a:t>
-            </a:r>
-            <a:r>
               <a:rPr lang="en-US" altLang="zh-CN" sz="1700" dirty="0"/>
-              <a:t>the elementary symbols of the language defined by the </a:t>
-            </a:r>
-            <a:r>
-              <a:rPr lang="en-US" altLang="zh-CN" sz="1700" dirty="0" smtClean="0"/>
-              <a:t>grammar.</a:t>
+              <a:t> are the elementary symbols of the language defined by the grammar.</a:t>
             </a:r>
           </a:p>
           <a:p>
             <a:pPr lvl="1"/>
             <a:r>
-              <a:rPr lang="en-US" altLang="zh-CN" sz="1700" dirty="0" smtClean="0"/>
-              <a:t>(2</a:t>
-            </a:r>
-            <a:r>
               <a:rPr lang="en-US" altLang="zh-CN" sz="1700" dirty="0"/>
-              <a:t>) A set of </a:t>
+              <a:t>(2) A set of </a:t>
             </a:r>
             <a:r>
               <a:rPr lang="en-US" altLang="zh-CN" sz="1700" b="1" dirty="0" err="1">
@@ -11084,11 +11508,7 @@
             </a:r>
             <a:r>
               <a:rPr lang="en-US" altLang="zh-CN" sz="1700" dirty="0"/>
-              <a:t>, sometimes called "syntactic variables." Each </a:t>
-            </a:r>
-            <a:r>
-              <a:rPr lang="en-US" altLang="zh-CN" sz="1700" dirty="0" smtClean="0"/>
-              <a:t>nonterminal represents </a:t>
+              <a:t>, sometimes called "syntactic variables." Each nonterminal represents </a:t>
             </a:r>
             <a:r>
               <a:rPr lang="en-US" altLang="zh-CN" sz="1700" i="1" dirty="0">
@@ -11096,38 +11516,18 @@
                   <a:srgbClr val="FF0000"/>
                 </a:solidFill>
               </a:rPr>
-              <a:t>a set of strings of </a:t>
-            </a:r>
-            <a:r>
-              <a:rPr lang="en-US" altLang="zh-CN" sz="1700" i="1" dirty="0" smtClean="0">
-                <a:solidFill>
-                  <a:srgbClr val="FF0000"/>
-                </a:solidFill>
-              </a:rPr>
-              <a:t>terminals</a:t>
-            </a:r>
-            <a:r>
-              <a:rPr lang="en-US" altLang="zh-CN" sz="1700" dirty="0" smtClean="0"/>
+              <a:t>a set of strings of terminals</a:t>
+            </a:r>
+            <a:r>
+              <a:rPr lang="en-US" altLang="zh-CN" sz="1700" dirty="0"/>
               <a:t>.</a:t>
             </a:r>
           </a:p>
           <a:p>
             <a:pPr lvl="1"/>
             <a:r>
-              <a:rPr lang="en-US" altLang="zh-CN" sz="1700" dirty="0" smtClean="0"/>
-              <a:t>(3</a:t>
-            </a:r>
-            <a:r>
               <a:rPr lang="en-US" altLang="zh-CN" sz="1700" dirty="0"/>
-              <a:t>) A set of productions, where each production consists of a </a:t>
-            </a:r>
-            <a:r>
-              <a:rPr lang="en-US" altLang="zh-CN" sz="1700" dirty="0" smtClean="0"/>
-              <a:t>nonterminal, called </a:t>
-            </a:r>
-            <a:r>
-              <a:rPr lang="en-US" altLang="zh-CN" sz="1700" dirty="0"/>
-              <a:t>the </a:t>
+              <a:t>(3) A set of productions, where each production consists of a nonterminal, called the </a:t>
             </a:r>
             <a:r>
               <a:rPr lang="en-US" altLang="zh-CN" sz="1700" i="1" dirty="0"/>
@@ -11151,15 +11551,7 @@
             </a:r>
             <a:r>
               <a:rPr lang="en-US" altLang="zh-CN" sz="1700" dirty="0"/>
-              <a:t> of the production, an arrow, and a sequence </a:t>
-            </a:r>
-            <a:r>
-              <a:rPr lang="en-US" altLang="zh-CN" sz="1700" dirty="0" smtClean="0"/>
-              <a:t>of terminals </a:t>
-            </a:r>
-            <a:r>
-              <a:rPr lang="en-US" altLang="zh-CN" sz="1700" dirty="0"/>
-              <a:t>and/or </a:t>
+              <a:t> of the production, an arrow, and a sequence of terminals and/or </a:t>
             </a:r>
             <a:r>
               <a:rPr lang="en-US" altLang="zh-CN" sz="1700" dirty="0" err="1"/>
@@ -11183,40 +11575,12 @@
             </a:r>
             <a:r>
               <a:rPr lang="en-US" altLang="zh-CN" sz="1700" dirty="0"/>
-              <a:t> side of the </a:t>
-            </a:r>
-            <a:r>
-              <a:rPr lang="en-US" altLang="zh-CN" sz="1700" dirty="0" smtClean="0"/>
-              <a:t>production. The </a:t>
-            </a:r>
-            <a:r>
-              <a:rPr lang="en-US" altLang="zh-CN" sz="1700" dirty="0"/>
-              <a:t>intuitive intent of a production is to specify one of the </a:t>
-            </a:r>
-            <a:r>
-              <a:rPr lang="en-US" altLang="zh-CN" sz="1700" dirty="0" smtClean="0"/>
-              <a:t>written forms </a:t>
-            </a:r>
-            <a:r>
-              <a:rPr lang="en-US" altLang="zh-CN" sz="1700" dirty="0"/>
-              <a:t>of a construct; if the head nonterminal represents a construct, </a:t>
-            </a:r>
-            <a:r>
-              <a:rPr lang="en-US" altLang="zh-CN" sz="1700" dirty="0" smtClean="0"/>
-              <a:t>then the </a:t>
-            </a:r>
-            <a:r>
-              <a:rPr lang="en-US" altLang="zh-CN" sz="1700" dirty="0"/>
-              <a:t>body represents a written form of the construct </a:t>
-            </a:r>
-            <a:r>
-              <a:rPr lang="en-US" altLang="zh-CN" sz="1700" dirty="0" smtClean="0"/>
-              <a:t>.</a:t>
+              <a:t> side of the production. The intuitive intent of a production is to specify one of the written forms of a construct; if the head nonterminal represents a construct, then the body represents a written form of the construct .</a:t>
             </a:r>
           </a:p>
           <a:p>
             <a:pPr lvl="1"/>
-            <a:endParaRPr lang="en-US" altLang="zh-CN" sz="1700" dirty="0" smtClean="0"/>
+            <a:endParaRPr lang="en-US" altLang="zh-CN" sz="1700" dirty="0"/>
           </a:p>
           <a:p>
             <a:pPr lvl="1"/>
@@ -11278,7 +11642,7 @@
           <a:graphicData uri="http://schemas.openxmlformats.org/presentationml/2006/ole">
             <mc:AlternateContent xmlns:mc="http://schemas.openxmlformats.org/markup-compatibility/2006">
               <mc:Choice xmlns:v="urn:schemas-microsoft-com:vml" Requires="v">
-                <p:oleObj spid="_x0000_s3205" name="Equation" r:id="rId3" imgW="3022560" imgH="190440" progId="Equation.DSMT4">
+                <p:oleObj spid="_x0000_s3207" name="Equation" r:id="rId3" imgW="3022560" imgH="190440" progId="Equation.DSMT4">
                   <p:embed/>
                 </p:oleObj>
               </mc:Choice>
@@ -11335,17 +11699,10 @@
       </p:transition>
     </mc:Fallback>
   </mc:AlternateContent>
-  <p:timing>
-    <p:tnLst>
-      <p:par>
-        <p:cTn id="1" dur="indefinite" restart="never" nodeType="tmRoot"/>
-      </p:par>
-    </p:tnLst>
-  </p:timing>
 </p:sld>
 </file>
 
-<file path=ppt/slides/slide5.xml><?xml version="1.0" encoding="utf-8"?>
+<file path=ppt/slides/slide6.xml><?xml version="1.0" encoding="utf-8"?>
 <p:sld xmlns:a="http://schemas.openxmlformats.org/drawingml/2006/main" xmlns:r="http://schemas.openxmlformats.org/officeDocument/2006/relationships" xmlns:p="http://schemas.openxmlformats.org/presentationml/2006/main">
   <p:cSld>
     <p:spTree>
@@ -11408,37 +11765,37 @@
           <a:lstStyle/>
           <a:p>
             <a:r>
-              <a:rPr lang="en-US" altLang="zh-CN" sz="2000" dirty="0" smtClean="0"/>
+              <a:rPr lang="en-US" altLang="zh-CN" sz="2000" dirty="0"/>
               <a:t>The context-free grammar G is a 4-tuple</a:t>
             </a:r>
           </a:p>
           <a:p>
             <a:pPr lvl="1"/>
             <a:r>
-              <a:rPr lang="en-US" altLang="zh-CN" sz="1700" i="1" dirty="0" smtClean="0"/>
+              <a:rPr lang="en-US" altLang="zh-CN" sz="1700" i="1" dirty="0"/>
               <a:t>V</a:t>
             </a:r>
             <a:r>
-              <a:rPr lang="en-US" altLang="zh-CN" sz="1700" i="1" baseline="-25000" dirty="0" smtClean="0"/>
+              <a:rPr lang="en-US" altLang="zh-CN" sz="1700" i="1" baseline="-25000" dirty="0"/>
               <a:t>T </a:t>
             </a:r>
             <a:r>
-              <a:rPr lang="en-US" altLang="zh-CN" sz="1700" dirty="0" smtClean="0"/>
+              <a:rPr lang="en-US" altLang="zh-CN" sz="1700" dirty="0"/>
               <a:t>is a non-empty finite set, where each element is a terminal.</a:t>
             </a:r>
           </a:p>
           <a:p>
             <a:pPr lvl="1"/>
             <a:r>
-              <a:rPr lang="en-US" altLang="zh-CN" sz="1700" i="1" dirty="0" smtClean="0"/>
+              <a:rPr lang="en-US" altLang="zh-CN" sz="1700" i="1" dirty="0"/>
               <a:t>V</a:t>
             </a:r>
             <a:r>
-              <a:rPr lang="en-US" altLang="zh-CN" sz="1700" i="1" baseline="-25000" dirty="0" smtClean="0"/>
+              <a:rPr lang="en-US" altLang="zh-CN" sz="1700" i="1" baseline="-25000" dirty="0"/>
               <a:t>N </a:t>
             </a:r>
             <a:r>
-              <a:rPr lang="en-US" altLang="zh-CN" sz="1700" dirty="0" smtClean="0"/>
+              <a:rPr lang="en-US" altLang="zh-CN" sz="1700" dirty="0"/>
               <a:t>is a non-empty finite set, where each element is a nonterminal,</a:t>
             </a:r>
           </a:p>
@@ -11449,26 +11806,26 @@
           <a:p>
             <a:pPr lvl="1"/>
             <a:r>
-              <a:rPr lang="en-US" altLang="zh-CN" sz="1700" i="1" dirty="0" smtClean="0"/>
+              <a:rPr lang="en-US" altLang="zh-CN" sz="1700" i="1" dirty="0"/>
               <a:t>S</a:t>
             </a:r>
             <a:r>
-              <a:rPr lang="en-US" altLang="zh-CN" sz="1700" dirty="0" smtClean="0"/>
+              <a:rPr lang="en-US" altLang="zh-CN" sz="1700" dirty="0"/>
               <a:t> is a nonterminal, called start symbol</a:t>
             </a:r>
           </a:p>
           <a:p>
             <a:pPr lvl="1"/>
             <a:r>
-              <a:rPr lang="en-US" altLang="zh-CN" sz="1700" dirty="0" smtClean="0"/>
+              <a:rPr lang="en-US" altLang="zh-CN" sz="1700" dirty="0"/>
               <a:t>     is as finite set of productions, where each production has the form             .                                  . </a:t>
             </a:r>
             <a:r>
-              <a:rPr lang="en-US" altLang="zh-CN" sz="1700" i="1" dirty="0" smtClean="0"/>
+              <a:rPr lang="en-US" altLang="zh-CN" sz="1700" i="1" dirty="0"/>
               <a:t>S</a:t>
             </a:r>
             <a:r>
-              <a:rPr lang="en-US" altLang="zh-CN" sz="1700" dirty="0" smtClean="0"/>
+              <a:rPr lang="en-US" altLang="zh-CN" sz="1700" dirty="0"/>
               <a:t> must appear in the left part of a production at least once. </a:t>
             </a:r>
           </a:p>
@@ -11500,7 +11857,7 @@
           <a:graphicData uri="http://schemas.openxmlformats.org/presentationml/2006/ole">
             <mc:AlternateContent xmlns:mc="http://schemas.openxmlformats.org/markup-compatibility/2006">
               <mc:Choice xmlns:v="urn:schemas-microsoft-com:vml" Requires="v">
-                <p:oleObj spid="_x0000_s5099" name="Equation" r:id="rId3" imgW="850680" imgH="228600" progId="Equation.DSMT4">
+                <p:oleObj spid="_x0000_s5115" name="Equation" r:id="rId3" imgW="850680" imgH="228600" progId="Equation.DSMT4">
                   <p:embed/>
                 </p:oleObj>
               </mc:Choice>
@@ -11557,7 +11914,7 @@
           <a:graphicData uri="http://schemas.openxmlformats.org/presentationml/2006/ole">
             <mc:AlternateContent xmlns:mc="http://schemas.openxmlformats.org/markup-compatibility/2006">
               <mc:Choice xmlns:v="urn:schemas-microsoft-com:vml" Requires="v">
-                <p:oleObj spid="_x0000_s5100" name="Equation" r:id="rId5" imgW="177480" imgH="177480" progId="Equation.DSMT4">
+                <p:oleObj spid="_x0000_s5116" name="Equation" r:id="rId5" imgW="177480" imgH="177480" progId="Equation.DSMT4">
                   <p:embed/>
                 </p:oleObj>
               </mc:Choice>
@@ -11614,7 +11971,7 @@
           <a:graphicData uri="http://schemas.openxmlformats.org/presentationml/2006/ole">
             <mc:AlternateContent xmlns:mc="http://schemas.openxmlformats.org/markup-compatibility/2006">
               <mc:Choice xmlns:v="urn:schemas-microsoft-com:vml" Requires="v">
-                <p:oleObj spid="_x0000_s5101" name="Equation" r:id="rId7" imgW="469800" imgH="177480" progId="Equation.DSMT4">
+                <p:oleObj spid="_x0000_s5117" name="Equation" r:id="rId7" imgW="469800" imgH="177480" progId="Equation.DSMT4">
                   <p:embed/>
                 </p:oleObj>
               </mc:Choice>
@@ -11671,7 +12028,7 @@
           <a:graphicData uri="http://schemas.openxmlformats.org/presentationml/2006/ole">
             <mc:AlternateContent xmlns:mc="http://schemas.openxmlformats.org/markup-compatibility/2006">
               <mc:Choice xmlns:v="urn:schemas-microsoft-com:vml" Requires="v">
-                <p:oleObj spid="_x0000_s5102" name="Equation" r:id="rId9" imgW="1384200" imgH="241200" progId="Equation.DSMT4">
+                <p:oleObj spid="_x0000_s5118" name="Equation" r:id="rId9" imgW="1384200" imgH="241200" progId="Equation.DSMT4">
                   <p:embed/>
                 </p:oleObj>
               </mc:Choice>
@@ -11728,7 +12085,7 @@
           <a:graphicData uri="http://schemas.openxmlformats.org/presentationml/2006/ole">
             <mc:AlternateContent xmlns:mc="http://schemas.openxmlformats.org/markup-compatibility/2006">
               <mc:Choice xmlns:v="urn:schemas-microsoft-com:vml" Requires="v">
-                <p:oleObj spid="_x0000_s5103" name="Equation" r:id="rId11" imgW="711000" imgH="228600" progId="Equation.DSMT4">
+                <p:oleObj spid="_x0000_s5119" name="Equation" r:id="rId11" imgW="711000" imgH="228600" progId="Equation.DSMT4">
                   <p:embed/>
                 </p:oleObj>
               </mc:Choice>
@@ -11976,7 +12333,7 @@
           <a:graphicData uri="http://schemas.openxmlformats.org/presentationml/2006/ole">
             <mc:AlternateContent xmlns:mc="http://schemas.openxmlformats.org/markup-compatibility/2006">
               <mc:Choice xmlns:v="urn:schemas-microsoft-com:vml" Requires="v">
-                <p:oleObj spid="_x0000_s5104" name="Equation" r:id="rId13" imgW="520560" imgH="914400" progId="Equation.DSMT4">
+                <p:oleObj spid="_x0000_s22528" name="Equation" r:id="rId13" imgW="520560" imgH="914400" progId="Equation.DSMT4">
                   <p:embed/>
                 </p:oleObj>
               </mc:Choice>
@@ -12071,7 +12428,7 @@
           <a:graphicData uri="http://schemas.openxmlformats.org/presentationml/2006/ole">
             <mc:AlternateContent xmlns:mc="http://schemas.openxmlformats.org/markup-compatibility/2006">
               <mc:Choice xmlns:v="urn:schemas-microsoft-com:vml" Requires="v">
-                <p:oleObj spid="_x0000_s5105" name="Equation" r:id="rId15" imgW="1091880" imgH="228600" progId="Equation.DSMT4">
+                <p:oleObj spid="_x0000_s22529" name="Equation" r:id="rId15" imgW="1091880" imgH="228600" progId="Equation.DSMT4">
                   <p:embed/>
                 </p:oleObj>
               </mc:Choice>
@@ -12128,7 +12485,7 @@
           <a:graphicData uri="http://schemas.openxmlformats.org/presentationml/2006/ole">
             <mc:AlternateContent xmlns:mc="http://schemas.openxmlformats.org/markup-compatibility/2006">
               <mc:Choice xmlns:v="urn:schemas-microsoft-com:vml" Requires="v">
-                <p:oleObj spid="_x0000_s5106" name="Equation" r:id="rId17" imgW="2145960" imgH="228600" progId="Equation.DSMT4">
+                <p:oleObj spid="_x0000_s22530" name="Equation" r:id="rId17" imgW="2145960" imgH="228600" progId="Equation.DSMT4">
                   <p:embed/>
                 </p:oleObj>
               </mc:Choice>
@@ -12185,17 +12542,10 @@
       </p:transition>
     </mc:Fallback>
   </mc:AlternateContent>
-  <p:timing>
-    <p:tnLst>
-      <p:par>
-        <p:cTn id="1" dur="indefinite" restart="never" nodeType="tmRoot"/>
-      </p:par>
-    </p:tnLst>
-  </p:timing>
 </p:sld>
 </file>
 
-<file path=ppt/slides/slide6.xml><?xml version="1.0" encoding="utf-8"?>
+<file path=ppt/slides/slide7.xml><?xml version="1.0" encoding="utf-8"?>
 <p:sld xmlns:a="http://schemas.openxmlformats.org/drawingml/2006/main" xmlns:r="http://schemas.openxmlformats.org/officeDocument/2006/relationships" xmlns:p="http://schemas.openxmlformats.org/presentationml/2006/main">
   <p:cSld>
     <p:spTree>
@@ -12257,15 +12607,7 @@
           <a:p>
             <a:r>
               <a:rPr lang="en-US" altLang="zh-CN" dirty="0"/>
-              <a:t>A parse tree pictorially shows how the start symbol of a grammar derives </a:t>
-            </a:r>
-            <a:r>
-              <a:rPr lang="en-US" altLang="zh-CN" dirty="0" smtClean="0"/>
-              <a:t>a string </a:t>
-            </a:r>
-            <a:r>
-              <a:rPr lang="en-US" altLang="zh-CN" dirty="0"/>
-              <a:t>in the language. If nonterminal </a:t>
+              <a:t>A parse tree pictorially shows how the start symbol of a grammar derives a string in the language. If nonterminal </a:t>
             </a:r>
             <a:r>
               <a:rPr lang="en-US" altLang="zh-CN" i="1" dirty="0"/>
@@ -12273,31 +12615,7 @@
             </a:r>
             <a:r>
               <a:rPr lang="en-US" altLang="zh-CN" dirty="0"/>
-              <a:t> has a </a:t>
-            </a:r>
-            <a:r>
-              <a:rPr lang="en-US" altLang="zh-CN" dirty="0" smtClean="0"/>
-              <a:t>production              , </a:t>
-            </a:r>
-            <a:r>
-              <a:rPr lang="en-US" altLang="zh-CN" dirty="0"/>
-              <a:t>then </a:t>
-            </a:r>
-            <a:r>
-              <a:rPr lang="en-US" altLang="zh-CN" dirty="0" smtClean="0"/>
-              <a:t>a parse </a:t>
-            </a:r>
-            <a:r>
-              <a:rPr lang="en-US" altLang="zh-CN" dirty="0"/>
-              <a:t>tree may have an interior node labeled A with three children labeled </a:t>
-            </a:r>
-            <a:r>
-              <a:rPr lang="en-US" altLang="zh-CN" dirty="0" smtClean="0"/>
-              <a:t>X, Y</a:t>
-            </a:r>
-            <a:r>
-              <a:rPr lang="en-US" altLang="zh-CN" dirty="0"/>
-              <a:t>, and Z, from left to right:</a:t>
+              <a:t> has a production              , then a parse tree may have an interior node labeled A with three children labeled X, Y, and Z, from left to right:</a:t>
             </a:r>
             <a:endParaRPr lang="zh-CN" altLang="en-US" dirty="0"/>
           </a:p>
@@ -12325,7 +12643,7 @@
           <a:graphicData uri="http://schemas.openxmlformats.org/presentationml/2006/ole">
             <mc:AlternateContent xmlns:mc="http://schemas.openxmlformats.org/markup-compatibility/2006">
               <mc:Choice xmlns:v="urn:schemas-microsoft-com:vml" Requires="v">
-                <p:oleObj spid="_x0000_s9656" name="Equation" r:id="rId3" imgW="647640" imgH="177480" progId="Equation.DSMT4">
+                <p:oleObj spid="_x0000_s9666" name="Equation" r:id="rId3" imgW="647640" imgH="177480" progId="Equation.DSMT4">
                   <p:embed/>
                 </p:oleObj>
               </mc:Choice>
@@ -12383,7 +12701,7 @@
           <a:lstStyle/>
           <a:p>
             <a:r>
-              <a:rPr lang="en-US" altLang="zh-CN" dirty="0" smtClean="0"/>
+              <a:rPr lang="en-US" altLang="zh-CN" dirty="0"/>
               <a:t>A</a:t>
             </a:r>
             <a:endParaRPr lang="zh-CN" altLang="en-US" dirty="0"/>
@@ -12413,7 +12731,7 @@
           <a:lstStyle/>
           <a:p>
             <a:r>
-              <a:rPr lang="en-US" altLang="zh-CN" dirty="0" smtClean="0"/>
+              <a:rPr lang="en-US" altLang="zh-CN" dirty="0"/>
               <a:t>X</a:t>
             </a:r>
             <a:endParaRPr lang="zh-CN" altLang="en-US" dirty="0"/>
@@ -12443,7 +12761,7 @@
           <a:lstStyle/>
           <a:p>
             <a:r>
-              <a:rPr lang="en-US" altLang="zh-CN" dirty="0" smtClean="0"/>
+              <a:rPr lang="en-US" altLang="zh-CN" dirty="0"/>
               <a:t>Y</a:t>
             </a:r>
             <a:endParaRPr lang="zh-CN" altLang="en-US" dirty="0"/>
@@ -12645,7 +12963,7 @@
               <a:t>Each leaf is labeled by a terminal or by   </a:t>
             </a:r>
             <a:r>
-              <a:rPr lang="en-US" altLang="zh-CN" sz="1600" dirty="0" smtClean="0"/>
+              <a:rPr lang="en-US" altLang="zh-CN" sz="1600" dirty="0"/>
               <a:t>.</a:t>
             </a:r>
           </a:p>
@@ -12665,19 +12983,8 @@
                 <a:latin typeface="微软雅黑" panose="020B0503020204020204" pitchFamily="34" charset="-122"/>
                 <a:ea typeface="微软雅黑" panose="020B0503020204020204" pitchFamily="34" charset="-122"/>
               </a:rPr>
-              <a:t>Each interior node is labeled by a </a:t>
-            </a:r>
-            <a:r>
-              <a:rPr lang="en-US" altLang="zh-CN" sz="1500" dirty="0" smtClean="0">
-                <a:latin typeface="微软雅黑" panose="020B0503020204020204" pitchFamily="34" charset="-122"/>
-                <a:ea typeface="微软雅黑" panose="020B0503020204020204" pitchFamily="34" charset="-122"/>
-              </a:rPr>
-              <a:t>nonterminal</a:t>
-            </a:r>
-            <a:endParaRPr lang="en-US" altLang="zh-CN" sz="1500" dirty="0">
-              <a:latin typeface="微软雅黑" panose="020B0503020204020204" pitchFamily="34" charset="-122"/>
-              <a:ea typeface="微软雅黑" panose="020B0503020204020204" pitchFamily="34" charset="-122"/>
-            </a:endParaRPr>
+              <a:t>Each interior node is labeled by a nonterminal</a:t>
+            </a:r>
           </a:p>
           <a:p>
             <a:pPr marL="171450" indent="-171450" defTabSz="685800">
@@ -12754,46 +13061,11 @@
               <a:t> </a:t>
             </a:r>
             <a:r>
-              <a:rPr lang="en-US" altLang="zh-CN" sz="1500" dirty="0" smtClean="0">
-                <a:latin typeface="微软雅黑" panose="020B0503020204020204" pitchFamily="34" charset="-122"/>
-                <a:ea typeface="微软雅黑" panose="020B0503020204020204" pitchFamily="34" charset="-122"/>
-              </a:rPr>
-              <a:t>are the </a:t>
-            </a:r>
-            <a:r>
               <a:rPr lang="en-US" altLang="zh-CN" sz="1500" dirty="0">
                 <a:latin typeface="微软雅黑" panose="020B0503020204020204" pitchFamily="34" charset="-122"/>
                 <a:ea typeface="微软雅黑" panose="020B0503020204020204" pitchFamily="34" charset="-122"/>
               </a:rPr>
-              <a:t>labels of the children of that node from left to right, then there </a:t>
-            </a:r>
-            <a:r>
-              <a:rPr lang="en-US" altLang="zh-CN" sz="1500" dirty="0" smtClean="0">
-                <a:latin typeface="微软雅黑" panose="020B0503020204020204" pitchFamily="34" charset="-122"/>
-                <a:ea typeface="微软雅黑" panose="020B0503020204020204" pitchFamily="34" charset="-122"/>
-              </a:rPr>
-              <a:t>must be </a:t>
-            </a:r>
-            <a:r>
-              <a:rPr lang="en-US" altLang="zh-CN" sz="1500" dirty="0">
-                <a:latin typeface="微软雅黑" panose="020B0503020204020204" pitchFamily="34" charset="-122"/>
-                <a:ea typeface="微软雅黑" panose="020B0503020204020204" pitchFamily="34" charset="-122"/>
-              </a:rPr>
-              <a:t>a </a:t>
-            </a:r>
-            <a:r>
-              <a:rPr lang="en-US" altLang="zh-CN" sz="1500" dirty="0" smtClean="0">
-                <a:latin typeface="微软雅黑" panose="020B0503020204020204" pitchFamily="34" charset="-122"/>
-                <a:ea typeface="微软雅黑" panose="020B0503020204020204" pitchFamily="34" charset="-122"/>
-              </a:rPr>
-              <a:t>production                            . </a:t>
-            </a:r>
-            <a:r>
-              <a:rPr lang="en-US" altLang="zh-CN" sz="1500" dirty="0">
-                <a:latin typeface="微软雅黑" panose="020B0503020204020204" pitchFamily="34" charset="-122"/>
-                <a:ea typeface="微软雅黑" panose="020B0503020204020204" pitchFamily="34" charset="-122"/>
-              </a:rPr>
-              <a:t>Here, </a:t>
+              <a:t>are the labels of the children of that node from left to right, then there must be a production                            . Here, </a:t>
             </a:r>
             <a:r>
               <a:rPr lang="en-US" altLang="zh-CN" sz="1500" i="1" dirty="0">
@@ -12856,21 +13128,7 @@
                 <a:latin typeface="微软雅黑" panose="020B0503020204020204" pitchFamily="34" charset="-122"/>
                 <a:ea typeface="微软雅黑" panose="020B0503020204020204" pitchFamily="34" charset="-122"/>
               </a:rPr>
-              <a:t>each </a:t>
-            </a:r>
-            <a:r>
-              <a:rPr lang="en-US" altLang="zh-CN" sz="1500" dirty="0" smtClean="0">
-                <a:latin typeface="微软雅黑" panose="020B0503020204020204" pitchFamily="34" charset="-122"/>
-                <a:ea typeface="微软雅黑" panose="020B0503020204020204" pitchFamily="34" charset="-122"/>
-              </a:rPr>
-              <a:t>stand </a:t>
-            </a:r>
-            <a:r>
-              <a:rPr lang="en-US" altLang="zh-CN" sz="1500" dirty="0">
-                <a:latin typeface="微软雅黑" panose="020B0503020204020204" pitchFamily="34" charset="-122"/>
-                <a:ea typeface="微软雅黑" panose="020B0503020204020204" pitchFamily="34" charset="-122"/>
-              </a:rPr>
-              <a:t>for </a:t>
+              <a:t>each stand for </a:t>
             </a:r>
             <a:r>
               <a:rPr lang="en-US" altLang="zh-CN" sz="1500" dirty="0" err="1">
@@ -12884,21 +13142,7 @@
                 <a:latin typeface="微软雅黑" panose="020B0503020204020204" pitchFamily="34" charset="-122"/>
                 <a:ea typeface="微软雅黑" panose="020B0503020204020204" pitchFamily="34" charset="-122"/>
               </a:rPr>
-              <a:t> a symbol that is either a terminal or a nonterminal . As a special </a:t>
-            </a:r>
-            <a:r>
-              <a:rPr lang="en-US" altLang="zh-CN" sz="1500" dirty="0" smtClean="0">
-                <a:latin typeface="微软雅黑" panose="020B0503020204020204" pitchFamily="34" charset="-122"/>
-                <a:ea typeface="微软雅黑" panose="020B0503020204020204" pitchFamily="34" charset="-122"/>
-              </a:rPr>
-              <a:t>case,  if             is </a:t>
-            </a:r>
-            <a:r>
-              <a:rPr lang="en-US" altLang="zh-CN" sz="1500" dirty="0">
-                <a:latin typeface="微软雅黑" panose="020B0503020204020204" pitchFamily="34" charset="-122"/>
-                <a:ea typeface="微软雅黑" panose="020B0503020204020204" pitchFamily="34" charset="-122"/>
-              </a:rPr>
-              <a:t>a production, then a node labeled </a:t>
+              <a:t> a symbol that is either a terminal or a nonterminal . As a special case,  if             is a production, then a node labeled </a:t>
             </a:r>
             <a:r>
               <a:rPr lang="en-US" altLang="zh-CN" sz="1500" i="1" dirty="0">
@@ -12912,14 +13156,7 @@
                 <a:latin typeface="微软雅黑" panose="020B0503020204020204" pitchFamily="34" charset="-122"/>
                 <a:ea typeface="微软雅黑" panose="020B0503020204020204" pitchFamily="34" charset="-122"/>
               </a:rPr>
-              <a:t> may have a single </a:t>
-            </a:r>
-            <a:r>
-              <a:rPr lang="en-US" altLang="zh-CN" sz="1500" dirty="0" smtClean="0">
-                <a:latin typeface="微软雅黑" panose="020B0503020204020204" pitchFamily="34" charset="-122"/>
-                <a:ea typeface="微软雅黑" panose="020B0503020204020204" pitchFamily="34" charset="-122"/>
-              </a:rPr>
-              <a:t>child labeled      .</a:t>
+              <a:t> may have a single child labeled      .</a:t>
             </a:r>
             <a:endParaRPr lang="zh-CN" altLang="en-US" sz="1500" dirty="0">
               <a:latin typeface="微软雅黑" panose="020B0503020204020204" pitchFamily="34" charset="-122"/>
@@ -12950,7 +13187,7 @@
           <a:graphicData uri="http://schemas.openxmlformats.org/presentationml/2006/ole">
             <mc:AlternateContent xmlns:mc="http://schemas.openxmlformats.org/markup-compatibility/2006">
               <mc:Choice xmlns:v="urn:schemas-microsoft-com:vml" Requires="v">
-                <p:oleObj spid="_x0000_s9657" name="Equation" r:id="rId5" imgW="126720" imgH="139680" progId="Equation.DSMT4">
+                <p:oleObj spid="_x0000_s9667" name="Equation" r:id="rId5" imgW="126720" imgH="139680" progId="Equation.DSMT4">
                   <p:embed/>
                 </p:oleObj>
               </mc:Choice>
@@ -13007,7 +13244,7 @@
           <a:graphicData uri="http://schemas.openxmlformats.org/presentationml/2006/ole">
             <mc:AlternateContent xmlns:mc="http://schemas.openxmlformats.org/markup-compatibility/2006">
               <mc:Choice xmlns:v="urn:schemas-microsoft-com:vml" Requires="v">
-                <p:oleObj spid="_x0000_s9658" name="Equation" r:id="rId7" imgW="1041120" imgH="228600" progId="Equation.DSMT4">
+                <p:oleObj spid="_x0000_s9668" name="Equation" r:id="rId7" imgW="1041120" imgH="228600" progId="Equation.DSMT4">
                   <p:embed/>
                 </p:oleObj>
               </mc:Choice>
@@ -13064,7 +13301,7 @@
           <a:graphicData uri="http://schemas.openxmlformats.org/presentationml/2006/ole">
             <mc:AlternateContent xmlns:mc="http://schemas.openxmlformats.org/markup-compatibility/2006">
               <mc:Choice xmlns:v="urn:schemas-microsoft-com:vml" Requires="v">
-                <p:oleObj spid="_x0000_s9659" name="Equation" r:id="rId9" imgW="444240" imgH="177480" progId="Equation.DSMT4">
+                <p:oleObj spid="_x0000_s9669" name="Equation" r:id="rId9" imgW="444240" imgH="177480" progId="Equation.DSMT4">
                   <p:embed/>
                 </p:oleObj>
               </mc:Choice>
@@ -13121,7 +13358,7 @@
           <a:graphicData uri="http://schemas.openxmlformats.org/presentationml/2006/ole">
             <mc:AlternateContent xmlns:mc="http://schemas.openxmlformats.org/markup-compatibility/2006">
               <mc:Choice xmlns:v="urn:schemas-microsoft-com:vml" Requires="v">
-                <p:oleObj spid="_x0000_s9660" name="Equation" r:id="rId11" imgW="126720" imgH="139680" progId="Equation.DSMT4">
+                <p:oleObj spid="_x0000_s9670" name="Equation" r:id="rId11" imgW="126720" imgH="139680" progId="Equation.DSMT4">
                   <p:embed/>
                 </p:oleObj>
               </mc:Choice>
@@ -13196,21 +13433,7 @@
                 <a:latin typeface="微软雅黑" panose="020B0503020204020204" pitchFamily="34" charset="-122"/>
                 <a:ea typeface="微软雅黑" panose="020B0503020204020204" pitchFamily="34" charset="-122"/>
               </a:rPr>
-              <a:t>From left to right , the leaves of a parse tree </a:t>
-            </a:r>
-            <a:r>
-              <a:rPr lang="en-US" altLang="zh-CN" sz="1500" dirty="0" smtClean="0">
-                <a:latin typeface="微软雅黑" panose="020B0503020204020204" pitchFamily="34" charset="-122"/>
-                <a:ea typeface="微软雅黑" panose="020B0503020204020204" pitchFamily="34" charset="-122"/>
-              </a:rPr>
-              <a:t>form </a:t>
-            </a:r>
-            <a:r>
-              <a:rPr lang="en-US" altLang="zh-CN" sz="1500" dirty="0">
-                <a:latin typeface="微软雅黑" panose="020B0503020204020204" pitchFamily="34" charset="-122"/>
-                <a:ea typeface="微软雅黑" panose="020B0503020204020204" pitchFamily="34" charset="-122"/>
-              </a:rPr>
-              <a:t>the </a:t>
+              <a:t>From left to right , the leaves of a parse tree form the </a:t>
             </a:r>
             <a:r>
               <a:rPr lang="en-US" altLang="zh-CN" sz="1500" b="1" i="1" dirty="0">
@@ -13227,21 +13450,7 @@
                 <a:latin typeface="微软雅黑" panose="020B0503020204020204" pitchFamily="34" charset="-122"/>
                 <a:ea typeface="微软雅黑" panose="020B0503020204020204" pitchFamily="34" charset="-122"/>
               </a:rPr>
-              <a:t> of the tree , </a:t>
-            </a:r>
-            <a:r>
-              <a:rPr lang="en-US" altLang="zh-CN" sz="1500" dirty="0" smtClean="0">
-                <a:latin typeface="微软雅黑" panose="020B0503020204020204" pitchFamily="34" charset="-122"/>
-                <a:ea typeface="微软雅黑" panose="020B0503020204020204" pitchFamily="34" charset="-122"/>
-              </a:rPr>
-              <a:t>which is </a:t>
-            </a:r>
-            <a:r>
-              <a:rPr lang="en-US" altLang="zh-CN" sz="1500" dirty="0">
-                <a:latin typeface="微软雅黑" panose="020B0503020204020204" pitchFamily="34" charset="-122"/>
-                <a:ea typeface="微软雅黑" panose="020B0503020204020204" pitchFamily="34" charset="-122"/>
-              </a:rPr>
-              <a:t>the string </a:t>
+              <a:t> of the tree , which is the string </a:t>
             </a:r>
             <a:r>
               <a:rPr lang="en-US" altLang="zh-CN" sz="1500" b="1" i="1" dirty="0">
@@ -13285,35 +13494,7 @@
                 <a:latin typeface="微软雅黑" panose="020B0503020204020204" pitchFamily="34" charset="-122"/>
                 <a:ea typeface="微软雅黑" panose="020B0503020204020204" pitchFamily="34" charset="-122"/>
               </a:rPr>
-              <a:t> from the nonterminal at the root of the </a:t>
-            </a:r>
-            <a:r>
-              <a:rPr lang="en-US" altLang="zh-CN" sz="1500" dirty="0" smtClean="0">
-                <a:latin typeface="微软雅黑" panose="020B0503020204020204" pitchFamily="34" charset="-122"/>
-                <a:ea typeface="微软雅黑" panose="020B0503020204020204" pitchFamily="34" charset="-122"/>
-              </a:rPr>
-              <a:t>parse </a:t>
-            </a:r>
-            <a:r>
-              <a:rPr lang="en-US" altLang="zh-CN" sz="1500" dirty="0">
-                <a:latin typeface="微软雅黑" panose="020B0503020204020204" pitchFamily="34" charset="-122"/>
-                <a:ea typeface="微软雅黑" panose="020B0503020204020204" pitchFamily="34" charset="-122"/>
-              </a:rPr>
-              <a:t>tree. The process of finding a </a:t>
-            </a:r>
-            <a:r>
-              <a:rPr lang="en-US" altLang="zh-CN" sz="1500" dirty="0" smtClean="0">
-                <a:latin typeface="微软雅黑" panose="020B0503020204020204" pitchFamily="34" charset="-122"/>
-                <a:ea typeface="微软雅黑" panose="020B0503020204020204" pitchFamily="34" charset="-122"/>
-              </a:rPr>
-              <a:t>parse tree </a:t>
-            </a:r>
-            <a:r>
-              <a:rPr lang="en-US" altLang="zh-CN" sz="1500" dirty="0">
-                <a:latin typeface="微软雅黑" panose="020B0503020204020204" pitchFamily="34" charset="-122"/>
-                <a:ea typeface="微软雅黑" panose="020B0503020204020204" pitchFamily="34" charset="-122"/>
-              </a:rPr>
-              <a:t>for a given string of terminals is called </a:t>
+              <a:t> from the nonterminal at the root of the parse tree. The process of finding a parse tree for a given string of terminals is called </a:t>
             </a:r>
             <a:r>
               <a:rPr lang="en-US" altLang="zh-CN" sz="1500" b="1" i="1" dirty="0">
@@ -13361,188 +13542,6 @@
       </p:transition>
     </mc:Fallback>
   </mc:AlternateContent>
-  <p:timing>
-    <p:tnLst>
-      <p:par>
-        <p:cTn id="1" dur="indefinite" restart="never" nodeType="tmRoot"/>
-      </p:par>
-    </p:tnLst>
-  </p:timing>
-</p:sld>
-</file>
-
-<file path=ppt/slides/slide7.xml><?xml version="1.0" encoding="utf-8"?>
-<p:sld xmlns:a="http://schemas.openxmlformats.org/drawingml/2006/main" xmlns:r="http://schemas.openxmlformats.org/officeDocument/2006/relationships" xmlns:p="http://schemas.openxmlformats.org/presentationml/2006/main">
-  <p:cSld>
-    <p:spTree>
-      <p:nvGrpSpPr>
-        <p:cNvPr id="1" name=""/>
-        <p:cNvGrpSpPr/>
-        <p:nvPr/>
-      </p:nvGrpSpPr>
-      <p:grpSpPr>
-        <a:xfrm>
-          <a:off x="0" y="0"/>
-          <a:ext cx="0" cy="0"/>
-          <a:chOff x="0" y="0"/>
-          <a:chExt cx="0" cy="0"/>
-        </a:xfrm>
-      </p:grpSpPr>
-      <p:sp>
-        <p:nvSpPr>
-          <p:cNvPr id="2" name="标题 1"/>
-          <p:cNvSpPr>
-            <a:spLocks noGrp="1"/>
-          </p:cNvSpPr>
-          <p:nvPr>
-            <p:ph type="title"/>
-          </p:nvPr>
-        </p:nvSpPr>
-        <p:spPr>
-          <a:xfrm>
-            <a:off x="1057275" y="163286"/>
-            <a:ext cx="7485512" cy="1096962"/>
-          </a:xfrm>
-        </p:spPr>
-        <p:txBody>
-          <a:bodyPr/>
-          <a:lstStyle/>
-          <a:p>
-            <a:r>
-              <a:rPr lang="en-US" altLang="zh-CN" dirty="0" smtClean="0"/>
-              <a:t>3.2 Top-Down Parsing</a:t>
-            </a:r>
-            <a:endParaRPr lang="zh-CN" altLang="en-US" dirty="0"/>
-          </a:p>
-        </p:txBody>
-      </p:sp>
-      <p:sp>
-        <p:nvSpPr>
-          <p:cNvPr id="3" name="内容占位符 2"/>
-          <p:cNvSpPr>
-            <a:spLocks noGrp="1"/>
-          </p:cNvSpPr>
-          <p:nvPr>
-            <p:ph idx="1"/>
-          </p:nvPr>
-        </p:nvSpPr>
-        <p:spPr/>
-        <p:txBody>
-          <a:bodyPr>
-            <a:normAutofit/>
-          </a:bodyPr>
-          <a:lstStyle/>
-          <a:p>
-            <a:r>
-              <a:rPr lang="en-US" altLang="zh-CN" sz="1800" dirty="0"/>
-              <a:t>Top-down parsing can be viewed as the problem of constructing a parse tree </a:t>
-            </a:r>
-            <a:r>
-              <a:rPr lang="en-US" altLang="zh-CN" sz="1800" dirty="0" smtClean="0"/>
-              <a:t>for the </a:t>
-            </a:r>
-            <a:r>
-              <a:rPr lang="en-US" altLang="zh-CN" sz="1800" dirty="0"/>
-              <a:t>input string, starting from the root and creating the nodes of the parse </a:t>
-            </a:r>
-            <a:r>
-              <a:rPr lang="en-US" altLang="zh-CN" sz="1800" dirty="0" smtClean="0"/>
-              <a:t>tree in </a:t>
-            </a:r>
-            <a:r>
-              <a:rPr lang="en-US" altLang="zh-CN" sz="1800" dirty="0"/>
-              <a:t>preorder (</a:t>
-            </a:r>
-            <a:r>
-              <a:rPr lang="en-US" altLang="zh-CN" sz="1800" dirty="0" smtClean="0"/>
-              <a:t>depth-first) </a:t>
-            </a:r>
-            <a:r>
-              <a:rPr lang="en-US" altLang="zh-CN" sz="1800" dirty="0"/>
-              <a:t>. Equivalently, </a:t>
-            </a:r>
-            <a:r>
-              <a:rPr lang="en-US" altLang="zh-CN" sz="1800" dirty="0" smtClean="0"/>
-              <a:t>top-down parsing </a:t>
-            </a:r>
-            <a:r>
-              <a:rPr lang="en-US" altLang="zh-CN" sz="1800" dirty="0"/>
-              <a:t>can be viewed as finding a leftmost derivation for an input string</a:t>
-            </a:r>
-            <a:r>
-              <a:rPr lang="en-US" altLang="zh-CN" sz="1800" dirty="0" smtClean="0"/>
-              <a:t>.</a:t>
-            </a:r>
-          </a:p>
-          <a:p>
-            <a:r>
-              <a:rPr lang="en-US" altLang="zh-CN" sz="1800" dirty="0" smtClean="0"/>
-              <a:t>Consider the grammar</a:t>
-            </a:r>
-          </a:p>
-          <a:p>
-            <a:pPr marL="0" indent="0">
-              <a:buNone/>
-            </a:pPr>
-            <a:r>
-              <a:rPr lang="en-US" altLang="zh-CN" sz="1800" dirty="0" smtClean="0"/>
-              <a:t>            S-&gt;c A d</a:t>
-            </a:r>
-          </a:p>
-          <a:p>
-            <a:pPr marL="0" indent="0">
-              <a:buNone/>
-            </a:pPr>
-            <a:r>
-              <a:rPr lang="en-US" altLang="zh-CN" sz="1800" dirty="0"/>
-              <a:t> </a:t>
-            </a:r>
-            <a:r>
-              <a:rPr lang="en-US" altLang="zh-CN" sz="1800" dirty="0" smtClean="0"/>
-              <a:t>           A-&gt;ab | a</a:t>
-            </a:r>
-          </a:p>
-          <a:p>
-            <a:pPr marL="0" indent="0">
-              <a:buNone/>
-            </a:pPr>
-            <a:r>
-              <a:rPr lang="en-US" altLang="zh-CN" sz="1800" dirty="0" smtClean="0"/>
-              <a:t>Input string w=cad</a:t>
-            </a:r>
-            <a:endParaRPr lang="zh-CN" altLang="en-US" sz="1800" dirty="0"/>
-          </a:p>
-        </p:txBody>
-      </p:sp>
-    </p:spTree>
-    <p:extLst>
-      <p:ext uri="{BB962C8B-B14F-4D97-AF65-F5344CB8AC3E}">
-        <p14:creationId xmlns:p14="http://schemas.microsoft.com/office/powerpoint/2010/main" val="513823218"/>
-      </p:ext>
-    </p:extLst>
-  </p:cSld>
-  <p:clrMapOvr>
-    <a:masterClrMapping/>
-  </p:clrMapOvr>
-  <mc:AlternateContent xmlns:mc="http://schemas.openxmlformats.org/markup-compatibility/2006" xmlns:p14="http://schemas.microsoft.com/office/powerpoint/2010/main">
-    <mc:Choice Requires="p14">
-      <p:transition spd="med" p14:dur="700">
-        <p:fade/>
-      </p:transition>
-    </mc:Choice>
-    <mc:Fallback xmlns="">
-      <p:transition spd="med">
-        <p:fade/>
-      </p:transition>
-    </mc:Fallback>
-  </mc:AlternateContent>
-  <p:timing>
-    <p:tnLst>
-      <p:par>
-        <p:cTn id="1" dur="indefinite" restart="never" nodeType="tmRoot"/>
-      </p:par>
-    </p:tnLst>
-  </p:timing>
 </p:sld>
 </file>
 
@@ -13573,6 +13572,134 @@
             <p:ph type="title"/>
           </p:nvPr>
         </p:nvSpPr>
+        <p:spPr>
+          <a:xfrm>
+            <a:off x="1057275" y="163286"/>
+            <a:ext cx="7485512" cy="1096962"/>
+          </a:xfrm>
+        </p:spPr>
+        <p:txBody>
+          <a:bodyPr/>
+          <a:lstStyle/>
+          <a:p>
+            <a:r>
+              <a:rPr lang="en-US" altLang="zh-CN" dirty="0"/>
+              <a:t>3.2 Top-Down Parsing</a:t>
+            </a:r>
+            <a:endParaRPr lang="zh-CN" altLang="en-US" dirty="0"/>
+          </a:p>
+        </p:txBody>
+      </p:sp>
+      <p:sp>
+        <p:nvSpPr>
+          <p:cNvPr id="3" name="内容占位符 2"/>
+          <p:cNvSpPr>
+            <a:spLocks noGrp="1"/>
+          </p:cNvSpPr>
+          <p:nvPr>
+            <p:ph idx="1"/>
+          </p:nvPr>
+        </p:nvSpPr>
+        <p:spPr/>
+        <p:txBody>
+          <a:bodyPr>
+            <a:normAutofit/>
+          </a:bodyPr>
+          <a:lstStyle/>
+          <a:p>
+            <a:r>
+              <a:rPr lang="en-US" altLang="zh-CN" sz="1800" dirty="0"/>
+              <a:t>Top-down parsing can be viewed as the problem of constructing a parse tree for the input string, starting from the root and creating the nodes of the parse tree in preorder (depth-first) . Equivalently, top-down parsing can be viewed as finding a leftmost derivation for an input string.</a:t>
+            </a:r>
+          </a:p>
+          <a:p>
+            <a:r>
+              <a:rPr lang="en-US" altLang="zh-CN" sz="1800" dirty="0"/>
+              <a:t>Consider the grammar</a:t>
+            </a:r>
+          </a:p>
+          <a:p>
+            <a:pPr marL="0" indent="0">
+              <a:buNone/>
+            </a:pPr>
+            <a:r>
+              <a:rPr lang="en-US" altLang="zh-CN" sz="1800" dirty="0"/>
+              <a:t>            S-&gt;c A d</a:t>
+            </a:r>
+          </a:p>
+          <a:p>
+            <a:pPr marL="0" indent="0">
+              <a:buNone/>
+            </a:pPr>
+            <a:r>
+              <a:rPr lang="en-US" altLang="zh-CN" sz="1800" dirty="0"/>
+              <a:t>            A-&gt;ab | a</a:t>
+            </a:r>
+          </a:p>
+          <a:p>
+            <a:pPr marL="0" indent="0">
+              <a:buNone/>
+            </a:pPr>
+            <a:r>
+              <a:rPr lang="en-US" altLang="zh-CN" sz="1800" dirty="0"/>
+              <a:t>Input string w=cad</a:t>
+            </a:r>
+            <a:endParaRPr lang="zh-CN" altLang="en-US" sz="1800" dirty="0"/>
+          </a:p>
+        </p:txBody>
+      </p:sp>
+    </p:spTree>
+    <p:extLst>
+      <p:ext uri="{BB962C8B-B14F-4D97-AF65-F5344CB8AC3E}">
+        <p14:creationId xmlns:p14="http://schemas.microsoft.com/office/powerpoint/2010/main" val="513823218"/>
+      </p:ext>
+    </p:extLst>
+  </p:cSld>
+  <p:clrMapOvr>
+    <a:masterClrMapping/>
+  </p:clrMapOvr>
+  <mc:AlternateContent xmlns:mc="http://schemas.openxmlformats.org/markup-compatibility/2006" xmlns:p14="http://schemas.microsoft.com/office/powerpoint/2010/main">
+    <mc:Choice Requires="p14">
+      <p:transition spd="med" p14:dur="700">
+        <p:fade/>
+      </p:transition>
+    </mc:Choice>
+    <mc:Fallback xmlns="">
+      <p:transition spd="med">
+        <p:fade/>
+      </p:transition>
+    </mc:Fallback>
+  </mc:AlternateContent>
+</p:sld>
+</file>
+
+<file path=ppt/slides/slide9.xml><?xml version="1.0" encoding="utf-8"?>
+<p:sld xmlns:a="http://schemas.openxmlformats.org/drawingml/2006/main" xmlns:r="http://schemas.openxmlformats.org/officeDocument/2006/relationships" xmlns:p="http://schemas.openxmlformats.org/presentationml/2006/main">
+  <p:cSld>
+    <p:spTree>
+      <p:nvGrpSpPr>
+        <p:cNvPr id="1" name=""/>
+        <p:cNvGrpSpPr/>
+        <p:nvPr/>
+      </p:nvGrpSpPr>
+      <p:grpSpPr>
+        <a:xfrm>
+          <a:off x="0" y="0"/>
+          <a:ext cx="0" cy="0"/>
+          <a:chOff x="0" y="0"/>
+          <a:chExt cx="0" cy="0"/>
+        </a:xfrm>
+      </p:grpSpPr>
+      <p:sp>
+        <p:nvSpPr>
+          <p:cNvPr id="2" name="标题 1"/>
+          <p:cNvSpPr>
+            <a:spLocks noGrp="1"/>
+          </p:cNvSpPr>
+          <p:nvPr>
+            <p:ph type="title"/>
+          </p:nvPr>
+        </p:nvSpPr>
         <p:spPr/>
         <p:txBody>
           <a:bodyPr/>
@@ -13580,11 +13707,7 @@
           <a:p>
             <a:r>
               <a:rPr lang="en-US" altLang="zh-CN" dirty="0"/>
-              <a:t>3.2 Top-Down </a:t>
-            </a:r>
-            <a:r>
-              <a:rPr lang="en-US" altLang="zh-CN" dirty="0" smtClean="0"/>
-              <a:t>Parsing - Problems</a:t>
+              <a:t>3.2 Top-Down Parsing - Problems</a:t>
             </a:r>
             <a:endParaRPr lang="zh-CN" altLang="en-US" dirty="0"/>
           </a:p>
@@ -13613,7 +13736,7 @@
           <a:lstStyle/>
           <a:p>
             <a:r>
-              <a:rPr lang="en-US" altLang="zh-CN" sz="2000" dirty="0" smtClean="0"/>
+              <a:rPr lang="en-US" altLang="zh-CN" sz="2000" dirty="0"/>
               <a:t>1. Left Recursion</a:t>
             </a:r>
           </a:p>
@@ -13622,16 +13745,8 @@
           </a:p>
           <a:p>
             <a:r>
-              <a:rPr lang="en-US" altLang="zh-CN" sz="2000" dirty="0" smtClean="0"/>
-              <a:t>2. Backtracking is very time consuming. It will retract a lot tokens, reset the information in symbol table </a:t>
-            </a:r>
-            <a:r>
               <a:rPr lang="en-US" altLang="zh-CN" sz="2000" dirty="0"/>
-              <a:t>and discard </a:t>
-            </a:r>
-            <a:r>
-              <a:rPr lang="en-US" altLang="zh-CN" sz="2000" dirty="0" smtClean="0"/>
-              <a:t>also results in semantic analysis and code generation.</a:t>
+              <a:t>2. Backtracking is very time consuming. It will retract a lot tokens, reset the information in symbol table and discard also results in semantic analysis and code generation.</a:t>
             </a:r>
           </a:p>
           <a:p>
@@ -13639,17 +13754,16 @@
           </a:p>
           <a:p>
             <a:r>
-              <a:rPr lang="en-US" altLang="zh-CN" sz="2000" dirty="0" smtClean="0"/>
+              <a:rPr lang="en-US" altLang="zh-CN" sz="2000" dirty="0"/>
               <a:t>3. Ambiguity</a:t>
             </a:r>
           </a:p>
           <a:p>
             <a:pPr lvl="1"/>
             <a:r>
-              <a:rPr lang="en-US" altLang="zh-CN" sz="1700" dirty="0" smtClean="0"/>
+              <a:rPr lang="en-US" altLang="zh-CN" sz="1700" dirty="0"/>
               <a:t>Multiple choices are right. The results of the program is not deterministic. </a:t>
             </a:r>
-            <a:endParaRPr lang="en-US" altLang="zh-CN" sz="1700" dirty="0"/>
           </a:p>
         </p:txBody>
       </p:sp>
@@ -13675,7 +13789,7 @@
           <a:graphicData uri="http://schemas.openxmlformats.org/presentationml/2006/ole">
             <mc:AlternateContent xmlns:mc="http://schemas.openxmlformats.org/markup-compatibility/2006">
               <mc:Choice xmlns:v="urn:schemas-microsoft-com:vml" Requires="v">
-                <p:oleObj spid="_x0000_s10307" name="Equation" r:id="rId3" imgW="469800" imgH="164880" progId="Equation.DSMT4">
+                <p:oleObj spid="_x0000_s10309" name="Equation" r:id="rId3" imgW="469800" imgH="164880" progId="Equation.DSMT4">
                   <p:embed/>
                 </p:oleObj>
               </mc:Choice>
@@ -13746,7 +13860,7 @@
           <a:lstStyle/>
           <a:p>
             <a:r>
-              <a:rPr lang="en-US" altLang="zh-CN" dirty="0" smtClean="0">
+              <a:rPr lang="en-US" altLang="zh-CN" dirty="0">
                 <a:ln w="0"/>
                 <a:solidFill>
                   <a:schemeClr val="tx1"/>
@@ -13799,539 +13913,6 @@
       </p:transition>
     </mc:Fallback>
   </mc:AlternateContent>
-  <p:timing>
-    <p:tnLst>
-      <p:par>
-        <p:cTn id="1" dur="indefinite" restart="never" nodeType="tmRoot"/>
-      </p:par>
-    </p:tnLst>
-  </p:timing>
-</p:sld>
-</file>
-
-<file path=ppt/slides/slide9.xml><?xml version="1.0" encoding="utf-8"?>
-<p:sld xmlns:a="http://schemas.openxmlformats.org/drawingml/2006/main" xmlns:r="http://schemas.openxmlformats.org/officeDocument/2006/relationships" xmlns:p="http://schemas.openxmlformats.org/presentationml/2006/main">
-  <p:cSld>
-    <p:spTree>
-      <p:nvGrpSpPr>
-        <p:cNvPr id="1" name=""/>
-        <p:cNvGrpSpPr/>
-        <p:nvPr/>
-      </p:nvGrpSpPr>
-      <p:grpSpPr>
-        <a:xfrm>
-          <a:off x="0" y="0"/>
-          <a:ext cx="0" cy="0"/>
-          <a:chOff x="0" y="0"/>
-          <a:chExt cx="0" cy="0"/>
-        </a:xfrm>
-      </p:grpSpPr>
-      <p:sp>
-        <p:nvSpPr>
-          <p:cNvPr id="2" name="标题 1"/>
-          <p:cNvSpPr>
-            <a:spLocks noGrp="1"/>
-          </p:cNvSpPr>
-          <p:nvPr>
-            <p:ph type="title"/>
-          </p:nvPr>
-        </p:nvSpPr>
-        <p:spPr/>
-        <p:txBody>
-          <a:bodyPr/>
-          <a:lstStyle/>
-          <a:p>
-            <a:r>
-              <a:rPr lang="en-US" altLang="zh-CN" dirty="0" smtClean="0"/>
-              <a:t>3.3 Write Grammar for Top-Down Parsing</a:t>
-            </a:r>
-            <a:endParaRPr lang="zh-CN" altLang="en-US" dirty="0"/>
-          </a:p>
-        </p:txBody>
-      </p:sp>
-      <p:sp>
-        <p:nvSpPr>
-          <p:cNvPr id="3" name="内容占位符 2"/>
-          <p:cNvSpPr>
-            <a:spLocks noGrp="1"/>
-          </p:cNvSpPr>
-          <p:nvPr>
-            <p:ph idx="1"/>
-          </p:nvPr>
-        </p:nvSpPr>
-        <p:spPr/>
-        <p:txBody>
-          <a:bodyPr>
-            <a:normAutofit/>
-          </a:bodyPr>
-          <a:lstStyle/>
-          <a:p>
-            <a:r>
-              <a:rPr lang="en-US" altLang="zh-CN" sz="2000" dirty="0" smtClean="0"/>
-              <a:t>Eliminating Ambiguity</a:t>
-            </a:r>
-          </a:p>
-          <a:p>
-            <a:pPr marL="457200" indent="-457200">
-              <a:buAutoNum type="arabicParenBoth"/>
-            </a:pPr>
-            <a:r>
-              <a:rPr lang="en-US" altLang="zh-CN" sz="1600" dirty="0" smtClean="0"/>
-              <a:t>Expressions</a:t>
-            </a:r>
-          </a:p>
-          <a:p>
-            <a:pPr marL="457200" indent="-457200">
-              <a:buAutoNum type="arabicParenBoth"/>
-            </a:pPr>
-            <a:endParaRPr lang="en-US" altLang="zh-CN" sz="1600" dirty="0"/>
-          </a:p>
-          <a:p>
-            <a:pPr marL="457200" indent="-457200">
-              <a:buAutoNum type="arabicParenBoth"/>
-            </a:pPr>
-            <a:endParaRPr lang="en-US" altLang="zh-CN" sz="1600" dirty="0" smtClean="0"/>
-          </a:p>
-          <a:p>
-            <a:pPr marL="457200" indent="-457200">
-              <a:buAutoNum type="arabicParenBoth"/>
-            </a:pPr>
-            <a:endParaRPr lang="en-US" altLang="zh-CN" sz="1600" dirty="0"/>
-          </a:p>
-          <a:p>
-            <a:pPr marL="457200" indent="-457200">
-              <a:buAutoNum type="arabicParenBoth"/>
-            </a:pPr>
-            <a:r>
-              <a:rPr lang="en-US" altLang="zh-CN" sz="1600" dirty="0" smtClean="0"/>
-              <a:t>If … then … else</a:t>
-            </a:r>
-          </a:p>
-          <a:p>
-            <a:pPr marL="457200" indent="-457200">
-              <a:buAutoNum type="arabicParenBoth"/>
-            </a:pPr>
-            <a:endParaRPr lang="en-US" altLang="zh-CN" sz="1600" dirty="0" smtClean="0"/>
-          </a:p>
-          <a:p>
-            <a:pPr marL="0" indent="0">
-              <a:buNone/>
-            </a:pPr>
-            <a:r>
-              <a:rPr lang="en-US" altLang="zh-CN" sz="2000" dirty="0"/>
-              <a:t> </a:t>
-            </a:r>
-            <a:r>
-              <a:rPr lang="en-US" altLang="zh-CN" sz="2000" dirty="0" smtClean="0"/>
-              <a:t>     </a:t>
-            </a:r>
-            <a:endParaRPr lang="zh-CN" altLang="en-US" sz="2000" dirty="0"/>
-          </a:p>
-        </p:txBody>
-      </p:sp>
-      <p:graphicFrame>
-        <p:nvGraphicFramePr>
-          <p:cNvPr id="4" name="对象 3"/>
-          <p:cNvGraphicFramePr>
-            <a:graphicFrameLocks noChangeAspect="1"/>
-          </p:cNvGraphicFramePr>
-          <p:nvPr>
-            <p:extLst>
-              <p:ext uri="{D42A27DB-BD31-4B8C-83A1-F6EECF244321}">
-                <p14:modId xmlns:p14="http://schemas.microsoft.com/office/powerpoint/2010/main" val="4228015586"/>
-              </p:ext>
-            </p:extLst>
-          </p:nvPr>
-        </p:nvGraphicFramePr>
-        <p:xfrm>
-          <a:off x="1239156" y="2406422"/>
-          <a:ext cx="1057729" cy="1259201"/>
-        </p:xfrm>
-        <a:graphic>
-          <a:graphicData uri="http://schemas.openxmlformats.org/presentationml/2006/ole">
-            <mc:AlternateContent xmlns:mc="http://schemas.openxmlformats.org/markup-compatibility/2006">
-              <mc:Choice xmlns:v="urn:schemas-microsoft-com:vml" Requires="v">
-                <p:oleObj spid="_x0000_s11501" name="Equation" r:id="rId3" imgW="533160" imgH="634680" progId="Equation.DSMT4">
-                  <p:embed/>
-                </p:oleObj>
-              </mc:Choice>
-              <mc:Fallback>
-                <p:oleObj name="Equation" r:id="rId3" imgW="533160" imgH="634680" progId="Equation.DSMT4">
-                  <p:embed/>
-                  <p:pic>
-                    <p:nvPicPr>
-                      <p:cNvPr id="0" name=""/>
-                      <p:cNvPicPr/>
-                      <p:nvPr/>
-                    </p:nvPicPr>
-                    <p:blipFill>
-                      <a:blip r:embed="rId4"/>
-                      <a:stretch>
-                        <a:fillRect/>
-                      </a:stretch>
-                    </p:blipFill>
-                    <p:spPr>
-                      <a:xfrm>
-                        <a:off x="1239156" y="2406422"/>
-                        <a:ext cx="1057729" cy="1259201"/>
-                      </a:xfrm>
-                      <a:prstGeom prst="rect">
-                        <a:avLst/>
-                      </a:prstGeom>
-                    </p:spPr>
-                  </p:pic>
-                </p:oleObj>
-              </mc:Fallback>
-            </mc:AlternateContent>
-          </a:graphicData>
-        </a:graphic>
-      </p:graphicFrame>
-      <p:sp>
-        <p:nvSpPr>
-          <p:cNvPr id="5" name="右箭头 4"/>
-          <p:cNvSpPr/>
-          <p:nvPr/>
-        </p:nvSpPr>
-        <p:spPr>
-          <a:xfrm>
-            <a:off x="2699657" y="2775857"/>
-            <a:ext cx="892629" cy="457200"/>
-          </a:xfrm>
-          <a:prstGeom prst="rightArrow">
-            <a:avLst/>
-          </a:prstGeom>
-        </p:spPr>
-        <p:style>
-          <a:lnRef idx="2">
-            <a:schemeClr val="accent1">
-              <a:shade val="50000"/>
-            </a:schemeClr>
-          </a:lnRef>
-          <a:fillRef idx="1">
-            <a:schemeClr val="accent1"/>
-          </a:fillRef>
-          <a:effectRef idx="0">
-            <a:schemeClr val="accent1"/>
-          </a:effectRef>
-          <a:fontRef idx="minor">
-            <a:schemeClr val="lt1"/>
-          </a:fontRef>
-        </p:style>
-        <p:txBody>
-          <a:bodyPr rtlCol="0" anchor="ctr"/>
-          <a:lstStyle/>
-          <a:p>
-            <a:pPr algn="ctr"/>
-            <a:endParaRPr lang="zh-CN" altLang="en-US"/>
-          </a:p>
-        </p:txBody>
-      </p:sp>
-      <p:graphicFrame>
-        <p:nvGraphicFramePr>
-          <p:cNvPr id="6" name="对象 5"/>
-          <p:cNvGraphicFramePr>
-            <a:graphicFrameLocks noChangeAspect="1"/>
-          </p:cNvGraphicFramePr>
-          <p:nvPr>
-            <p:extLst>
-              <p:ext uri="{D42A27DB-BD31-4B8C-83A1-F6EECF244321}">
-                <p14:modId xmlns:p14="http://schemas.microsoft.com/office/powerpoint/2010/main" val="2589875994"/>
-              </p:ext>
-            </p:extLst>
-          </p:nvPr>
-        </p:nvGraphicFramePr>
-        <p:xfrm>
-          <a:off x="3865337" y="2472499"/>
-          <a:ext cx="1348920" cy="985418"/>
-        </p:xfrm>
-        <a:graphic>
-          <a:graphicData uri="http://schemas.openxmlformats.org/presentationml/2006/ole">
-            <mc:AlternateContent xmlns:mc="http://schemas.openxmlformats.org/markup-compatibility/2006">
-              <mc:Choice xmlns:v="urn:schemas-microsoft-com:vml" Requires="v">
-                <p:oleObj spid="_x0000_s11502" name="Equation" r:id="rId5" imgW="660240" imgH="482400" progId="Equation.DSMT4">
-                  <p:embed/>
-                </p:oleObj>
-              </mc:Choice>
-              <mc:Fallback>
-                <p:oleObj name="Equation" r:id="rId5" imgW="660240" imgH="482400" progId="Equation.DSMT4">
-                  <p:embed/>
-                  <p:pic>
-                    <p:nvPicPr>
-                      <p:cNvPr id="0" name=""/>
-                      <p:cNvPicPr/>
-                      <p:nvPr/>
-                    </p:nvPicPr>
-                    <p:blipFill>
-                      <a:blip r:embed="rId6"/>
-                      <a:stretch>
-                        <a:fillRect/>
-                      </a:stretch>
-                    </p:blipFill>
-                    <p:spPr>
-                      <a:xfrm>
-                        <a:off x="3865337" y="2472499"/>
-                        <a:ext cx="1348920" cy="985418"/>
-                      </a:xfrm>
-                      <a:prstGeom prst="rect">
-                        <a:avLst/>
-                      </a:prstGeom>
-                    </p:spPr>
-                  </p:pic>
-                </p:oleObj>
-              </mc:Fallback>
-            </mc:AlternateContent>
-          </a:graphicData>
-        </a:graphic>
-      </p:graphicFrame>
-      <p:graphicFrame>
-        <p:nvGraphicFramePr>
-          <p:cNvPr id="7" name="对象 6"/>
-          <p:cNvGraphicFramePr>
-            <a:graphicFrameLocks noChangeAspect="1"/>
-          </p:cNvGraphicFramePr>
-          <p:nvPr>
-            <p:extLst>
-              <p:ext uri="{D42A27DB-BD31-4B8C-83A1-F6EECF244321}">
-                <p14:modId xmlns:p14="http://schemas.microsoft.com/office/powerpoint/2010/main" val="3506390537"/>
-              </p:ext>
-            </p:extLst>
-          </p:nvPr>
-        </p:nvGraphicFramePr>
-        <p:xfrm>
-          <a:off x="1239157" y="4027865"/>
-          <a:ext cx="2914650" cy="898299"/>
-        </p:xfrm>
-        <a:graphic>
-          <a:graphicData uri="http://schemas.openxmlformats.org/presentationml/2006/ole">
-            <mc:AlternateContent xmlns:mc="http://schemas.openxmlformats.org/markup-compatibility/2006">
-              <mc:Choice xmlns:v="urn:schemas-microsoft-com:vml" Requires="v">
-                <p:oleObj spid="_x0000_s11503" name="Equation" r:id="rId7" imgW="1549080" imgH="482400" progId="Equation.DSMT4">
-                  <p:embed/>
-                </p:oleObj>
-              </mc:Choice>
-              <mc:Fallback>
-                <p:oleObj name="Equation" r:id="rId7" imgW="1549080" imgH="482400" progId="Equation.DSMT4">
-                  <p:embed/>
-                  <p:pic>
-                    <p:nvPicPr>
-                      <p:cNvPr id="0" name=""/>
-                      <p:cNvPicPr/>
-                      <p:nvPr/>
-                    </p:nvPicPr>
-                    <p:blipFill>
-                      <a:blip r:embed="rId8"/>
-                      <a:stretch>
-                        <a:fillRect/>
-                      </a:stretch>
-                    </p:blipFill>
-                    <p:spPr>
-                      <a:xfrm>
-                        <a:off x="1239157" y="4027865"/>
-                        <a:ext cx="2914650" cy="898299"/>
-                      </a:xfrm>
-                      <a:prstGeom prst="rect">
-                        <a:avLst/>
-                      </a:prstGeom>
-                    </p:spPr>
-                  </p:pic>
-                </p:oleObj>
-              </mc:Fallback>
-            </mc:AlternateContent>
-          </a:graphicData>
-        </a:graphic>
-      </p:graphicFrame>
-      <p:sp>
-        <p:nvSpPr>
-          <p:cNvPr id="8" name="右箭头 7"/>
-          <p:cNvSpPr/>
-          <p:nvPr/>
-        </p:nvSpPr>
-        <p:spPr>
-          <a:xfrm rot="5400000">
-            <a:off x="2868781" y="4735550"/>
-            <a:ext cx="554378" cy="337457"/>
-          </a:xfrm>
-          <a:prstGeom prst="rightArrow">
-            <a:avLst/>
-          </a:prstGeom>
-        </p:spPr>
-        <p:style>
-          <a:lnRef idx="2">
-            <a:schemeClr val="accent1">
-              <a:shade val="50000"/>
-            </a:schemeClr>
-          </a:lnRef>
-          <a:fillRef idx="1">
-            <a:schemeClr val="accent1"/>
-          </a:fillRef>
-          <a:effectRef idx="0">
-            <a:schemeClr val="accent1"/>
-          </a:effectRef>
-          <a:fontRef idx="minor">
-            <a:schemeClr val="lt1"/>
-          </a:fontRef>
-        </p:style>
-        <p:txBody>
-          <a:bodyPr rtlCol="0" anchor="ctr"/>
-          <a:lstStyle/>
-          <a:p>
-            <a:pPr algn="ctr"/>
-            <a:endParaRPr lang="zh-CN" altLang="en-US"/>
-          </a:p>
-        </p:txBody>
-      </p:sp>
-      <p:graphicFrame>
-        <p:nvGraphicFramePr>
-          <p:cNvPr id="10" name="对象 9"/>
-          <p:cNvGraphicFramePr>
-            <a:graphicFrameLocks noChangeAspect="1"/>
-          </p:cNvGraphicFramePr>
-          <p:nvPr>
-            <p:extLst>
-              <p:ext uri="{D42A27DB-BD31-4B8C-83A1-F6EECF244321}">
-                <p14:modId xmlns:p14="http://schemas.microsoft.com/office/powerpoint/2010/main" val="2119658796"/>
-              </p:ext>
-            </p:extLst>
-          </p:nvPr>
-        </p:nvGraphicFramePr>
-        <p:xfrm>
-          <a:off x="1059771" y="5229261"/>
-          <a:ext cx="5303837" cy="1512887"/>
-        </p:xfrm>
-        <a:graphic>
-          <a:graphicData uri="http://schemas.openxmlformats.org/presentationml/2006/ole">
-            <mc:AlternateContent xmlns:mc="http://schemas.openxmlformats.org/markup-compatibility/2006">
-              <mc:Choice xmlns:v="urn:schemas-microsoft-com:vml" Requires="v">
-                <p:oleObj spid="_x0000_s11504" name="Equation" r:id="rId9" imgW="2819160" imgH="812520" progId="Equation.DSMT4">
-                  <p:embed/>
-                </p:oleObj>
-              </mc:Choice>
-              <mc:Fallback>
-                <p:oleObj name="Equation" r:id="rId9" imgW="2819160" imgH="812520" progId="Equation.DSMT4">
-                  <p:embed/>
-                  <p:pic>
-                    <p:nvPicPr>
-                      <p:cNvPr id="0" name=""/>
-                      <p:cNvPicPr/>
-                      <p:nvPr/>
-                    </p:nvPicPr>
-                    <p:blipFill>
-                      <a:blip r:embed="rId10"/>
-                      <a:stretch>
-                        <a:fillRect/>
-                      </a:stretch>
-                    </p:blipFill>
-                    <p:spPr>
-                      <a:xfrm>
-                        <a:off x="1059771" y="5229261"/>
-                        <a:ext cx="5303837" cy="1512887"/>
-                      </a:xfrm>
-                      <a:prstGeom prst="rect">
-                        <a:avLst/>
-                      </a:prstGeom>
-                    </p:spPr>
-                  </p:pic>
-                </p:oleObj>
-              </mc:Fallback>
-            </mc:AlternateContent>
-          </a:graphicData>
-        </a:graphic>
-      </p:graphicFrame>
-      <p:sp>
-        <p:nvSpPr>
-          <p:cNvPr id="11" name="文本框 10"/>
-          <p:cNvSpPr txBox="1"/>
-          <p:nvPr/>
-        </p:nvSpPr>
-        <p:spPr>
-          <a:xfrm>
-            <a:off x="3484462" y="4676825"/>
-            <a:ext cx="5471370" cy="338554"/>
-          </a:xfrm>
-          <a:prstGeom prst="rect">
-            <a:avLst/>
-          </a:prstGeom>
-          <a:noFill/>
-        </p:spPr>
-        <p:txBody>
-          <a:bodyPr wrap="none" rtlCol="0">
-            <a:spAutoFit/>
-          </a:bodyPr>
-          <a:lstStyle/>
-          <a:p>
-            <a:r>
-              <a:rPr lang="en-US" altLang="zh-CN" sz="1600" dirty="0" smtClean="0">
-                <a:solidFill>
-                  <a:srgbClr val="00B050"/>
-                </a:solidFill>
-                <a:latin typeface="Arial Unicode MS" panose="020B0604020202020204" pitchFamily="34" charset="-122"/>
-                <a:ea typeface="Arial Unicode MS" panose="020B0604020202020204" pitchFamily="34" charset="-122"/>
-                <a:cs typeface="Arial Unicode MS" panose="020B0604020202020204" pitchFamily="34" charset="-122"/>
-              </a:rPr>
-              <a:t>Idea: a </a:t>
-            </a:r>
-            <a:r>
-              <a:rPr lang="en-US" altLang="zh-CN" sz="1600" dirty="0" err="1" smtClean="0">
-                <a:solidFill>
-                  <a:srgbClr val="00B050"/>
-                </a:solidFill>
-                <a:latin typeface="Arial Unicode MS" panose="020B0604020202020204" pitchFamily="34" charset="-122"/>
-                <a:ea typeface="Arial Unicode MS" panose="020B0604020202020204" pitchFamily="34" charset="-122"/>
-                <a:cs typeface="Arial Unicode MS" panose="020B0604020202020204" pitchFamily="34" charset="-122"/>
-              </a:rPr>
-              <a:t>stmt</a:t>
-            </a:r>
-            <a:r>
-              <a:rPr lang="en-US" altLang="zh-CN" sz="1600" dirty="0" smtClean="0">
-                <a:solidFill>
-                  <a:srgbClr val="00B050"/>
-                </a:solidFill>
-                <a:latin typeface="Arial Unicode MS" panose="020B0604020202020204" pitchFamily="34" charset="-122"/>
-                <a:ea typeface="Arial Unicode MS" panose="020B0604020202020204" pitchFamily="34" charset="-122"/>
-                <a:cs typeface="Arial Unicode MS" panose="020B0604020202020204" pitchFamily="34" charset="-122"/>
-              </a:rPr>
-              <a:t> between a then and an else must be matched</a:t>
-            </a:r>
-            <a:endParaRPr lang="zh-CN" altLang="en-US" sz="1600" dirty="0">
-              <a:solidFill>
-                <a:srgbClr val="00B050"/>
-              </a:solidFill>
-              <a:latin typeface="Arial Unicode MS" panose="020B0604020202020204" pitchFamily="34" charset="-122"/>
-              <a:ea typeface="Arial Unicode MS" panose="020B0604020202020204" pitchFamily="34" charset="-122"/>
-              <a:cs typeface="Arial Unicode MS" panose="020B0604020202020204" pitchFamily="34" charset="-122"/>
-            </a:endParaRPr>
-          </a:p>
-        </p:txBody>
-      </p:sp>
-    </p:spTree>
-    <p:extLst>
-      <p:ext uri="{BB962C8B-B14F-4D97-AF65-F5344CB8AC3E}">
-        <p14:creationId xmlns:p14="http://schemas.microsoft.com/office/powerpoint/2010/main" val="902909431"/>
-      </p:ext>
-    </p:extLst>
-  </p:cSld>
-  <p:clrMapOvr>
-    <a:masterClrMapping/>
-  </p:clrMapOvr>
-  <mc:AlternateContent xmlns:mc="http://schemas.openxmlformats.org/markup-compatibility/2006" xmlns:p14="http://schemas.microsoft.com/office/powerpoint/2010/main">
-    <mc:Choice Requires="p14">
-      <p:transition spd="med" p14:dur="700">
-        <p:fade/>
-      </p:transition>
-    </mc:Choice>
-    <mc:Fallback xmlns="">
-      <p:transition spd="med">
-        <p:fade/>
-      </p:transition>
-    </mc:Fallback>
-  </mc:AlternateContent>
-  <p:timing>
-    <p:tnLst>
-      <p:par>
-        <p:cTn id="1" dur="indefinite" restart="never" nodeType="tmRoot"/>
-      </p:par>
-    </p:tnLst>
-  </p:timing>
 </p:sld>
 </file>
 
@@ -15083,141 +14664,6 @@
 </file>
 
 <file path=customXml/item1.xml><?xml version="1.0" encoding="utf-8"?>
-<p:properties xmlns:p="http://schemas.microsoft.com/office/2006/metadata/properties" xmlns:xsi="http://www.w3.org/2001/XMLSchema-instance" xmlns:pc="http://schemas.microsoft.com/office/infopath/2007/PartnerControls">
-  <documentManagement>
-    <APDescription xmlns="4873beb7-5857-4685-be1f-d57550cc96cc" xsi:nil="true"/>
-    <AssetExpire xmlns="4873beb7-5857-4685-be1f-d57550cc96cc">2029-01-01T08:00:00+00:00</AssetExpire>
-    <CampaignTagsTaxHTField0 xmlns="4873beb7-5857-4685-be1f-d57550cc96cc">
-      <Terms xmlns="http://schemas.microsoft.com/office/infopath/2007/PartnerControls"/>
-    </CampaignTagsTaxHTField0>
-    <IntlLangReviewDate xmlns="4873beb7-5857-4685-be1f-d57550cc96cc" xsi:nil="true"/>
-    <TPFriendlyName xmlns="4873beb7-5857-4685-be1f-d57550cc96cc" xsi:nil="true"/>
-    <IntlLangReview xmlns="4873beb7-5857-4685-be1f-d57550cc96cc">false</IntlLangReview>
-    <LocLastLocAttemptVersionLookup xmlns="4873beb7-5857-4685-be1f-d57550cc96cc">855024</LocLastLocAttemptVersionLookup>
-    <PolicheckWords xmlns="4873beb7-5857-4685-be1f-d57550cc96cc" xsi:nil="true"/>
-    <SubmitterId xmlns="4873beb7-5857-4685-be1f-d57550cc96cc" xsi:nil="true"/>
-    <AcquiredFrom xmlns="4873beb7-5857-4685-be1f-d57550cc96cc">Internal MS</AcquiredFrom>
-    <EditorialStatus xmlns="4873beb7-5857-4685-be1f-d57550cc96cc">Complete</EditorialStatus>
-    <Markets xmlns="4873beb7-5857-4685-be1f-d57550cc96cc"/>
-    <OriginAsset xmlns="4873beb7-5857-4685-be1f-d57550cc96cc" xsi:nil="true"/>
-    <AssetStart xmlns="4873beb7-5857-4685-be1f-d57550cc96cc">2012-08-31T08:50:00+00:00</AssetStart>
-    <FriendlyTitle xmlns="4873beb7-5857-4685-be1f-d57550cc96cc" xsi:nil="true"/>
-    <MarketSpecific xmlns="4873beb7-5857-4685-be1f-d57550cc96cc">false</MarketSpecific>
-    <TPNamespace xmlns="4873beb7-5857-4685-be1f-d57550cc96cc" xsi:nil="true"/>
-    <PublishStatusLookup xmlns="4873beb7-5857-4685-be1f-d57550cc96cc">
-      <Value>1616423</Value>
-    </PublishStatusLookup>
-    <APAuthor xmlns="4873beb7-5857-4685-be1f-d57550cc96cc">
-      <UserInfo>
-        <DisplayName>REDMOND\kristaa</DisplayName>
-        <AccountId>136</AccountId>
-        <AccountType/>
-      </UserInfo>
-    </APAuthor>
-    <TPCommandLine xmlns="4873beb7-5857-4685-be1f-d57550cc96cc" xsi:nil="true"/>
-    <IntlLangReviewer xmlns="4873beb7-5857-4685-be1f-d57550cc96cc" xsi:nil="true"/>
-    <OpenTemplate xmlns="4873beb7-5857-4685-be1f-d57550cc96cc">true</OpenTemplate>
-    <CSXSubmissionDate xmlns="4873beb7-5857-4685-be1f-d57550cc96cc" xsi:nil="true"/>
-    <TaxCatchAll xmlns="4873beb7-5857-4685-be1f-d57550cc96cc"/>
-    <Manager xmlns="4873beb7-5857-4685-be1f-d57550cc96cc" xsi:nil="true"/>
-    <NumericId xmlns="4873beb7-5857-4685-be1f-d57550cc96cc" xsi:nil="true"/>
-    <ParentAssetId xmlns="4873beb7-5857-4685-be1f-d57550cc96cc" xsi:nil="true"/>
-    <OriginalSourceMarket xmlns="4873beb7-5857-4685-be1f-d57550cc96cc" xsi:nil="true"/>
-    <ApprovalStatus xmlns="4873beb7-5857-4685-be1f-d57550cc96cc">InProgress</ApprovalStatus>
-    <TPComponent xmlns="4873beb7-5857-4685-be1f-d57550cc96cc" xsi:nil="true"/>
-    <EditorialTags xmlns="4873beb7-5857-4685-be1f-d57550cc96cc" xsi:nil="true"/>
-    <TPExecutable xmlns="4873beb7-5857-4685-be1f-d57550cc96cc" xsi:nil="true"/>
-    <TPLaunchHelpLink xmlns="4873beb7-5857-4685-be1f-d57550cc96cc" xsi:nil="true"/>
-    <LocComments xmlns="4873beb7-5857-4685-be1f-d57550cc96cc" xsi:nil="true"/>
-    <LocRecommendedHandoff xmlns="4873beb7-5857-4685-be1f-d57550cc96cc" xsi:nil="true"/>
-    <SourceTitle xmlns="4873beb7-5857-4685-be1f-d57550cc96cc" xsi:nil="true"/>
-    <CSXUpdate xmlns="4873beb7-5857-4685-be1f-d57550cc96cc">false</CSXUpdate>
-    <IntlLocPriority xmlns="4873beb7-5857-4685-be1f-d57550cc96cc" xsi:nil="true"/>
-    <UAProjectedTotalWords xmlns="4873beb7-5857-4685-be1f-d57550cc96cc" xsi:nil="true"/>
-    <AssetType xmlns="4873beb7-5857-4685-be1f-d57550cc96cc">TP</AssetType>
-    <MachineTranslated xmlns="4873beb7-5857-4685-be1f-d57550cc96cc">false</MachineTranslated>
-    <OutputCachingOn xmlns="4873beb7-5857-4685-be1f-d57550cc96cc">false</OutputCachingOn>
-    <TemplateStatus xmlns="4873beb7-5857-4685-be1f-d57550cc96cc">Complete</TemplateStatus>
-    <IsSearchable xmlns="4873beb7-5857-4685-be1f-d57550cc96cc">true</IsSearchable>
-    <ContentItem xmlns="4873beb7-5857-4685-be1f-d57550cc96cc" xsi:nil="true"/>
-    <HandoffToMSDN xmlns="4873beb7-5857-4685-be1f-d57550cc96cc" xsi:nil="true"/>
-    <ShowIn xmlns="4873beb7-5857-4685-be1f-d57550cc96cc">Show everywhere</ShowIn>
-    <ThumbnailAssetId xmlns="4873beb7-5857-4685-be1f-d57550cc96cc" xsi:nil="true"/>
-    <UALocComments xmlns="4873beb7-5857-4685-be1f-d57550cc96cc" xsi:nil="true"/>
-    <UALocRecommendation xmlns="4873beb7-5857-4685-be1f-d57550cc96cc">Localize</UALocRecommendation>
-    <LastModifiedDateTime xmlns="4873beb7-5857-4685-be1f-d57550cc96cc" xsi:nil="true"/>
-    <LegacyData xmlns="4873beb7-5857-4685-be1f-d57550cc96cc" xsi:nil="true"/>
-    <LocManualTestRequired xmlns="4873beb7-5857-4685-be1f-d57550cc96cc">false</LocManualTestRequired>
-    <LocMarketGroupTiers2 xmlns="4873beb7-5857-4685-be1f-d57550cc96cc" xsi:nil="true"/>
-    <ClipArtFilename xmlns="4873beb7-5857-4685-be1f-d57550cc96cc" xsi:nil="true"/>
-    <TPApplication xmlns="4873beb7-5857-4685-be1f-d57550cc96cc" xsi:nil="true"/>
-    <CSXHash xmlns="4873beb7-5857-4685-be1f-d57550cc96cc" xsi:nil="true"/>
-    <DirectSourceMarket xmlns="4873beb7-5857-4685-be1f-d57550cc96cc" xsi:nil="true"/>
-    <PrimaryImageGen xmlns="4873beb7-5857-4685-be1f-d57550cc96cc">true</PrimaryImageGen>
-    <PlannedPubDate xmlns="4873beb7-5857-4685-be1f-d57550cc96cc" xsi:nil="true"/>
-    <CSXSubmissionMarket xmlns="4873beb7-5857-4685-be1f-d57550cc96cc" xsi:nil="true"/>
-    <Downloads xmlns="4873beb7-5857-4685-be1f-d57550cc96cc">0</Downloads>
-    <ArtSampleDocs xmlns="4873beb7-5857-4685-be1f-d57550cc96cc" xsi:nil="true"/>
-    <TrustLevel xmlns="4873beb7-5857-4685-be1f-d57550cc96cc">1 Microsoft Managed Content</TrustLevel>
-    <BlockPublish xmlns="4873beb7-5857-4685-be1f-d57550cc96cc">false</BlockPublish>
-    <TPLaunchHelpLinkType xmlns="4873beb7-5857-4685-be1f-d57550cc96cc">Template</TPLaunchHelpLinkType>
-    <LocalizationTagsTaxHTField0 xmlns="4873beb7-5857-4685-be1f-d57550cc96cc">
-      <Terms xmlns="http://schemas.microsoft.com/office/infopath/2007/PartnerControls"/>
-    </LocalizationTagsTaxHTField0>
-    <BusinessGroup xmlns="4873beb7-5857-4685-be1f-d57550cc96cc" xsi:nil="true"/>
-    <Providers xmlns="4873beb7-5857-4685-be1f-d57550cc96cc" xsi:nil="true"/>
-    <TemplateTemplateType xmlns="4873beb7-5857-4685-be1f-d57550cc96cc">PowerPoint Presentation Template</TemplateTemplateType>
-    <TimesCloned xmlns="4873beb7-5857-4685-be1f-d57550cc96cc" xsi:nil="true"/>
-    <TPAppVersion xmlns="4873beb7-5857-4685-be1f-d57550cc96cc" xsi:nil="true"/>
-    <VoteCount xmlns="4873beb7-5857-4685-be1f-d57550cc96cc" xsi:nil="true"/>
-    <AverageRating xmlns="4873beb7-5857-4685-be1f-d57550cc96cc" xsi:nil="true"/>
-    <FeatureTagsTaxHTField0 xmlns="4873beb7-5857-4685-be1f-d57550cc96cc">
-      <Terms xmlns="http://schemas.microsoft.com/office/infopath/2007/PartnerControls"/>
-    </FeatureTagsTaxHTField0>
-    <Provider xmlns="4873beb7-5857-4685-be1f-d57550cc96cc" xsi:nil="true"/>
-    <UACurrentWords xmlns="4873beb7-5857-4685-be1f-d57550cc96cc" xsi:nil="true"/>
-    <AssetId xmlns="4873beb7-5857-4685-be1f-d57550cc96cc">TP103431361</AssetId>
-    <TPClientViewer xmlns="4873beb7-5857-4685-be1f-d57550cc96cc" xsi:nil="true"/>
-    <DSATActionTaken xmlns="4873beb7-5857-4685-be1f-d57550cc96cc" xsi:nil="true"/>
-    <APEditor xmlns="4873beb7-5857-4685-be1f-d57550cc96cc">
-      <UserInfo>
-        <DisplayName/>
-        <AccountId xsi:nil="true"/>
-        <AccountType/>
-      </UserInfo>
-    </APEditor>
-    <TPInstallLocation xmlns="4873beb7-5857-4685-be1f-d57550cc96cc" xsi:nil="true"/>
-    <OOCacheId xmlns="4873beb7-5857-4685-be1f-d57550cc96cc" xsi:nil="true"/>
-    <IsDeleted xmlns="4873beb7-5857-4685-be1f-d57550cc96cc">false</IsDeleted>
-    <PublishTargets xmlns="4873beb7-5857-4685-be1f-d57550cc96cc">OfficeOnlineVNext</PublishTargets>
-    <ApprovalLog xmlns="4873beb7-5857-4685-be1f-d57550cc96cc" xsi:nil="true"/>
-    <BugNumber xmlns="4873beb7-5857-4685-be1f-d57550cc96cc" xsi:nil="true"/>
-    <CrawlForDependencies xmlns="4873beb7-5857-4685-be1f-d57550cc96cc">false</CrawlForDependencies>
-    <InternalTagsTaxHTField0 xmlns="4873beb7-5857-4685-be1f-d57550cc96cc">
-      <Terms xmlns="http://schemas.microsoft.com/office/infopath/2007/PartnerControls"/>
-    </InternalTagsTaxHTField0>
-    <LastHandOff xmlns="4873beb7-5857-4685-be1f-d57550cc96cc" xsi:nil="true"/>
-    <Milestone xmlns="4873beb7-5857-4685-be1f-d57550cc96cc" xsi:nil="true"/>
-    <OriginalRelease xmlns="4873beb7-5857-4685-be1f-d57550cc96cc">15</OriginalRelease>
-    <RecommendationsModifier xmlns="4873beb7-5857-4685-be1f-d57550cc96cc" xsi:nil="true"/>
-    <ScenarioTagsTaxHTField0 xmlns="4873beb7-5857-4685-be1f-d57550cc96cc">
-      <Terms xmlns="http://schemas.microsoft.com/office/infopath/2007/PartnerControls"/>
-    </ScenarioTagsTaxHTField0>
-    <UANotes xmlns="4873beb7-5857-4685-be1f-d57550cc96cc" xsi:nil="true"/>
-  </documentManagement>
-</p:properties>
-</file>
-
-<file path=customXml/item2.xml><?xml version="1.0" encoding="utf-8"?>
-<?mso-contentType ?>
-<FormTemplates xmlns="http://schemas.microsoft.com/sharepoint/v3/contenttype/forms">
-  <Display>DocumentLibraryForm</Display>
-  <Edit>AssetEditForm</Edit>
-  <New>DocumentLibraryForm</New>
-</FormTemplates>
-</file>
-
-<file path=customXml/item3.xml><?xml version="1.0" encoding="utf-8"?>
 <ct:contentTypeSchema xmlns:ct="http://schemas.microsoft.com/office/2006/metadata/contentType" xmlns:ma="http://schemas.microsoft.com/office/2006/metadata/properties/metaAttributes" ct:_="" ma:_="" ma:contentTypeName="TemplateFile" ma:contentTypeID="0x0101006EDDDB5EE6D98C44930B742096920B300400F5B6D36B3EF94B4E9A635CDF2A18F5B8" ma:contentTypeVersion="72" ma:contentTypeDescription="Create a new document." ma:contentTypeScope="" ma:versionID="a23e56308344d904b51738559c3d67c9">
   <xsd:schema xmlns:xsd="http://www.w3.org/2001/XMLSchema" xmlns:xs="http://www.w3.org/2001/XMLSchema" xmlns:p="http://schemas.microsoft.com/office/2006/metadata/properties" xmlns:ns2="4873beb7-5857-4685-be1f-d57550cc96cc" targetNamespace="http://schemas.microsoft.com/office/2006/metadata/properties" ma:root="true" ma:fieldsID="cd0908cc4600e77bf5da051303e00c8d" ns2:_="">
     <xsd:import namespace="4873beb7-5857-4685-be1f-d57550cc96cc"/>
@@ -16257,31 +15703,142 @@
 </ct:contentTypeSchema>
 </file>
 
-<file path=customXml/itemProps1.xml><?xml version="1.0" encoding="utf-8"?>
-<ds:datastoreItem xmlns:ds="http://schemas.openxmlformats.org/officeDocument/2006/customXml" ds:itemID="{8CDDBB83-77C1-4099-A0AA-289882E745E2}">
-  <ds:schemaRefs>
-    <ds:schemaRef ds:uri="http://schemas.microsoft.com/office/infopath/2007/PartnerControls"/>
-    <ds:schemaRef ds:uri="http://purl.org/dc/dcmitype/"/>
-    <ds:schemaRef ds:uri="http://purl.org/dc/elements/1.1/"/>
-    <ds:schemaRef ds:uri="4873beb7-5857-4685-be1f-d57550cc96cc"/>
-    <ds:schemaRef ds:uri="http://schemas.microsoft.com/office/2006/documentManagement/types"/>
-    <ds:schemaRef ds:uri="http://purl.org/dc/terms/"/>
-    <ds:schemaRef ds:uri="http://schemas.openxmlformats.org/package/2006/metadata/core-properties"/>
-    <ds:schemaRef ds:uri="http://schemas.microsoft.com/office/2006/metadata/properties"/>
-    <ds:schemaRef ds:uri="http://www.w3.org/XML/1998/namespace"/>
-  </ds:schemaRefs>
-</ds:datastoreItem>
+<file path=customXml/item2.xml><?xml version="1.0" encoding="utf-8"?>
+<?mso-contentType ?>
+<FormTemplates xmlns="http://schemas.microsoft.com/sharepoint/v3/contenttype/forms">
+  <Display>DocumentLibraryForm</Display>
+  <Edit>AssetEditForm</Edit>
+  <New>DocumentLibraryForm</New>
+</FormTemplates>
 </file>
 
-<file path=customXml/itemProps2.xml><?xml version="1.0" encoding="utf-8"?>
-<ds:datastoreItem xmlns:ds="http://schemas.openxmlformats.org/officeDocument/2006/customXml" ds:itemID="{561E720F-F05D-4536-9C34-0CFCED65D3B7}">
-  <ds:schemaRefs>
-    <ds:schemaRef ds:uri="http://schemas.microsoft.com/sharepoint/v3/contenttype/forms"/>
-  </ds:schemaRefs>
-</ds:datastoreItem>
+<file path=customXml/item3.xml><?xml version="1.0" encoding="utf-8"?>
+<p:properties xmlns:p="http://schemas.microsoft.com/office/2006/metadata/properties" xmlns:xsi="http://www.w3.org/2001/XMLSchema-instance" xmlns:pc="http://schemas.microsoft.com/office/infopath/2007/PartnerControls">
+  <documentManagement>
+    <APDescription xmlns="4873beb7-5857-4685-be1f-d57550cc96cc" xsi:nil="true"/>
+    <AssetExpire xmlns="4873beb7-5857-4685-be1f-d57550cc96cc">2029-01-01T08:00:00+00:00</AssetExpire>
+    <CampaignTagsTaxHTField0 xmlns="4873beb7-5857-4685-be1f-d57550cc96cc">
+      <Terms xmlns="http://schemas.microsoft.com/office/infopath/2007/PartnerControls"/>
+    </CampaignTagsTaxHTField0>
+    <IntlLangReviewDate xmlns="4873beb7-5857-4685-be1f-d57550cc96cc" xsi:nil="true"/>
+    <TPFriendlyName xmlns="4873beb7-5857-4685-be1f-d57550cc96cc" xsi:nil="true"/>
+    <IntlLangReview xmlns="4873beb7-5857-4685-be1f-d57550cc96cc">false</IntlLangReview>
+    <LocLastLocAttemptVersionLookup xmlns="4873beb7-5857-4685-be1f-d57550cc96cc">855024</LocLastLocAttemptVersionLookup>
+    <PolicheckWords xmlns="4873beb7-5857-4685-be1f-d57550cc96cc" xsi:nil="true"/>
+    <SubmitterId xmlns="4873beb7-5857-4685-be1f-d57550cc96cc" xsi:nil="true"/>
+    <AcquiredFrom xmlns="4873beb7-5857-4685-be1f-d57550cc96cc">Internal MS</AcquiredFrom>
+    <EditorialStatus xmlns="4873beb7-5857-4685-be1f-d57550cc96cc">Complete</EditorialStatus>
+    <Markets xmlns="4873beb7-5857-4685-be1f-d57550cc96cc"/>
+    <OriginAsset xmlns="4873beb7-5857-4685-be1f-d57550cc96cc" xsi:nil="true"/>
+    <AssetStart xmlns="4873beb7-5857-4685-be1f-d57550cc96cc">2012-08-31T08:50:00+00:00</AssetStart>
+    <FriendlyTitle xmlns="4873beb7-5857-4685-be1f-d57550cc96cc" xsi:nil="true"/>
+    <MarketSpecific xmlns="4873beb7-5857-4685-be1f-d57550cc96cc">false</MarketSpecific>
+    <TPNamespace xmlns="4873beb7-5857-4685-be1f-d57550cc96cc" xsi:nil="true"/>
+    <PublishStatusLookup xmlns="4873beb7-5857-4685-be1f-d57550cc96cc">
+      <Value>1616423</Value>
+    </PublishStatusLookup>
+    <APAuthor xmlns="4873beb7-5857-4685-be1f-d57550cc96cc">
+      <UserInfo>
+        <DisplayName>REDMOND\kristaa</DisplayName>
+        <AccountId>136</AccountId>
+        <AccountType/>
+      </UserInfo>
+    </APAuthor>
+    <TPCommandLine xmlns="4873beb7-5857-4685-be1f-d57550cc96cc" xsi:nil="true"/>
+    <IntlLangReviewer xmlns="4873beb7-5857-4685-be1f-d57550cc96cc" xsi:nil="true"/>
+    <OpenTemplate xmlns="4873beb7-5857-4685-be1f-d57550cc96cc">true</OpenTemplate>
+    <CSXSubmissionDate xmlns="4873beb7-5857-4685-be1f-d57550cc96cc" xsi:nil="true"/>
+    <TaxCatchAll xmlns="4873beb7-5857-4685-be1f-d57550cc96cc"/>
+    <Manager xmlns="4873beb7-5857-4685-be1f-d57550cc96cc" xsi:nil="true"/>
+    <NumericId xmlns="4873beb7-5857-4685-be1f-d57550cc96cc" xsi:nil="true"/>
+    <ParentAssetId xmlns="4873beb7-5857-4685-be1f-d57550cc96cc" xsi:nil="true"/>
+    <OriginalSourceMarket xmlns="4873beb7-5857-4685-be1f-d57550cc96cc" xsi:nil="true"/>
+    <ApprovalStatus xmlns="4873beb7-5857-4685-be1f-d57550cc96cc">InProgress</ApprovalStatus>
+    <TPComponent xmlns="4873beb7-5857-4685-be1f-d57550cc96cc" xsi:nil="true"/>
+    <EditorialTags xmlns="4873beb7-5857-4685-be1f-d57550cc96cc" xsi:nil="true"/>
+    <TPExecutable xmlns="4873beb7-5857-4685-be1f-d57550cc96cc" xsi:nil="true"/>
+    <TPLaunchHelpLink xmlns="4873beb7-5857-4685-be1f-d57550cc96cc" xsi:nil="true"/>
+    <LocComments xmlns="4873beb7-5857-4685-be1f-d57550cc96cc" xsi:nil="true"/>
+    <LocRecommendedHandoff xmlns="4873beb7-5857-4685-be1f-d57550cc96cc" xsi:nil="true"/>
+    <SourceTitle xmlns="4873beb7-5857-4685-be1f-d57550cc96cc" xsi:nil="true"/>
+    <CSXUpdate xmlns="4873beb7-5857-4685-be1f-d57550cc96cc">false</CSXUpdate>
+    <IntlLocPriority xmlns="4873beb7-5857-4685-be1f-d57550cc96cc" xsi:nil="true"/>
+    <UAProjectedTotalWords xmlns="4873beb7-5857-4685-be1f-d57550cc96cc" xsi:nil="true"/>
+    <AssetType xmlns="4873beb7-5857-4685-be1f-d57550cc96cc">TP</AssetType>
+    <MachineTranslated xmlns="4873beb7-5857-4685-be1f-d57550cc96cc">false</MachineTranslated>
+    <OutputCachingOn xmlns="4873beb7-5857-4685-be1f-d57550cc96cc">false</OutputCachingOn>
+    <TemplateStatus xmlns="4873beb7-5857-4685-be1f-d57550cc96cc">Complete</TemplateStatus>
+    <IsSearchable xmlns="4873beb7-5857-4685-be1f-d57550cc96cc">true</IsSearchable>
+    <ContentItem xmlns="4873beb7-5857-4685-be1f-d57550cc96cc" xsi:nil="true"/>
+    <HandoffToMSDN xmlns="4873beb7-5857-4685-be1f-d57550cc96cc" xsi:nil="true"/>
+    <ShowIn xmlns="4873beb7-5857-4685-be1f-d57550cc96cc">Show everywhere</ShowIn>
+    <ThumbnailAssetId xmlns="4873beb7-5857-4685-be1f-d57550cc96cc" xsi:nil="true"/>
+    <UALocComments xmlns="4873beb7-5857-4685-be1f-d57550cc96cc" xsi:nil="true"/>
+    <UALocRecommendation xmlns="4873beb7-5857-4685-be1f-d57550cc96cc">Localize</UALocRecommendation>
+    <LastModifiedDateTime xmlns="4873beb7-5857-4685-be1f-d57550cc96cc" xsi:nil="true"/>
+    <LegacyData xmlns="4873beb7-5857-4685-be1f-d57550cc96cc" xsi:nil="true"/>
+    <LocManualTestRequired xmlns="4873beb7-5857-4685-be1f-d57550cc96cc">false</LocManualTestRequired>
+    <LocMarketGroupTiers2 xmlns="4873beb7-5857-4685-be1f-d57550cc96cc" xsi:nil="true"/>
+    <ClipArtFilename xmlns="4873beb7-5857-4685-be1f-d57550cc96cc" xsi:nil="true"/>
+    <TPApplication xmlns="4873beb7-5857-4685-be1f-d57550cc96cc" xsi:nil="true"/>
+    <CSXHash xmlns="4873beb7-5857-4685-be1f-d57550cc96cc" xsi:nil="true"/>
+    <DirectSourceMarket xmlns="4873beb7-5857-4685-be1f-d57550cc96cc" xsi:nil="true"/>
+    <PrimaryImageGen xmlns="4873beb7-5857-4685-be1f-d57550cc96cc">true</PrimaryImageGen>
+    <PlannedPubDate xmlns="4873beb7-5857-4685-be1f-d57550cc96cc" xsi:nil="true"/>
+    <CSXSubmissionMarket xmlns="4873beb7-5857-4685-be1f-d57550cc96cc" xsi:nil="true"/>
+    <Downloads xmlns="4873beb7-5857-4685-be1f-d57550cc96cc">0</Downloads>
+    <ArtSampleDocs xmlns="4873beb7-5857-4685-be1f-d57550cc96cc" xsi:nil="true"/>
+    <TrustLevel xmlns="4873beb7-5857-4685-be1f-d57550cc96cc">1 Microsoft Managed Content</TrustLevel>
+    <BlockPublish xmlns="4873beb7-5857-4685-be1f-d57550cc96cc">false</BlockPublish>
+    <TPLaunchHelpLinkType xmlns="4873beb7-5857-4685-be1f-d57550cc96cc">Template</TPLaunchHelpLinkType>
+    <LocalizationTagsTaxHTField0 xmlns="4873beb7-5857-4685-be1f-d57550cc96cc">
+      <Terms xmlns="http://schemas.microsoft.com/office/infopath/2007/PartnerControls"/>
+    </LocalizationTagsTaxHTField0>
+    <BusinessGroup xmlns="4873beb7-5857-4685-be1f-d57550cc96cc" xsi:nil="true"/>
+    <Providers xmlns="4873beb7-5857-4685-be1f-d57550cc96cc" xsi:nil="true"/>
+    <TemplateTemplateType xmlns="4873beb7-5857-4685-be1f-d57550cc96cc">PowerPoint Presentation Template</TemplateTemplateType>
+    <TimesCloned xmlns="4873beb7-5857-4685-be1f-d57550cc96cc" xsi:nil="true"/>
+    <TPAppVersion xmlns="4873beb7-5857-4685-be1f-d57550cc96cc" xsi:nil="true"/>
+    <VoteCount xmlns="4873beb7-5857-4685-be1f-d57550cc96cc" xsi:nil="true"/>
+    <AverageRating xmlns="4873beb7-5857-4685-be1f-d57550cc96cc" xsi:nil="true"/>
+    <FeatureTagsTaxHTField0 xmlns="4873beb7-5857-4685-be1f-d57550cc96cc">
+      <Terms xmlns="http://schemas.microsoft.com/office/infopath/2007/PartnerControls"/>
+    </FeatureTagsTaxHTField0>
+    <Provider xmlns="4873beb7-5857-4685-be1f-d57550cc96cc" xsi:nil="true"/>
+    <UACurrentWords xmlns="4873beb7-5857-4685-be1f-d57550cc96cc" xsi:nil="true"/>
+    <AssetId xmlns="4873beb7-5857-4685-be1f-d57550cc96cc">TP103431361</AssetId>
+    <TPClientViewer xmlns="4873beb7-5857-4685-be1f-d57550cc96cc" xsi:nil="true"/>
+    <DSATActionTaken xmlns="4873beb7-5857-4685-be1f-d57550cc96cc" xsi:nil="true"/>
+    <APEditor xmlns="4873beb7-5857-4685-be1f-d57550cc96cc">
+      <UserInfo>
+        <DisplayName/>
+        <AccountId xsi:nil="true"/>
+        <AccountType/>
+      </UserInfo>
+    </APEditor>
+    <TPInstallLocation xmlns="4873beb7-5857-4685-be1f-d57550cc96cc" xsi:nil="true"/>
+    <OOCacheId xmlns="4873beb7-5857-4685-be1f-d57550cc96cc" xsi:nil="true"/>
+    <IsDeleted xmlns="4873beb7-5857-4685-be1f-d57550cc96cc">false</IsDeleted>
+    <PublishTargets xmlns="4873beb7-5857-4685-be1f-d57550cc96cc">OfficeOnlineVNext</PublishTargets>
+    <ApprovalLog xmlns="4873beb7-5857-4685-be1f-d57550cc96cc" xsi:nil="true"/>
+    <BugNumber xmlns="4873beb7-5857-4685-be1f-d57550cc96cc" xsi:nil="true"/>
+    <CrawlForDependencies xmlns="4873beb7-5857-4685-be1f-d57550cc96cc">false</CrawlForDependencies>
+    <InternalTagsTaxHTField0 xmlns="4873beb7-5857-4685-be1f-d57550cc96cc">
+      <Terms xmlns="http://schemas.microsoft.com/office/infopath/2007/PartnerControls"/>
+    </InternalTagsTaxHTField0>
+    <LastHandOff xmlns="4873beb7-5857-4685-be1f-d57550cc96cc" xsi:nil="true"/>
+    <Milestone xmlns="4873beb7-5857-4685-be1f-d57550cc96cc" xsi:nil="true"/>
+    <OriginalRelease xmlns="4873beb7-5857-4685-be1f-d57550cc96cc">15</OriginalRelease>
+    <RecommendationsModifier xmlns="4873beb7-5857-4685-be1f-d57550cc96cc" xsi:nil="true"/>
+    <ScenarioTagsTaxHTField0 xmlns="4873beb7-5857-4685-be1f-d57550cc96cc">
+      <Terms xmlns="http://schemas.microsoft.com/office/infopath/2007/PartnerControls"/>
+    </ScenarioTagsTaxHTField0>
+    <UANotes xmlns="4873beb7-5857-4685-be1f-d57550cc96cc" xsi:nil="true"/>
+  </documentManagement>
+</p:properties>
 </file>
 
-<file path=customXml/itemProps3.xml><?xml version="1.0" encoding="utf-8"?>
+<file path=customXml/itemProps1.xml><?xml version="1.0" encoding="utf-8"?>
 <ds:datastoreItem xmlns:ds="http://schemas.openxmlformats.org/officeDocument/2006/customXml" ds:itemID="{28C8B9CA-0273-4370-889A-FC05DA5C2FA5}">
   <ds:schemaRefs>
     <ds:schemaRef ds:uri="http://schemas.microsoft.com/office/2006/metadata/contentType"/>
@@ -16297,4 +15854,28 @@
     <ds:schemaRef ds:uri="http://schemas.microsoft.com/internal/obd"/>
   </ds:schemaRefs>
 </ds:datastoreItem>
+</file>
+
+<file path=customXml/itemProps2.xml><?xml version="1.0" encoding="utf-8"?>
+<ds:datastoreItem xmlns:ds="http://schemas.openxmlformats.org/officeDocument/2006/customXml" ds:itemID="{561E720F-F05D-4536-9C34-0CFCED65D3B7}">
+  <ds:schemaRefs>
+    <ds:schemaRef ds:uri="http://schemas.microsoft.com/sharepoint/v3/contenttype/forms"/>
+  </ds:schemaRefs>
+</ds:datastoreItem>
+</file>
+
+<file path=customXml/itemProps3.xml><?xml version="1.0" encoding="utf-8"?>
+<ds:datastoreItem xmlns:ds="http://schemas.openxmlformats.org/officeDocument/2006/customXml" ds:itemID="{8CDDBB83-77C1-4099-A0AA-289882E745E2}">
+  <ds:schemaRefs>
+    <ds:schemaRef ds:uri="http://schemas.microsoft.com/office/infopath/2007/PartnerControls"/>
+    <ds:schemaRef ds:uri="http://purl.org/dc/dcmitype/"/>
+    <ds:schemaRef ds:uri="http://purl.org/dc/elements/1.1/"/>
+    <ds:schemaRef ds:uri="4873beb7-5857-4685-be1f-d57550cc96cc"/>
+    <ds:schemaRef ds:uri="http://schemas.microsoft.com/office/2006/documentManagement/types"/>
+    <ds:schemaRef ds:uri="http://purl.org/dc/terms/"/>
+    <ds:schemaRef ds:uri="http://schemas.openxmlformats.org/package/2006/metadata/core-properties"/>
+    <ds:schemaRef ds:uri="http://schemas.microsoft.com/office/2006/metadata/properties"/>
+    <ds:schemaRef ds:uri="http://www.w3.org/XML/1998/namespace"/>
+  </ds:schemaRefs>
+</ds:datastoreItem>
 </file>
--- a/course/compiler/LectureNotes/(Spring2017)Lecture4.pptx
+++ b/course/compiler/LectureNotes/(Spring2017)Lecture4.pptx
@@ -5,10 +5,10 @@
     <p:sldMasterId id="2147483648" r:id="rId4"/>
   </p:sldMasterIdLst>
   <p:notesMasterIdLst>
-    <p:notesMasterId r:id="rId28"/>
+    <p:notesMasterId r:id="rId33"/>
   </p:notesMasterIdLst>
   <p:handoutMasterIdLst>
-    <p:handoutMasterId r:id="rId29"/>
+    <p:handoutMasterId r:id="rId34"/>
   </p:handoutMasterIdLst>
   <p:sldIdLst>
     <p:sldId id="256" r:id="rId5"/>
@@ -34,6 +34,11 @@
     <p:sldId id="286" r:id="rId25"/>
     <p:sldId id="287" r:id="rId26"/>
     <p:sldId id="288" r:id="rId27"/>
+    <p:sldId id="290" r:id="rId28"/>
+    <p:sldId id="291" r:id="rId29"/>
+    <p:sldId id="292" r:id="rId30"/>
+    <p:sldId id="293" r:id="rId31"/>
+    <p:sldId id="294" r:id="rId32"/>
   </p:sldIdLst>
   <p:sldSz cx="9144000" cy="6858000" type="screen4x3"/>
   <p:notesSz cx="6858000" cy="9144000"/>
@@ -249,7 +254,7 @@
                 <a:ea typeface="微软雅黑" panose="020B0503020204020204" pitchFamily="34" charset="-122"/>
               </a:rPr>
               <a:pPr algn="r" rtl="0"/>
-              <a:t>2017/4/26</a:t>
+              <a:t>2017/5/3</a:t>
             </a:fld>
             <a:endParaRPr lang="zh-CN" altLang="en-US" dirty="0">
               <a:latin typeface="微软雅黑" panose="020B0503020204020204" pitchFamily="34" charset="-122"/>
@@ -436,7 +441,7 @@
             <a:fld id="{229B22C3-6CB1-491B-AD00-E0837F23A3F3}" type="datetime1">
               <a:rPr lang="zh-CN" altLang="en-US" smtClean="0"/>
               <a:pPr/>
-              <a:t>2017/4/26</a:t>
+              <a:t>2017/5/3</a:t>
             </a:fld>
             <a:endParaRPr lang="zh-CN" altLang="en-US" dirty="0"/>
           </a:p>
@@ -1032,7 +1037,7 @@
             <a:fld id="{A7392AAC-879E-4B39-8824-AF6B730A809E}" type="datetime1">
               <a:rPr lang="zh-CN" altLang="en-US" smtClean="0"/>
               <a:pPr/>
-              <a:t>2017/4/26</a:t>
+              <a:t>2017/5/3</a:t>
             </a:fld>
             <a:endParaRPr lang="zh-CN" altLang="en-US" dirty="0"/>
           </a:p>
@@ -1373,7 +1378,7 @@
             <a:fld id="{7118C275-B304-48F5-8C4F-015CBCF4E7C1}" type="datetime1">
               <a:rPr lang="zh-CN" altLang="en-US" smtClean="0"/>
               <a:pPr/>
-              <a:t>2017/4/26</a:t>
+              <a:t>2017/5/3</a:t>
             </a:fld>
             <a:r>
               <a:rPr lang="zh-CN" altLang="en-US" dirty="0"/>
@@ -1579,7 +1584,7 @@
             <a:fld id="{98791AA9-DDCB-4BA8-AD1D-963A3AA00622}" type="datetime1">
               <a:rPr lang="zh-CN" altLang="en-US" smtClean="0"/>
               <a:pPr/>
-              <a:t>2017/4/26</a:t>
+              <a:t>2017/5/3</a:t>
             </a:fld>
             <a:endParaRPr lang="zh-CN" altLang="en-US" dirty="0"/>
           </a:p>
@@ -1783,7 +1788,7 @@
             <a:fld id="{9170426F-E661-472B-BE42-25E072CD46D9}" type="datetime1">
               <a:rPr lang="zh-CN" altLang="en-US" smtClean="0"/>
               <a:pPr/>
-              <a:t>2017/4/26</a:t>
+              <a:t>2017/5/3</a:t>
             </a:fld>
             <a:endParaRPr lang="zh-CN" altLang="en-US" dirty="0"/>
           </a:p>
@@ -2105,7 +2110,7 @@
             <a:fld id="{9BA78444-6099-4C0A-A3A9-C6F3C5D7F289}" type="datetime1">
               <a:rPr lang="zh-CN" altLang="en-US" smtClean="0"/>
               <a:pPr/>
-              <a:t>2017/4/26</a:t>
+              <a:t>2017/5/3</a:t>
             </a:fld>
             <a:endParaRPr lang="zh-CN" altLang="en-US" dirty="0"/>
           </a:p>
@@ -3217,7 +3222,7 @@
             <a:fld id="{AF5F6A19-70BF-4380-9A40-68C9536408C6}" type="datetime1">
               <a:rPr lang="zh-CN" altLang="en-US" smtClean="0"/>
               <a:pPr/>
-              <a:t>2017/4/26</a:t>
+              <a:t>2017/5/3</a:t>
             </a:fld>
             <a:endParaRPr lang="zh-CN" altLang="en-US" dirty="0"/>
           </a:p>
@@ -3616,7 +3621,7 @@
             <a:fld id="{6017EB90-196C-4C15-BD31-13E0E0436C73}" type="datetime1">
               <a:rPr lang="zh-CN" altLang="en-US" smtClean="0"/>
               <a:pPr/>
-              <a:t>2017/4/26</a:t>
+              <a:t>2017/5/3</a:t>
             </a:fld>
             <a:r>
               <a:rPr lang="zh-CN" altLang="en-US" dirty="0"/>
@@ -4098,7 +4103,7 @@
             <a:fld id="{C2EC0F41-B48F-4298-A7F6-618EB9D22195}" type="datetime1">
               <a:rPr lang="zh-CN" altLang="en-US" smtClean="0"/>
               <a:pPr/>
-              <a:t>2017/4/26</a:t>
+              <a:t>2017/5/3</a:t>
             </a:fld>
             <a:endParaRPr lang="zh-CN" altLang="en-US" dirty="0"/>
           </a:p>
@@ -4249,7 +4254,7 @@
             <a:fld id="{7DB2D836-56E8-4B15-857C-14B1A5B3B67B}" type="datetime1">
               <a:rPr lang="zh-CN" altLang="en-US" smtClean="0"/>
               <a:pPr/>
-              <a:t>2017/4/26</a:t>
+              <a:t>2017/5/3</a:t>
             </a:fld>
             <a:endParaRPr lang="zh-CN" altLang="en-US" dirty="0"/>
           </a:p>
@@ -4367,7 +4372,7 @@
             <a:fld id="{038D929F-7D8C-4CC3-8AC7-BB9B8FE2DEBF}" type="datetime1">
               <a:rPr lang="zh-CN" altLang="en-US" smtClean="0"/>
               <a:pPr/>
-              <a:t>2017/4/26</a:t>
+              <a:t>2017/5/3</a:t>
             </a:fld>
             <a:endParaRPr lang="zh-CN" altLang="en-US" dirty="0"/>
           </a:p>
@@ -4670,7 +4675,7 @@
             <a:fld id="{F7892ACC-8BC8-4C9E-9D2B-0669DA5038B6}" type="datetime1">
               <a:rPr lang="zh-CN" altLang="en-US" smtClean="0"/>
               <a:pPr/>
-              <a:t>2017/4/26</a:t>
+              <a:t>2017/5/3</a:t>
             </a:fld>
             <a:endParaRPr lang="zh-CN" altLang="en-US" dirty="0"/>
           </a:p>
@@ -4936,7 +4941,7 @@
             <a:fld id="{660B6A15-7713-4A08-BBFD-F297CCC2B976}" type="datetime1">
               <a:rPr lang="zh-CN" altLang="en-US" smtClean="0"/>
               <a:pPr/>
-              <a:t>2017/4/26</a:t>
+              <a:t>2017/5/3</a:t>
             </a:fld>
             <a:r>
               <a:rPr lang="zh-CN" altLang="en-US" dirty="0"/>
@@ -5762,7 +5767,7 @@
           <a:graphicData uri="http://schemas.openxmlformats.org/presentationml/2006/ole">
             <mc:AlternateContent xmlns:mc="http://schemas.openxmlformats.org/markup-compatibility/2006">
               <mc:Choice xmlns:v="urn:schemas-microsoft-com:vml" Requires="v">
-                <p:oleObj spid="_x0000_s11509" name="Equation" r:id="rId3" imgW="533160" imgH="634680" progId="Equation.DSMT4">
+                <p:oleObj spid="_x0000_s11565" name="Equation" r:id="rId3" imgW="533160" imgH="634680" progId="Equation.DSMT4">
                   <p:embed/>
                 </p:oleObj>
               </mc:Choice>
@@ -5859,7 +5864,7 @@
           <a:graphicData uri="http://schemas.openxmlformats.org/presentationml/2006/ole">
             <mc:AlternateContent xmlns:mc="http://schemas.openxmlformats.org/markup-compatibility/2006">
               <mc:Choice xmlns:v="urn:schemas-microsoft-com:vml" Requires="v">
-                <p:oleObj spid="_x0000_s11510" name="Equation" r:id="rId5" imgW="660240" imgH="482400" progId="Equation.DSMT4">
+                <p:oleObj spid="_x0000_s11566" name="Equation" r:id="rId5" imgW="660240" imgH="482400" progId="Equation.DSMT4">
                   <p:embed/>
                 </p:oleObj>
               </mc:Choice>
@@ -5916,7 +5921,7 @@
           <a:graphicData uri="http://schemas.openxmlformats.org/presentationml/2006/ole">
             <mc:AlternateContent xmlns:mc="http://schemas.openxmlformats.org/markup-compatibility/2006">
               <mc:Choice xmlns:v="urn:schemas-microsoft-com:vml" Requires="v">
-                <p:oleObj spid="_x0000_s11511" name="Equation" r:id="rId7" imgW="1549080" imgH="482400" progId="Equation.DSMT4">
+                <p:oleObj spid="_x0000_s11567" name="Equation" r:id="rId7" imgW="1549080" imgH="482400" progId="Equation.DSMT4">
                   <p:embed/>
                 </p:oleObj>
               </mc:Choice>
@@ -6013,7 +6018,7 @@
           <a:graphicData uri="http://schemas.openxmlformats.org/presentationml/2006/ole">
             <mc:AlternateContent xmlns:mc="http://schemas.openxmlformats.org/markup-compatibility/2006">
               <mc:Choice xmlns:v="urn:schemas-microsoft-com:vml" Requires="v">
-                <p:oleObj spid="_x0000_s11512" name="Equation" r:id="rId9" imgW="2819160" imgH="812520" progId="Equation.DSMT4">
+                <p:oleObj spid="_x0000_s11568" name="Equation" r:id="rId9" imgW="2819160" imgH="812520" progId="Equation.DSMT4">
                   <p:embed/>
                 </p:oleObj>
               </mc:Choice>
@@ -6308,7 +6313,7 @@
           <a:graphicData uri="http://schemas.openxmlformats.org/presentationml/2006/ole">
             <mc:AlternateContent xmlns:mc="http://schemas.openxmlformats.org/markup-compatibility/2006">
               <mc:Choice xmlns:v="urn:schemas-microsoft-com:vml" Requires="v">
-                <p:oleObj spid="_x0000_s12755" name="Equation" r:id="rId3" imgW="469800" imgH="164880" progId="Equation.DSMT4">
+                <p:oleObj spid="_x0000_s12881" name="Equation" r:id="rId3" imgW="469800" imgH="164880" progId="Equation.DSMT4">
                   <p:embed/>
                 </p:oleObj>
               </mc:Choice>
@@ -6448,7 +6453,7 @@
           <a:graphicData uri="http://schemas.openxmlformats.org/presentationml/2006/ole">
             <mc:AlternateContent xmlns:mc="http://schemas.openxmlformats.org/markup-compatibility/2006">
               <mc:Choice xmlns:v="urn:schemas-microsoft-com:vml" Requires="v">
-                <p:oleObj spid="_x0000_s12756" name="Equation" r:id="rId6" imgW="558720" imgH="152280" progId="Equation.DSMT4">
+                <p:oleObj spid="_x0000_s12882" name="Equation" r:id="rId6" imgW="558720" imgH="152280" progId="Equation.DSMT4">
                   <p:embed/>
                 </p:oleObj>
               </mc:Choice>
@@ -6505,7 +6510,7 @@
           <a:graphicData uri="http://schemas.openxmlformats.org/presentationml/2006/ole">
             <mc:AlternateContent xmlns:mc="http://schemas.openxmlformats.org/markup-compatibility/2006">
               <mc:Choice xmlns:v="urn:schemas-microsoft-com:vml" Requires="v">
-                <p:oleObj spid="_x0000_s12757" name="Equation" r:id="rId8" imgW="419040" imgH="139680" progId="Equation.DSMT4">
+                <p:oleObj spid="_x0000_s12883" name="Equation" r:id="rId8" imgW="419040" imgH="139680" progId="Equation.DSMT4">
                   <p:embed/>
                 </p:oleObj>
               </mc:Choice>
@@ -6562,7 +6567,7 @@
           <a:graphicData uri="http://schemas.openxmlformats.org/presentationml/2006/ole">
             <mc:AlternateContent xmlns:mc="http://schemas.openxmlformats.org/markup-compatibility/2006">
               <mc:Choice xmlns:v="urn:schemas-microsoft-com:vml" Requires="v">
-                <p:oleObj spid="_x0000_s12758" name="Equation" r:id="rId10" imgW="596880" imgH="330120" progId="Equation.DSMT4">
+                <p:oleObj spid="_x0000_s12884" name="Equation" r:id="rId10" imgW="596880" imgH="330120" progId="Equation.DSMT4">
                   <p:embed/>
                 </p:oleObj>
               </mc:Choice>
@@ -6659,7 +6664,7 @@
           <a:graphicData uri="http://schemas.openxmlformats.org/presentationml/2006/ole">
             <mc:AlternateContent xmlns:mc="http://schemas.openxmlformats.org/markup-compatibility/2006">
               <mc:Choice xmlns:v="urn:schemas-microsoft-com:vml" Requires="v">
-                <p:oleObj spid="_x0000_s12759" name="Equation" r:id="rId12" imgW="1625400" imgH="177480" progId="Equation.DSMT4">
+                <p:oleObj spid="_x0000_s12885" name="Equation" r:id="rId12" imgW="1625400" imgH="177480" progId="Equation.DSMT4">
                   <p:embed/>
                 </p:oleObj>
               </mc:Choice>
@@ -6716,7 +6721,7 @@
           <a:graphicData uri="http://schemas.openxmlformats.org/presentationml/2006/ole">
             <mc:AlternateContent xmlns:mc="http://schemas.openxmlformats.org/markup-compatibility/2006">
               <mc:Choice xmlns:v="urn:schemas-microsoft-com:vml" Requires="v">
-                <p:oleObj spid="_x0000_s12760" name="Equation" r:id="rId14" imgW="1307880" imgH="342720" progId="Equation.DSMT4">
+                <p:oleObj spid="_x0000_s12886" name="Equation" r:id="rId14" imgW="1307880" imgH="342720" progId="Equation.DSMT4">
                   <p:embed/>
                 </p:oleObj>
               </mc:Choice>
@@ -6813,7 +6818,7 @@
           <a:graphicData uri="http://schemas.openxmlformats.org/presentationml/2006/ole">
             <mc:AlternateContent xmlns:mc="http://schemas.openxmlformats.org/markup-compatibility/2006">
               <mc:Choice xmlns:v="urn:schemas-microsoft-com:vml" Requires="v">
-                <p:oleObj spid="_x0000_s12761" name="Equation" r:id="rId16" imgW="533160" imgH="634680" progId="Equation.DSMT4">
+                <p:oleObj spid="_x0000_s12887" name="Equation" r:id="rId16" imgW="533160" imgH="634680" progId="Equation.DSMT4">
                   <p:embed/>
                 </p:oleObj>
               </mc:Choice>
@@ -6910,7 +6915,7 @@
           <a:graphicData uri="http://schemas.openxmlformats.org/presentationml/2006/ole">
             <mc:AlternateContent xmlns:mc="http://schemas.openxmlformats.org/markup-compatibility/2006">
               <mc:Choice xmlns:v="urn:schemas-microsoft-com:vml" Requires="v">
-                <p:oleObj spid="_x0000_s12762" name="Equation" r:id="rId18" imgW="660240" imgH="482400" progId="Equation.DSMT4">
+                <p:oleObj spid="_x0000_s12888" name="Equation" r:id="rId18" imgW="660240" imgH="482400" progId="Equation.DSMT4">
                   <p:embed/>
                 </p:oleObj>
               </mc:Choice>
@@ -7007,7 +7012,7 @@
           <a:graphicData uri="http://schemas.openxmlformats.org/presentationml/2006/ole">
             <mc:AlternateContent xmlns:mc="http://schemas.openxmlformats.org/markup-compatibility/2006">
               <mc:Choice xmlns:v="urn:schemas-microsoft-com:vml" Requires="v">
-                <p:oleObj spid="_x0000_s12763" name="Equation" r:id="rId20" imgW="647640" imgH="812520" progId="Equation.DSMT4">
+                <p:oleObj spid="_x0000_s12889" name="Equation" r:id="rId20" imgW="647640" imgH="812520" progId="Equation.DSMT4">
                   <p:embed/>
                 </p:oleObj>
               </mc:Choice>
@@ -7286,7 +7291,7 @@
           <a:graphicData uri="http://schemas.openxmlformats.org/presentationml/2006/ole">
             <mc:AlternateContent xmlns:mc="http://schemas.openxmlformats.org/markup-compatibility/2006">
               <mc:Choice xmlns:v="urn:schemas-microsoft-com:vml" Requires="v">
-                <p:oleObj spid="_x0000_s13522" name="Equation" r:id="rId3" imgW="596880" imgH="330120" progId="Equation.DSMT4">
+                <p:oleObj spid="_x0000_s13578" name="Equation" r:id="rId3" imgW="596880" imgH="330120" progId="Equation.DSMT4">
                   <p:embed/>
                 </p:oleObj>
               </mc:Choice>
@@ -7343,7 +7348,7 @@
           <a:graphicData uri="http://schemas.openxmlformats.org/presentationml/2006/ole">
             <mc:AlternateContent xmlns:mc="http://schemas.openxmlformats.org/markup-compatibility/2006">
               <mc:Choice xmlns:v="urn:schemas-microsoft-com:vml" Requires="v">
-                <p:oleObj spid="_x0000_s13523" name="Equation" r:id="rId5" imgW="723600" imgH="139680" progId="Equation.DSMT4">
+                <p:oleObj spid="_x0000_s13579" name="Equation" r:id="rId5" imgW="723600" imgH="139680" progId="Equation.DSMT4">
                   <p:embed/>
                 </p:oleObj>
               </mc:Choice>
@@ -7400,7 +7405,7 @@
           <a:graphicData uri="http://schemas.openxmlformats.org/presentationml/2006/ole">
             <mc:AlternateContent xmlns:mc="http://schemas.openxmlformats.org/markup-compatibility/2006">
               <mc:Choice xmlns:v="urn:schemas-microsoft-com:vml" Requires="v">
-                <p:oleObj spid="_x0000_s13524" name="Equation" r:id="rId7" imgW="406080" imgH="164880" progId="Equation.DSMT4">
+                <p:oleObj spid="_x0000_s13580" name="Equation" r:id="rId7" imgW="406080" imgH="164880" progId="Equation.DSMT4">
                   <p:embed/>
                 </p:oleObj>
               </mc:Choice>
@@ -7457,7 +7462,7 @@
           <a:graphicData uri="http://schemas.openxmlformats.org/presentationml/2006/ole">
             <mc:AlternateContent xmlns:mc="http://schemas.openxmlformats.org/markup-compatibility/2006">
               <mc:Choice xmlns:v="urn:schemas-microsoft-com:vml" Requires="v">
-                <p:oleObj spid="_x0000_s13525" name="Equation" r:id="rId9" imgW="685800" imgH="152280" progId="Equation.DSMT4">
+                <p:oleObj spid="_x0000_s13581" name="Equation" r:id="rId9" imgW="685800" imgH="152280" progId="Equation.DSMT4">
                   <p:embed/>
                 </p:oleObj>
               </mc:Choice>
@@ -7669,7 +7674,7 @@
           <a:graphicData uri="http://schemas.openxmlformats.org/presentationml/2006/ole">
             <mc:AlternateContent xmlns:mc="http://schemas.openxmlformats.org/markup-compatibility/2006">
               <mc:Choice xmlns:v="urn:schemas-microsoft-com:vml" Requires="v">
-                <p:oleObj spid="_x0000_s14588" name="Equation" r:id="rId3" imgW="1549080" imgH="330120" progId="Equation.DSMT4">
+                <p:oleObj spid="_x0000_s14658" name="Equation" r:id="rId3" imgW="1549080" imgH="330120" progId="Equation.DSMT4">
                   <p:embed/>
                 </p:oleObj>
               </mc:Choice>
@@ -7726,7 +7731,7 @@
           <a:graphicData uri="http://schemas.openxmlformats.org/presentationml/2006/ole">
             <mc:AlternateContent xmlns:mc="http://schemas.openxmlformats.org/markup-compatibility/2006">
               <mc:Choice xmlns:v="urn:schemas-microsoft-com:vml" Requires="v">
-                <p:oleObj spid="_x0000_s14589" name="Equation" r:id="rId5" imgW="622080" imgH="177480" progId="Equation.DSMT4">
+                <p:oleObj spid="_x0000_s14659" name="Equation" r:id="rId5" imgW="622080" imgH="177480" progId="Equation.DSMT4">
                   <p:embed/>
                 </p:oleObj>
               </mc:Choice>
@@ -7823,7 +7828,7 @@
           <a:graphicData uri="http://schemas.openxmlformats.org/presentationml/2006/ole">
             <mc:AlternateContent xmlns:mc="http://schemas.openxmlformats.org/markup-compatibility/2006">
               <mc:Choice xmlns:v="urn:schemas-microsoft-com:vml" Requires="v">
-                <p:oleObj spid="_x0000_s14590" name="Equation" r:id="rId7" imgW="571320" imgH="330120" progId="Equation.DSMT4">
+                <p:oleObj spid="_x0000_s14660" name="Equation" r:id="rId7" imgW="571320" imgH="330120" progId="Equation.DSMT4">
                   <p:embed/>
                 </p:oleObj>
               </mc:Choice>
@@ -7880,7 +7885,7 @@
           <a:graphicData uri="http://schemas.openxmlformats.org/presentationml/2006/ole">
             <mc:AlternateContent xmlns:mc="http://schemas.openxmlformats.org/markup-compatibility/2006">
               <mc:Choice xmlns:v="urn:schemas-microsoft-com:vml" Requires="v">
-                <p:oleObj spid="_x0000_s14591" name="Equation" r:id="rId9" imgW="1143000" imgH="177480" progId="Equation.DSMT4">
+                <p:oleObj spid="_x0000_s14661" name="Equation" r:id="rId9" imgW="1143000" imgH="177480" progId="Equation.DSMT4">
                   <p:embed/>
                 </p:oleObj>
               </mc:Choice>
@@ -7977,7 +7982,7 @@
           <a:graphicData uri="http://schemas.openxmlformats.org/presentationml/2006/ole">
             <mc:AlternateContent xmlns:mc="http://schemas.openxmlformats.org/markup-compatibility/2006">
               <mc:Choice xmlns:v="urn:schemas-microsoft-com:vml" Requires="v">
-                <p:oleObj spid="_x0000_s14592" name="Equation" r:id="rId11" imgW="825480" imgH="330120" progId="Equation.DSMT4">
+                <p:oleObj spid="_x0000_s14662" name="Equation" r:id="rId11" imgW="825480" imgH="330120" progId="Equation.DSMT4">
                   <p:embed/>
                 </p:oleObj>
               </mc:Choice>
@@ -8288,7 +8293,7 @@
           <a:graphicData uri="http://schemas.openxmlformats.org/presentationml/2006/ole">
             <mc:AlternateContent xmlns:mc="http://schemas.openxmlformats.org/markup-compatibility/2006">
               <mc:Choice xmlns:v="urn:schemas-microsoft-com:vml" Requires="v">
-                <p:oleObj spid="_x0000_s15406" name="Equation" r:id="rId3" imgW="647640" imgH="812520" progId="Equation.DSMT4">
+                <p:oleObj spid="_x0000_s15420" name="Equation" r:id="rId3" imgW="647640" imgH="812520" progId="Equation.DSMT4">
                   <p:embed/>
                 </p:oleObj>
               </mc:Choice>
@@ -8495,7 +8500,7 @@
           <a:graphicData uri="http://schemas.openxmlformats.org/presentationml/2006/ole">
             <mc:AlternateContent xmlns:mc="http://schemas.openxmlformats.org/markup-compatibility/2006">
               <mc:Choice xmlns:v="urn:schemas-microsoft-com:vml" Requires="v">
-                <p:oleObj spid="_x0000_s16427" name="Equation" r:id="rId3" imgW="647640" imgH="812520" progId="Equation.DSMT4">
+                <p:oleObj spid="_x0000_s16441" name="Equation" r:id="rId3" imgW="647640" imgH="812520" progId="Equation.DSMT4">
                   <p:embed/>
                 </p:oleObj>
               </mc:Choice>
@@ -9088,7 +9093,7 @@
           <a:graphicData uri="http://schemas.openxmlformats.org/presentationml/2006/ole">
             <mc:AlternateContent xmlns:mc="http://schemas.openxmlformats.org/markup-compatibility/2006">
               <mc:Choice xmlns:v="urn:schemas-microsoft-com:vml" Requires="v">
-                <p:oleObj spid="_x0000_s17609" name="Equation" r:id="rId3" imgW="876240" imgH="177480" progId="Equation.DSMT4">
+                <p:oleObj spid="_x0000_s17693" name="Equation" r:id="rId3" imgW="876240" imgH="177480" progId="Equation.DSMT4">
                   <p:embed/>
                 </p:oleObj>
               </mc:Choice>
@@ -9145,7 +9150,7 @@
           <a:graphicData uri="http://schemas.openxmlformats.org/presentationml/2006/ole">
             <mc:AlternateContent xmlns:mc="http://schemas.openxmlformats.org/markup-compatibility/2006">
               <mc:Choice xmlns:v="urn:schemas-microsoft-com:vml" Requires="v">
-                <p:oleObj spid="_x0000_s17610" name="Equation" r:id="rId5" imgW="571320" imgH="177480" progId="Equation.DSMT4">
+                <p:oleObj spid="_x0000_s17694" name="Equation" r:id="rId5" imgW="571320" imgH="177480" progId="Equation.DSMT4">
                   <p:embed/>
                 </p:oleObj>
               </mc:Choice>
@@ -9202,7 +9207,7 @@
           <a:graphicData uri="http://schemas.openxmlformats.org/presentationml/2006/ole">
             <mc:AlternateContent xmlns:mc="http://schemas.openxmlformats.org/markup-compatibility/2006">
               <mc:Choice xmlns:v="urn:schemas-microsoft-com:vml" Requires="v">
-                <p:oleObj spid="_x0000_s17611" name="Equation" r:id="rId7" imgW="1434960" imgH="190440" progId="Equation.DSMT4">
+                <p:oleObj spid="_x0000_s17695" name="Equation" r:id="rId7" imgW="1434960" imgH="190440" progId="Equation.DSMT4">
                   <p:embed/>
                 </p:oleObj>
               </mc:Choice>
@@ -9259,7 +9264,7 @@
           <a:graphicData uri="http://schemas.openxmlformats.org/presentationml/2006/ole">
             <mc:AlternateContent xmlns:mc="http://schemas.openxmlformats.org/markup-compatibility/2006">
               <mc:Choice xmlns:v="urn:schemas-microsoft-com:vml" Requires="v">
-                <p:oleObj spid="_x0000_s17612" name="Equation" r:id="rId9" imgW="355320" imgH="164880" progId="Equation.DSMT4">
+                <p:oleObj spid="_x0000_s17696" name="Equation" r:id="rId9" imgW="355320" imgH="164880" progId="Equation.DSMT4">
                   <p:embed/>
                 </p:oleObj>
               </mc:Choice>
@@ -9316,7 +9321,7 @@
           <a:graphicData uri="http://schemas.openxmlformats.org/presentationml/2006/ole">
             <mc:AlternateContent xmlns:mc="http://schemas.openxmlformats.org/markup-compatibility/2006">
               <mc:Choice xmlns:v="urn:schemas-microsoft-com:vml" Requires="v">
-                <p:oleObj spid="_x0000_s17613" name="Equation" r:id="rId11" imgW="634680" imgH="152280" progId="Equation.DSMT4">
+                <p:oleObj spid="_x0000_s17697" name="Equation" r:id="rId11" imgW="634680" imgH="152280" progId="Equation.DSMT4">
                   <p:embed/>
                 </p:oleObj>
               </mc:Choice>
@@ -9373,7 +9378,7 @@
           <a:graphicData uri="http://schemas.openxmlformats.org/presentationml/2006/ole">
             <mc:AlternateContent xmlns:mc="http://schemas.openxmlformats.org/markup-compatibility/2006">
               <mc:Choice xmlns:v="urn:schemas-microsoft-com:vml" Requires="v">
-                <p:oleObj spid="_x0000_s17614" name="Equation" r:id="rId13" imgW="101520" imgH="114120" progId="Equation.DSMT4">
+                <p:oleObj spid="_x0000_s17698" name="Equation" r:id="rId13" imgW="101520" imgH="114120" progId="Equation.DSMT4">
                   <p:embed/>
                 </p:oleObj>
               </mc:Choice>
@@ -9741,7 +9746,7 @@
           <a:graphicData uri="http://schemas.openxmlformats.org/presentationml/2006/ole">
             <mc:AlternateContent xmlns:mc="http://schemas.openxmlformats.org/markup-compatibility/2006">
               <mc:Choice xmlns:v="urn:schemas-microsoft-com:vml" Requires="v">
-                <p:oleObj spid="_x0000_s18528" name="Equation" r:id="rId3" imgW="1879560" imgH="190440" progId="Equation.DSMT4">
+                <p:oleObj spid="_x0000_s18584" name="Equation" r:id="rId3" imgW="1879560" imgH="190440" progId="Equation.DSMT4">
                   <p:embed/>
                 </p:oleObj>
               </mc:Choice>
@@ -9798,7 +9803,7 @@
           <a:graphicData uri="http://schemas.openxmlformats.org/presentationml/2006/ole">
             <mc:AlternateContent xmlns:mc="http://schemas.openxmlformats.org/markup-compatibility/2006">
               <mc:Choice xmlns:v="urn:schemas-microsoft-com:vml" Requires="v">
-                <p:oleObj spid="_x0000_s18529" name="Equation" r:id="rId5" imgW="482400" imgH="164880" progId="Equation.DSMT4">
+                <p:oleObj spid="_x0000_s18585" name="Equation" r:id="rId5" imgW="482400" imgH="164880" progId="Equation.DSMT4">
                   <p:embed/>
                 </p:oleObj>
               </mc:Choice>
@@ -9855,7 +9860,7 @@
           <a:graphicData uri="http://schemas.openxmlformats.org/presentationml/2006/ole">
             <mc:AlternateContent xmlns:mc="http://schemas.openxmlformats.org/markup-compatibility/2006">
               <mc:Choice xmlns:v="urn:schemas-microsoft-com:vml" Requires="v">
-                <p:oleObj spid="_x0000_s18530" name="Equation" r:id="rId7" imgW="812520" imgH="164880" progId="Equation.DSMT4">
+                <p:oleObj spid="_x0000_s18586" name="Equation" r:id="rId7" imgW="812520" imgH="164880" progId="Equation.DSMT4">
                   <p:embed/>
                 </p:oleObj>
               </mc:Choice>
@@ -9912,7 +9917,7 @@
           <a:graphicData uri="http://schemas.openxmlformats.org/presentationml/2006/ole">
             <mc:AlternateContent xmlns:mc="http://schemas.openxmlformats.org/markup-compatibility/2006">
               <mc:Choice xmlns:v="urn:schemas-microsoft-com:vml" Requires="v">
-                <p:oleObj spid="_x0000_s18531" name="Equation" r:id="rId9" imgW="101520" imgH="152280" progId="Equation.DSMT4">
+                <p:oleObj spid="_x0000_s18587" name="Equation" r:id="rId9" imgW="101520" imgH="152280" progId="Equation.DSMT4">
                   <p:embed/>
                 </p:oleObj>
               </mc:Choice>
@@ -10156,7 +10161,7 @@
           <a:graphicData uri="http://schemas.openxmlformats.org/presentationml/2006/ole">
             <mc:AlternateContent xmlns:mc="http://schemas.openxmlformats.org/markup-compatibility/2006">
               <mc:Choice xmlns:v="urn:schemas-microsoft-com:vml" Requires="v">
-                <p:oleObj spid="_x0000_s19530" name="Equation" r:id="rId3" imgW="876240" imgH="177480" progId="Equation.DSMT4">
+                <p:oleObj spid="_x0000_s19586" name="Equation" r:id="rId3" imgW="876240" imgH="177480" progId="Equation.DSMT4">
                   <p:embed/>
                 </p:oleObj>
               </mc:Choice>
@@ -10213,7 +10218,7 @@
           <a:graphicData uri="http://schemas.openxmlformats.org/presentationml/2006/ole">
             <mc:AlternateContent xmlns:mc="http://schemas.openxmlformats.org/markup-compatibility/2006">
               <mc:Choice xmlns:v="urn:schemas-microsoft-com:vml" Requires="v">
-                <p:oleObj spid="_x0000_s19531" name="Equation" r:id="rId5" imgW="1688760" imgH="190440" progId="Equation.DSMT4">
+                <p:oleObj spid="_x0000_s19587" name="Equation" r:id="rId5" imgW="1688760" imgH="190440" progId="Equation.DSMT4">
                   <p:embed/>
                 </p:oleObj>
               </mc:Choice>
@@ -10270,7 +10275,7 @@
           <a:graphicData uri="http://schemas.openxmlformats.org/presentationml/2006/ole">
             <mc:AlternateContent xmlns:mc="http://schemas.openxmlformats.org/markup-compatibility/2006">
               <mc:Choice xmlns:v="urn:schemas-microsoft-com:vml" Requires="v">
-                <p:oleObj spid="_x0000_s19532" name="Equation" r:id="rId7" imgW="660240" imgH="152280" progId="Equation.DSMT4">
+                <p:oleObj spid="_x0000_s19588" name="Equation" r:id="rId7" imgW="660240" imgH="152280" progId="Equation.DSMT4">
                   <p:embed/>
                 </p:oleObj>
               </mc:Choice>
@@ -10327,7 +10332,7 @@
           <a:graphicData uri="http://schemas.openxmlformats.org/presentationml/2006/ole">
             <mc:AlternateContent xmlns:mc="http://schemas.openxmlformats.org/markup-compatibility/2006">
               <mc:Choice xmlns:v="urn:schemas-microsoft-com:vml" Requires="v">
-                <p:oleObj spid="_x0000_s19533" name="Equation" r:id="rId9" imgW="1384200" imgH="152280" progId="Equation.DSMT4">
+                <p:oleObj spid="_x0000_s19589" name="Equation" r:id="rId9" imgW="1384200" imgH="152280" progId="Equation.DSMT4">
                   <p:embed/>
                 </p:oleObj>
               </mc:Choice>
@@ -10588,7 +10593,7 @@
           <a:graphicData uri="http://schemas.openxmlformats.org/presentationml/2006/ole">
             <mc:AlternateContent xmlns:mc="http://schemas.openxmlformats.org/markup-compatibility/2006">
               <mc:Choice xmlns:v="urn:schemas-microsoft-com:vml" Requires="v">
-                <p:oleObj spid="_x0000_s20567" name="Equation" r:id="rId3" imgW="876240" imgH="177480" progId="Equation.DSMT4">
+                <p:oleObj spid="_x0000_s20665" name="Equation" r:id="rId3" imgW="876240" imgH="177480" progId="Equation.DSMT4">
                   <p:embed/>
                 </p:oleObj>
               </mc:Choice>
@@ -10645,7 +10650,7 @@
           <a:graphicData uri="http://schemas.openxmlformats.org/presentationml/2006/ole">
             <mc:AlternateContent xmlns:mc="http://schemas.openxmlformats.org/markup-compatibility/2006">
               <mc:Choice xmlns:v="urn:schemas-microsoft-com:vml" Requires="v">
-                <p:oleObj spid="_x0000_s20568" name="Equation" r:id="rId5" imgW="685800" imgH="177480" progId="Equation.DSMT4">
+                <p:oleObj spid="_x0000_s20666" name="Equation" r:id="rId5" imgW="685800" imgH="177480" progId="Equation.DSMT4">
                   <p:embed/>
                 </p:oleObj>
               </mc:Choice>
@@ -10702,7 +10707,7 @@
           <a:graphicData uri="http://schemas.openxmlformats.org/presentationml/2006/ole">
             <mc:AlternateContent xmlns:mc="http://schemas.openxmlformats.org/markup-compatibility/2006">
               <mc:Choice xmlns:v="urn:schemas-microsoft-com:vml" Requires="v">
-                <p:oleObj spid="_x0000_s20569" name="Equation" r:id="rId7" imgW="139680" imgH="177480" progId="Equation.DSMT4">
+                <p:oleObj spid="_x0000_s20667" name="Equation" r:id="rId7" imgW="139680" imgH="177480" progId="Equation.DSMT4">
                   <p:embed/>
                 </p:oleObj>
               </mc:Choice>
@@ -10759,7 +10764,7 @@
           <a:graphicData uri="http://schemas.openxmlformats.org/presentationml/2006/ole">
             <mc:AlternateContent xmlns:mc="http://schemas.openxmlformats.org/markup-compatibility/2006">
               <mc:Choice xmlns:v="urn:schemas-microsoft-com:vml" Requires="v">
-                <p:oleObj spid="_x0000_s20570" name="Equation" r:id="rId9" imgW="2171520" imgH="177480" progId="Equation.DSMT4">
+                <p:oleObj spid="_x0000_s20668" name="Equation" r:id="rId9" imgW="2171520" imgH="177480" progId="Equation.DSMT4">
                   <p:embed/>
                 </p:oleObj>
               </mc:Choice>
@@ -10816,7 +10821,7 @@
           <a:graphicData uri="http://schemas.openxmlformats.org/presentationml/2006/ole">
             <mc:AlternateContent xmlns:mc="http://schemas.openxmlformats.org/markup-compatibility/2006">
               <mc:Choice xmlns:v="urn:schemas-microsoft-com:vml" Requires="v">
-                <p:oleObj spid="_x0000_s20571" name="Equation" r:id="rId11" imgW="685800" imgH="177480" progId="Equation.DSMT4">
+                <p:oleObj spid="_x0000_s20669" name="Equation" r:id="rId11" imgW="685800" imgH="177480" progId="Equation.DSMT4">
                   <p:embed/>
                 </p:oleObj>
               </mc:Choice>
@@ -10873,7 +10878,7 @@
           <a:graphicData uri="http://schemas.openxmlformats.org/presentationml/2006/ole">
             <mc:AlternateContent xmlns:mc="http://schemas.openxmlformats.org/markup-compatibility/2006">
               <mc:Choice xmlns:v="urn:schemas-microsoft-com:vml" Requires="v">
-                <p:oleObj spid="_x0000_s20572" name="Equation" r:id="rId13" imgW="812520" imgH="152280" progId="Equation.DSMT4">
+                <p:oleObj spid="_x0000_s20670" name="Equation" r:id="rId13" imgW="812520" imgH="152280" progId="Equation.DSMT4">
                   <p:embed/>
                 </p:oleObj>
               </mc:Choice>
@@ -10930,7 +10935,7 @@
           <a:graphicData uri="http://schemas.openxmlformats.org/presentationml/2006/ole">
             <mc:AlternateContent xmlns:mc="http://schemas.openxmlformats.org/markup-compatibility/2006">
               <mc:Choice xmlns:v="urn:schemas-microsoft-com:vml" Requires="v">
-                <p:oleObj spid="_x0000_s20573" name="Equation" r:id="rId15" imgW="101520" imgH="114120" progId="Equation.DSMT4">
+                <p:oleObj spid="_x0000_s20671" name="Equation" r:id="rId15" imgW="101520" imgH="114120" progId="Equation.DSMT4">
                   <p:embed/>
                 </p:oleObj>
               </mc:Choice>
@@ -11121,6 +11126,714 @@
 </p:sld>
 </file>
 
+<file path=ppt/slides/slide24.xml><?xml version="1.0" encoding="utf-8"?>
+<p:sld xmlns:a="http://schemas.openxmlformats.org/drawingml/2006/main" xmlns:r="http://schemas.openxmlformats.org/officeDocument/2006/relationships" xmlns:p="http://schemas.openxmlformats.org/presentationml/2006/main">
+  <p:cSld>
+    <p:spTree>
+      <p:nvGrpSpPr>
+        <p:cNvPr id="1" name=""/>
+        <p:cNvGrpSpPr/>
+        <p:nvPr/>
+      </p:nvGrpSpPr>
+      <p:grpSpPr>
+        <a:xfrm>
+          <a:off x="0" y="0"/>
+          <a:ext cx="0" cy="0"/>
+          <a:chOff x="0" y="0"/>
+          <a:chExt cx="0" cy="0"/>
+        </a:xfrm>
+      </p:grpSpPr>
+      <p:sp>
+        <p:nvSpPr>
+          <p:cNvPr id="2" name="标题 1"/>
+          <p:cNvSpPr>
+            <a:spLocks noGrp="1"/>
+          </p:cNvSpPr>
+          <p:nvPr>
+            <p:ph type="title"/>
+          </p:nvPr>
+        </p:nvSpPr>
+        <p:spPr/>
+        <p:txBody>
+          <a:bodyPr/>
+          <a:lstStyle/>
+          <a:p>
+            <a:r>
+              <a:rPr lang="en-US" altLang="zh-CN" dirty="0"/>
+              <a:t>3.6 Predictive Parsing for LL(1) Grammar</a:t>
+            </a:r>
+            <a:endParaRPr lang="zh-CN" altLang="en-US" dirty="0"/>
+          </a:p>
+        </p:txBody>
+      </p:sp>
+      <p:sp>
+        <p:nvSpPr>
+          <p:cNvPr id="3" name="内容占位符 2"/>
+          <p:cNvSpPr>
+            <a:spLocks noGrp="1"/>
+          </p:cNvSpPr>
+          <p:nvPr>
+            <p:ph idx="1"/>
+          </p:nvPr>
+        </p:nvSpPr>
+        <p:spPr>
+          <a:xfrm>
+            <a:off x="828675" y="1600200"/>
+            <a:ext cx="7486650" cy="1121229"/>
+          </a:xfrm>
+        </p:spPr>
+        <p:txBody>
+          <a:bodyPr/>
+          <a:lstStyle/>
+          <a:p>
+            <a:r>
+              <a:rPr lang="en-US" altLang="zh-CN" dirty="0" smtClean="0"/>
+              <a:t>Predictive </a:t>
+            </a:r>
+            <a:r>
+              <a:rPr lang="en-US" altLang="zh-CN" dirty="0"/>
+              <a:t>parsing table </a:t>
+            </a:r>
+            <a:r>
+              <a:rPr lang="en-US" altLang="zh-CN" i="1" dirty="0"/>
+              <a:t>M [A, a] </a:t>
+            </a:r>
+            <a:r>
+              <a:rPr lang="en-US" altLang="zh-CN" dirty="0"/>
+              <a:t>, a two-dimensional array, where </a:t>
+            </a:r>
+            <a:r>
+              <a:rPr lang="en-US" altLang="zh-CN" i="1" dirty="0"/>
+              <a:t>A</a:t>
+            </a:r>
+            <a:r>
+              <a:rPr lang="en-US" altLang="zh-CN" dirty="0"/>
+              <a:t> is </a:t>
+            </a:r>
+            <a:r>
+              <a:rPr lang="en-US" altLang="zh-CN" dirty="0" smtClean="0"/>
+              <a:t>a nonterminal</a:t>
+            </a:r>
+            <a:r>
+              <a:rPr lang="en-US" altLang="zh-CN" dirty="0"/>
+              <a:t>, and </a:t>
+            </a:r>
+            <a:r>
+              <a:rPr lang="en-US" altLang="zh-CN" i="1" dirty="0"/>
+              <a:t>a</a:t>
+            </a:r>
+            <a:r>
+              <a:rPr lang="en-US" altLang="zh-CN" dirty="0"/>
+              <a:t> is a terminal or the symbol $, the input </a:t>
+            </a:r>
+            <a:r>
+              <a:rPr lang="en-US" altLang="zh-CN" dirty="0" err="1"/>
+              <a:t>endmarker</a:t>
+            </a:r>
+            <a:r>
+              <a:rPr lang="en-US" altLang="zh-CN" dirty="0" smtClean="0"/>
+              <a:t>. The element of </a:t>
+            </a:r>
+            <a:r>
+              <a:rPr lang="en-US" altLang="zh-CN" i="1" dirty="0" smtClean="0"/>
+              <a:t>M[A, a] </a:t>
+            </a:r>
+            <a:r>
+              <a:rPr lang="en-US" altLang="zh-CN" dirty="0" smtClean="0"/>
+              <a:t>is an A-production, indicating that when</a:t>
+            </a:r>
+            <a:r>
+              <a:rPr lang="en-US" altLang="zh-CN" i="1" dirty="0" smtClean="0"/>
+              <a:t> A </a:t>
+            </a:r>
+            <a:r>
+              <a:rPr lang="en-US" altLang="zh-CN" dirty="0" smtClean="0"/>
+              <a:t>facing </a:t>
+            </a:r>
+            <a:r>
+              <a:rPr lang="en-US" altLang="zh-CN" i="1" dirty="0" smtClean="0"/>
+              <a:t>a</a:t>
+            </a:r>
+            <a:r>
+              <a:rPr lang="en-US" altLang="zh-CN" dirty="0" smtClean="0"/>
+              <a:t> , which production should use. </a:t>
+            </a:r>
+            <a:r>
+              <a:rPr lang="en-US" altLang="zh-CN" i="1" dirty="0"/>
+              <a:t>M[A, a] </a:t>
+            </a:r>
+            <a:r>
+              <a:rPr lang="en-US" altLang="zh-CN" i="1" dirty="0" smtClean="0"/>
+              <a:t> </a:t>
+            </a:r>
+            <a:r>
+              <a:rPr lang="en-US" altLang="zh-CN" dirty="0" smtClean="0"/>
+              <a:t>also can store error signs. </a:t>
+            </a:r>
+            <a:endParaRPr lang="zh-CN" altLang="en-US" dirty="0"/>
+          </a:p>
+        </p:txBody>
+      </p:sp>
+      <p:pic>
+        <p:nvPicPr>
+          <p:cNvPr id="4" name="图片 3"/>
+          <p:cNvPicPr>
+            <a:picLocks noChangeAspect="1"/>
+          </p:cNvPicPr>
+          <p:nvPr/>
+        </p:nvPicPr>
+        <p:blipFill>
+          <a:blip r:embed="rId2"/>
+          <a:stretch>
+            <a:fillRect/>
+          </a:stretch>
+        </p:blipFill>
+        <p:spPr>
+          <a:xfrm>
+            <a:off x="1092468" y="2721429"/>
+            <a:ext cx="6701704" cy="2190786"/>
+          </a:xfrm>
+          <a:prstGeom prst="rect">
+            <a:avLst/>
+          </a:prstGeom>
+        </p:spPr>
+      </p:pic>
+    </p:spTree>
+    <p:extLst>
+      <p:ext uri="{BB962C8B-B14F-4D97-AF65-F5344CB8AC3E}">
+        <p14:creationId xmlns:p14="http://schemas.microsoft.com/office/powerpoint/2010/main" val="3077045429"/>
+      </p:ext>
+    </p:extLst>
+  </p:cSld>
+  <p:clrMapOvr>
+    <a:masterClrMapping/>
+  </p:clrMapOvr>
+  <mc:AlternateContent xmlns:mc="http://schemas.openxmlformats.org/markup-compatibility/2006" xmlns:p14="http://schemas.microsoft.com/office/powerpoint/2010/main">
+    <mc:Choice Requires="p14">
+      <p:transition spd="med" p14:dur="700">
+        <p:fade/>
+      </p:transition>
+    </mc:Choice>
+    <mc:Fallback xmlns="">
+      <p:transition spd="med">
+        <p:fade/>
+      </p:transition>
+    </mc:Fallback>
+  </mc:AlternateContent>
+</p:sld>
+</file>
+
+<file path=ppt/slides/slide25.xml><?xml version="1.0" encoding="utf-8"?>
+<p:sld xmlns:a="http://schemas.openxmlformats.org/drawingml/2006/main" xmlns:r="http://schemas.openxmlformats.org/officeDocument/2006/relationships" xmlns:p="http://schemas.openxmlformats.org/presentationml/2006/main">
+  <p:cSld>
+    <p:spTree>
+      <p:nvGrpSpPr>
+        <p:cNvPr id="1" name=""/>
+        <p:cNvGrpSpPr/>
+        <p:nvPr/>
+      </p:nvGrpSpPr>
+      <p:grpSpPr>
+        <a:xfrm>
+          <a:off x="0" y="0"/>
+          <a:ext cx="0" cy="0"/>
+          <a:chOff x="0" y="0"/>
+          <a:chExt cx="0" cy="0"/>
+        </a:xfrm>
+      </p:grpSpPr>
+      <p:sp>
+        <p:nvSpPr>
+          <p:cNvPr id="2" name="标题 1"/>
+          <p:cNvSpPr>
+            <a:spLocks noGrp="1"/>
+          </p:cNvSpPr>
+          <p:nvPr>
+            <p:ph type="title"/>
+          </p:nvPr>
+        </p:nvSpPr>
+        <p:spPr/>
+        <p:txBody>
+          <a:bodyPr/>
+          <a:lstStyle/>
+          <a:p>
+            <a:r>
+              <a:rPr lang="en-US" altLang="zh-CN" dirty="0"/>
+              <a:t>3.6 Predictive Parsing for LL(1) Grammar</a:t>
+            </a:r>
+            <a:endParaRPr lang="zh-CN" altLang="en-US" dirty="0"/>
+          </a:p>
+        </p:txBody>
+      </p:sp>
+      <p:sp>
+        <p:nvSpPr>
+          <p:cNvPr id="3" name="内容占位符 2"/>
+          <p:cNvSpPr>
+            <a:spLocks noGrp="1"/>
+          </p:cNvSpPr>
+          <p:nvPr>
+            <p:ph idx="1"/>
+          </p:nvPr>
+        </p:nvSpPr>
+        <p:spPr>
+          <a:xfrm>
+            <a:off x="828675" y="1600200"/>
+            <a:ext cx="7486650" cy="566057"/>
+          </a:xfrm>
+        </p:spPr>
+        <p:txBody>
+          <a:bodyPr/>
+          <a:lstStyle/>
+          <a:p>
+            <a:r>
+              <a:rPr lang="en-US" altLang="zh-CN" dirty="0" smtClean="0"/>
+              <a:t>Construction </a:t>
+            </a:r>
+            <a:r>
+              <a:rPr lang="en-US" altLang="zh-CN" dirty="0"/>
+              <a:t>of a predictive parsing </a:t>
+            </a:r>
+            <a:r>
+              <a:rPr lang="en-US" altLang="zh-CN" dirty="0" smtClean="0"/>
+              <a:t>table M.</a:t>
+            </a:r>
+            <a:endParaRPr lang="zh-CN" altLang="en-US" dirty="0"/>
+          </a:p>
+        </p:txBody>
+      </p:sp>
+      <p:pic>
+        <p:nvPicPr>
+          <p:cNvPr id="4" name="图片 3"/>
+          <p:cNvPicPr>
+            <a:picLocks noChangeAspect="1"/>
+          </p:cNvPicPr>
+          <p:nvPr/>
+        </p:nvPicPr>
+        <p:blipFill>
+          <a:blip r:embed="rId2"/>
+          <a:stretch>
+            <a:fillRect/>
+          </a:stretch>
+        </p:blipFill>
+        <p:spPr>
+          <a:xfrm>
+            <a:off x="828675" y="2166257"/>
+            <a:ext cx="7895238" cy="2904762"/>
+          </a:xfrm>
+          <a:prstGeom prst="rect">
+            <a:avLst/>
+          </a:prstGeom>
+        </p:spPr>
+      </p:pic>
+      <p:pic>
+        <p:nvPicPr>
+          <p:cNvPr id="5" name="图片 4"/>
+          <p:cNvPicPr>
+            <a:picLocks noChangeAspect="1"/>
+          </p:cNvPicPr>
+          <p:nvPr/>
+        </p:nvPicPr>
+        <p:blipFill>
+          <a:blip r:embed="rId3"/>
+          <a:stretch>
+            <a:fillRect/>
+          </a:stretch>
+        </p:blipFill>
+        <p:spPr>
+          <a:xfrm>
+            <a:off x="942800" y="4987924"/>
+            <a:ext cx="8085714" cy="1076190"/>
+          </a:xfrm>
+          <a:prstGeom prst="rect">
+            <a:avLst/>
+          </a:prstGeom>
+        </p:spPr>
+      </p:pic>
+    </p:spTree>
+    <p:extLst>
+      <p:ext uri="{BB962C8B-B14F-4D97-AF65-F5344CB8AC3E}">
+        <p14:creationId xmlns:p14="http://schemas.microsoft.com/office/powerpoint/2010/main" val="1530065669"/>
+      </p:ext>
+    </p:extLst>
+  </p:cSld>
+  <p:clrMapOvr>
+    <a:masterClrMapping/>
+  </p:clrMapOvr>
+  <mc:AlternateContent xmlns:mc="http://schemas.openxmlformats.org/markup-compatibility/2006" xmlns:p14="http://schemas.microsoft.com/office/powerpoint/2010/main">
+    <mc:Choice Requires="p14">
+      <p:transition spd="med" p14:dur="700">
+        <p:fade/>
+      </p:transition>
+    </mc:Choice>
+    <mc:Fallback xmlns="">
+      <p:transition spd="med">
+        <p:fade/>
+      </p:transition>
+    </mc:Fallback>
+  </mc:AlternateContent>
+  <p:timing>
+    <p:tnLst>
+      <p:par>
+        <p:cTn id="1" dur="indefinite" restart="never" nodeType="tmRoot"/>
+      </p:par>
+    </p:tnLst>
+  </p:timing>
+</p:sld>
+</file>
+
+<file path=ppt/slides/slide26.xml><?xml version="1.0" encoding="utf-8"?>
+<p:sld xmlns:a="http://schemas.openxmlformats.org/drawingml/2006/main" xmlns:r="http://schemas.openxmlformats.org/officeDocument/2006/relationships" xmlns:p="http://schemas.openxmlformats.org/presentationml/2006/main">
+  <p:cSld>
+    <p:spTree>
+      <p:nvGrpSpPr>
+        <p:cNvPr id="1" name=""/>
+        <p:cNvGrpSpPr/>
+        <p:nvPr/>
+      </p:nvGrpSpPr>
+      <p:grpSpPr>
+        <a:xfrm>
+          <a:off x="0" y="0"/>
+          <a:ext cx="0" cy="0"/>
+          <a:chOff x="0" y="0"/>
+          <a:chExt cx="0" cy="0"/>
+        </a:xfrm>
+      </p:grpSpPr>
+      <p:sp>
+        <p:nvSpPr>
+          <p:cNvPr id="2" name="标题 1"/>
+          <p:cNvSpPr>
+            <a:spLocks noGrp="1"/>
+          </p:cNvSpPr>
+          <p:nvPr>
+            <p:ph type="title"/>
+          </p:nvPr>
+        </p:nvSpPr>
+        <p:spPr/>
+        <p:txBody>
+          <a:bodyPr/>
+          <a:lstStyle/>
+          <a:p>
+            <a:r>
+              <a:rPr lang="en-US" altLang="zh-CN" dirty="0"/>
+              <a:t>3.6 Predictive Parsing for LL(1) Grammar</a:t>
+            </a:r>
+            <a:endParaRPr lang="zh-CN" altLang="en-US" dirty="0"/>
+          </a:p>
+        </p:txBody>
+      </p:sp>
+      <p:pic>
+        <p:nvPicPr>
+          <p:cNvPr id="4" name="图片 3"/>
+          <p:cNvPicPr>
+            <a:picLocks noChangeAspect="1"/>
+          </p:cNvPicPr>
+          <p:nvPr/>
+        </p:nvPicPr>
+        <p:blipFill>
+          <a:blip r:embed="rId2"/>
+          <a:stretch>
+            <a:fillRect/>
+          </a:stretch>
+        </p:blipFill>
+        <p:spPr>
+          <a:xfrm>
+            <a:off x="828675" y="1480553"/>
+            <a:ext cx="5539468" cy="1066565"/>
+          </a:xfrm>
+          <a:prstGeom prst="rect">
+            <a:avLst/>
+          </a:prstGeom>
+        </p:spPr>
+      </p:pic>
+      <p:pic>
+        <p:nvPicPr>
+          <p:cNvPr id="5" name="图片 4"/>
+          <p:cNvPicPr>
+            <a:picLocks noChangeAspect="1"/>
+          </p:cNvPicPr>
+          <p:nvPr/>
+        </p:nvPicPr>
+        <p:blipFill>
+          <a:blip r:embed="rId3"/>
+          <a:stretch>
+            <a:fillRect/>
+          </a:stretch>
+        </p:blipFill>
+        <p:spPr>
+          <a:xfrm>
+            <a:off x="785131" y="2547118"/>
+            <a:ext cx="6023610" cy="3886200"/>
+          </a:xfrm>
+          <a:prstGeom prst="rect">
+            <a:avLst/>
+          </a:prstGeom>
+        </p:spPr>
+      </p:pic>
+      <p:pic>
+        <p:nvPicPr>
+          <p:cNvPr id="6" name="图片 5"/>
+          <p:cNvPicPr>
+            <a:picLocks noChangeAspect="1"/>
+          </p:cNvPicPr>
+          <p:nvPr/>
+        </p:nvPicPr>
+        <p:blipFill>
+          <a:blip r:embed="rId4">
+            <a:extLst>
+              <a:ext uri="{28A0092B-C50C-407E-A947-70E740481C1C}">
+                <a14:useLocalDpi xmlns:a14="http://schemas.microsoft.com/office/drawing/2010/main" val="0"/>
+              </a:ext>
+            </a:extLst>
+          </a:blip>
+          <a:stretch>
+            <a:fillRect/>
+          </a:stretch>
+        </p:blipFill>
+        <p:spPr>
+          <a:xfrm>
+            <a:off x="5675540" y="3442102"/>
+            <a:ext cx="3255309" cy="1924555"/>
+          </a:xfrm>
+          <a:prstGeom prst="rect">
+            <a:avLst/>
+          </a:prstGeom>
+        </p:spPr>
+      </p:pic>
+    </p:spTree>
+    <p:extLst>
+      <p:ext uri="{BB962C8B-B14F-4D97-AF65-F5344CB8AC3E}">
+        <p14:creationId xmlns:p14="http://schemas.microsoft.com/office/powerpoint/2010/main" val="3744372905"/>
+      </p:ext>
+    </p:extLst>
+  </p:cSld>
+  <p:clrMapOvr>
+    <a:masterClrMapping/>
+  </p:clrMapOvr>
+  <mc:AlternateContent xmlns:mc="http://schemas.openxmlformats.org/markup-compatibility/2006" xmlns:p14="http://schemas.microsoft.com/office/powerpoint/2010/main">
+    <mc:Choice Requires="p14">
+      <p:transition spd="med" p14:dur="700">
+        <p:fade/>
+      </p:transition>
+    </mc:Choice>
+    <mc:Fallback xmlns="">
+      <p:transition spd="med">
+        <p:fade/>
+      </p:transition>
+    </mc:Fallback>
+  </mc:AlternateContent>
+  <p:timing>
+    <p:tnLst>
+      <p:par>
+        <p:cTn id="1" dur="indefinite" restart="never" nodeType="tmRoot"/>
+      </p:par>
+    </p:tnLst>
+  </p:timing>
+</p:sld>
+</file>
+
+<file path=ppt/slides/slide27.xml><?xml version="1.0" encoding="utf-8"?>
+<p:sld xmlns:a="http://schemas.openxmlformats.org/drawingml/2006/main" xmlns:r="http://schemas.openxmlformats.org/officeDocument/2006/relationships" xmlns:p="http://schemas.openxmlformats.org/presentationml/2006/main">
+  <p:cSld>
+    <p:spTree>
+      <p:nvGrpSpPr>
+        <p:cNvPr id="1" name=""/>
+        <p:cNvGrpSpPr/>
+        <p:nvPr/>
+      </p:nvGrpSpPr>
+      <p:grpSpPr>
+        <a:xfrm>
+          <a:off x="0" y="0"/>
+          <a:ext cx="0" cy="0"/>
+          <a:chOff x="0" y="0"/>
+          <a:chExt cx="0" cy="0"/>
+        </a:xfrm>
+      </p:grpSpPr>
+      <p:sp>
+        <p:nvSpPr>
+          <p:cNvPr id="2" name="标题 1"/>
+          <p:cNvSpPr>
+            <a:spLocks noGrp="1"/>
+          </p:cNvSpPr>
+          <p:nvPr>
+            <p:ph type="title"/>
+          </p:nvPr>
+        </p:nvSpPr>
+        <p:spPr/>
+        <p:txBody>
+          <a:bodyPr/>
+          <a:lstStyle/>
+          <a:p>
+            <a:r>
+              <a:rPr lang="en-US" altLang="zh-CN" dirty="0" smtClean="0"/>
+              <a:t>Error Handling in LL(1)</a:t>
+            </a:r>
+            <a:endParaRPr lang="zh-CN" altLang="en-US" dirty="0"/>
+          </a:p>
+        </p:txBody>
+      </p:sp>
+      <p:sp>
+        <p:nvSpPr>
+          <p:cNvPr id="3" name="内容占位符 2"/>
+          <p:cNvSpPr>
+            <a:spLocks noGrp="1"/>
+          </p:cNvSpPr>
+          <p:nvPr>
+            <p:ph idx="1"/>
+          </p:nvPr>
+        </p:nvSpPr>
+        <p:spPr/>
+        <p:txBody>
+          <a:bodyPr/>
+          <a:lstStyle/>
+          <a:p>
+            <a:r>
+              <a:rPr lang="en-US" altLang="zh-CN" dirty="0" smtClean="0"/>
+              <a:t>In predictive parsing, error occurs when</a:t>
+            </a:r>
+          </a:p>
+          <a:p>
+            <a:r>
+              <a:rPr lang="en-US" altLang="zh-CN" dirty="0" smtClean="0"/>
+              <a:t>(1) The terminal on the top of the stack does not match the input symbol.</a:t>
+            </a:r>
+          </a:p>
+          <a:p>
+            <a:r>
+              <a:rPr lang="en-US" altLang="zh-CN" dirty="0" smtClean="0"/>
+              <a:t>(2) Nonterminal A is on the top of the stack and faces the input symbol a, but the element M[A, a] in predictive table is empty.</a:t>
+            </a:r>
+          </a:p>
+          <a:p>
+            <a:endParaRPr lang="en-US" altLang="zh-CN" dirty="0" smtClean="0"/>
+          </a:p>
+          <a:p>
+            <a:r>
+              <a:rPr lang="en-US" altLang="zh-CN" dirty="0" smtClean="0"/>
+              <a:t>Error Recovery Method</a:t>
+            </a:r>
+          </a:p>
+          <a:p>
+            <a:r>
+              <a:rPr lang="en-US" altLang="zh-CN" dirty="0" smtClean="0"/>
+              <a:t>(1) panic mode</a:t>
+            </a:r>
+          </a:p>
+          <a:p>
+            <a:r>
+              <a:rPr lang="en-US" altLang="zh-CN" dirty="0"/>
+              <a:t>(2) Phrase-level Recovery</a:t>
+            </a:r>
+            <a:endParaRPr lang="en-US" altLang="zh-CN" dirty="0" smtClean="0"/>
+          </a:p>
+        </p:txBody>
+      </p:sp>
+    </p:spTree>
+    <p:extLst>
+      <p:ext uri="{BB962C8B-B14F-4D97-AF65-F5344CB8AC3E}">
+        <p14:creationId xmlns:p14="http://schemas.microsoft.com/office/powerpoint/2010/main" val="2118243735"/>
+      </p:ext>
+    </p:extLst>
+  </p:cSld>
+  <p:clrMapOvr>
+    <a:masterClrMapping/>
+  </p:clrMapOvr>
+  <mc:AlternateContent xmlns:mc="http://schemas.openxmlformats.org/markup-compatibility/2006" xmlns:p14="http://schemas.microsoft.com/office/powerpoint/2010/main">
+    <mc:Choice Requires="p14">
+      <p:transition spd="med" p14:dur="700">
+        <p:fade/>
+      </p:transition>
+    </mc:Choice>
+    <mc:Fallback xmlns="">
+      <p:transition spd="med">
+        <p:fade/>
+      </p:transition>
+    </mc:Fallback>
+  </mc:AlternateContent>
+</p:sld>
+</file>
+
+<file path=ppt/slides/slide28.xml><?xml version="1.0" encoding="utf-8"?>
+<p:sld xmlns:a="http://schemas.openxmlformats.org/drawingml/2006/main" xmlns:r="http://schemas.openxmlformats.org/officeDocument/2006/relationships" xmlns:p="http://schemas.openxmlformats.org/presentationml/2006/main">
+  <p:cSld>
+    <p:spTree>
+      <p:nvGrpSpPr>
+        <p:cNvPr id="1" name=""/>
+        <p:cNvGrpSpPr/>
+        <p:nvPr/>
+      </p:nvGrpSpPr>
+      <p:grpSpPr>
+        <a:xfrm>
+          <a:off x="0" y="0"/>
+          <a:ext cx="0" cy="0"/>
+          <a:chOff x="0" y="0"/>
+          <a:chExt cx="0" cy="0"/>
+        </a:xfrm>
+      </p:grpSpPr>
+      <p:sp>
+        <p:nvSpPr>
+          <p:cNvPr id="2" name="标题 1"/>
+          <p:cNvSpPr>
+            <a:spLocks noGrp="1"/>
+          </p:cNvSpPr>
+          <p:nvPr>
+            <p:ph type="title"/>
+          </p:nvPr>
+        </p:nvSpPr>
+        <p:spPr/>
+        <p:txBody>
+          <a:bodyPr/>
+          <a:lstStyle/>
+          <a:p>
+            <a:r>
+              <a:rPr lang="en-US" altLang="zh-CN" smtClean="0"/>
+              <a:t>Homework</a:t>
+            </a:r>
+            <a:endParaRPr lang="zh-CN" altLang="en-US"/>
+          </a:p>
+        </p:txBody>
+      </p:sp>
+      <p:sp>
+        <p:nvSpPr>
+          <p:cNvPr id="3" name="内容占位符 2"/>
+          <p:cNvSpPr>
+            <a:spLocks noGrp="1"/>
+          </p:cNvSpPr>
+          <p:nvPr>
+            <p:ph idx="1"/>
+          </p:nvPr>
+        </p:nvSpPr>
+        <p:spPr/>
+        <p:txBody>
+          <a:bodyPr/>
+          <a:lstStyle/>
+          <a:p>
+            <a:endParaRPr lang="zh-CN" altLang="en-US"/>
+          </a:p>
+        </p:txBody>
+      </p:sp>
+    </p:spTree>
+    <p:extLst>
+      <p:ext uri="{BB962C8B-B14F-4D97-AF65-F5344CB8AC3E}">
+        <p14:creationId xmlns:p14="http://schemas.microsoft.com/office/powerpoint/2010/main" val="180115998"/>
+      </p:ext>
+    </p:extLst>
+  </p:cSld>
+  <p:clrMapOvr>
+    <a:masterClrMapping/>
+  </p:clrMapOvr>
+  <mc:AlternateContent xmlns:mc="http://schemas.openxmlformats.org/markup-compatibility/2006" xmlns:p14="http://schemas.microsoft.com/office/powerpoint/2010/main">
+    <mc:Choice Requires="p14">
+      <p:transition spd="med" p14:dur="700">
+        <p:fade/>
+      </p:transition>
+    </mc:Choice>
+    <mc:Fallback xmlns="">
+      <p:transition spd="med">
+        <p:fade/>
+      </p:transition>
+    </mc:Fallback>
+  </mc:AlternateContent>
+</p:sld>
+</file>
+
 <file path=ppt/slides/slide3.xml><?xml version="1.0" encoding="utf-8"?>
 <p:sld xmlns:a="http://schemas.openxmlformats.org/drawingml/2006/main" xmlns:r="http://schemas.openxmlformats.org/officeDocument/2006/relationships" xmlns:p="http://schemas.openxmlformats.org/presentationml/2006/main">
   <p:cSld>
@@ -11301,7 +12014,7 @@
           <a:graphicData uri="http://schemas.openxmlformats.org/presentationml/2006/ole">
             <mc:AlternateContent xmlns:mc="http://schemas.openxmlformats.org/markup-compatibility/2006">
               <mc:Choice xmlns:v="urn:schemas-microsoft-com:vml" Requires="v">
-                <p:oleObj spid="_x0000_s21507" name="Visio" r:id="rId3" imgW="9303798" imgH="3634662" progId="Visio.Drawing.15">
+                <p:oleObj spid="_x0000_s21521" name="Visio" r:id="rId3" imgW="9303798" imgH="3634662" progId="Visio.Drawing.15">
                   <p:embed/>
                 </p:oleObj>
               </mc:Choice>
@@ -11642,7 +12355,7 @@
           <a:graphicData uri="http://schemas.openxmlformats.org/presentationml/2006/ole">
             <mc:AlternateContent xmlns:mc="http://schemas.openxmlformats.org/markup-compatibility/2006">
               <mc:Choice xmlns:v="urn:schemas-microsoft-com:vml" Requires="v">
-                <p:oleObj spid="_x0000_s3207" name="Equation" r:id="rId3" imgW="3022560" imgH="190440" progId="Equation.DSMT4">
+                <p:oleObj spid="_x0000_s3221" name="Equation" r:id="rId3" imgW="3022560" imgH="190440" progId="Equation.DSMT4">
                   <p:embed/>
                 </p:oleObj>
               </mc:Choice>
@@ -11857,7 +12570,7 @@
           <a:graphicData uri="http://schemas.openxmlformats.org/presentationml/2006/ole">
             <mc:AlternateContent xmlns:mc="http://schemas.openxmlformats.org/markup-compatibility/2006">
               <mc:Choice xmlns:v="urn:schemas-microsoft-com:vml" Requires="v">
-                <p:oleObj spid="_x0000_s5115" name="Equation" r:id="rId3" imgW="850680" imgH="228600" progId="Equation.DSMT4">
+                <p:oleObj spid="_x0000_s22635" name="Equation" r:id="rId3" imgW="850680" imgH="228600" progId="Equation.DSMT4">
                   <p:embed/>
                 </p:oleObj>
               </mc:Choice>
@@ -11914,7 +12627,7 @@
           <a:graphicData uri="http://schemas.openxmlformats.org/presentationml/2006/ole">
             <mc:AlternateContent xmlns:mc="http://schemas.openxmlformats.org/markup-compatibility/2006">
               <mc:Choice xmlns:v="urn:schemas-microsoft-com:vml" Requires="v">
-                <p:oleObj spid="_x0000_s5116" name="Equation" r:id="rId5" imgW="177480" imgH="177480" progId="Equation.DSMT4">
+                <p:oleObj spid="_x0000_s22636" name="Equation" r:id="rId5" imgW="177480" imgH="177480" progId="Equation.DSMT4">
                   <p:embed/>
                 </p:oleObj>
               </mc:Choice>
@@ -11971,7 +12684,7 @@
           <a:graphicData uri="http://schemas.openxmlformats.org/presentationml/2006/ole">
             <mc:AlternateContent xmlns:mc="http://schemas.openxmlformats.org/markup-compatibility/2006">
               <mc:Choice xmlns:v="urn:schemas-microsoft-com:vml" Requires="v">
-                <p:oleObj spid="_x0000_s5117" name="Equation" r:id="rId7" imgW="469800" imgH="177480" progId="Equation.DSMT4">
+                <p:oleObj spid="_x0000_s22637" name="Equation" r:id="rId7" imgW="469800" imgH="177480" progId="Equation.DSMT4">
                   <p:embed/>
                 </p:oleObj>
               </mc:Choice>
@@ -12028,7 +12741,7 @@
           <a:graphicData uri="http://schemas.openxmlformats.org/presentationml/2006/ole">
             <mc:AlternateContent xmlns:mc="http://schemas.openxmlformats.org/markup-compatibility/2006">
               <mc:Choice xmlns:v="urn:schemas-microsoft-com:vml" Requires="v">
-                <p:oleObj spid="_x0000_s5118" name="Equation" r:id="rId9" imgW="1384200" imgH="241200" progId="Equation.DSMT4">
+                <p:oleObj spid="_x0000_s22638" name="Equation" r:id="rId9" imgW="1384200" imgH="241200" progId="Equation.DSMT4">
                   <p:embed/>
                 </p:oleObj>
               </mc:Choice>
@@ -12085,7 +12798,7 @@
           <a:graphicData uri="http://schemas.openxmlformats.org/presentationml/2006/ole">
             <mc:AlternateContent xmlns:mc="http://schemas.openxmlformats.org/markup-compatibility/2006">
               <mc:Choice xmlns:v="urn:schemas-microsoft-com:vml" Requires="v">
-                <p:oleObj spid="_x0000_s5119" name="Equation" r:id="rId11" imgW="711000" imgH="228600" progId="Equation.DSMT4">
+                <p:oleObj spid="_x0000_s22639" name="Equation" r:id="rId11" imgW="711000" imgH="228600" progId="Equation.DSMT4">
                   <p:embed/>
                 </p:oleObj>
               </mc:Choice>
@@ -12333,7 +13046,7 @@
           <a:graphicData uri="http://schemas.openxmlformats.org/presentationml/2006/ole">
             <mc:AlternateContent xmlns:mc="http://schemas.openxmlformats.org/markup-compatibility/2006">
               <mc:Choice xmlns:v="urn:schemas-microsoft-com:vml" Requires="v">
-                <p:oleObj spid="_x0000_s22528" name="Equation" r:id="rId13" imgW="520560" imgH="914400" progId="Equation.DSMT4">
+                <p:oleObj spid="_x0000_s22640" name="Equation" r:id="rId13" imgW="520560" imgH="914400" progId="Equation.DSMT4">
                   <p:embed/>
                 </p:oleObj>
               </mc:Choice>
@@ -12428,7 +13141,7 @@
           <a:graphicData uri="http://schemas.openxmlformats.org/presentationml/2006/ole">
             <mc:AlternateContent xmlns:mc="http://schemas.openxmlformats.org/markup-compatibility/2006">
               <mc:Choice xmlns:v="urn:schemas-microsoft-com:vml" Requires="v">
-                <p:oleObj spid="_x0000_s22529" name="Equation" r:id="rId15" imgW="1091880" imgH="228600" progId="Equation.DSMT4">
+                <p:oleObj spid="_x0000_s22641" name="Equation" r:id="rId15" imgW="1091880" imgH="228600" progId="Equation.DSMT4">
                   <p:embed/>
                 </p:oleObj>
               </mc:Choice>
@@ -12485,7 +13198,7 @@
           <a:graphicData uri="http://schemas.openxmlformats.org/presentationml/2006/ole">
             <mc:AlternateContent xmlns:mc="http://schemas.openxmlformats.org/markup-compatibility/2006">
               <mc:Choice xmlns:v="urn:schemas-microsoft-com:vml" Requires="v">
-                <p:oleObj spid="_x0000_s22530" name="Equation" r:id="rId17" imgW="2145960" imgH="228600" progId="Equation.DSMT4">
+                <p:oleObj spid="_x0000_s22642" name="Equation" r:id="rId17" imgW="2145960" imgH="228600" progId="Equation.DSMT4">
                   <p:embed/>
                 </p:oleObj>
               </mc:Choice>
@@ -12643,7 +13356,7 @@
           <a:graphicData uri="http://schemas.openxmlformats.org/presentationml/2006/ole">
             <mc:AlternateContent xmlns:mc="http://schemas.openxmlformats.org/markup-compatibility/2006">
               <mc:Choice xmlns:v="urn:schemas-microsoft-com:vml" Requires="v">
-                <p:oleObj spid="_x0000_s9666" name="Equation" r:id="rId3" imgW="647640" imgH="177480" progId="Equation.DSMT4">
+                <p:oleObj spid="_x0000_s9736" name="Equation" r:id="rId3" imgW="647640" imgH="177480" progId="Equation.DSMT4">
                   <p:embed/>
                 </p:oleObj>
               </mc:Choice>
@@ -13187,7 +13900,7 @@
           <a:graphicData uri="http://schemas.openxmlformats.org/presentationml/2006/ole">
             <mc:AlternateContent xmlns:mc="http://schemas.openxmlformats.org/markup-compatibility/2006">
               <mc:Choice xmlns:v="urn:schemas-microsoft-com:vml" Requires="v">
-                <p:oleObj spid="_x0000_s9667" name="Equation" r:id="rId5" imgW="126720" imgH="139680" progId="Equation.DSMT4">
+                <p:oleObj spid="_x0000_s9737" name="Equation" r:id="rId5" imgW="126720" imgH="139680" progId="Equation.DSMT4">
                   <p:embed/>
                 </p:oleObj>
               </mc:Choice>
@@ -13244,7 +13957,7 @@
           <a:graphicData uri="http://schemas.openxmlformats.org/presentationml/2006/ole">
             <mc:AlternateContent xmlns:mc="http://schemas.openxmlformats.org/markup-compatibility/2006">
               <mc:Choice xmlns:v="urn:schemas-microsoft-com:vml" Requires="v">
-                <p:oleObj spid="_x0000_s9668" name="Equation" r:id="rId7" imgW="1041120" imgH="228600" progId="Equation.DSMT4">
+                <p:oleObj spid="_x0000_s9738" name="Equation" r:id="rId7" imgW="1041120" imgH="228600" progId="Equation.DSMT4">
                   <p:embed/>
                 </p:oleObj>
               </mc:Choice>
@@ -13301,7 +14014,7 @@
           <a:graphicData uri="http://schemas.openxmlformats.org/presentationml/2006/ole">
             <mc:AlternateContent xmlns:mc="http://schemas.openxmlformats.org/markup-compatibility/2006">
               <mc:Choice xmlns:v="urn:schemas-microsoft-com:vml" Requires="v">
-                <p:oleObj spid="_x0000_s9669" name="Equation" r:id="rId9" imgW="444240" imgH="177480" progId="Equation.DSMT4">
+                <p:oleObj spid="_x0000_s9739" name="Equation" r:id="rId9" imgW="444240" imgH="177480" progId="Equation.DSMT4">
                   <p:embed/>
                 </p:oleObj>
               </mc:Choice>
@@ -13358,7 +14071,7 @@
           <a:graphicData uri="http://schemas.openxmlformats.org/presentationml/2006/ole">
             <mc:AlternateContent xmlns:mc="http://schemas.openxmlformats.org/markup-compatibility/2006">
               <mc:Choice xmlns:v="urn:schemas-microsoft-com:vml" Requires="v">
-                <p:oleObj spid="_x0000_s9670" name="Equation" r:id="rId11" imgW="126720" imgH="139680" progId="Equation.DSMT4">
+                <p:oleObj spid="_x0000_s9740" name="Equation" r:id="rId11" imgW="126720" imgH="139680" progId="Equation.DSMT4">
                   <p:embed/>
                 </p:oleObj>
               </mc:Choice>
@@ -13789,7 +14502,7 @@
           <a:graphicData uri="http://schemas.openxmlformats.org/presentationml/2006/ole">
             <mc:AlternateContent xmlns:mc="http://schemas.openxmlformats.org/markup-compatibility/2006">
               <mc:Choice xmlns:v="urn:schemas-microsoft-com:vml" Requires="v">
-                <p:oleObj spid="_x0000_s10309" name="Equation" r:id="rId3" imgW="469800" imgH="164880" progId="Equation.DSMT4">
+                <p:oleObj spid="_x0000_s10323" name="Equation" r:id="rId3" imgW="469800" imgH="164880" progId="Equation.DSMT4">
                   <p:embed/>
                 </p:oleObj>
               </mc:Choice>
@@ -14664,6 +15377,141 @@
 </file>
 
 <file path=customXml/item1.xml><?xml version="1.0" encoding="utf-8"?>
+<p:properties xmlns:p="http://schemas.microsoft.com/office/2006/metadata/properties" xmlns:xsi="http://www.w3.org/2001/XMLSchema-instance" xmlns:pc="http://schemas.microsoft.com/office/infopath/2007/PartnerControls">
+  <documentManagement>
+    <APDescription xmlns="4873beb7-5857-4685-be1f-d57550cc96cc" xsi:nil="true"/>
+    <AssetExpire xmlns="4873beb7-5857-4685-be1f-d57550cc96cc">2029-01-01T08:00:00+00:00</AssetExpire>
+    <CampaignTagsTaxHTField0 xmlns="4873beb7-5857-4685-be1f-d57550cc96cc">
+      <Terms xmlns="http://schemas.microsoft.com/office/infopath/2007/PartnerControls"/>
+    </CampaignTagsTaxHTField0>
+    <IntlLangReviewDate xmlns="4873beb7-5857-4685-be1f-d57550cc96cc" xsi:nil="true"/>
+    <TPFriendlyName xmlns="4873beb7-5857-4685-be1f-d57550cc96cc" xsi:nil="true"/>
+    <IntlLangReview xmlns="4873beb7-5857-4685-be1f-d57550cc96cc">false</IntlLangReview>
+    <LocLastLocAttemptVersionLookup xmlns="4873beb7-5857-4685-be1f-d57550cc96cc">855024</LocLastLocAttemptVersionLookup>
+    <PolicheckWords xmlns="4873beb7-5857-4685-be1f-d57550cc96cc" xsi:nil="true"/>
+    <SubmitterId xmlns="4873beb7-5857-4685-be1f-d57550cc96cc" xsi:nil="true"/>
+    <AcquiredFrom xmlns="4873beb7-5857-4685-be1f-d57550cc96cc">Internal MS</AcquiredFrom>
+    <EditorialStatus xmlns="4873beb7-5857-4685-be1f-d57550cc96cc">Complete</EditorialStatus>
+    <Markets xmlns="4873beb7-5857-4685-be1f-d57550cc96cc"/>
+    <OriginAsset xmlns="4873beb7-5857-4685-be1f-d57550cc96cc" xsi:nil="true"/>
+    <AssetStart xmlns="4873beb7-5857-4685-be1f-d57550cc96cc">2012-08-31T08:50:00+00:00</AssetStart>
+    <FriendlyTitle xmlns="4873beb7-5857-4685-be1f-d57550cc96cc" xsi:nil="true"/>
+    <MarketSpecific xmlns="4873beb7-5857-4685-be1f-d57550cc96cc">false</MarketSpecific>
+    <TPNamespace xmlns="4873beb7-5857-4685-be1f-d57550cc96cc" xsi:nil="true"/>
+    <PublishStatusLookup xmlns="4873beb7-5857-4685-be1f-d57550cc96cc">
+      <Value>1616423</Value>
+    </PublishStatusLookup>
+    <APAuthor xmlns="4873beb7-5857-4685-be1f-d57550cc96cc">
+      <UserInfo>
+        <DisplayName>REDMOND\kristaa</DisplayName>
+        <AccountId>136</AccountId>
+        <AccountType/>
+      </UserInfo>
+    </APAuthor>
+    <TPCommandLine xmlns="4873beb7-5857-4685-be1f-d57550cc96cc" xsi:nil="true"/>
+    <IntlLangReviewer xmlns="4873beb7-5857-4685-be1f-d57550cc96cc" xsi:nil="true"/>
+    <OpenTemplate xmlns="4873beb7-5857-4685-be1f-d57550cc96cc">true</OpenTemplate>
+    <CSXSubmissionDate xmlns="4873beb7-5857-4685-be1f-d57550cc96cc" xsi:nil="true"/>
+    <TaxCatchAll xmlns="4873beb7-5857-4685-be1f-d57550cc96cc"/>
+    <Manager xmlns="4873beb7-5857-4685-be1f-d57550cc96cc" xsi:nil="true"/>
+    <NumericId xmlns="4873beb7-5857-4685-be1f-d57550cc96cc" xsi:nil="true"/>
+    <ParentAssetId xmlns="4873beb7-5857-4685-be1f-d57550cc96cc" xsi:nil="true"/>
+    <OriginalSourceMarket xmlns="4873beb7-5857-4685-be1f-d57550cc96cc" xsi:nil="true"/>
+    <ApprovalStatus xmlns="4873beb7-5857-4685-be1f-d57550cc96cc">InProgress</ApprovalStatus>
+    <TPComponent xmlns="4873beb7-5857-4685-be1f-d57550cc96cc" xsi:nil="true"/>
+    <EditorialTags xmlns="4873beb7-5857-4685-be1f-d57550cc96cc" xsi:nil="true"/>
+    <TPExecutable xmlns="4873beb7-5857-4685-be1f-d57550cc96cc" xsi:nil="true"/>
+    <TPLaunchHelpLink xmlns="4873beb7-5857-4685-be1f-d57550cc96cc" xsi:nil="true"/>
+    <LocComments xmlns="4873beb7-5857-4685-be1f-d57550cc96cc" xsi:nil="true"/>
+    <LocRecommendedHandoff xmlns="4873beb7-5857-4685-be1f-d57550cc96cc" xsi:nil="true"/>
+    <SourceTitle xmlns="4873beb7-5857-4685-be1f-d57550cc96cc" xsi:nil="true"/>
+    <CSXUpdate xmlns="4873beb7-5857-4685-be1f-d57550cc96cc">false</CSXUpdate>
+    <IntlLocPriority xmlns="4873beb7-5857-4685-be1f-d57550cc96cc" xsi:nil="true"/>
+    <UAProjectedTotalWords xmlns="4873beb7-5857-4685-be1f-d57550cc96cc" xsi:nil="true"/>
+    <AssetType xmlns="4873beb7-5857-4685-be1f-d57550cc96cc">TP</AssetType>
+    <MachineTranslated xmlns="4873beb7-5857-4685-be1f-d57550cc96cc">false</MachineTranslated>
+    <OutputCachingOn xmlns="4873beb7-5857-4685-be1f-d57550cc96cc">false</OutputCachingOn>
+    <TemplateStatus xmlns="4873beb7-5857-4685-be1f-d57550cc96cc">Complete</TemplateStatus>
+    <IsSearchable xmlns="4873beb7-5857-4685-be1f-d57550cc96cc">true</IsSearchable>
+    <ContentItem xmlns="4873beb7-5857-4685-be1f-d57550cc96cc" xsi:nil="true"/>
+    <HandoffToMSDN xmlns="4873beb7-5857-4685-be1f-d57550cc96cc" xsi:nil="true"/>
+    <ShowIn xmlns="4873beb7-5857-4685-be1f-d57550cc96cc">Show everywhere</ShowIn>
+    <ThumbnailAssetId xmlns="4873beb7-5857-4685-be1f-d57550cc96cc" xsi:nil="true"/>
+    <UALocComments xmlns="4873beb7-5857-4685-be1f-d57550cc96cc" xsi:nil="true"/>
+    <UALocRecommendation xmlns="4873beb7-5857-4685-be1f-d57550cc96cc">Localize</UALocRecommendation>
+    <LastModifiedDateTime xmlns="4873beb7-5857-4685-be1f-d57550cc96cc" xsi:nil="true"/>
+    <LegacyData xmlns="4873beb7-5857-4685-be1f-d57550cc96cc" xsi:nil="true"/>
+    <LocManualTestRequired xmlns="4873beb7-5857-4685-be1f-d57550cc96cc">false</LocManualTestRequired>
+    <LocMarketGroupTiers2 xmlns="4873beb7-5857-4685-be1f-d57550cc96cc" xsi:nil="true"/>
+    <ClipArtFilename xmlns="4873beb7-5857-4685-be1f-d57550cc96cc" xsi:nil="true"/>
+    <TPApplication xmlns="4873beb7-5857-4685-be1f-d57550cc96cc" xsi:nil="true"/>
+    <CSXHash xmlns="4873beb7-5857-4685-be1f-d57550cc96cc" xsi:nil="true"/>
+    <DirectSourceMarket xmlns="4873beb7-5857-4685-be1f-d57550cc96cc" xsi:nil="true"/>
+    <PrimaryImageGen xmlns="4873beb7-5857-4685-be1f-d57550cc96cc">true</PrimaryImageGen>
+    <PlannedPubDate xmlns="4873beb7-5857-4685-be1f-d57550cc96cc" xsi:nil="true"/>
+    <CSXSubmissionMarket xmlns="4873beb7-5857-4685-be1f-d57550cc96cc" xsi:nil="true"/>
+    <Downloads xmlns="4873beb7-5857-4685-be1f-d57550cc96cc">0</Downloads>
+    <ArtSampleDocs xmlns="4873beb7-5857-4685-be1f-d57550cc96cc" xsi:nil="true"/>
+    <TrustLevel xmlns="4873beb7-5857-4685-be1f-d57550cc96cc">1 Microsoft Managed Content</TrustLevel>
+    <BlockPublish xmlns="4873beb7-5857-4685-be1f-d57550cc96cc">false</BlockPublish>
+    <TPLaunchHelpLinkType xmlns="4873beb7-5857-4685-be1f-d57550cc96cc">Template</TPLaunchHelpLinkType>
+    <LocalizationTagsTaxHTField0 xmlns="4873beb7-5857-4685-be1f-d57550cc96cc">
+      <Terms xmlns="http://schemas.microsoft.com/office/infopath/2007/PartnerControls"/>
+    </LocalizationTagsTaxHTField0>
+    <BusinessGroup xmlns="4873beb7-5857-4685-be1f-d57550cc96cc" xsi:nil="true"/>
+    <Providers xmlns="4873beb7-5857-4685-be1f-d57550cc96cc" xsi:nil="true"/>
+    <TemplateTemplateType xmlns="4873beb7-5857-4685-be1f-d57550cc96cc">PowerPoint Presentation Template</TemplateTemplateType>
+    <TimesCloned xmlns="4873beb7-5857-4685-be1f-d57550cc96cc" xsi:nil="true"/>
+    <TPAppVersion xmlns="4873beb7-5857-4685-be1f-d57550cc96cc" xsi:nil="true"/>
+    <VoteCount xmlns="4873beb7-5857-4685-be1f-d57550cc96cc" xsi:nil="true"/>
+    <AverageRating xmlns="4873beb7-5857-4685-be1f-d57550cc96cc" xsi:nil="true"/>
+    <FeatureTagsTaxHTField0 xmlns="4873beb7-5857-4685-be1f-d57550cc96cc">
+      <Terms xmlns="http://schemas.microsoft.com/office/infopath/2007/PartnerControls"/>
+    </FeatureTagsTaxHTField0>
+    <Provider xmlns="4873beb7-5857-4685-be1f-d57550cc96cc" xsi:nil="true"/>
+    <UACurrentWords xmlns="4873beb7-5857-4685-be1f-d57550cc96cc" xsi:nil="true"/>
+    <AssetId xmlns="4873beb7-5857-4685-be1f-d57550cc96cc">TP103431361</AssetId>
+    <TPClientViewer xmlns="4873beb7-5857-4685-be1f-d57550cc96cc" xsi:nil="true"/>
+    <DSATActionTaken xmlns="4873beb7-5857-4685-be1f-d57550cc96cc" xsi:nil="true"/>
+    <APEditor xmlns="4873beb7-5857-4685-be1f-d57550cc96cc">
+      <UserInfo>
+        <DisplayName/>
+        <AccountId xsi:nil="true"/>
+        <AccountType/>
+      </UserInfo>
+    </APEditor>
+    <TPInstallLocation xmlns="4873beb7-5857-4685-be1f-d57550cc96cc" xsi:nil="true"/>
+    <OOCacheId xmlns="4873beb7-5857-4685-be1f-d57550cc96cc" xsi:nil="true"/>
+    <IsDeleted xmlns="4873beb7-5857-4685-be1f-d57550cc96cc">false</IsDeleted>
+    <PublishTargets xmlns="4873beb7-5857-4685-be1f-d57550cc96cc">OfficeOnlineVNext</PublishTargets>
+    <ApprovalLog xmlns="4873beb7-5857-4685-be1f-d57550cc96cc" xsi:nil="true"/>
+    <BugNumber xmlns="4873beb7-5857-4685-be1f-d57550cc96cc" xsi:nil="true"/>
+    <CrawlForDependencies xmlns="4873beb7-5857-4685-be1f-d57550cc96cc">false</CrawlForDependencies>
+    <InternalTagsTaxHTField0 xmlns="4873beb7-5857-4685-be1f-d57550cc96cc">
+      <Terms xmlns="http://schemas.microsoft.com/office/infopath/2007/PartnerControls"/>
+    </InternalTagsTaxHTField0>
+    <LastHandOff xmlns="4873beb7-5857-4685-be1f-d57550cc96cc" xsi:nil="true"/>
+    <Milestone xmlns="4873beb7-5857-4685-be1f-d57550cc96cc" xsi:nil="true"/>
+    <OriginalRelease xmlns="4873beb7-5857-4685-be1f-d57550cc96cc">15</OriginalRelease>
+    <RecommendationsModifier xmlns="4873beb7-5857-4685-be1f-d57550cc96cc" xsi:nil="true"/>
+    <ScenarioTagsTaxHTField0 xmlns="4873beb7-5857-4685-be1f-d57550cc96cc">
+      <Terms xmlns="http://schemas.microsoft.com/office/infopath/2007/PartnerControls"/>
+    </ScenarioTagsTaxHTField0>
+    <UANotes xmlns="4873beb7-5857-4685-be1f-d57550cc96cc" xsi:nil="true"/>
+  </documentManagement>
+</p:properties>
+</file>
+
+<file path=customXml/item2.xml><?xml version="1.0" encoding="utf-8"?>
+<?mso-contentType ?>
+<FormTemplates xmlns="http://schemas.microsoft.com/sharepoint/v3/contenttype/forms">
+  <Display>DocumentLibraryForm</Display>
+  <Edit>AssetEditForm</Edit>
+  <New>DocumentLibraryForm</New>
+</FormTemplates>
+</file>
+
+<file path=customXml/item3.xml><?xml version="1.0" encoding="utf-8"?>
 <ct:contentTypeSchema xmlns:ct="http://schemas.microsoft.com/office/2006/metadata/contentType" xmlns:ma="http://schemas.microsoft.com/office/2006/metadata/properties/metaAttributes" ct:_="" ma:_="" ma:contentTypeName="TemplateFile" ma:contentTypeID="0x0101006EDDDB5EE6D98C44930B742096920B300400F5B6D36B3EF94B4E9A635CDF2A18F5B8" ma:contentTypeVersion="72" ma:contentTypeDescription="Create a new document." ma:contentTypeScope="" ma:versionID="a23e56308344d904b51738559c3d67c9">
   <xsd:schema xmlns:xsd="http://www.w3.org/2001/XMLSchema" xmlns:xs="http://www.w3.org/2001/XMLSchema" xmlns:p="http://schemas.microsoft.com/office/2006/metadata/properties" xmlns:ns2="4873beb7-5857-4685-be1f-d57550cc96cc" targetNamespace="http://schemas.microsoft.com/office/2006/metadata/properties" ma:root="true" ma:fieldsID="cd0908cc4600e77bf5da051303e00c8d" ns2:_="">
     <xsd:import namespace="4873beb7-5857-4685-be1f-d57550cc96cc"/>
@@ -15703,142 +16551,31 @@
 </ct:contentTypeSchema>
 </file>
 
-<file path=customXml/item2.xml><?xml version="1.0" encoding="utf-8"?>
-<?mso-contentType ?>
-<FormTemplates xmlns="http://schemas.microsoft.com/sharepoint/v3/contenttype/forms">
-  <Display>DocumentLibraryForm</Display>
-  <Edit>AssetEditForm</Edit>
-  <New>DocumentLibraryForm</New>
-</FormTemplates>
+<file path=customXml/itemProps1.xml><?xml version="1.0" encoding="utf-8"?>
+<ds:datastoreItem xmlns:ds="http://schemas.openxmlformats.org/officeDocument/2006/customXml" ds:itemID="{8CDDBB83-77C1-4099-A0AA-289882E745E2}">
+  <ds:schemaRefs>
+    <ds:schemaRef ds:uri="http://schemas.microsoft.com/office/infopath/2007/PartnerControls"/>
+    <ds:schemaRef ds:uri="http://purl.org/dc/dcmitype/"/>
+    <ds:schemaRef ds:uri="http://purl.org/dc/elements/1.1/"/>
+    <ds:schemaRef ds:uri="4873beb7-5857-4685-be1f-d57550cc96cc"/>
+    <ds:schemaRef ds:uri="http://schemas.microsoft.com/office/2006/documentManagement/types"/>
+    <ds:schemaRef ds:uri="http://purl.org/dc/terms/"/>
+    <ds:schemaRef ds:uri="http://schemas.openxmlformats.org/package/2006/metadata/core-properties"/>
+    <ds:schemaRef ds:uri="http://schemas.microsoft.com/office/2006/metadata/properties"/>
+    <ds:schemaRef ds:uri="http://www.w3.org/XML/1998/namespace"/>
+  </ds:schemaRefs>
+</ds:datastoreItem>
 </file>
 
-<file path=customXml/item3.xml><?xml version="1.0" encoding="utf-8"?>
-<p:properties xmlns:p="http://schemas.microsoft.com/office/2006/metadata/properties" xmlns:xsi="http://www.w3.org/2001/XMLSchema-instance" xmlns:pc="http://schemas.microsoft.com/office/infopath/2007/PartnerControls">
-  <documentManagement>
-    <APDescription xmlns="4873beb7-5857-4685-be1f-d57550cc96cc" xsi:nil="true"/>
-    <AssetExpire xmlns="4873beb7-5857-4685-be1f-d57550cc96cc">2029-01-01T08:00:00+00:00</AssetExpire>
-    <CampaignTagsTaxHTField0 xmlns="4873beb7-5857-4685-be1f-d57550cc96cc">
-      <Terms xmlns="http://schemas.microsoft.com/office/infopath/2007/PartnerControls"/>
-    </CampaignTagsTaxHTField0>
-    <IntlLangReviewDate xmlns="4873beb7-5857-4685-be1f-d57550cc96cc" xsi:nil="true"/>
-    <TPFriendlyName xmlns="4873beb7-5857-4685-be1f-d57550cc96cc" xsi:nil="true"/>
-    <IntlLangReview xmlns="4873beb7-5857-4685-be1f-d57550cc96cc">false</IntlLangReview>
-    <LocLastLocAttemptVersionLookup xmlns="4873beb7-5857-4685-be1f-d57550cc96cc">855024</LocLastLocAttemptVersionLookup>
-    <PolicheckWords xmlns="4873beb7-5857-4685-be1f-d57550cc96cc" xsi:nil="true"/>
-    <SubmitterId xmlns="4873beb7-5857-4685-be1f-d57550cc96cc" xsi:nil="true"/>
-    <AcquiredFrom xmlns="4873beb7-5857-4685-be1f-d57550cc96cc">Internal MS</AcquiredFrom>
-    <EditorialStatus xmlns="4873beb7-5857-4685-be1f-d57550cc96cc">Complete</EditorialStatus>
-    <Markets xmlns="4873beb7-5857-4685-be1f-d57550cc96cc"/>
-    <OriginAsset xmlns="4873beb7-5857-4685-be1f-d57550cc96cc" xsi:nil="true"/>
-    <AssetStart xmlns="4873beb7-5857-4685-be1f-d57550cc96cc">2012-08-31T08:50:00+00:00</AssetStart>
-    <FriendlyTitle xmlns="4873beb7-5857-4685-be1f-d57550cc96cc" xsi:nil="true"/>
-    <MarketSpecific xmlns="4873beb7-5857-4685-be1f-d57550cc96cc">false</MarketSpecific>
-    <TPNamespace xmlns="4873beb7-5857-4685-be1f-d57550cc96cc" xsi:nil="true"/>
-    <PublishStatusLookup xmlns="4873beb7-5857-4685-be1f-d57550cc96cc">
-      <Value>1616423</Value>
-    </PublishStatusLookup>
-    <APAuthor xmlns="4873beb7-5857-4685-be1f-d57550cc96cc">
-      <UserInfo>
-        <DisplayName>REDMOND\kristaa</DisplayName>
-        <AccountId>136</AccountId>
-        <AccountType/>
-      </UserInfo>
-    </APAuthor>
-    <TPCommandLine xmlns="4873beb7-5857-4685-be1f-d57550cc96cc" xsi:nil="true"/>
-    <IntlLangReviewer xmlns="4873beb7-5857-4685-be1f-d57550cc96cc" xsi:nil="true"/>
-    <OpenTemplate xmlns="4873beb7-5857-4685-be1f-d57550cc96cc">true</OpenTemplate>
-    <CSXSubmissionDate xmlns="4873beb7-5857-4685-be1f-d57550cc96cc" xsi:nil="true"/>
-    <TaxCatchAll xmlns="4873beb7-5857-4685-be1f-d57550cc96cc"/>
-    <Manager xmlns="4873beb7-5857-4685-be1f-d57550cc96cc" xsi:nil="true"/>
-    <NumericId xmlns="4873beb7-5857-4685-be1f-d57550cc96cc" xsi:nil="true"/>
-    <ParentAssetId xmlns="4873beb7-5857-4685-be1f-d57550cc96cc" xsi:nil="true"/>
-    <OriginalSourceMarket xmlns="4873beb7-5857-4685-be1f-d57550cc96cc" xsi:nil="true"/>
-    <ApprovalStatus xmlns="4873beb7-5857-4685-be1f-d57550cc96cc">InProgress</ApprovalStatus>
-    <TPComponent xmlns="4873beb7-5857-4685-be1f-d57550cc96cc" xsi:nil="true"/>
-    <EditorialTags xmlns="4873beb7-5857-4685-be1f-d57550cc96cc" xsi:nil="true"/>
-    <TPExecutable xmlns="4873beb7-5857-4685-be1f-d57550cc96cc" xsi:nil="true"/>
-    <TPLaunchHelpLink xmlns="4873beb7-5857-4685-be1f-d57550cc96cc" xsi:nil="true"/>
-    <LocComments xmlns="4873beb7-5857-4685-be1f-d57550cc96cc" xsi:nil="true"/>
-    <LocRecommendedHandoff xmlns="4873beb7-5857-4685-be1f-d57550cc96cc" xsi:nil="true"/>
-    <SourceTitle xmlns="4873beb7-5857-4685-be1f-d57550cc96cc" xsi:nil="true"/>
-    <CSXUpdate xmlns="4873beb7-5857-4685-be1f-d57550cc96cc">false</CSXUpdate>
-    <IntlLocPriority xmlns="4873beb7-5857-4685-be1f-d57550cc96cc" xsi:nil="true"/>
-    <UAProjectedTotalWords xmlns="4873beb7-5857-4685-be1f-d57550cc96cc" xsi:nil="true"/>
-    <AssetType xmlns="4873beb7-5857-4685-be1f-d57550cc96cc">TP</AssetType>
-    <MachineTranslated xmlns="4873beb7-5857-4685-be1f-d57550cc96cc">false</MachineTranslated>
-    <OutputCachingOn xmlns="4873beb7-5857-4685-be1f-d57550cc96cc">false</OutputCachingOn>
-    <TemplateStatus xmlns="4873beb7-5857-4685-be1f-d57550cc96cc">Complete</TemplateStatus>
-    <IsSearchable xmlns="4873beb7-5857-4685-be1f-d57550cc96cc">true</IsSearchable>
-    <ContentItem xmlns="4873beb7-5857-4685-be1f-d57550cc96cc" xsi:nil="true"/>
-    <HandoffToMSDN xmlns="4873beb7-5857-4685-be1f-d57550cc96cc" xsi:nil="true"/>
-    <ShowIn xmlns="4873beb7-5857-4685-be1f-d57550cc96cc">Show everywhere</ShowIn>
-    <ThumbnailAssetId xmlns="4873beb7-5857-4685-be1f-d57550cc96cc" xsi:nil="true"/>
-    <UALocComments xmlns="4873beb7-5857-4685-be1f-d57550cc96cc" xsi:nil="true"/>
-    <UALocRecommendation xmlns="4873beb7-5857-4685-be1f-d57550cc96cc">Localize</UALocRecommendation>
-    <LastModifiedDateTime xmlns="4873beb7-5857-4685-be1f-d57550cc96cc" xsi:nil="true"/>
-    <LegacyData xmlns="4873beb7-5857-4685-be1f-d57550cc96cc" xsi:nil="true"/>
-    <LocManualTestRequired xmlns="4873beb7-5857-4685-be1f-d57550cc96cc">false</LocManualTestRequired>
-    <LocMarketGroupTiers2 xmlns="4873beb7-5857-4685-be1f-d57550cc96cc" xsi:nil="true"/>
-    <ClipArtFilename xmlns="4873beb7-5857-4685-be1f-d57550cc96cc" xsi:nil="true"/>
-    <TPApplication xmlns="4873beb7-5857-4685-be1f-d57550cc96cc" xsi:nil="true"/>
-    <CSXHash xmlns="4873beb7-5857-4685-be1f-d57550cc96cc" xsi:nil="true"/>
-    <DirectSourceMarket xmlns="4873beb7-5857-4685-be1f-d57550cc96cc" xsi:nil="true"/>
-    <PrimaryImageGen xmlns="4873beb7-5857-4685-be1f-d57550cc96cc">true</PrimaryImageGen>
-    <PlannedPubDate xmlns="4873beb7-5857-4685-be1f-d57550cc96cc" xsi:nil="true"/>
-    <CSXSubmissionMarket xmlns="4873beb7-5857-4685-be1f-d57550cc96cc" xsi:nil="true"/>
-    <Downloads xmlns="4873beb7-5857-4685-be1f-d57550cc96cc">0</Downloads>
-    <ArtSampleDocs xmlns="4873beb7-5857-4685-be1f-d57550cc96cc" xsi:nil="true"/>
-    <TrustLevel xmlns="4873beb7-5857-4685-be1f-d57550cc96cc">1 Microsoft Managed Content</TrustLevel>
-    <BlockPublish xmlns="4873beb7-5857-4685-be1f-d57550cc96cc">false</BlockPublish>
-    <TPLaunchHelpLinkType xmlns="4873beb7-5857-4685-be1f-d57550cc96cc">Template</TPLaunchHelpLinkType>
-    <LocalizationTagsTaxHTField0 xmlns="4873beb7-5857-4685-be1f-d57550cc96cc">
-      <Terms xmlns="http://schemas.microsoft.com/office/infopath/2007/PartnerControls"/>
-    </LocalizationTagsTaxHTField0>
-    <BusinessGroup xmlns="4873beb7-5857-4685-be1f-d57550cc96cc" xsi:nil="true"/>
-    <Providers xmlns="4873beb7-5857-4685-be1f-d57550cc96cc" xsi:nil="true"/>
-    <TemplateTemplateType xmlns="4873beb7-5857-4685-be1f-d57550cc96cc">PowerPoint Presentation Template</TemplateTemplateType>
-    <TimesCloned xmlns="4873beb7-5857-4685-be1f-d57550cc96cc" xsi:nil="true"/>
-    <TPAppVersion xmlns="4873beb7-5857-4685-be1f-d57550cc96cc" xsi:nil="true"/>
-    <VoteCount xmlns="4873beb7-5857-4685-be1f-d57550cc96cc" xsi:nil="true"/>
-    <AverageRating xmlns="4873beb7-5857-4685-be1f-d57550cc96cc" xsi:nil="true"/>
-    <FeatureTagsTaxHTField0 xmlns="4873beb7-5857-4685-be1f-d57550cc96cc">
-      <Terms xmlns="http://schemas.microsoft.com/office/infopath/2007/PartnerControls"/>
-    </FeatureTagsTaxHTField0>
-    <Provider xmlns="4873beb7-5857-4685-be1f-d57550cc96cc" xsi:nil="true"/>
-    <UACurrentWords xmlns="4873beb7-5857-4685-be1f-d57550cc96cc" xsi:nil="true"/>
-    <AssetId xmlns="4873beb7-5857-4685-be1f-d57550cc96cc">TP103431361</AssetId>
-    <TPClientViewer xmlns="4873beb7-5857-4685-be1f-d57550cc96cc" xsi:nil="true"/>
-    <DSATActionTaken xmlns="4873beb7-5857-4685-be1f-d57550cc96cc" xsi:nil="true"/>
-    <APEditor xmlns="4873beb7-5857-4685-be1f-d57550cc96cc">
-      <UserInfo>
-        <DisplayName/>
-        <AccountId xsi:nil="true"/>
-        <AccountType/>
-      </UserInfo>
-    </APEditor>
-    <TPInstallLocation xmlns="4873beb7-5857-4685-be1f-d57550cc96cc" xsi:nil="true"/>
-    <OOCacheId xmlns="4873beb7-5857-4685-be1f-d57550cc96cc" xsi:nil="true"/>
-    <IsDeleted xmlns="4873beb7-5857-4685-be1f-d57550cc96cc">false</IsDeleted>
-    <PublishTargets xmlns="4873beb7-5857-4685-be1f-d57550cc96cc">OfficeOnlineVNext</PublishTargets>
-    <ApprovalLog xmlns="4873beb7-5857-4685-be1f-d57550cc96cc" xsi:nil="true"/>
-    <BugNumber xmlns="4873beb7-5857-4685-be1f-d57550cc96cc" xsi:nil="true"/>
-    <CrawlForDependencies xmlns="4873beb7-5857-4685-be1f-d57550cc96cc">false</CrawlForDependencies>
-    <InternalTagsTaxHTField0 xmlns="4873beb7-5857-4685-be1f-d57550cc96cc">
-      <Terms xmlns="http://schemas.microsoft.com/office/infopath/2007/PartnerControls"/>
-    </InternalTagsTaxHTField0>
-    <LastHandOff xmlns="4873beb7-5857-4685-be1f-d57550cc96cc" xsi:nil="true"/>
-    <Milestone xmlns="4873beb7-5857-4685-be1f-d57550cc96cc" xsi:nil="true"/>
-    <OriginalRelease xmlns="4873beb7-5857-4685-be1f-d57550cc96cc">15</OriginalRelease>
-    <RecommendationsModifier xmlns="4873beb7-5857-4685-be1f-d57550cc96cc" xsi:nil="true"/>
-    <ScenarioTagsTaxHTField0 xmlns="4873beb7-5857-4685-be1f-d57550cc96cc">
-      <Terms xmlns="http://schemas.microsoft.com/office/infopath/2007/PartnerControls"/>
-    </ScenarioTagsTaxHTField0>
-    <UANotes xmlns="4873beb7-5857-4685-be1f-d57550cc96cc" xsi:nil="true"/>
-  </documentManagement>
-</p:properties>
+<file path=customXml/itemProps2.xml><?xml version="1.0" encoding="utf-8"?>
+<ds:datastoreItem xmlns:ds="http://schemas.openxmlformats.org/officeDocument/2006/customXml" ds:itemID="{561E720F-F05D-4536-9C34-0CFCED65D3B7}">
+  <ds:schemaRefs>
+    <ds:schemaRef ds:uri="http://schemas.microsoft.com/sharepoint/v3/contenttype/forms"/>
+  </ds:schemaRefs>
+</ds:datastoreItem>
 </file>
 
-<file path=customXml/itemProps1.xml><?xml version="1.0" encoding="utf-8"?>
+<file path=customXml/itemProps3.xml><?xml version="1.0" encoding="utf-8"?>
 <ds:datastoreItem xmlns:ds="http://schemas.openxmlformats.org/officeDocument/2006/customXml" ds:itemID="{28C8B9CA-0273-4370-889A-FC05DA5C2FA5}">
   <ds:schemaRefs>
     <ds:schemaRef ds:uri="http://schemas.microsoft.com/office/2006/metadata/contentType"/>
@@ -15854,28 +16591,4 @@
     <ds:schemaRef ds:uri="http://schemas.microsoft.com/internal/obd"/>
   </ds:schemaRefs>
 </ds:datastoreItem>
-</file>
-
-<file path=customXml/itemProps2.xml><?xml version="1.0" encoding="utf-8"?>
-<ds:datastoreItem xmlns:ds="http://schemas.openxmlformats.org/officeDocument/2006/customXml" ds:itemID="{561E720F-F05D-4536-9C34-0CFCED65D3B7}">
-  <ds:schemaRefs>
-    <ds:schemaRef ds:uri="http://schemas.microsoft.com/sharepoint/v3/contenttype/forms"/>
-  </ds:schemaRefs>
-</ds:datastoreItem>
-</file>
-
-<file path=customXml/itemProps3.xml><?xml version="1.0" encoding="utf-8"?>
-<ds:datastoreItem xmlns:ds="http://schemas.openxmlformats.org/officeDocument/2006/customXml" ds:itemID="{8CDDBB83-77C1-4099-A0AA-289882E745E2}">
-  <ds:schemaRefs>
-    <ds:schemaRef ds:uri="http://schemas.microsoft.com/office/infopath/2007/PartnerControls"/>
-    <ds:schemaRef ds:uri="http://purl.org/dc/dcmitype/"/>
-    <ds:schemaRef ds:uri="http://purl.org/dc/elements/1.1/"/>
-    <ds:schemaRef ds:uri="4873beb7-5857-4685-be1f-d57550cc96cc"/>
-    <ds:schemaRef ds:uri="http://schemas.microsoft.com/office/2006/documentManagement/types"/>
-    <ds:schemaRef ds:uri="http://purl.org/dc/terms/"/>
-    <ds:schemaRef ds:uri="http://schemas.openxmlformats.org/package/2006/metadata/core-properties"/>
-    <ds:schemaRef ds:uri="http://schemas.microsoft.com/office/2006/metadata/properties"/>
-    <ds:schemaRef ds:uri="http://www.w3.org/XML/1998/namespace"/>
-  </ds:schemaRefs>
-</ds:datastoreItem>
 </file>
--- a/course/compiler/LectureNotes/(Spring2017)Lecture4.pptx
+++ b/course/compiler/LectureNotes/(Spring2017)Lecture4.pptx
@@ -5,10 +5,10 @@
     <p:sldMasterId id="2147483648" r:id="rId4"/>
   </p:sldMasterIdLst>
   <p:notesMasterIdLst>
-    <p:notesMasterId r:id="rId33"/>
+    <p:notesMasterId r:id="rId34"/>
   </p:notesMasterIdLst>
   <p:handoutMasterIdLst>
-    <p:handoutMasterId r:id="rId34"/>
+    <p:handoutMasterId r:id="rId35"/>
   </p:handoutMasterIdLst>
   <p:sldIdLst>
     <p:sldId id="256" r:id="rId5"/>
@@ -39,6 +39,7 @@
     <p:sldId id="292" r:id="rId30"/>
     <p:sldId id="293" r:id="rId31"/>
     <p:sldId id="294" r:id="rId32"/>
+    <p:sldId id="295" r:id="rId33"/>
   </p:sldIdLst>
   <p:sldSz cx="9144000" cy="6858000" type="screen4x3"/>
   <p:notesSz cx="6858000" cy="9144000"/>
@@ -254,7 +255,7 @@
                 <a:ea typeface="微软雅黑" panose="020B0503020204020204" pitchFamily="34" charset="-122"/>
               </a:rPr>
               <a:pPr algn="r" rtl="0"/>
-              <a:t>2017/5/3</a:t>
+              <a:t>2017/5/6</a:t>
             </a:fld>
             <a:endParaRPr lang="zh-CN" altLang="en-US" dirty="0">
               <a:latin typeface="微软雅黑" panose="020B0503020204020204" pitchFamily="34" charset="-122"/>
@@ -441,7 +442,7 @@
             <a:fld id="{229B22C3-6CB1-491B-AD00-E0837F23A3F3}" type="datetime1">
               <a:rPr lang="zh-CN" altLang="en-US" smtClean="0"/>
               <a:pPr/>
-              <a:t>2017/5/3</a:t>
+              <a:t>2017/5/6</a:t>
             </a:fld>
             <a:endParaRPr lang="zh-CN" altLang="en-US" dirty="0"/>
           </a:p>
@@ -1037,7 +1038,7 @@
             <a:fld id="{A7392AAC-879E-4B39-8824-AF6B730A809E}" type="datetime1">
               <a:rPr lang="zh-CN" altLang="en-US" smtClean="0"/>
               <a:pPr/>
-              <a:t>2017/5/3</a:t>
+              <a:t>2017/5/6</a:t>
             </a:fld>
             <a:endParaRPr lang="zh-CN" altLang="en-US" dirty="0"/>
           </a:p>
@@ -1378,7 +1379,7 @@
             <a:fld id="{7118C275-B304-48F5-8C4F-015CBCF4E7C1}" type="datetime1">
               <a:rPr lang="zh-CN" altLang="en-US" smtClean="0"/>
               <a:pPr/>
-              <a:t>2017/5/3</a:t>
+              <a:t>2017/5/6</a:t>
             </a:fld>
             <a:r>
               <a:rPr lang="zh-CN" altLang="en-US" dirty="0"/>
@@ -1584,7 +1585,7 @@
             <a:fld id="{98791AA9-DDCB-4BA8-AD1D-963A3AA00622}" type="datetime1">
               <a:rPr lang="zh-CN" altLang="en-US" smtClean="0"/>
               <a:pPr/>
-              <a:t>2017/5/3</a:t>
+              <a:t>2017/5/6</a:t>
             </a:fld>
             <a:endParaRPr lang="zh-CN" altLang="en-US" dirty="0"/>
           </a:p>
@@ -1788,7 +1789,7 @@
             <a:fld id="{9170426F-E661-472B-BE42-25E072CD46D9}" type="datetime1">
               <a:rPr lang="zh-CN" altLang="en-US" smtClean="0"/>
               <a:pPr/>
-              <a:t>2017/5/3</a:t>
+              <a:t>2017/5/6</a:t>
             </a:fld>
             <a:endParaRPr lang="zh-CN" altLang="en-US" dirty="0"/>
           </a:p>
@@ -2110,7 +2111,7 @@
             <a:fld id="{9BA78444-6099-4C0A-A3A9-C6F3C5D7F289}" type="datetime1">
               <a:rPr lang="zh-CN" altLang="en-US" smtClean="0"/>
               <a:pPr/>
-              <a:t>2017/5/3</a:t>
+              <a:t>2017/5/6</a:t>
             </a:fld>
             <a:endParaRPr lang="zh-CN" altLang="en-US" dirty="0"/>
           </a:p>
@@ -3222,7 +3223,7 @@
             <a:fld id="{AF5F6A19-70BF-4380-9A40-68C9536408C6}" type="datetime1">
               <a:rPr lang="zh-CN" altLang="en-US" smtClean="0"/>
               <a:pPr/>
-              <a:t>2017/5/3</a:t>
+              <a:t>2017/5/6</a:t>
             </a:fld>
             <a:endParaRPr lang="zh-CN" altLang="en-US" dirty="0"/>
           </a:p>
@@ -3621,7 +3622,7 @@
             <a:fld id="{6017EB90-196C-4C15-BD31-13E0E0436C73}" type="datetime1">
               <a:rPr lang="zh-CN" altLang="en-US" smtClean="0"/>
               <a:pPr/>
-              <a:t>2017/5/3</a:t>
+              <a:t>2017/5/6</a:t>
             </a:fld>
             <a:r>
               <a:rPr lang="zh-CN" altLang="en-US" dirty="0"/>
@@ -4103,7 +4104,7 @@
             <a:fld id="{C2EC0F41-B48F-4298-A7F6-618EB9D22195}" type="datetime1">
               <a:rPr lang="zh-CN" altLang="en-US" smtClean="0"/>
               <a:pPr/>
-              <a:t>2017/5/3</a:t>
+              <a:t>2017/5/6</a:t>
             </a:fld>
             <a:endParaRPr lang="zh-CN" altLang="en-US" dirty="0"/>
           </a:p>
@@ -4254,7 +4255,7 @@
             <a:fld id="{7DB2D836-56E8-4B15-857C-14B1A5B3B67B}" type="datetime1">
               <a:rPr lang="zh-CN" altLang="en-US" smtClean="0"/>
               <a:pPr/>
-              <a:t>2017/5/3</a:t>
+              <a:t>2017/5/6</a:t>
             </a:fld>
             <a:endParaRPr lang="zh-CN" altLang="en-US" dirty="0"/>
           </a:p>
@@ -4372,7 +4373,7 @@
             <a:fld id="{038D929F-7D8C-4CC3-8AC7-BB9B8FE2DEBF}" type="datetime1">
               <a:rPr lang="zh-CN" altLang="en-US" smtClean="0"/>
               <a:pPr/>
-              <a:t>2017/5/3</a:t>
+              <a:t>2017/5/6</a:t>
             </a:fld>
             <a:endParaRPr lang="zh-CN" altLang="en-US" dirty="0"/>
           </a:p>
@@ -4675,7 +4676,7 @@
             <a:fld id="{F7892ACC-8BC8-4C9E-9D2B-0669DA5038B6}" type="datetime1">
               <a:rPr lang="zh-CN" altLang="en-US" smtClean="0"/>
               <a:pPr/>
-              <a:t>2017/5/3</a:t>
+              <a:t>2017/5/6</a:t>
             </a:fld>
             <a:endParaRPr lang="zh-CN" altLang="en-US" dirty="0"/>
           </a:p>
@@ -4941,7 +4942,7 @@
             <a:fld id="{660B6A15-7713-4A08-BBFD-F297CCC2B976}" type="datetime1">
               <a:rPr lang="zh-CN" altLang="en-US" smtClean="0"/>
               <a:pPr/>
-              <a:t>2017/5/3</a:t>
+              <a:t>2017/5/6</a:t>
             </a:fld>
             <a:r>
               <a:rPr lang="zh-CN" altLang="en-US" dirty="0"/>
@@ -5767,7 +5768,7 @@
           <a:graphicData uri="http://schemas.openxmlformats.org/presentationml/2006/ole">
             <mc:AlternateContent xmlns:mc="http://schemas.openxmlformats.org/markup-compatibility/2006">
               <mc:Choice xmlns:v="urn:schemas-microsoft-com:vml" Requires="v">
-                <p:oleObj spid="_x0000_s11565" name="Equation" r:id="rId3" imgW="533160" imgH="634680" progId="Equation.DSMT4">
+                <p:oleObj spid="_x0000_s11601" name="Equation" r:id="rId3" imgW="533160" imgH="634680" progId="Equation.DSMT4">
                   <p:embed/>
                 </p:oleObj>
               </mc:Choice>
@@ -5864,7 +5865,7 @@
           <a:graphicData uri="http://schemas.openxmlformats.org/presentationml/2006/ole">
             <mc:AlternateContent xmlns:mc="http://schemas.openxmlformats.org/markup-compatibility/2006">
               <mc:Choice xmlns:v="urn:schemas-microsoft-com:vml" Requires="v">
-                <p:oleObj spid="_x0000_s11566" name="Equation" r:id="rId5" imgW="660240" imgH="482400" progId="Equation.DSMT4">
+                <p:oleObj spid="_x0000_s11602" name="Equation" r:id="rId5" imgW="660240" imgH="482400" progId="Equation.DSMT4">
                   <p:embed/>
                 </p:oleObj>
               </mc:Choice>
@@ -5921,7 +5922,7 @@
           <a:graphicData uri="http://schemas.openxmlformats.org/presentationml/2006/ole">
             <mc:AlternateContent xmlns:mc="http://schemas.openxmlformats.org/markup-compatibility/2006">
               <mc:Choice xmlns:v="urn:schemas-microsoft-com:vml" Requires="v">
-                <p:oleObj spid="_x0000_s11567" name="Equation" r:id="rId7" imgW="1549080" imgH="482400" progId="Equation.DSMT4">
+                <p:oleObj spid="_x0000_s11603" name="Equation" r:id="rId7" imgW="1549080" imgH="482400" progId="Equation.DSMT4">
                   <p:embed/>
                 </p:oleObj>
               </mc:Choice>
@@ -6018,7 +6019,7 @@
           <a:graphicData uri="http://schemas.openxmlformats.org/presentationml/2006/ole">
             <mc:AlternateContent xmlns:mc="http://schemas.openxmlformats.org/markup-compatibility/2006">
               <mc:Choice xmlns:v="urn:schemas-microsoft-com:vml" Requires="v">
-                <p:oleObj spid="_x0000_s11568" name="Equation" r:id="rId9" imgW="2819160" imgH="812520" progId="Equation.DSMT4">
+                <p:oleObj spid="_x0000_s11604" name="Equation" r:id="rId9" imgW="2819160" imgH="812520" progId="Equation.DSMT4">
                   <p:embed/>
                 </p:oleObj>
               </mc:Choice>
@@ -6313,7 +6314,7 @@
           <a:graphicData uri="http://schemas.openxmlformats.org/presentationml/2006/ole">
             <mc:AlternateContent xmlns:mc="http://schemas.openxmlformats.org/markup-compatibility/2006">
               <mc:Choice xmlns:v="urn:schemas-microsoft-com:vml" Requires="v">
-                <p:oleObj spid="_x0000_s12881" name="Equation" r:id="rId3" imgW="469800" imgH="164880" progId="Equation.DSMT4">
+                <p:oleObj spid="_x0000_s12962" name="Equation" r:id="rId3" imgW="469800" imgH="164880" progId="Equation.DSMT4">
                   <p:embed/>
                 </p:oleObj>
               </mc:Choice>
@@ -6453,7 +6454,7 @@
           <a:graphicData uri="http://schemas.openxmlformats.org/presentationml/2006/ole">
             <mc:AlternateContent xmlns:mc="http://schemas.openxmlformats.org/markup-compatibility/2006">
               <mc:Choice xmlns:v="urn:schemas-microsoft-com:vml" Requires="v">
-                <p:oleObj spid="_x0000_s12882" name="Equation" r:id="rId6" imgW="558720" imgH="152280" progId="Equation.DSMT4">
+                <p:oleObj spid="_x0000_s12963" name="Equation" r:id="rId6" imgW="558720" imgH="152280" progId="Equation.DSMT4">
                   <p:embed/>
                 </p:oleObj>
               </mc:Choice>
@@ -6510,7 +6511,7 @@
           <a:graphicData uri="http://schemas.openxmlformats.org/presentationml/2006/ole">
             <mc:AlternateContent xmlns:mc="http://schemas.openxmlformats.org/markup-compatibility/2006">
               <mc:Choice xmlns:v="urn:schemas-microsoft-com:vml" Requires="v">
-                <p:oleObj spid="_x0000_s12883" name="Equation" r:id="rId8" imgW="419040" imgH="139680" progId="Equation.DSMT4">
+                <p:oleObj spid="_x0000_s12964" name="Equation" r:id="rId8" imgW="419040" imgH="139680" progId="Equation.DSMT4">
                   <p:embed/>
                 </p:oleObj>
               </mc:Choice>
@@ -6567,7 +6568,7 @@
           <a:graphicData uri="http://schemas.openxmlformats.org/presentationml/2006/ole">
             <mc:AlternateContent xmlns:mc="http://schemas.openxmlformats.org/markup-compatibility/2006">
               <mc:Choice xmlns:v="urn:schemas-microsoft-com:vml" Requires="v">
-                <p:oleObj spid="_x0000_s12884" name="Equation" r:id="rId10" imgW="596880" imgH="330120" progId="Equation.DSMT4">
+                <p:oleObj spid="_x0000_s12965" name="Equation" r:id="rId10" imgW="596880" imgH="330120" progId="Equation.DSMT4">
                   <p:embed/>
                 </p:oleObj>
               </mc:Choice>
@@ -6664,7 +6665,7 @@
           <a:graphicData uri="http://schemas.openxmlformats.org/presentationml/2006/ole">
             <mc:AlternateContent xmlns:mc="http://schemas.openxmlformats.org/markup-compatibility/2006">
               <mc:Choice xmlns:v="urn:schemas-microsoft-com:vml" Requires="v">
-                <p:oleObj spid="_x0000_s12885" name="Equation" r:id="rId12" imgW="1625400" imgH="177480" progId="Equation.DSMT4">
+                <p:oleObj spid="_x0000_s12966" name="Equation" r:id="rId12" imgW="1625400" imgH="177480" progId="Equation.DSMT4">
                   <p:embed/>
                 </p:oleObj>
               </mc:Choice>
@@ -6721,7 +6722,7 @@
           <a:graphicData uri="http://schemas.openxmlformats.org/presentationml/2006/ole">
             <mc:AlternateContent xmlns:mc="http://schemas.openxmlformats.org/markup-compatibility/2006">
               <mc:Choice xmlns:v="urn:schemas-microsoft-com:vml" Requires="v">
-                <p:oleObj spid="_x0000_s12886" name="Equation" r:id="rId14" imgW="1307880" imgH="342720" progId="Equation.DSMT4">
+                <p:oleObj spid="_x0000_s12967" name="Equation" r:id="rId14" imgW="1307880" imgH="342720" progId="Equation.DSMT4">
                   <p:embed/>
                 </p:oleObj>
               </mc:Choice>
@@ -6818,7 +6819,7 @@
           <a:graphicData uri="http://schemas.openxmlformats.org/presentationml/2006/ole">
             <mc:AlternateContent xmlns:mc="http://schemas.openxmlformats.org/markup-compatibility/2006">
               <mc:Choice xmlns:v="urn:schemas-microsoft-com:vml" Requires="v">
-                <p:oleObj spid="_x0000_s12887" name="Equation" r:id="rId16" imgW="533160" imgH="634680" progId="Equation.DSMT4">
+                <p:oleObj spid="_x0000_s12968" name="Equation" r:id="rId16" imgW="533160" imgH="634680" progId="Equation.DSMT4">
                   <p:embed/>
                 </p:oleObj>
               </mc:Choice>
@@ -6915,7 +6916,7 @@
           <a:graphicData uri="http://schemas.openxmlformats.org/presentationml/2006/ole">
             <mc:AlternateContent xmlns:mc="http://schemas.openxmlformats.org/markup-compatibility/2006">
               <mc:Choice xmlns:v="urn:schemas-microsoft-com:vml" Requires="v">
-                <p:oleObj spid="_x0000_s12888" name="Equation" r:id="rId18" imgW="660240" imgH="482400" progId="Equation.DSMT4">
+                <p:oleObj spid="_x0000_s12969" name="Equation" r:id="rId18" imgW="660240" imgH="482400" progId="Equation.DSMT4">
                   <p:embed/>
                 </p:oleObj>
               </mc:Choice>
@@ -7012,7 +7013,7 @@
           <a:graphicData uri="http://schemas.openxmlformats.org/presentationml/2006/ole">
             <mc:AlternateContent xmlns:mc="http://schemas.openxmlformats.org/markup-compatibility/2006">
               <mc:Choice xmlns:v="urn:schemas-microsoft-com:vml" Requires="v">
-                <p:oleObj spid="_x0000_s12889" name="Equation" r:id="rId20" imgW="647640" imgH="812520" progId="Equation.DSMT4">
+                <p:oleObj spid="_x0000_s12970" name="Equation" r:id="rId20" imgW="647640" imgH="812520" progId="Equation.DSMT4">
                   <p:embed/>
                 </p:oleObj>
               </mc:Choice>
@@ -7291,7 +7292,7 @@
           <a:graphicData uri="http://schemas.openxmlformats.org/presentationml/2006/ole">
             <mc:AlternateContent xmlns:mc="http://schemas.openxmlformats.org/markup-compatibility/2006">
               <mc:Choice xmlns:v="urn:schemas-microsoft-com:vml" Requires="v">
-                <p:oleObj spid="_x0000_s13578" name="Equation" r:id="rId3" imgW="596880" imgH="330120" progId="Equation.DSMT4">
+                <p:oleObj spid="_x0000_s13614" name="Equation" r:id="rId3" imgW="596880" imgH="330120" progId="Equation.DSMT4">
                   <p:embed/>
                 </p:oleObj>
               </mc:Choice>
@@ -7348,7 +7349,7 @@
           <a:graphicData uri="http://schemas.openxmlformats.org/presentationml/2006/ole">
             <mc:AlternateContent xmlns:mc="http://schemas.openxmlformats.org/markup-compatibility/2006">
               <mc:Choice xmlns:v="urn:schemas-microsoft-com:vml" Requires="v">
-                <p:oleObj spid="_x0000_s13579" name="Equation" r:id="rId5" imgW="723600" imgH="139680" progId="Equation.DSMT4">
+                <p:oleObj spid="_x0000_s13615" name="Equation" r:id="rId5" imgW="723600" imgH="139680" progId="Equation.DSMT4">
                   <p:embed/>
                 </p:oleObj>
               </mc:Choice>
@@ -7405,7 +7406,7 @@
           <a:graphicData uri="http://schemas.openxmlformats.org/presentationml/2006/ole">
             <mc:AlternateContent xmlns:mc="http://schemas.openxmlformats.org/markup-compatibility/2006">
               <mc:Choice xmlns:v="urn:schemas-microsoft-com:vml" Requires="v">
-                <p:oleObj spid="_x0000_s13580" name="Equation" r:id="rId7" imgW="406080" imgH="164880" progId="Equation.DSMT4">
+                <p:oleObj spid="_x0000_s13616" name="Equation" r:id="rId7" imgW="406080" imgH="164880" progId="Equation.DSMT4">
                   <p:embed/>
                 </p:oleObj>
               </mc:Choice>
@@ -7462,7 +7463,7 @@
           <a:graphicData uri="http://schemas.openxmlformats.org/presentationml/2006/ole">
             <mc:AlternateContent xmlns:mc="http://schemas.openxmlformats.org/markup-compatibility/2006">
               <mc:Choice xmlns:v="urn:schemas-microsoft-com:vml" Requires="v">
-                <p:oleObj spid="_x0000_s13581" name="Equation" r:id="rId9" imgW="685800" imgH="152280" progId="Equation.DSMT4">
+                <p:oleObj spid="_x0000_s13617" name="Equation" r:id="rId9" imgW="685800" imgH="152280" progId="Equation.DSMT4">
                   <p:embed/>
                 </p:oleObj>
               </mc:Choice>
@@ -7674,7 +7675,7 @@
           <a:graphicData uri="http://schemas.openxmlformats.org/presentationml/2006/ole">
             <mc:AlternateContent xmlns:mc="http://schemas.openxmlformats.org/markup-compatibility/2006">
               <mc:Choice xmlns:v="urn:schemas-microsoft-com:vml" Requires="v">
-                <p:oleObj spid="_x0000_s14658" name="Equation" r:id="rId3" imgW="1549080" imgH="330120" progId="Equation.DSMT4">
+                <p:oleObj spid="_x0000_s14703" name="Equation" r:id="rId3" imgW="1549080" imgH="330120" progId="Equation.DSMT4">
                   <p:embed/>
                 </p:oleObj>
               </mc:Choice>
@@ -7731,7 +7732,7 @@
           <a:graphicData uri="http://schemas.openxmlformats.org/presentationml/2006/ole">
             <mc:AlternateContent xmlns:mc="http://schemas.openxmlformats.org/markup-compatibility/2006">
               <mc:Choice xmlns:v="urn:schemas-microsoft-com:vml" Requires="v">
-                <p:oleObj spid="_x0000_s14659" name="Equation" r:id="rId5" imgW="622080" imgH="177480" progId="Equation.DSMT4">
+                <p:oleObj spid="_x0000_s14704" name="Equation" r:id="rId5" imgW="622080" imgH="177480" progId="Equation.DSMT4">
                   <p:embed/>
                 </p:oleObj>
               </mc:Choice>
@@ -7828,7 +7829,7 @@
           <a:graphicData uri="http://schemas.openxmlformats.org/presentationml/2006/ole">
             <mc:AlternateContent xmlns:mc="http://schemas.openxmlformats.org/markup-compatibility/2006">
               <mc:Choice xmlns:v="urn:schemas-microsoft-com:vml" Requires="v">
-                <p:oleObj spid="_x0000_s14660" name="Equation" r:id="rId7" imgW="571320" imgH="330120" progId="Equation.DSMT4">
+                <p:oleObj spid="_x0000_s14705" name="Equation" r:id="rId7" imgW="571320" imgH="330120" progId="Equation.DSMT4">
                   <p:embed/>
                 </p:oleObj>
               </mc:Choice>
@@ -7885,7 +7886,7 @@
           <a:graphicData uri="http://schemas.openxmlformats.org/presentationml/2006/ole">
             <mc:AlternateContent xmlns:mc="http://schemas.openxmlformats.org/markup-compatibility/2006">
               <mc:Choice xmlns:v="urn:schemas-microsoft-com:vml" Requires="v">
-                <p:oleObj spid="_x0000_s14661" name="Equation" r:id="rId9" imgW="1143000" imgH="177480" progId="Equation.DSMT4">
+                <p:oleObj spid="_x0000_s14706" name="Equation" r:id="rId9" imgW="1143000" imgH="177480" progId="Equation.DSMT4">
                   <p:embed/>
                 </p:oleObj>
               </mc:Choice>
@@ -7982,7 +7983,7 @@
           <a:graphicData uri="http://schemas.openxmlformats.org/presentationml/2006/ole">
             <mc:AlternateContent xmlns:mc="http://schemas.openxmlformats.org/markup-compatibility/2006">
               <mc:Choice xmlns:v="urn:schemas-microsoft-com:vml" Requires="v">
-                <p:oleObj spid="_x0000_s14662" name="Equation" r:id="rId11" imgW="825480" imgH="330120" progId="Equation.DSMT4">
+                <p:oleObj spid="_x0000_s14707" name="Equation" r:id="rId11" imgW="825480" imgH="330120" progId="Equation.DSMT4">
                   <p:embed/>
                 </p:oleObj>
               </mc:Choice>
@@ -8293,7 +8294,7 @@
           <a:graphicData uri="http://schemas.openxmlformats.org/presentationml/2006/ole">
             <mc:AlternateContent xmlns:mc="http://schemas.openxmlformats.org/markup-compatibility/2006">
               <mc:Choice xmlns:v="urn:schemas-microsoft-com:vml" Requires="v">
-                <p:oleObj spid="_x0000_s15420" name="Equation" r:id="rId3" imgW="647640" imgH="812520" progId="Equation.DSMT4">
+                <p:oleObj spid="_x0000_s15429" name="Equation" r:id="rId3" imgW="647640" imgH="812520" progId="Equation.DSMT4">
                   <p:embed/>
                 </p:oleObj>
               </mc:Choice>
@@ -8500,7 +8501,7 @@
           <a:graphicData uri="http://schemas.openxmlformats.org/presentationml/2006/ole">
             <mc:AlternateContent xmlns:mc="http://schemas.openxmlformats.org/markup-compatibility/2006">
               <mc:Choice xmlns:v="urn:schemas-microsoft-com:vml" Requires="v">
-                <p:oleObj spid="_x0000_s16441" name="Equation" r:id="rId3" imgW="647640" imgH="812520" progId="Equation.DSMT4">
+                <p:oleObj spid="_x0000_s16450" name="Equation" r:id="rId3" imgW="647640" imgH="812520" progId="Equation.DSMT4">
                   <p:embed/>
                 </p:oleObj>
               </mc:Choice>
@@ -9093,7 +9094,7 @@
           <a:graphicData uri="http://schemas.openxmlformats.org/presentationml/2006/ole">
             <mc:AlternateContent xmlns:mc="http://schemas.openxmlformats.org/markup-compatibility/2006">
               <mc:Choice xmlns:v="urn:schemas-microsoft-com:vml" Requires="v">
-                <p:oleObj spid="_x0000_s17693" name="Equation" r:id="rId3" imgW="876240" imgH="177480" progId="Equation.DSMT4">
+                <p:oleObj spid="_x0000_s17747" name="Equation" r:id="rId3" imgW="876240" imgH="177480" progId="Equation.DSMT4">
                   <p:embed/>
                 </p:oleObj>
               </mc:Choice>
@@ -9150,7 +9151,7 @@
           <a:graphicData uri="http://schemas.openxmlformats.org/presentationml/2006/ole">
             <mc:AlternateContent xmlns:mc="http://schemas.openxmlformats.org/markup-compatibility/2006">
               <mc:Choice xmlns:v="urn:schemas-microsoft-com:vml" Requires="v">
-                <p:oleObj spid="_x0000_s17694" name="Equation" r:id="rId5" imgW="571320" imgH="177480" progId="Equation.DSMT4">
+                <p:oleObj spid="_x0000_s17748" name="Equation" r:id="rId5" imgW="571320" imgH="177480" progId="Equation.DSMT4">
                   <p:embed/>
                 </p:oleObj>
               </mc:Choice>
@@ -9207,7 +9208,7 @@
           <a:graphicData uri="http://schemas.openxmlformats.org/presentationml/2006/ole">
             <mc:AlternateContent xmlns:mc="http://schemas.openxmlformats.org/markup-compatibility/2006">
               <mc:Choice xmlns:v="urn:schemas-microsoft-com:vml" Requires="v">
-                <p:oleObj spid="_x0000_s17695" name="Equation" r:id="rId7" imgW="1434960" imgH="190440" progId="Equation.DSMT4">
+                <p:oleObj spid="_x0000_s17749" name="Equation" r:id="rId7" imgW="1434960" imgH="190440" progId="Equation.DSMT4">
                   <p:embed/>
                 </p:oleObj>
               </mc:Choice>
@@ -9264,7 +9265,7 @@
           <a:graphicData uri="http://schemas.openxmlformats.org/presentationml/2006/ole">
             <mc:AlternateContent xmlns:mc="http://schemas.openxmlformats.org/markup-compatibility/2006">
               <mc:Choice xmlns:v="urn:schemas-microsoft-com:vml" Requires="v">
-                <p:oleObj spid="_x0000_s17696" name="Equation" r:id="rId9" imgW="355320" imgH="164880" progId="Equation.DSMT4">
+                <p:oleObj spid="_x0000_s17750" name="Equation" r:id="rId9" imgW="355320" imgH="164880" progId="Equation.DSMT4">
                   <p:embed/>
                 </p:oleObj>
               </mc:Choice>
@@ -9321,7 +9322,7 @@
           <a:graphicData uri="http://schemas.openxmlformats.org/presentationml/2006/ole">
             <mc:AlternateContent xmlns:mc="http://schemas.openxmlformats.org/markup-compatibility/2006">
               <mc:Choice xmlns:v="urn:schemas-microsoft-com:vml" Requires="v">
-                <p:oleObj spid="_x0000_s17697" name="Equation" r:id="rId11" imgW="634680" imgH="152280" progId="Equation.DSMT4">
+                <p:oleObj spid="_x0000_s17751" name="Equation" r:id="rId11" imgW="634680" imgH="152280" progId="Equation.DSMT4">
                   <p:embed/>
                 </p:oleObj>
               </mc:Choice>
@@ -9378,7 +9379,7 @@
           <a:graphicData uri="http://schemas.openxmlformats.org/presentationml/2006/ole">
             <mc:AlternateContent xmlns:mc="http://schemas.openxmlformats.org/markup-compatibility/2006">
               <mc:Choice xmlns:v="urn:schemas-microsoft-com:vml" Requires="v">
-                <p:oleObj spid="_x0000_s17698" name="Equation" r:id="rId13" imgW="101520" imgH="114120" progId="Equation.DSMT4">
+                <p:oleObj spid="_x0000_s17752" name="Equation" r:id="rId13" imgW="101520" imgH="114120" progId="Equation.DSMT4">
                   <p:embed/>
                 </p:oleObj>
               </mc:Choice>
@@ -9746,7 +9747,7 @@
           <a:graphicData uri="http://schemas.openxmlformats.org/presentationml/2006/ole">
             <mc:AlternateContent xmlns:mc="http://schemas.openxmlformats.org/markup-compatibility/2006">
               <mc:Choice xmlns:v="urn:schemas-microsoft-com:vml" Requires="v">
-                <p:oleObj spid="_x0000_s18584" name="Equation" r:id="rId3" imgW="1879560" imgH="190440" progId="Equation.DSMT4">
+                <p:oleObj spid="_x0000_s18620" name="Equation" r:id="rId3" imgW="1879560" imgH="190440" progId="Equation.DSMT4">
                   <p:embed/>
                 </p:oleObj>
               </mc:Choice>
@@ -9803,7 +9804,7 @@
           <a:graphicData uri="http://schemas.openxmlformats.org/presentationml/2006/ole">
             <mc:AlternateContent xmlns:mc="http://schemas.openxmlformats.org/markup-compatibility/2006">
               <mc:Choice xmlns:v="urn:schemas-microsoft-com:vml" Requires="v">
-                <p:oleObj spid="_x0000_s18585" name="Equation" r:id="rId5" imgW="482400" imgH="164880" progId="Equation.DSMT4">
+                <p:oleObj spid="_x0000_s18621" name="Equation" r:id="rId5" imgW="482400" imgH="164880" progId="Equation.DSMT4">
                   <p:embed/>
                 </p:oleObj>
               </mc:Choice>
@@ -9860,7 +9861,7 @@
           <a:graphicData uri="http://schemas.openxmlformats.org/presentationml/2006/ole">
             <mc:AlternateContent xmlns:mc="http://schemas.openxmlformats.org/markup-compatibility/2006">
               <mc:Choice xmlns:v="urn:schemas-microsoft-com:vml" Requires="v">
-                <p:oleObj spid="_x0000_s18586" name="Equation" r:id="rId7" imgW="812520" imgH="164880" progId="Equation.DSMT4">
+                <p:oleObj spid="_x0000_s18622" name="Equation" r:id="rId7" imgW="812520" imgH="164880" progId="Equation.DSMT4">
                   <p:embed/>
                 </p:oleObj>
               </mc:Choice>
@@ -9917,7 +9918,7 @@
           <a:graphicData uri="http://schemas.openxmlformats.org/presentationml/2006/ole">
             <mc:AlternateContent xmlns:mc="http://schemas.openxmlformats.org/markup-compatibility/2006">
               <mc:Choice xmlns:v="urn:schemas-microsoft-com:vml" Requires="v">
-                <p:oleObj spid="_x0000_s18587" name="Equation" r:id="rId9" imgW="101520" imgH="152280" progId="Equation.DSMT4">
+                <p:oleObj spid="_x0000_s18623" name="Equation" r:id="rId9" imgW="101520" imgH="152280" progId="Equation.DSMT4">
                   <p:embed/>
                 </p:oleObj>
               </mc:Choice>
@@ -10161,7 +10162,7 @@
           <a:graphicData uri="http://schemas.openxmlformats.org/presentationml/2006/ole">
             <mc:AlternateContent xmlns:mc="http://schemas.openxmlformats.org/markup-compatibility/2006">
               <mc:Choice xmlns:v="urn:schemas-microsoft-com:vml" Requires="v">
-                <p:oleObj spid="_x0000_s19586" name="Equation" r:id="rId3" imgW="876240" imgH="177480" progId="Equation.DSMT4">
+                <p:oleObj spid="_x0000_s19622" name="Equation" r:id="rId3" imgW="876240" imgH="177480" progId="Equation.DSMT4">
                   <p:embed/>
                 </p:oleObj>
               </mc:Choice>
@@ -10218,7 +10219,7 @@
           <a:graphicData uri="http://schemas.openxmlformats.org/presentationml/2006/ole">
             <mc:AlternateContent xmlns:mc="http://schemas.openxmlformats.org/markup-compatibility/2006">
               <mc:Choice xmlns:v="urn:schemas-microsoft-com:vml" Requires="v">
-                <p:oleObj spid="_x0000_s19587" name="Equation" r:id="rId5" imgW="1688760" imgH="190440" progId="Equation.DSMT4">
+                <p:oleObj spid="_x0000_s19623" name="Equation" r:id="rId5" imgW="1688760" imgH="190440" progId="Equation.DSMT4">
                   <p:embed/>
                 </p:oleObj>
               </mc:Choice>
@@ -10275,7 +10276,7 @@
           <a:graphicData uri="http://schemas.openxmlformats.org/presentationml/2006/ole">
             <mc:AlternateContent xmlns:mc="http://schemas.openxmlformats.org/markup-compatibility/2006">
               <mc:Choice xmlns:v="urn:schemas-microsoft-com:vml" Requires="v">
-                <p:oleObj spid="_x0000_s19588" name="Equation" r:id="rId7" imgW="660240" imgH="152280" progId="Equation.DSMT4">
+                <p:oleObj spid="_x0000_s19624" name="Equation" r:id="rId7" imgW="660240" imgH="152280" progId="Equation.DSMT4">
                   <p:embed/>
                 </p:oleObj>
               </mc:Choice>
@@ -10332,7 +10333,7 @@
           <a:graphicData uri="http://schemas.openxmlformats.org/presentationml/2006/ole">
             <mc:AlternateContent xmlns:mc="http://schemas.openxmlformats.org/markup-compatibility/2006">
               <mc:Choice xmlns:v="urn:schemas-microsoft-com:vml" Requires="v">
-                <p:oleObj spid="_x0000_s19589" name="Equation" r:id="rId9" imgW="1384200" imgH="152280" progId="Equation.DSMT4">
+                <p:oleObj spid="_x0000_s19625" name="Equation" r:id="rId9" imgW="1384200" imgH="152280" progId="Equation.DSMT4">
                   <p:embed/>
                 </p:oleObj>
               </mc:Choice>
@@ -10593,7 +10594,7 @@
           <a:graphicData uri="http://schemas.openxmlformats.org/presentationml/2006/ole">
             <mc:AlternateContent xmlns:mc="http://schemas.openxmlformats.org/markup-compatibility/2006">
               <mc:Choice xmlns:v="urn:schemas-microsoft-com:vml" Requires="v">
-                <p:oleObj spid="_x0000_s20665" name="Equation" r:id="rId3" imgW="876240" imgH="177480" progId="Equation.DSMT4">
+                <p:oleObj spid="_x0000_s20728" name="Equation" r:id="rId3" imgW="876240" imgH="177480" progId="Equation.DSMT4">
                   <p:embed/>
                 </p:oleObj>
               </mc:Choice>
@@ -10650,7 +10651,7 @@
           <a:graphicData uri="http://schemas.openxmlformats.org/presentationml/2006/ole">
             <mc:AlternateContent xmlns:mc="http://schemas.openxmlformats.org/markup-compatibility/2006">
               <mc:Choice xmlns:v="urn:schemas-microsoft-com:vml" Requires="v">
-                <p:oleObj spid="_x0000_s20666" name="Equation" r:id="rId5" imgW="685800" imgH="177480" progId="Equation.DSMT4">
+                <p:oleObj spid="_x0000_s20729" name="Equation" r:id="rId5" imgW="685800" imgH="177480" progId="Equation.DSMT4">
                   <p:embed/>
                 </p:oleObj>
               </mc:Choice>
@@ -10707,7 +10708,7 @@
           <a:graphicData uri="http://schemas.openxmlformats.org/presentationml/2006/ole">
             <mc:AlternateContent xmlns:mc="http://schemas.openxmlformats.org/markup-compatibility/2006">
               <mc:Choice xmlns:v="urn:schemas-microsoft-com:vml" Requires="v">
-                <p:oleObj spid="_x0000_s20667" name="Equation" r:id="rId7" imgW="139680" imgH="177480" progId="Equation.DSMT4">
+                <p:oleObj spid="_x0000_s20730" name="Equation" r:id="rId7" imgW="139680" imgH="177480" progId="Equation.DSMT4">
                   <p:embed/>
                 </p:oleObj>
               </mc:Choice>
@@ -10764,7 +10765,7 @@
           <a:graphicData uri="http://schemas.openxmlformats.org/presentationml/2006/ole">
             <mc:AlternateContent xmlns:mc="http://schemas.openxmlformats.org/markup-compatibility/2006">
               <mc:Choice xmlns:v="urn:schemas-microsoft-com:vml" Requires="v">
-                <p:oleObj spid="_x0000_s20668" name="Equation" r:id="rId9" imgW="2171520" imgH="177480" progId="Equation.DSMT4">
+                <p:oleObj spid="_x0000_s20731" name="Equation" r:id="rId9" imgW="2171520" imgH="177480" progId="Equation.DSMT4">
                   <p:embed/>
                 </p:oleObj>
               </mc:Choice>
@@ -10821,7 +10822,7 @@
           <a:graphicData uri="http://schemas.openxmlformats.org/presentationml/2006/ole">
             <mc:AlternateContent xmlns:mc="http://schemas.openxmlformats.org/markup-compatibility/2006">
               <mc:Choice xmlns:v="urn:schemas-microsoft-com:vml" Requires="v">
-                <p:oleObj spid="_x0000_s20669" name="Equation" r:id="rId11" imgW="685800" imgH="177480" progId="Equation.DSMT4">
+                <p:oleObj spid="_x0000_s20732" name="Equation" r:id="rId11" imgW="685800" imgH="177480" progId="Equation.DSMT4">
                   <p:embed/>
                 </p:oleObj>
               </mc:Choice>
@@ -10878,7 +10879,7 @@
           <a:graphicData uri="http://schemas.openxmlformats.org/presentationml/2006/ole">
             <mc:AlternateContent xmlns:mc="http://schemas.openxmlformats.org/markup-compatibility/2006">
               <mc:Choice xmlns:v="urn:schemas-microsoft-com:vml" Requires="v">
-                <p:oleObj spid="_x0000_s20670" name="Equation" r:id="rId13" imgW="812520" imgH="152280" progId="Equation.DSMT4">
+                <p:oleObj spid="_x0000_s20733" name="Equation" r:id="rId13" imgW="812520" imgH="152280" progId="Equation.DSMT4">
                   <p:embed/>
                 </p:oleObj>
               </mc:Choice>
@@ -10935,7 +10936,7 @@
           <a:graphicData uri="http://schemas.openxmlformats.org/presentationml/2006/ole">
             <mc:AlternateContent xmlns:mc="http://schemas.openxmlformats.org/markup-compatibility/2006">
               <mc:Choice xmlns:v="urn:schemas-microsoft-com:vml" Requires="v">
-                <p:oleObj spid="_x0000_s20671" name="Equation" r:id="rId15" imgW="101520" imgH="114120" progId="Equation.DSMT4">
+                <p:oleObj spid="_x0000_s20734" name="Equation" r:id="rId15" imgW="101520" imgH="114120" progId="Equation.DSMT4">
                   <p:embed/>
                 </p:oleObj>
               </mc:Choice>
@@ -11783,10 +11784,10 @@
           <a:lstStyle/>
           <a:p>
             <a:r>
-              <a:rPr lang="en-US" altLang="zh-CN" smtClean="0"/>
+              <a:rPr lang="en-US" altLang="zh-CN" dirty="0" smtClean="0"/>
               <a:t>Homework</a:t>
             </a:r>
-            <a:endParaRPr lang="zh-CN" altLang="en-US"/>
+            <a:endParaRPr lang="zh-CN" altLang="en-US" dirty="0"/>
           </a:p>
         </p:txBody>
       </p:sp>
@@ -11805,14 +11806,679 @@
           <a:bodyPr/>
           <a:lstStyle/>
           <a:p>
-            <a:endParaRPr lang="zh-CN" altLang="en-US"/>
+            <a:r>
+              <a:rPr lang="en-US" altLang="zh-CN" dirty="0" smtClean="0"/>
+              <a:t>1. Consider Grammar G:</a:t>
+            </a:r>
+          </a:p>
+          <a:p>
+            <a:r>
+              <a:rPr lang="en-US" altLang="zh-CN" dirty="0" smtClean="0"/>
+              <a:t>(1)Compute FIRST and FOLLOW for each nonterminal</a:t>
+            </a:r>
+          </a:p>
+          <a:p>
+            <a:r>
+              <a:rPr lang="en-US" altLang="zh-CN" dirty="0" smtClean="0"/>
+              <a:t>(2) Proof G is an LL(1) grammar</a:t>
+            </a:r>
+          </a:p>
+          <a:p>
+            <a:r>
+              <a:rPr lang="en-US" altLang="zh-CN" dirty="0" smtClean="0"/>
+              <a:t>(3) Construct its predictive Table</a:t>
+            </a:r>
+          </a:p>
+          <a:p>
+            <a:r>
+              <a:rPr lang="en-US" altLang="zh-CN" dirty="0" smtClean="0"/>
+              <a:t>(4) Construct its recursive-descent parser.</a:t>
+            </a:r>
+          </a:p>
+          <a:p>
+            <a:endParaRPr lang="en-US" altLang="zh-CN" dirty="0"/>
+          </a:p>
+          <a:p>
+            <a:r>
+              <a:rPr lang="en-US" altLang="zh-CN" dirty="0" smtClean="0"/>
+              <a:t>2. Which of the following grammars are LL(1) grammars.</a:t>
+            </a:r>
+          </a:p>
+          <a:p>
+            <a:r>
+              <a:rPr lang="en-US" altLang="zh-CN" dirty="0" smtClean="0"/>
+              <a:t>G1</a:t>
+            </a:r>
+            <a:r>
+              <a:rPr lang="zh-CN" altLang="en-US" dirty="0" smtClean="0"/>
+              <a:t>：                </a:t>
+            </a:r>
+            <a:r>
+              <a:rPr lang="en-US" altLang="zh-CN" dirty="0" smtClean="0"/>
+              <a:t>G2</a:t>
+            </a:r>
+            <a:r>
+              <a:rPr lang="zh-CN" altLang="en-US" dirty="0" smtClean="0"/>
+              <a:t>： </a:t>
+            </a:r>
+            <a:endParaRPr lang="en-US" altLang="zh-CN" dirty="0"/>
+          </a:p>
+          <a:p>
+            <a:endParaRPr lang="en-US" altLang="zh-CN" dirty="0" smtClean="0"/>
+          </a:p>
+          <a:p>
+            <a:endParaRPr lang="en-US" altLang="zh-CN" dirty="0" smtClean="0"/>
+          </a:p>
+          <a:p>
+            <a:r>
+              <a:rPr lang="en-US" altLang="zh-CN" dirty="0" smtClean="0"/>
+              <a:t>G3</a:t>
+            </a:r>
+            <a:r>
+              <a:rPr lang="zh-CN" altLang="en-US" dirty="0" smtClean="0"/>
+              <a:t>：                 </a:t>
+            </a:r>
+            <a:r>
+              <a:rPr lang="en-US" altLang="zh-CN" dirty="0" smtClean="0"/>
+              <a:t>G4: </a:t>
+            </a:r>
+            <a:endParaRPr lang="en-US" altLang="zh-CN" dirty="0" smtClean="0"/>
+          </a:p>
+          <a:p>
+            <a:pPr marL="0" indent="0">
+              <a:buNone/>
+            </a:pPr>
+            <a:endParaRPr lang="en-US" altLang="zh-CN" dirty="0" smtClean="0"/>
+          </a:p>
+          <a:p>
+            <a:pPr marL="0" indent="0">
+              <a:buNone/>
+            </a:pPr>
+            <a:endParaRPr lang="en-US" altLang="zh-CN" dirty="0" smtClean="0"/>
+          </a:p>
+          <a:p>
+            <a:endParaRPr lang="en-US" altLang="zh-CN" dirty="0" smtClean="0"/>
           </a:p>
         </p:txBody>
       </p:sp>
+      <p:graphicFrame>
+        <p:nvGraphicFramePr>
+          <p:cNvPr id="4" name="对象 3"/>
+          <p:cNvGraphicFramePr>
+            <a:graphicFrameLocks noChangeAspect="1"/>
+          </p:cNvGraphicFramePr>
+          <p:nvPr>
+            <p:extLst>
+              <p:ext uri="{D42A27DB-BD31-4B8C-83A1-F6EECF244321}">
+                <p14:modId xmlns:p14="http://schemas.microsoft.com/office/powerpoint/2010/main" val="2380797856"/>
+              </p:ext>
+            </p:extLst>
+          </p:nvPr>
+        </p:nvGraphicFramePr>
+        <p:xfrm>
+          <a:off x="6097813" y="1368650"/>
+          <a:ext cx="1434350" cy="2082121"/>
+        </p:xfrm>
+        <a:graphic>
+          <a:graphicData uri="http://schemas.openxmlformats.org/presentationml/2006/ole">
+            <mc:AlternateContent xmlns:mc="http://schemas.openxmlformats.org/markup-compatibility/2006">
+              <mc:Choice xmlns:v="urn:schemas-microsoft-com:vml" Requires="v">
+                <p:oleObj spid="_x0000_s23596" name="Equation" r:id="rId3" imgW="787320" imgH="1143000" progId="Equation.DSMT4">
+                  <p:embed/>
+                </p:oleObj>
+              </mc:Choice>
+              <mc:Fallback>
+                <p:oleObj name="Equation" r:id="rId3" imgW="787320" imgH="1143000" progId="Equation.DSMT4">
+                  <p:embed/>
+                  <p:pic>
+                    <p:nvPicPr>
+                      <p:cNvPr id="0" name=""/>
+                      <p:cNvPicPr/>
+                      <p:nvPr/>
+                    </p:nvPicPr>
+                    <p:blipFill>
+                      <a:blip r:embed="rId4"/>
+                      <a:stretch>
+                        <a:fillRect/>
+                      </a:stretch>
+                    </p:blipFill>
+                    <p:spPr>
+                      <a:xfrm>
+                        <a:off x="6097813" y="1368650"/>
+                        <a:ext cx="1434350" cy="2082121"/>
+                      </a:xfrm>
+                      <a:prstGeom prst="rect">
+                        <a:avLst/>
+                      </a:prstGeom>
+                    </p:spPr>
+                  </p:pic>
+                </p:oleObj>
+              </mc:Fallback>
+            </mc:AlternateContent>
+          </a:graphicData>
+        </a:graphic>
+      </p:graphicFrame>
+      <p:graphicFrame>
+        <p:nvGraphicFramePr>
+          <p:cNvPr id="5" name="对象 4"/>
+          <p:cNvGraphicFramePr>
+            <a:graphicFrameLocks noChangeAspect="1"/>
+          </p:cNvGraphicFramePr>
+          <p:nvPr>
+            <p:extLst>
+              <p:ext uri="{D42A27DB-BD31-4B8C-83A1-F6EECF244321}">
+                <p14:modId xmlns:p14="http://schemas.microsoft.com/office/powerpoint/2010/main" val="997504583"/>
+              </p:ext>
+            </p:extLst>
+          </p:nvPr>
+        </p:nvGraphicFramePr>
+        <p:xfrm>
+          <a:off x="1396999" y="4321629"/>
+          <a:ext cx="747485" cy="757036"/>
+        </p:xfrm>
+        <a:graphic>
+          <a:graphicData uri="http://schemas.openxmlformats.org/presentationml/2006/ole">
+            <mc:AlternateContent xmlns:mc="http://schemas.openxmlformats.org/markup-compatibility/2006">
+              <mc:Choice xmlns:v="urn:schemas-microsoft-com:vml" Requires="v">
+                <p:oleObj spid="_x0000_s23597" name="Equation" r:id="rId5" imgW="457200" imgH="482400" progId="Equation.DSMT4">
+                  <p:embed/>
+                </p:oleObj>
+              </mc:Choice>
+              <mc:Fallback>
+                <p:oleObj name="Equation" r:id="rId5" imgW="457200" imgH="482400" progId="Equation.DSMT4">
+                  <p:embed/>
+                  <p:pic>
+                    <p:nvPicPr>
+                      <p:cNvPr id="0" name=""/>
+                      <p:cNvPicPr/>
+                      <p:nvPr/>
+                    </p:nvPicPr>
+                    <p:blipFill>
+                      <a:blip r:embed="rId6"/>
+                      <a:stretch>
+                        <a:fillRect/>
+                      </a:stretch>
+                    </p:blipFill>
+                    <p:spPr>
+                      <a:xfrm>
+                        <a:off x="1396999" y="4321629"/>
+                        <a:ext cx="747485" cy="757036"/>
+                      </a:xfrm>
+                      <a:prstGeom prst="rect">
+                        <a:avLst/>
+                      </a:prstGeom>
+                    </p:spPr>
+                  </p:pic>
+                </p:oleObj>
+              </mc:Fallback>
+            </mc:AlternateContent>
+          </a:graphicData>
+        </a:graphic>
+      </p:graphicFrame>
+      <p:graphicFrame>
+        <p:nvGraphicFramePr>
+          <p:cNvPr id="6" name="对象 5"/>
+          <p:cNvGraphicFramePr>
+            <a:graphicFrameLocks noChangeAspect="1"/>
+          </p:cNvGraphicFramePr>
+          <p:nvPr>
+            <p:extLst>
+              <p:ext uri="{D42A27DB-BD31-4B8C-83A1-F6EECF244321}">
+                <p14:modId xmlns:p14="http://schemas.microsoft.com/office/powerpoint/2010/main" val="2149898615"/>
+              </p:ext>
+            </p:extLst>
+          </p:nvPr>
+        </p:nvGraphicFramePr>
+        <p:xfrm>
+          <a:off x="2817360" y="4321427"/>
+          <a:ext cx="976312" cy="757238"/>
+        </p:xfrm>
+        <a:graphic>
+          <a:graphicData uri="http://schemas.openxmlformats.org/presentationml/2006/ole">
+            <mc:AlternateContent xmlns:mc="http://schemas.openxmlformats.org/markup-compatibility/2006">
+              <mc:Choice xmlns:v="urn:schemas-microsoft-com:vml" Requires="v">
+                <p:oleObj spid="_x0000_s23598" name="Equation" r:id="rId7" imgW="596880" imgH="482400" progId="Equation.DSMT4">
+                  <p:embed/>
+                </p:oleObj>
+              </mc:Choice>
+              <mc:Fallback>
+                <p:oleObj name="Equation" r:id="rId7" imgW="596880" imgH="482400" progId="Equation.DSMT4">
+                  <p:embed/>
+                  <p:pic>
+                    <p:nvPicPr>
+                      <p:cNvPr id="0" name=""/>
+                      <p:cNvPicPr/>
+                      <p:nvPr/>
+                    </p:nvPicPr>
+                    <p:blipFill>
+                      <a:blip r:embed="rId8"/>
+                      <a:stretch>
+                        <a:fillRect/>
+                      </a:stretch>
+                    </p:blipFill>
+                    <p:spPr>
+                      <a:xfrm>
+                        <a:off x="2817360" y="4321427"/>
+                        <a:ext cx="976312" cy="757238"/>
+                      </a:xfrm>
+                      <a:prstGeom prst="rect">
+                        <a:avLst/>
+                      </a:prstGeom>
+                    </p:spPr>
+                  </p:pic>
+                </p:oleObj>
+              </mc:Fallback>
+            </mc:AlternateContent>
+          </a:graphicData>
+        </a:graphic>
+      </p:graphicFrame>
+      <p:graphicFrame>
+        <p:nvGraphicFramePr>
+          <p:cNvPr id="7" name="对象 6"/>
+          <p:cNvGraphicFramePr>
+            <a:graphicFrameLocks noChangeAspect="1"/>
+          </p:cNvGraphicFramePr>
+          <p:nvPr>
+            <p:extLst>
+              <p:ext uri="{D42A27DB-BD31-4B8C-83A1-F6EECF244321}">
+                <p14:modId xmlns:p14="http://schemas.microsoft.com/office/powerpoint/2010/main" val="3637196520"/>
+              </p:ext>
+            </p:extLst>
+          </p:nvPr>
+        </p:nvGraphicFramePr>
+        <p:xfrm>
+          <a:off x="1404254" y="5457283"/>
+          <a:ext cx="892175" cy="757237"/>
+        </p:xfrm>
+        <a:graphic>
+          <a:graphicData uri="http://schemas.openxmlformats.org/presentationml/2006/ole">
+            <mc:AlternateContent xmlns:mc="http://schemas.openxmlformats.org/markup-compatibility/2006">
+              <mc:Choice xmlns:v="urn:schemas-microsoft-com:vml" Requires="v">
+                <p:oleObj spid="_x0000_s23599" name="Equation" r:id="rId9" imgW="545760" imgH="482400" progId="Equation.DSMT4">
+                  <p:embed/>
+                </p:oleObj>
+              </mc:Choice>
+              <mc:Fallback>
+                <p:oleObj name="Equation" r:id="rId9" imgW="545760" imgH="482400" progId="Equation.DSMT4">
+                  <p:embed/>
+                  <p:pic>
+                    <p:nvPicPr>
+                      <p:cNvPr id="0" name=""/>
+                      <p:cNvPicPr/>
+                      <p:nvPr/>
+                    </p:nvPicPr>
+                    <p:blipFill>
+                      <a:blip r:embed="rId10"/>
+                      <a:stretch>
+                        <a:fillRect/>
+                      </a:stretch>
+                    </p:blipFill>
+                    <p:spPr>
+                      <a:xfrm>
+                        <a:off x="1404254" y="5457283"/>
+                        <a:ext cx="892175" cy="757237"/>
+                      </a:xfrm>
+                      <a:prstGeom prst="rect">
+                        <a:avLst/>
+                      </a:prstGeom>
+                    </p:spPr>
+                  </p:pic>
+                </p:oleObj>
+              </mc:Fallback>
+            </mc:AlternateContent>
+          </a:graphicData>
+        </a:graphic>
+      </p:graphicFrame>
+      <p:graphicFrame>
+        <p:nvGraphicFramePr>
+          <p:cNvPr id="8" name="对象 7"/>
+          <p:cNvGraphicFramePr>
+            <a:graphicFrameLocks noChangeAspect="1"/>
+          </p:cNvGraphicFramePr>
+          <p:nvPr>
+            <p:extLst>
+              <p:ext uri="{D42A27DB-BD31-4B8C-83A1-F6EECF244321}">
+                <p14:modId xmlns:p14="http://schemas.microsoft.com/office/powerpoint/2010/main" val="3181912872"/>
+              </p:ext>
+            </p:extLst>
+          </p:nvPr>
+        </p:nvGraphicFramePr>
+        <p:xfrm>
+          <a:off x="2882900" y="5457825"/>
+          <a:ext cx="954088" cy="757238"/>
+        </p:xfrm>
+        <a:graphic>
+          <a:graphicData uri="http://schemas.openxmlformats.org/presentationml/2006/ole">
+            <mc:AlternateContent xmlns:mc="http://schemas.openxmlformats.org/markup-compatibility/2006">
+              <mc:Choice xmlns:v="urn:schemas-microsoft-com:vml" Requires="v">
+                <p:oleObj spid="_x0000_s23600" name="Equation" r:id="rId11" imgW="583920" imgH="482400" progId="Equation.DSMT4">
+                  <p:embed/>
+                </p:oleObj>
+              </mc:Choice>
+              <mc:Fallback>
+                <p:oleObj name="Equation" r:id="rId11" imgW="583920" imgH="482400" progId="Equation.DSMT4">
+                  <p:embed/>
+                  <p:pic>
+                    <p:nvPicPr>
+                      <p:cNvPr id="0" name=""/>
+                      <p:cNvPicPr/>
+                      <p:nvPr/>
+                    </p:nvPicPr>
+                    <p:blipFill>
+                      <a:blip r:embed="rId12"/>
+                      <a:stretch>
+                        <a:fillRect/>
+                      </a:stretch>
+                    </p:blipFill>
+                    <p:spPr>
+                      <a:xfrm>
+                        <a:off x="2882900" y="5457825"/>
+                        <a:ext cx="954088" cy="757238"/>
+                      </a:xfrm>
+                      <a:prstGeom prst="rect">
+                        <a:avLst/>
+                      </a:prstGeom>
+                    </p:spPr>
+                  </p:pic>
+                </p:oleObj>
+              </mc:Fallback>
+            </mc:AlternateContent>
+          </a:graphicData>
+        </a:graphic>
+      </p:graphicFrame>
     </p:spTree>
     <p:extLst>
       <p:ext uri="{BB962C8B-B14F-4D97-AF65-F5344CB8AC3E}">
         <p14:creationId xmlns:p14="http://schemas.microsoft.com/office/powerpoint/2010/main" val="180115998"/>
+      </p:ext>
+    </p:extLst>
+  </p:cSld>
+  <p:clrMapOvr>
+    <a:masterClrMapping/>
+  </p:clrMapOvr>
+  <mc:AlternateContent xmlns:mc="http://schemas.openxmlformats.org/markup-compatibility/2006" xmlns:p14="http://schemas.microsoft.com/office/powerpoint/2010/main">
+    <mc:Choice Requires="p14">
+      <p:transition spd="med" p14:dur="700">
+        <p:fade/>
+      </p:transition>
+    </mc:Choice>
+    <mc:Fallback xmlns="">
+      <p:transition spd="med">
+        <p:fade/>
+      </p:transition>
+    </mc:Fallback>
+  </mc:AlternateContent>
+</p:sld>
+</file>
+
+<file path=ppt/slides/slide29.xml><?xml version="1.0" encoding="utf-8"?>
+<p:sld xmlns:a="http://schemas.openxmlformats.org/drawingml/2006/main" xmlns:r="http://schemas.openxmlformats.org/officeDocument/2006/relationships" xmlns:p="http://schemas.openxmlformats.org/presentationml/2006/main">
+  <p:cSld>
+    <p:spTree>
+      <p:nvGrpSpPr>
+        <p:cNvPr id="1" name=""/>
+        <p:cNvGrpSpPr/>
+        <p:nvPr/>
+      </p:nvGrpSpPr>
+      <p:grpSpPr>
+        <a:xfrm>
+          <a:off x="0" y="0"/>
+          <a:ext cx="0" cy="0"/>
+          <a:chOff x="0" y="0"/>
+          <a:chExt cx="0" cy="0"/>
+        </a:xfrm>
+      </p:grpSpPr>
+      <p:sp>
+        <p:nvSpPr>
+          <p:cNvPr id="2" name="标题 1"/>
+          <p:cNvSpPr>
+            <a:spLocks noGrp="1"/>
+          </p:cNvSpPr>
+          <p:nvPr>
+            <p:ph type="title"/>
+          </p:nvPr>
+        </p:nvSpPr>
+        <p:spPr/>
+        <p:txBody>
+          <a:bodyPr/>
+          <a:lstStyle/>
+          <a:p>
+            <a:r>
+              <a:rPr lang="en-US" altLang="zh-CN" dirty="0"/>
+              <a:t>Homework</a:t>
+            </a:r>
+            <a:endParaRPr lang="zh-CN" altLang="en-US" dirty="0"/>
+          </a:p>
+        </p:txBody>
+      </p:sp>
+      <p:sp>
+        <p:nvSpPr>
+          <p:cNvPr id="3" name="内容占位符 2"/>
+          <p:cNvSpPr>
+            <a:spLocks noGrp="1"/>
+          </p:cNvSpPr>
+          <p:nvPr>
+            <p:ph idx="1"/>
+          </p:nvPr>
+        </p:nvSpPr>
+        <p:spPr/>
+        <p:txBody>
+          <a:bodyPr/>
+          <a:lstStyle/>
+          <a:p>
+            <a:r>
+              <a:rPr lang="en-US" altLang="zh-CN" dirty="0" smtClean="0"/>
+              <a:t>3. Consider Grammar: </a:t>
+            </a:r>
+          </a:p>
+          <a:p>
+            <a:endParaRPr lang="en-US" altLang="zh-CN" dirty="0"/>
+          </a:p>
+          <a:p>
+            <a:endParaRPr lang="en-US" altLang="zh-CN" dirty="0" smtClean="0"/>
+          </a:p>
+          <a:p>
+            <a:r>
+              <a:rPr lang="en-US" altLang="zh-CN" dirty="0" smtClean="0"/>
+              <a:t>(1) Construct LL(1) predictive table for the grammar.</a:t>
+            </a:r>
+          </a:p>
+          <a:p>
+            <a:r>
+              <a:rPr lang="en-US" altLang="zh-CN" dirty="0" smtClean="0"/>
+              <a:t>(2) Show the analysis steps for sentence </a:t>
+            </a:r>
+          </a:p>
+          <a:p>
+            <a:endParaRPr lang="en-US" altLang="zh-CN" dirty="0"/>
+          </a:p>
+          <a:p>
+            <a:pPr marL="0" indent="0">
+              <a:buNone/>
+            </a:pPr>
+            <a:r>
+              <a:rPr lang="en-US" altLang="zh-CN" dirty="0" smtClean="0"/>
+              <a:t>4. Can we change the following grammar to the LL(1) type? If yes, please write its LL(1) form. </a:t>
+            </a:r>
+            <a:endParaRPr lang="en-US" altLang="zh-CN" dirty="0"/>
+          </a:p>
+        </p:txBody>
+      </p:sp>
+      <p:graphicFrame>
+        <p:nvGraphicFramePr>
+          <p:cNvPr id="4" name="对象 3"/>
+          <p:cNvGraphicFramePr>
+            <a:graphicFrameLocks noChangeAspect="1"/>
+          </p:cNvGraphicFramePr>
+          <p:nvPr>
+            <p:extLst>
+              <p:ext uri="{D42A27DB-BD31-4B8C-83A1-F6EECF244321}">
+                <p14:modId xmlns:p14="http://schemas.microsoft.com/office/powerpoint/2010/main" val="3435192480"/>
+              </p:ext>
+            </p:extLst>
+          </p:nvPr>
+        </p:nvGraphicFramePr>
+        <p:xfrm>
+          <a:off x="3331482" y="1600200"/>
+          <a:ext cx="1273175" cy="1198731"/>
+        </p:xfrm>
+        <a:graphic>
+          <a:graphicData uri="http://schemas.openxmlformats.org/presentationml/2006/ole">
+            <mc:AlternateContent xmlns:mc="http://schemas.openxmlformats.org/markup-compatibility/2006">
+              <mc:Choice xmlns:v="urn:schemas-microsoft-com:vml" Requires="v">
+                <p:oleObj spid="_x0000_s24599" name="Equation" r:id="rId3" imgW="647640" imgH="634680" progId="Equation.DSMT4">
+                  <p:embed/>
+                </p:oleObj>
+              </mc:Choice>
+              <mc:Fallback>
+                <p:oleObj name="Equation" r:id="rId3" imgW="647640" imgH="634680" progId="Equation.DSMT4">
+                  <p:embed/>
+                  <p:pic>
+                    <p:nvPicPr>
+                      <p:cNvPr id="0" name=""/>
+                      <p:cNvPicPr/>
+                      <p:nvPr/>
+                    </p:nvPicPr>
+                    <p:blipFill>
+                      <a:blip r:embed="rId4"/>
+                      <a:stretch>
+                        <a:fillRect/>
+                      </a:stretch>
+                    </p:blipFill>
+                    <p:spPr>
+                      <a:xfrm>
+                        <a:off x="3331482" y="1600200"/>
+                        <a:ext cx="1273175" cy="1198731"/>
+                      </a:xfrm>
+                      <a:prstGeom prst="rect">
+                        <a:avLst/>
+                      </a:prstGeom>
+                    </p:spPr>
+                  </p:pic>
+                </p:oleObj>
+              </mc:Fallback>
+            </mc:AlternateContent>
+          </a:graphicData>
+        </a:graphic>
+      </p:graphicFrame>
+      <p:graphicFrame>
+        <p:nvGraphicFramePr>
+          <p:cNvPr id="5" name="对象 4"/>
+          <p:cNvGraphicFramePr>
+            <a:graphicFrameLocks noChangeAspect="1"/>
+          </p:cNvGraphicFramePr>
+          <p:nvPr>
+            <p:extLst>
+              <p:ext uri="{D42A27DB-BD31-4B8C-83A1-F6EECF244321}">
+                <p14:modId xmlns:p14="http://schemas.microsoft.com/office/powerpoint/2010/main" val="1569101733"/>
+              </p:ext>
+            </p:extLst>
+          </p:nvPr>
+        </p:nvGraphicFramePr>
+        <p:xfrm>
+          <a:off x="4769984" y="3144610"/>
+          <a:ext cx="898525" cy="287338"/>
+        </p:xfrm>
+        <a:graphic>
+          <a:graphicData uri="http://schemas.openxmlformats.org/presentationml/2006/ole">
+            <mc:AlternateContent xmlns:mc="http://schemas.openxmlformats.org/markup-compatibility/2006">
+              <mc:Choice xmlns:v="urn:schemas-microsoft-com:vml" Requires="v">
+                <p:oleObj spid="_x0000_s24600" name="Equation" r:id="rId5" imgW="457200" imgH="152280" progId="Equation.DSMT4">
+                  <p:embed/>
+                </p:oleObj>
+              </mc:Choice>
+              <mc:Fallback>
+                <p:oleObj name="Equation" r:id="rId5" imgW="457200" imgH="152280" progId="Equation.DSMT4">
+                  <p:embed/>
+                  <p:pic>
+                    <p:nvPicPr>
+                      <p:cNvPr id="0" name=""/>
+                      <p:cNvPicPr/>
+                      <p:nvPr/>
+                    </p:nvPicPr>
+                    <p:blipFill>
+                      <a:blip r:embed="rId6"/>
+                      <a:stretch>
+                        <a:fillRect/>
+                      </a:stretch>
+                    </p:blipFill>
+                    <p:spPr>
+                      <a:xfrm>
+                        <a:off x="4769984" y="3144610"/>
+                        <a:ext cx="898525" cy="287338"/>
+                      </a:xfrm>
+                      <a:prstGeom prst="rect">
+                        <a:avLst/>
+                      </a:prstGeom>
+                    </p:spPr>
+                  </p:pic>
+                </p:oleObj>
+              </mc:Fallback>
+            </mc:AlternateContent>
+          </a:graphicData>
+        </a:graphic>
+      </p:graphicFrame>
+      <p:graphicFrame>
+        <p:nvGraphicFramePr>
+          <p:cNvPr id="6" name="对象 5"/>
+          <p:cNvGraphicFramePr>
+            <a:graphicFrameLocks noChangeAspect="1"/>
+          </p:cNvGraphicFramePr>
+          <p:nvPr>
+            <p:extLst>
+              <p:ext uri="{D42A27DB-BD31-4B8C-83A1-F6EECF244321}">
+                <p14:modId xmlns:p14="http://schemas.microsoft.com/office/powerpoint/2010/main" val="2768832091"/>
+              </p:ext>
+            </p:extLst>
+          </p:nvPr>
+        </p:nvGraphicFramePr>
+        <p:xfrm>
+          <a:off x="1570038" y="4567238"/>
+          <a:ext cx="2471737" cy="1820862"/>
+        </p:xfrm>
+        <a:graphic>
+          <a:graphicData uri="http://schemas.openxmlformats.org/presentationml/2006/ole">
+            <mc:AlternateContent xmlns:mc="http://schemas.openxmlformats.org/markup-compatibility/2006">
+              <mc:Choice xmlns:v="urn:schemas-microsoft-com:vml" Requires="v">
+                <p:oleObj spid="_x0000_s24601" name="Equation" r:id="rId7" imgW="1257120" imgH="965160" progId="Equation.DSMT4">
+                  <p:embed/>
+                </p:oleObj>
+              </mc:Choice>
+              <mc:Fallback>
+                <p:oleObj name="Equation" r:id="rId7" imgW="1257120" imgH="965160" progId="Equation.DSMT4">
+                  <p:embed/>
+                  <p:pic>
+                    <p:nvPicPr>
+                      <p:cNvPr id="0" name=""/>
+                      <p:cNvPicPr/>
+                      <p:nvPr/>
+                    </p:nvPicPr>
+                    <p:blipFill>
+                      <a:blip r:embed="rId8"/>
+                      <a:stretch>
+                        <a:fillRect/>
+                      </a:stretch>
+                    </p:blipFill>
+                    <p:spPr>
+                      <a:xfrm>
+                        <a:off x="1570038" y="4567238"/>
+                        <a:ext cx="2471737" cy="1820862"/>
+                      </a:xfrm>
+                      <a:prstGeom prst="rect">
+                        <a:avLst/>
+                      </a:prstGeom>
+                    </p:spPr>
+                  </p:pic>
+                </p:oleObj>
+              </mc:Fallback>
+            </mc:AlternateContent>
+          </a:graphicData>
+        </a:graphic>
+      </p:graphicFrame>
+    </p:spTree>
+    <p:extLst>
+      <p:ext uri="{BB962C8B-B14F-4D97-AF65-F5344CB8AC3E}">
+        <p14:creationId xmlns:p14="http://schemas.microsoft.com/office/powerpoint/2010/main" val="2713392020"/>
       </p:ext>
     </p:extLst>
   </p:cSld>
@@ -12014,7 +12680,7 @@
           <a:graphicData uri="http://schemas.openxmlformats.org/presentationml/2006/ole">
             <mc:AlternateContent xmlns:mc="http://schemas.openxmlformats.org/markup-compatibility/2006">
               <mc:Choice xmlns:v="urn:schemas-microsoft-com:vml" Requires="v">
-                <p:oleObj spid="_x0000_s21521" name="Visio" r:id="rId3" imgW="9303798" imgH="3634662" progId="Visio.Drawing.15">
+                <p:oleObj spid="_x0000_s21530" name="Visio" r:id="rId3" imgW="9303798" imgH="3634662" progId="Visio.Drawing.15">
                   <p:embed/>
                 </p:oleObj>
               </mc:Choice>
@@ -12355,7 +13021,7 @@
           <a:graphicData uri="http://schemas.openxmlformats.org/presentationml/2006/ole">
             <mc:AlternateContent xmlns:mc="http://schemas.openxmlformats.org/markup-compatibility/2006">
               <mc:Choice xmlns:v="urn:schemas-microsoft-com:vml" Requires="v">
-                <p:oleObj spid="_x0000_s3221" name="Equation" r:id="rId3" imgW="3022560" imgH="190440" progId="Equation.DSMT4">
+                <p:oleObj spid="_x0000_s3230" name="Equation" r:id="rId3" imgW="3022560" imgH="190440" progId="Equation.DSMT4">
                   <p:embed/>
                 </p:oleObj>
               </mc:Choice>
@@ -12570,7 +13236,7 @@
           <a:graphicData uri="http://schemas.openxmlformats.org/presentationml/2006/ole">
             <mc:AlternateContent xmlns:mc="http://schemas.openxmlformats.org/markup-compatibility/2006">
               <mc:Choice xmlns:v="urn:schemas-microsoft-com:vml" Requires="v">
-                <p:oleObj spid="_x0000_s22635" name="Equation" r:id="rId3" imgW="850680" imgH="228600" progId="Equation.DSMT4">
+                <p:oleObj spid="_x0000_s22707" name="Equation" r:id="rId3" imgW="850680" imgH="228600" progId="Equation.DSMT4">
                   <p:embed/>
                 </p:oleObj>
               </mc:Choice>
@@ -12627,7 +13293,7 @@
           <a:graphicData uri="http://schemas.openxmlformats.org/presentationml/2006/ole">
             <mc:AlternateContent xmlns:mc="http://schemas.openxmlformats.org/markup-compatibility/2006">
               <mc:Choice xmlns:v="urn:schemas-microsoft-com:vml" Requires="v">
-                <p:oleObj spid="_x0000_s22636" name="Equation" r:id="rId5" imgW="177480" imgH="177480" progId="Equation.DSMT4">
+                <p:oleObj spid="_x0000_s22708" name="Equation" r:id="rId5" imgW="177480" imgH="177480" progId="Equation.DSMT4">
                   <p:embed/>
                 </p:oleObj>
               </mc:Choice>
@@ -12684,7 +13350,7 @@
           <a:graphicData uri="http://schemas.openxmlformats.org/presentationml/2006/ole">
             <mc:AlternateContent xmlns:mc="http://schemas.openxmlformats.org/markup-compatibility/2006">
               <mc:Choice xmlns:v="urn:schemas-microsoft-com:vml" Requires="v">
-                <p:oleObj spid="_x0000_s22637" name="Equation" r:id="rId7" imgW="469800" imgH="177480" progId="Equation.DSMT4">
+                <p:oleObj spid="_x0000_s22709" name="Equation" r:id="rId7" imgW="469800" imgH="177480" progId="Equation.DSMT4">
                   <p:embed/>
                 </p:oleObj>
               </mc:Choice>
@@ -12741,7 +13407,7 @@
           <a:graphicData uri="http://schemas.openxmlformats.org/presentationml/2006/ole">
             <mc:AlternateContent xmlns:mc="http://schemas.openxmlformats.org/markup-compatibility/2006">
               <mc:Choice xmlns:v="urn:schemas-microsoft-com:vml" Requires="v">
-                <p:oleObj spid="_x0000_s22638" name="Equation" r:id="rId9" imgW="1384200" imgH="241200" progId="Equation.DSMT4">
+                <p:oleObj spid="_x0000_s22710" name="Equation" r:id="rId9" imgW="1384200" imgH="241200" progId="Equation.DSMT4">
                   <p:embed/>
                 </p:oleObj>
               </mc:Choice>
@@ -12798,7 +13464,7 @@
           <a:graphicData uri="http://schemas.openxmlformats.org/presentationml/2006/ole">
             <mc:AlternateContent xmlns:mc="http://schemas.openxmlformats.org/markup-compatibility/2006">
               <mc:Choice xmlns:v="urn:schemas-microsoft-com:vml" Requires="v">
-                <p:oleObj spid="_x0000_s22639" name="Equation" r:id="rId11" imgW="711000" imgH="228600" progId="Equation.DSMT4">
+                <p:oleObj spid="_x0000_s22711" name="Equation" r:id="rId11" imgW="711000" imgH="228600" progId="Equation.DSMT4">
                   <p:embed/>
                 </p:oleObj>
               </mc:Choice>
@@ -13046,7 +13712,7 @@
           <a:graphicData uri="http://schemas.openxmlformats.org/presentationml/2006/ole">
             <mc:AlternateContent xmlns:mc="http://schemas.openxmlformats.org/markup-compatibility/2006">
               <mc:Choice xmlns:v="urn:schemas-microsoft-com:vml" Requires="v">
-                <p:oleObj spid="_x0000_s22640" name="Equation" r:id="rId13" imgW="520560" imgH="914400" progId="Equation.DSMT4">
+                <p:oleObj spid="_x0000_s22712" name="Equation" r:id="rId13" imgW="520560" imgH="914400" progId="Equation.DSMT4">
                   <p:embed/>
                 </p:oleObj>
               </mc:Choice>
@@ -13141,7 +13807,7 @@
           <a:graphicData uri="http://schemas.openxmlformats.org/presentationml/2006/ole">
             <mc:AlternateContent xmlns:mc="http://schemas.openxmlformats.org/markup-compatibility/2006">
               <mc:Choice xmlns:v="urn:schemas-microsoft-com:vml" Requires="v">
-                <p:oleObj spid="_x0000_s22641" name="Equation" r:id="rId15" imgW="1091880" imgH="228600" progId="Equation.DSMT4">
+                <p:oleObj spid="_x0000_s22713" name="Equation" r:id="rId15" imgW="1091880" imgH="228600" progId="Equation.DSMT4">
                   <p:embed/>
                 </p:oleObj>
               </mc:Choice>
@@ -13198,7 +13864,7 @@
           <a:graphicData uri="http://schemas.openxmlformats.org/presentationml/2006/ole">
             <mc:AlternateContent xmlns:mc="http://schemas.openxmlformats.org/markup-compatibility/2006">
               <mc:Choice xmlns:v="urn:schemas-microsoft-com:vml" Requires="v">
-                <p:oleObj spid="_x0000_s22642" name="Equation" r:id="rId17" imgW="2145960" imgH="228600" progId="Equation.DSMT4">
+                <p:oleObj spid="_x0000_s22714" name="Equation" r:id="rId17" imgW="2145960" imgH="228600" progId="Equation.DSMT4">
                   <p:embed/>
                 </p:oleObj>
               </mc:Choice>
@@ -13356,7 +14022,7 @@
           <a:graphicData uri="http://schemas.openxmlformats.org/presentationml/2006/ole">
             <mc:AlternateContent xmlns:mc="http://schemas.openxmlformats.org/markup-compatibility/2006">
               <mc:Choice xmlns:v="urn:schemas-microsoft-com:vml" Requires="v">
-                <p:oleObj spid="_x0000_s9736" name="Equation" r:id="rId3" imgW="647640" imgH="177480" progId="Equation.DSMT4">
+                <p:oleObj spid="_x0000_s9781" name="Equation" r:id="rId3" imgW="647640" imgH="177480" progId="Equation.DSMT4">
                   <p:embed/>
                 </p:oleObj>
               </mc:Choice>
@@ -13900,7 +14566,7 @@
           <a:graphicData uri="http://schemas.openxmlformats.org/presentationml/2006/ole">
             <mc:AlternateContent xmlns:mc="http://schemas.openxmlformats.org/markup-compatibility/2006">
               <mc:Choice xmlns:v="urn:schemas-microsoft-com:vml" Requires="v">
-                <p:oleObj spid="_x0000_s9737" name="Equation" r:id="rId5" imgW="126720" imgH="139680" progId="Equation.DSMT4">
+                <p:oleObj spid="_x0000_s9782" name="Equation" r:id="rId5" imgW="126720" imgH="139680" progId="Equation.DSMT4">
                   <p:embed/>
                 </p:oleObj>
               </mc:Choice>
@@ -13957,7 +14623,7 @@
           <a:graphicData uri="http://schemas.openxmlformats.org/presentationml/2006/ole">
             <mc:AlternateContent xmlns:mc="http://schemas.openxmlformats.org/markup-compatibility/2006">
               <mc:Choice xmlns:v="urn:schemas-microsoft-com:vml" Requires="v">
-                <p:oleObj spid="_x0000_s9738" name="Equation" r:id="rId7" imgW="1041120" imgH="228600" progId="Equation.DSMT4">
+                <p:oleObj spid="_x0000_s9783" name="Equation" r:id="rId7" imgW="1041120" imgH="228600" progId="Equation.DSMT4">
                   <p:embed/>
                 </p:oleObj>
               </mc:Choice>
@@ -14014,7 +14680,7 @@
           <a:graphicData uri="http://schemas.openxmlformats.org/presentationml/2006/ole">
             <mc:AlternateContent xmlns:mc="http://schemas.openxmlformats.org/markup-compatibility/2006">
               <mc:Choice xmlns:v="urn:schemas-microsoft-com:vml" Requires="v">
-                <p:oleObj spid="_x0000_s9739" name="Equation" r:id="rId9" imgW="444240" imgH="177480" progId="Equation.DSMT4">
+                <p:oleObj spid="_x0000_s9784" name="Equation" r:id="rId9" imgW="444240" imgH="177480" progId="Equation.DSMT4">
                   <p:embed/>
                 </p:oleObj>
               </mc:Choice>
@@ -14071,7 +14737,7 @@
           <a:graphicData uri="http://schemas.openxmlformats.org/presentationml/2006/ole">
             <mc:AlternateContent xmlns:mc="http://schemas.openxmlformats.org/markup-compatibility/2006">
               <mc:Choice xmlns:v="urn:schemas-microsoft-com:vml" Requires="v">
-                <p:oleObj spid="_x0000_s9740" name="Equation" r:id="rId11" imgW="126720" imgH="139680" progId="Equation.DSMT4">
+                <p:oleObj spid="_x0000_s9785" name="Equation" r:id="rId11" imgW="126720" imgH="139680" progId="Equation.DSMT4">
                   <p:embed/>
                 </p:oleObj>
               </mc:Choice>
@@ -14502,7 +15168,7 @@
           <a:graphicData uri="http://schemas.openxmlformats.org/presentationml/2006/ole">
             <mc:AlternateContent xmlns:mc="http://schemas.openxmlformats.org/markup-compatibility/2006">
               <mc:Choice xmlns:v="urn:schemas-microsoft-com:vml" Requires="v">
-                <p:oleObj spid="_x0000_s10323" name="Equation" r:id="rId3" imgW="469800" imgH="164880" progId="Equation.DSMT4">
+                <p:oleObj spid="_x0000_s10332" name="Equation" r:id="rId3" imgW="469800" imgH="164880" progId="Equation.DSMT4">
                   <p:embed/>
                 </p:oleObj>
               </mc:Choice>
@@ -15377,6 +16043,15 @@
 </file>
 
 <file path=customXml/item1.xml><?xml version="1.0" encoding="utf-8"?>
+<?mso-contentType ?>
+<FormTemplates xmlns="http://schemas.microsoft.com/sharepoint/v3/contenttype/forms">
+  <Display>DocumentLibraryForm</Display>
+  <Edit>AssetEditForm</Edit>
+  <New>DocumentLibraryForm</New>
+</FormTemplates>
+</file>
+
+<file path=customXml/item2.xml><?xml version="1.0" encoding="utf-8"?>
 <p:properties xmlns:p="http://schemas.microsoft.com/office/2006/metadata/properties" xmlns:xsi="http://www.w3.org/2001/XMLSchema-instance" xmlns:pc="http://schemas.microsoft.com/office/infopath/2007/PartnerControls">
   <documentManagement>
     <APDescription xmlns="4873beb7-5857-4685-be1f-d57550cc96cc" xsi:nil="true"/>
@@ -15500,15 +16175,6 @@
     <UANotes xmlns="4873beb7-5857-4685-be1f-d57550cc96cc" xsi:nil="true"/>
   </documentManagement>
 </p:properties>
-</file>
-
-<file path=customXml/item2.xml><?xml version="1.0" encoding="utf-8"?>
-<?mso-contentType ?>
-<FormTemplates xmlns="http://schemas.microsoft.com/sharepoint/v3/contenttype/forms">
-  <Display>DocumentLibraryForm</Display>
-  <Edit>AssetEditForm</Edit>
-  <New>DocumentLibraryForm</New>
-</FormTemplates>
 </file>
 
 <file path=customXml/item3.xml><?xml version="1.0" encoding="utf-8"?>
@@ -16552,6 +17218,14 @@
 </file>
 
 <file path=customXml/itemProps1.xml><?xml version="1.0" encoding="utf-8"?>
+<ds:datastoreItem xmlns:ds="http://schemas.openxmlformats.org/officeDocument/2006/customXml" ds:itemID="{561E720F-F05D-4536-9C34-0CFCED65D3B7}">
+  <ds:schemaRefs>
+    <ds:schemaRef ds:uri="http://schemas.microsoft.com/sharepoint/v3/contenttype/forms"/>
+  </ds:schemaRefs>
+</ds:datastoreItem>
+</file>
+
+<file path=customXml/itemProps2.xml><?xml version="1.0" encoding="utf-8"?>
 <ds:datastoreItem xmlns:ds="http://schemas.openxmlformats.org/officeDocument/2006/customXml" ds:itemID="{8CDDBB83-77C1-4099-A0AA-289882E745E2}">
   <ds:schemaRefs>
     <ds:schemaRef ds:uri="http://schemas.microsoft.com/office/infopath/2007/PartnerControls"/>
@@ -16563,14 +17237,6 @@
     <ds:schemaRef ds:uri="http://schemas.openxmlformats.org/package/2006/metadata/core-properties"/>
     <ds:schemaRef ds:uri="http://schemas.microsoft.com/office/2006/metadata/properties"/>
     <ds:schemaRef ds:uri="http://www.w3.org/XML/1998/namespace"/>
-  </ds:schemaRefs>
-</ds:datastoreItem>
-</file>
-
-<file path=customXml/itemProps2.xml><?xml version="1.0" encoding="utf-8"?>
-<ds:datastoreItem xmlns:ds="http://schemas.openxmlformats.org/officeDocument/2006/customXml" ds:itemID="{561E720F-F05D-4536-9C34-0CFCED65D3B7}">
-  <ds:schemaRefs>
-    <ds:schemaRef ds:uri="http://schemas.microsoft.com/sharepoint/v3/contenttype/forms"/>
   </ds:schemaRefs>
 </ds:datastoreItem>
 </file>

--- a/course/compiler/LectureNotes/(Spring2017)Lecture4.pptx
+++ b/course/compiler/LectureNotes/(Spring2017)Lecture4.pptx
@@ -5,10 +5,10 @@
     <p:sldMasterId id="2147483648" r:id="rId4"/>
   </p:sldMasterIdLst>
   <p:notesMasterIdLst>
-    <p:notesMasterId r:id="rId34"/>
+    <p:notesMasterId r:id="rId37"/>
   </p:notesMasterIdLst>
   <p:handoutMasterIdLst>
-    <p:handoutMasterId r:id="rId35"/>
+    <p:handoutMasterId r:id="rId38"/>
   </p:handoutMasterIdLst>
   <p:sldIdLst>
     <p:sldId id="256" r:id="rId5"/>
@@ -38,8 +38,11 @@
     <p:sldId id="291" r:id="rId29"/>
     <p:sldId id="292" r:id="rId30"/>
     <p:sldId id="293" r:id="rId31"/>
-    <p:sldId id="294" r:id="rId32"/>
-    <p:sldId id="295" r:id="rId33"/>
+    <p:sldId id="296" r:id="rId32"/>
+    <p:sldId id="297" r:id="rId33"/>
+    <p:sldId id="298" r:id="rId34"/>
+    <p:sldId id="294" r:id="rId35"/>
+    <p:sldId id="295" r:id="rId36"/>
   </p:sldIdLst>
   <p:sldSz cx="9144000" cy="6858000" type="screen4x3"/>
   <p:notesSz cx="6858000" cy="9144000"/>
@@ -255,7 +258,7 @@
                 <a:ea typeface="微软雅黑" panose="020B0503020204020204" pitchFamily="34" charset="-122"/>
               </a:rPr>
               <a:pPr algn="r" rtl="0"/>
-              <a:t>2017/5/6</a:t>
+              <a:t>2017/5/7</a:t>
             </a:fld>
             <a:endParaRPr lang="zh-CN" altLang="en-US" dirty="0">
               <a:latin typeface="微软雅黑" panose="020B0503020204020204" pitchFamily="34" charset="-122"/>
@@ -442,7 +445,7 @@
             <a:fld id="{229B22C3-6CB1-491B-AD00-E0837F23A3F3}" type="datetime1">
               <a:rPr lang="zh-CN" altLang="en-US" smtClean="0"/>
               <a:pPr/>
-              <a:t>2017/5/6</a:t>
+              <a:t>2017/5/7</a:t>
             </a:fld>
             <a:endParaRPr lang="zh-CN" altLang="en-US" dirty="0"/>
           </a:p>
@@ -1038,7 +1041,7 @@
             <a:fld id="{A7392AAC-879E-4B39-8824-AF6B730A809E}" type="datetime1">
               <a:rPr lang="zh-CN" altLang="en-US" smtClean="0"/>
               <a:pPr/>
-              <a:t>2017/5/6</a:t>
+              <a:t>2017/5/7</a:t>
             </a:fld>
             <a:endParaRPr lang="zh-CN" altLang="en-US" dirty="0"/>
           </a:p>
@@ -1379,7 +1382,7 @@
             <a:fld id="{7118C275-B304-48F5-8C4F-015CBCF4E7C1}" type="datetime1">
               <a:rPr lang="zh-CN" altLang="en-US" smtClean="0"/>
               <a:pPr/>
-              <a:t>2017/5/6</a:t>
+              <a:t>2017/5/7</a:t>
             </a:fld>
             <a:r>
               <a:rPr lang="zh-CN" altLang="en-US" dirty="0"/>
@@ -1585,7 +1588,7 @@
             <a:fld id="{98791AA9-DDCB-4BA8-AD1D-963A3AA00622}" type="datetime1">
               <a:rPr lang="zh-CN" altLang="en-US" smtClean="0"/>
               <a:pPr/>
-              <a:t>2017/5/6</a:t>
+              <a:t>2017/5/7</a:t>
             </a:fld>
             <a:endParaRPr lang="zh-CN" altLang="en-US" dirty="0"/>
           </a:p>
@@ -1789,7 +1792,7 @@
             <a:fld id="{9170426F-E661-472B-BE42-25E072CD46D9}" type="datetime1">
               <a:rPr lang="zh-CN" altLang="en-US" smtClean="0"/>
               <a:pPr/>
-              <a:t>2017/5/6</a:t>
+              <a:t>2017/5/7</a:t>
             </a:fld>
             <a:endParaRPr lang="zh-CN" altLang="en-US" dirty="0"/>
           </a:p>
@@ -2111,7 +2114,7 @@
             <a:fld id="{9BA78444-6099-4C0A-A3A9-C6F3C5D7F289}" type="datetime1">
               <a:rPr lang="zh-CN" altLang="en-US" smtClean="0"/>
               <a:pPr/>
-              <a:t>2017/5/6</a:t>
+              <a:t>2017/5/7</a:t>
             </a:fld>
             <a:endParaRPr lang="zh-CN" altLang="en-US" dirty="0"/>
           </a:p>
@@ -3223,7 +3226,7 @@
             <a:fld id="{AF5F6A19-70BF-4380-9A40-68C9536408C6}" type="datetime1">
               <a:rPr lang="zh-CN" altLang="en-US" smtClean="0"/>
               <a:pPr/>
-              <a:t>2017/5/6</a:t>
+              <a:t>2017/5/7</a:t>
             </a:fld>
             <a:endParaRPr lang="zh-CN" altLang="en-US" dirty="0"/>
           </a:p>
@@ -3622,7 +3625,7 @@
             <a:fld id="{6017EB90-196C-4C15-BD31-13E0E0436C73}" type="datetime1">
               <a:rPr lang="zh-CN" altLang="en-US" smtClean="0"/>
               <a:pPr/>
-              <a:t>2017/5/6</a:t>
+              <a:t>2017/5/7</a:t>
             </a:fld>
             <a:r>
               <a:rPr lang="zh-CN" altLang="en-US" dirty="0"/>
@@ -4104,7 +4107,7 @@
             <a:fld id="{C2EC0F41-B48F-4298-A7F6-618EB9D22195}" type="datetime1">
               <a:rPr lang="zh-CN" altLang="en-US" smtClean="0"/>
               <a:pPr/>
-              <a:t>2017/5/6</a:t>
+              <a:t>2017/5/7</a:t>
             </a:fld>
             <a:endParaRPr lang="zh-CN" altLang="en-US" dirty="0"/>
           </a:p>
@@ -4255,7 +4258,7 @@
             <a:fld id="{7DB2D836-56E8-4B15-857C-14B1A5B3B67B}" type="datetime1">
               <a:rPr lang="zh-CN" altLang="en-US" smtClean="0"/>
               <a:pPr/>
-              <a:t>2017/5/6</a:t>
+              <a:t>2017/5/7</a:t>
             </a:fld>
             <a:endParaRPr lang="zh-CN" altLang="en-US" dirty="0"/>
           </a:p>
@@ -4373,7 +4376,7 @@
             <a:fld id="{038D929F-7D8C-4CC3-8AC7-BB9B8FE2DEBF}" type="datetime1">
               <a:rPr lang="zh-CN" altLang="en-US" smtClean="0"/>
               <a:pPr/>
-              <a:t>2017/5/6</a:t>
+              <a:t>2017/5/7</a:t>
             </a:fld>
             <a:endParaRPr lang="zh-CN" altLang="en-US" dirty="0"/>
           </a:p>
@@ -4676,7 +4679,7 @@
             <a:fld id="{F7892ACC-8BC8-4C9E-9D2B-0669DA5038B6}" type="datetime1">
               <a:rPr lang="zh-CN" altLang="en-US" smtClean="0"/>
               <a:pPr/>
-              <a:t>2017/5/6</a:t>
+              <a:t>2017/5/7</a:t>
             </a:fld>
             <a:endParaRPr lang="zh-CN" altLang="en-US" dirty="0"/>
           </a:p>
@@ -4942,7 +4945,7 @@
             <a:fld id="{660B6A15-7713-4A08-BBFD-F297CCC2B976}" type="datetime1">
               <a:rPr lang="zh-CN" altLang="en-US" smtClean="0"/>
               <a:pPr/>
-              <a:t>2017/5/6</a:t>
+              <a:t>2017/5/7</a:t>
             </a:fld>
             <a:r>
               <a:rPr lang="zh-CN" altLang="en-US" dirty="0"/>
@@ -5663,8 +5666,12 @@
           <a:lstStyle/>
           <a:p>
             <a:r>
+              <a:rPr lang="en-US" altLang="zh-CN" dirty="0" smtClean="0"/>
+              <a:t>4.3 </a:t>
+            </a:r>
+            <a:r>
               <a:rPr lang="en-US" altLang="zh-CN" dirty="0"/>
-              <a:t>3.3 Write Grammar for Top-Down Parsing</a:t>
+              <a:t>Write Grammar for Top-Down Parsing</a:t>
             </a:r>
             <a:endParaRPr lang="zh-CN" altLang="en-US" dirty="0"/>
           </a:p>
@@ -5768,7 +5775,7 @@
           <a:graphicData uri="http://schemas.openxmlformats.org/presentationml/2006/ole">
             <mc:AlternateContent xmlns:mc="http://schemas.openxmlformats.org/markup-compatibility/2006">
               <mc:Choice xmlns:v="urn:schemas-microsoft-com:vml" Requires="v">
-                <p:oleObj spid="_x0000_s11601" name="Equation" r:id="rId3" imgW="533160" imgH="634680" progId="Equation.DSMT4">
+                <p:oleObj spid="_x0000_s11637" name="Equation" r:id="rId3" imgW="533160" imgH="634680" progId="Equation.DSMT4">
                   <p:embed/>
                 </p:oleObj>
               </mc:Choice>
@@ -5865,7 +5872,7 @@
           <a:graphicData uri="http://schemas.openxmlformats.org/presentationml/2006/ole">
             <mc:AlternateContent xmlns:mc="http://schemas.openxmlformats.org/markup-compatibility/2006">
               <mc:Choice xmlns:v="urn:schemas-microsoft-com:vml" Requires="v">
-                <p:oleObj spid="_x0000_s11602" name="Equation" r:id="rId5" imgW="660240" imgH="482400" progId="Equation.DSMT4">
+                <p:oleObj spid="_x0000_s11638" name="Equation" r:id="rId5" imgW="660240" imgH="482400" progId="Equation.DSMT4">
                   <p:embed/>
                 </p:oleObj>
               </mc:Choice>
@@ -5922,7 +5929,7 @@
           <a:graphicData uri="http://schemas.openxmlformats.org/presentationml/2006/ole">
             <mc:AlternateContent xmlns:mc="http://schemas.openxmlformats.org/markup-compatibility/2006">
               <mc:Choice xmlns:v="urn:schemas-microsoft-com:vml" Requires="v">
-                <p:oleObj spid="_x0000_s11603" name="Equation" r:id="rId7" imgW="1549080" imgH="482400" progId="Equation.DSMT4">
+                <p:oleObj spid="_x0000_s11639" name="Equation" r:id="rId7" imgW="1549080" imgH="482400" progId="Equation.DSMT4">
                   <p:embed/>
                 </p:oleObj>
               </mc:Choice>
@@ -6019,7 +6026,7 @@
           <a:graphicData uri="http://schemas.openxmlformats.org/presentationml/2006/ole">
             <mc:AlternateContent xmlns:mc="http://schemas.openxmlformats.org/markup-compatibility/2006">
               <mc:Choice xmlns:v="urn:schemas-microsoft-com:vml" Requires="v">
-                <p:oleObj spid="_x0000_s11604" name="Equation" r:id="rId9" imgW="2819160" imgH="812520" progId="Equation.DSMT4">
+                <p:oleObj spid="_x0000_s11640" name="Equation" r:id="rId9" imgW="2819160" imgH="812520" progId="Equation.DSMT4">
                   <p:embed/>
                 </p:oleObj>
               </mc:Choice>
@@ -6178,8 +6185,12 @@
           <a:lstStyle/>
           <a:p>
             <a:r>
+              <a:rPr lang="en-US" altLang="zh-CN" dirty="0" smtClean="0"/>
+              <a:t>4.3 </a:t>
+            </a:r>
+            <a:r>
               <a:rPr lang="en-US" altLang="zh-CN" dirty="0"/>
-              <a:t>3.3 Write Grammar for Top-Down Parsing</a:t>
+              <a:t>Write Grammar for Top-Down Parsing</a:t>
             </a:r>
             <a:endParaRPr lang="zh-CN" altLang="en-US" dirty="0"/>
           </a:p>
@@ -6314,7 +6325,7 @@
           <a:graphicData uri="http://schemas.openxmlformats.org/presentationml/2006/ole">
             <mc:AlternateContent xmlns:mc="http://schemas.openxmlformats.org/markup-compatibility/2006">
               <mc:Choice xmlns:v="urn:schemas-microsoft-com:vml" Requires="v">
-                <p:oleObj spid="_x0000_s12962" name="Equation" r:id="rId3" imgW="469800" imgH="164880" progId="Equation.DSMT4">
+                <p:oleObj spid="_x0000_s13043" name="Equation" r:id="rId3" imgW="469800" imgH="164880" progId="Equation.DSMT4">
                   <p:embed/>
                 </p:oleObj>
               </mc:Choice>
@@ -6454,7 +6465,7 @@
           <a:graphicData uri="http://schemas.openxmlformats.org/presentationml/2006/ole">
             <mc:AlternateContent xmlns:mc="http://schemas.openxmlformats.org/markup-compatibility/2006">
               <mc:Choice xmlns:v="urn:schemas-microsoft-com:vml" Requires="v">
-                <p:oleObj spid="_x0000_s12963" name="Equation" r:id="rId6" imgW="558720" imgH="152280" progId="Equation.DSMT4">
+                <p:oleObj spid="_x0000_s13044" name="Equation" r:id="rId6" imgW="558720" imgH="152280" progId="Equation.DSMT4">
                   <p:embed/>
                 </p:oleObj>
               </mc:Choice>
@@ -6511,7 +6522,7 @@
           <a:graphicData uri="http://schemas.openxmlformats.org/presentationml/2006/ole">
             <mc:AlternateContent xmlns:mc="http://schemas.openxmlformats.org/markup-compatibility/2006">
               <mc:Choice xmlns:v="urn:schemas-microsoft-com:vml" Requires="v">
-                <p:oleObj spid="_x0000_s12964" name="Equation" r:id="rId8" imgW="419040" imgH="139680" progId="Equation.DSMT4">
+                <p:oleObj spid="_x0000_s13045" name="Equation" r:id="rId8" imgW="419040" imgH="139680" progId="Equation.DSMT4">
                   <p:embed/>
                 </p:oleObj>
               </mc:Choice>
@@ -6568,7 +6579,7 @@
           <a:graphicData uri="http://schemas.openxmlformats.org/presentationml/2006/ole">
             <mc:AlternateContent xmlns:mc="http://schemas.openxmlformats.org/markup-compatibility/2006">
               <mc:Choice xmlns:v="urn:schemas-microsoft-com:vml" Requires="v">
-                <p:oleObj spid="_x0000_s12965" name="Equation" r:id="rId10" imgW="596880" imgH="330120" progId="Equation.DSMT4">
+                <p:oleObj spid="_x0000_s13046" name="Equation" r:id="rId10" imgW="596880" imgH="330120" progId="Equation.DSMT4">
                   <p:embed/>
                 </p:oleObj>
               </mc:Choice>
@@ -6665,7 +6676,7 @@
           <a:graphicData uri="http://schemas.openxmlformats.org/presentationml/2006/ole">
             <mc:AlternateContent xmlns:mc="http://schemas.openxmlformats.org/markup-compatibility/2006">
               <mc:Choice xmlns:v="urn:schemas-microsoft-com:vml" Requires="v">
-                <p:oleObj spid="_x0000_s12966" name="Equation" r:id="rId12" imgW="1625400" imgH="177480" progId="Equation.DSMT4">
+                <p:oleObj spid="_x0000_s13047" name="Equation" r:id="rId12" imgW="1625400" imgH="177480" progId="Equation.DSMT4">
                   <p:embed/>
                 </p:oleObj>
               </mc:Choice>
@@ -6722,7 +6733,7 @@
           <a:graphicData uri="http://schemas.openxmlformats.org/presentationml/2006/ole">
             <mc:AlternateContent xmlns:mc="http://schemas.openxmlformats.org/markup-compatibility/2006">
               <mc:Choice xmlns:v="urn:schemas-microsoft-com:vml" Requires="v">
-                <p:oleObj spid="_x0000_s12967" name="Equation" r:id="rId14" imgW="1307880" imgH="342720" progId="Equation.DSMT4">
+                <p:oleObj spid="_x0000_s13048" name="Equation" r:id="rId14" imgW="1307880" imgH="342720" progId="Equation.DSMT4">
                   <p:embed/>
                 </p:oleObj>
               </mc:Choice>
@@ -6819,7 +6830,7 @@
           <a:graphicData uri="http://schemas.openxmlformats.org/presentationml/2006/ole">
             <mc:AlternateContent xmlns:mc="http://schemas.openxmlformats.org/markup-compatibility/2006">
               <mc:Choice xmlns:v="urn:schemas-microsoft-com:vml" Requires="v">
-                <p:oleObj spid="_x0000_s12968" name="Equation" r:id="rId16" imgW="533160" imgH="634680" progId="Equation.DSMT4">
+                <p:oleObj spid="_x0000_s13049" name="Equation" r:id="rId16" imgW="533160" imgH="634680" progId="Equation.DSMT4">
                   <p:embed/>
                 </p:oleObj>
               </mc:Choice>
@@ -6916,7 +6927,7 @@
           <a:graphicData uri="http://schemas.openxmlformats.org/presentationml/2006/ole">
             <mc:AlternateContent xmlns:mc="http://schemas.openxmlformats.org/markup-compatibility/2006">
               <mc:Choice xmlns:v="urn:schemas-microsoft-com:vml" Requires="v">
-                <p:oleObj spid="_x0000_s12969" name="Equation" r:id="rId18" imgW="660240" imgH="482400" progId="Equation.DSMT4">
+                <p:oleObj spid="_x0000_s13050" name="Equation" r:id="rId18" imgW="660240" imgH="482400" progId="Equation.DSMT4">
                   <p:embed/>
                 </p:oleObj>
               </mc:Choice>
@@ -7013,7 +7024,7 @@
           <a:graphicData uri="http://schemas.openxmlformats.org/presentationml/2006/ole">
             <mc:AlternateContent xmlns:mc="http://schemas.openxmlformats.org/markup-compatibility/2006">
               <mc:Choice xmlns:v="urn:schemas-microsoft-com:vml" Requires="v">
-                <p:oleObj spid="_x0000_s12970" name="Equation" r:id="rId20" imgW="647640" imgH="812520" progId="Equation.DSMT4">
+                <p:oleObj spid="_x0000_s13051" name="Equation" r:id="rId20" imgW="647640" imgH="812520" progId="Equation.DSMT4">
                   <p:embed/>
                 </p:oleObj>
               </mc:Choice>
@@ -7189,8 +7200,12 @@
           <a:lstStyle/>
           <a:p>
             <a:r>
+              <a:rPr lang="en-US" altLang="zh-CN" dirty="0" smtClean="0"/>
+              <a:t>4.3 </a:t>
+            </a:r>
+            <a:r>
               <a:rPr lang="en-US" altLang="zh-CN" dirty="0"/>
-              <a:t>3.3 Write Grammar for Top-Down Parsing</a:t>
+              <a:t>Write Grammar for Top-Down Parsing</a:t>
             </a:r>
             <a:endParaRPr lang="zh-CN" altLang="en-US" dirty="0"/>
           </a:p>
@@ -7292,7 +7307,7 @@
           <a:graphicData uri="http://schemas.openxmlformats.org/presentationml/2006/ole">
             <mc:AlternateContent xmlns:mc="http://schemas.openxmlformats.org/markup-compatibility/2006">
               <mc:Choice xmlns:v="urn:schemas-microsoft-com:vml" Requires="v">
-                <p:oleObj spid="_x0000_s13614" name="Equation" r:id="rId3" imgW="596880" imgH="330120" progId="Equation.DSMT4">
+                <p:oleObj spid="_x0000_s13650" name="Equation" r:id="rId3" imgW="596880" imgH="330120" progId="Equation.DSMT4">
                   <p:embed/>
                 </p:oleObj>
               </mc:Choice>
@@ -7349,7 +7364,7 @@
           <a:graphicData uri="http://schemas.openxmlformats.org/presentationml/2006/ole">
             <mc:AlternateContent xmlns:mc="http://schemas.openxmlformats.org/markup-compatibility/2006">
               <mc:Choice xmlns:v="urn:schemas-microsoft-com:vml" Requires="v">
-                <p:oleObj spid="_x0000_s13615" name="Equation" r:id="rId5" imgW="723600" imgH="139680" progId="Equation.DSMT4">
+                <p:oleObj spid="_x0000_s13651" name="Equation" r:id="rId5" imgW="723600" imgH="139680" progId="Equation.DSMT4">
                   <p:embed/>
                 </p:oleObj>
               </mc:Choice>
@@ -7406,7 +7421,7 @@
           <a:graphicData uri="http://schemas.openxmlformats.org/presentationml/2006/ole">
             <mc:AlternateContent xmlns:mc="http://schemas.openxmlformats.org/markup-compatibility/2006">
               <mc:Choice xmlns:v="urn:schemas-microsoft-com:vml" Requires="v">
-                <p:oleObj spid="_x0000_s13616" name="Equation" r:id="rId7" imgW="406080" imgH="164880" progId="Equation.DSMT4">
+                <p:oleObj spid="_x0000_s13652" name="Equation" r:id="rId7" imgW="406080" imgH="164880" progId="Equation.DSMT4">
                   <p:embed/>
                 </p:oleObj>
               </mc:Choice>
@@ -7463,7 +7478,7 @@
           <a:graphicData uri="http://schemas.openxmlformats.org/presentationml/2006/ole">
             <mc:AlternateContent xmlns:mc="http://schemas.openxmlformats.org/markup-compatibility/2006">
               <mc:Choice xmlns:v="urn:schemas-microsoft-com:vml" Requires="v">
-                <p:oleObj spid="_x0000_s13617" name="Equation" r:id="rId9" imgW="685800" imgH="152280" progId="Equation.DSMT4">
+                <p:oleObj spid="_x0000_s13653" name="Equation" r:id="rId9" imgW="685800" imgH="152280" progId="Equation.DSMT4">
                   <p:embed/>
                 </p:oleObj>
               </mc:Choice>
@@ -7586,8 +7601,12 @@
           <a:lstStyle/>
           <a:p>
             <a:r>
+              <a:rPr lang="en-US" altLang="zh-CN" dirty="0" smtClean="0"/>
+              <a:t>4.3 </a:t>
+            </a:r>
+            <a:r>
               <a:rPr lang="en-US" altLang="zh-CN" dirty="0"/>
-              <a:t>3.3 Write Grammar for Top-Down Parsing</a:t>
+              <a:t>Write Grammar for Top-Down Parsing</a:t>
             </a:r>
             <a:endParaRPr lang="zh-CN" altLang="en-US" dirty="0"/>
           </a:p>
@@ -7675,7 +7694,7 @@
           <a:graphicData uri="http://schemas.openxmlformats.org/presentationml/2006/ole">
             <mc:AlternateContent xmlns:mc="http://schemas.openxmlformats.org/markup-compatibility/2006">
               <mc:Choice xmlns:v="urn:schemas-microsoft-com:vml" Requires="v">
-                <p:oleObj spid="_x0000_s14703" name="Equation" r:id="rId3" imgW="1549080" imgH="330120" progId="Equation.DSMT4">
+                <p:oleObj spid="_x0000_s14748" name="Equation" r:id="rId3" imgW="1549080" imgH="330120" progId="Equation.DSMT4">
                   <p:embed/>
                 </p:oleObj>
               </mc:Choice>
@@ -7732,7 +7751,7 @@
           <a:graphicData uri="http://schemas.openxmlformats.org/presentationml/2006/ole">
             <mc:AlternateContent xmlns:mc="http://schemas.openxmlformats.org/markup-compatibility/2006">
               <mc:Choice xmlns:v="urn:schemas-microsoft-com:vml" Requires="v">
-                <p:oleObj spid="_x0000_s14704" name="Equation" r:id="rId5" imgW="622080" imgH="177480" progId="Equation.DSMT4">
+                <p:oleObj spid="_x0000_s14749" name="Equation" r:id="rId5" imgW="622080" imgH="177480" progId="Equation.DSMT4">
                   <p:embed/>
                 </p:oleObj>
               </mc:Choice>
@@ -7829,7 +7848,7 @@
           <a:graphicData uri="http://schemas.openxmlformats.org/presentationml/2006/ole">
             <mc:AlternateContent xmlns:mc="http://schemas.openxmlformats.org/markup-compatibility/2006">
               <mc:Choice xmlns:v="urn:schemas-microsoft-com:vml" Requires="v">
-                <p:oleObj spid="_x0000_s14705" name="Equation" r:id="rId7" imgW="571320" imgH="330120" progId="Equation.DSMT4">
+                <p:oleObj spid="_x0000_s14750" name="Equation" r:id="rId7" imgW="571320" imgH="330120" progId="Equation.DSMT4">
                   <p:embed/>
                 </p:oleObj>
               </mc:Choice>
@@ -7886,7 +7905,7 @@
           <a:graphicData uri="http://schemas.openxmlformats.org/presentationml/2006/ole">
             <mc:AlternateContent xmlns:mc="http://schemas.openxmlformats.org/markup-compatibility/2006">
               <mc:Choice xmlns:v="urn:schemas-microsoft-com:vml" Requires="v">
-                <p:oleObj spid="_x0000_s14706" name="Equation" r:id="rId9" imgW="1143000" imgH="177480" progId="Equation.DSMT4">
+                <p:oleObj spid="_x0000_s14751" name="Equation" r:id="rId9" imgW="1143000" imgH="177480" progId="Equation.DSMT4">
                   <p:embed/>
                 </p:oleObj>
               </mc:Choice>
@@ -7983,7 +8002,7 @@
           <a:graphicData uri="http://schemas.openxmlformats.org/presentationml/2006/ole">
             <mc:AlternateContent xmlns:mc="http://schemas.openxmlformats.org/markup-compatibility/2006">
               <mc:Choice xmlns:v="urn:schemas-microsoft-com:vml" Requires="v">
-                <p:oleObj spid="_x0000_s14707" name="Equation" r:id="rId11" imgW="825480" imgH="330120" progId="Equation.DSMT4">
+                <p:oleObj spid="_x0000_s14752" name="Equation" r:id="rId11" imgW="825480" imgH="330120" progId="Equation.DSMT4">
                   <p:embed/>
                 </p:oleObj>
               </mc:Choice>
@@ -8076,8 +8095,12 @@
           <a:lstStyle/>
           <a:p>
             <a:r>
+              <a:rPr lang="en-US" altLang="zh-CN" dirty="0" smtClean="0"/>
+              <a:t>4.4 </a:t>
+            </a:r>
+            <a:r>
               <a:rPr lang="en-US" altLang="zh-CN" dirty="0"/>
-              <a:t>3.4 Recursive-Descent Parsing</a:t>
+              <a:t>Recursive-Descent Parsing</a:t>
             </a:r>
             <a:endParaRPr lang="zh-CN" altLang="en-US" dirty="0"/>
           </a:p>
@@ -8228,8 +8251,12 @@
           <a:lstStyle/>
           <a:p>
             <a:r>
+              <a:rPr lang="en-US" altLang="zh-CN" dirty="0" smtClean="0"/>
+              <a:t>4.4 </a:t>
+            </a:r>
+            <a:r>
               <a:rPr lang="en-US" altLang="zh-CN" dirty="0"/>
-              <a:t>3.4 Recursive-Descent Parsing</a:t>
+              <a:t>Recursive-Descent Parsing</a:t>
             </a:r>
             <a:endParaRPr lang="zh-CN" altLang="en-US" dirty="0"/>
           </a:p>
@@ -8294,7 +8321,7 @@
           <a:graphicData uri="http://schemas.openxmlformats.org/presentationml/2006/ole">
             <mc:AlternateContent xmlns:mc="http://schemas.openxmlformats.org/markup-compatibility/2006">
               <mc:Choice xmlns:v="urn:schemas-microsoft-com:vml" Requires="v">
-                <p:oleObj spid="_x0000_s15429" name="Equation" r:id="rId3" imgW="647640" imgH="812520" progId="Equation.DSMT4">
+                <p:oleObj spid="_x0000_s15438" name="Equation" r:id="rId3" imgW="647640" imgH="812520" progId="Equation.DSMT4">
                   <p:embed/>
                 </p:oleObj>
               </mc:Choice>
@@ -8435,8 +8462,12 @@
           <a:lstStyle/>
           <a:p>
             <a:r>
+              <a:rPr lang="en-US" altLang="zh-CN" dirty="0" smtClean="0"/>
+              <a:t>4.4 </a:t>
+            </a:r>
+            <a:r>
               <a:rPr lang="en-US" altLang="zh-CN" dirty="0"/>
-              <a:t>3.4 Recursive-Descent Parsing</a:t>
+              <a:t>Recursive-Descent Parsing</a:t>
             </a:r>
             <a:endParaRPr lang="zh-CN" altLang="en-US" dirty="0"/>
           </a:p>
@@ -8501,7 +8532,7 @@
           <a:graphicData uri="http://schemas.openxmlformats.org/presentationml/2006/ole">
             <mc:AlternateContent xmlns:mc="http://schemas.openxmlformats.org/markup-compatibility/2006">
               <mc:Choice xmlns:v="urn:schemas-microsoft-com:vml" Requires="v">
-                <p:oleObj spid="_x0000_s16450" name="Equation" r:id="rId3" imgW="647640" imgH="812520" progId="Equation.DSMT4">
+                <p:oleObj spid="_x0000_s16459" name="Equation" r:id="rId3" imgW="647640" imgH="812520" progId="Equation.DSMT4">
                   <p:embed/>
                 </p:oleObj>
               </mc:Choice>
@@ -8694,8 +8725,12 @@
           <a:lstStyle/>
           <a:p>
             <a:r>
+              <a:rPr lang="en-US" altLang="zh-CN" dirty="0" smtClean="0"/>
+              <a:t>4.4 </a:t>
+            </a:r>
+            <a:r>
               <a:rPr lang="en-US" altLang="zh-CN" dirty="0"/>
-              <a:t>3.4 Recursive-Descent Parsing</a:t>
+              <a:t>Recursive-Descent Parsing</a:t>
             </a:r>
             <a:endParaRPr lang="zh-CN" altLang="en-US" dirty="0"/>
           </a:p>
@@ -8896,8 +8931,12 @@
           <a:lstStyle/>
           <a:p>
             <a:r>
+              <a:rPr lang="en-US" altLang="zh-CN" dirty="0" smtClean="0"/>
+              <a:t>4.5 </a:t>
+            </a:r>
+            <a:r>
               <a:rPr lang="en-US" altLang="zh-CN" dirty="0"/>
-              <a:t>3.5 LL(1) Grammar</a:t>
+              <a:t>LL(1) Grammar</a:t>
             </a:r>
             <a:endParaRPr lang="zh-CN" altLang="en-US" dirty="0"/>
           </a:p>
@@ -8994,8 +9033,12 @@
           <a:lstStyle/>
           <a:p>
             <a:r>
+              <a:rPr lang="en-US" altLang="zh-CN" dirty="0" smtClean="0"/>
+              <a:t>4.5 </a:t>
+            </a:r>
+            <a:r>
               <a:rPr lang="en-US" altLang="zh-CN" dirty="0"/>
-              <a:t>3.5 LL(1) Grammar - FIRST and FOLLOW</a:t>
+              <a:t>LL(1) Grammar - FIRST and FOLLOW</a:t>
             </a:r>
             <a:endParaRPr lang="zh-CN" altLang="en-US" dirty="0"/>
           </a:p>
@@ -9061,12 +9104,12 @@
               <a:t>   sometimes,     start with a nonterminal X, how to </a:t>
             </a:r>
             <a:r>
-              <a:rPr lang="en-US" altLang="zh-CN" dirty="0" err="1"/>
-              <a:t>comput</a:t>
+              <a:rPr lang="en-US" altLang="zh-CN" dirty="0" smtClean="0"/>
+              <a:t>compute </a:t>
             </a:r>
             <a:r>
               <a:rPr lang="en-US" altLang="zh-CN" dirty="0"/>
-              <a:t> FIRST(X)?   </a:t>
+              <a:t>FIRST(X)?   </a:t>
             </a:r>
             <a:endParaRPr lang="zh-CN" altLang="en-US" dirty="0"/>
           </a:p>
@@ -9094,7 +9137,7 @@
           <a:graphicData uri="http://schemas.openxmlformats.org/presentationml/2006/ole">
             <mc:AlternateContent xmlns:mc="http://schemas.openxmlformats.org/markup-compatibility/2006">
               <mc:Choice xmlns:v="urn:schemas-microsoft-com:vml" Requires="v">
-                <p:oleObj spid="_x0000_s17747" name="Equation" r:id="rId3" imgW="876240" imgH="177480" progId="Equation.DSMT4">
+                <p:oleObj spid="_x0000_s17801" name="Equation" r:id="rId3" imgW="876240" imgH="177480" progId="Equation.DSMT4">
                   <p:embed/>
                 </p:oleObj>
               </mc:Choice>
@@ -9151,7 +9194,7 @@
           <a:graphicData uri="http://schemas.openxmlformats.org/presentationml/2006/ole">
             <mc:AlternateContent xmlns:mc="http://schemas.openxmlformats.org/markup-compatibility/2006">
               <mc:Choice xmlns:v="urn:schemas-microsoft-com:vml" Requires="v">
-                <p:oleObj spid="_x0000_s17748" name="Equation" r:id="rId5" imgW="571320" imgH="177480" progId="Equation.DSMT4">
+                <p:oleObj spid="_x0000_s17802" name="Equation" r:id="rId5" imgW="571320" imgH="177480" progId="Equation.DSMT4">
                   <p:embed/>
                 </p:oleObj>
               </mc:Choice>
@@ -9208,7 +9251,7 @@
           <a:graphicData uri="http://schemas.openxmlformats.org/presentationml/2006/ole">
             <mc:AlternateContent xmlns:mc="http://schemas.openxmlformats.org/markup-compatibility/2006">
               <mc:Choice xmlns:v="urn:schemas-microsoft-com:vml" Requires="v">
-                <p:oleObj spid="_x0000_s17749" name="Equation" r:id="rId7" imgW="1434960" imgH="190440" progId="Equation.DSMT4">
+                <p:oleObj spid="_x0000_s17803" name="Equation" r:id="rId7" imgW="1434960" imgH="190440" progId="Equation.DSMT4">
                   <p:embed/>
                 </p:oleObj>
               </mc:Choice>
@@ -9265,7 +9308,7 @@
           <a:graphicData uri="http://schemas.openxmlformats.org/presentationml/2006/ole">
             <mc:AlternateContent xmlns:mc="http://schemas.openxmlformats.org/markup-compatibility/2006">
               <mc:Choice xmlns:v="urn:schemas-microsoft-com:vml" Requires="v">
-                <p:oleObj spid="_x0000_s17750" name="Equation" r:id="rId9" imgW="355320" imgH="164880" progId="Equation.DSMT4">
+                <p:oleObj spid="_x0000_s17804" name="Equation" r:id="rId9" imgW="355320" imgH="164880" progId="Equation.DSMT4">
                   <p:embed/>
                 </p:oleObj>
               </mc:Choice>
@@ -9322,7 +9365,7 @@
           <a:graphicData uri="http://schemas.openxmlformats.org/presentationml/2006/ole">
             <mc:AlternateContent xmlns:mc="http://schemas.openxmlformats.org/markup-compatibility/2006">
               <mc:Choice xmlns:v="urn:schemas-microsoft-com:vml" Requires="v">
-                <p:oleObj spid="_x0000_s17751" name="Equation" r:id="rId11" imgW="634680" imgH="152280" progId="Equation.DSMT4">
+                <p:oleObj spid="_x0000_s17805" name="Equation" r:id="rId11" imgW="634680" imgH="152280" progId="Equation.DSMT4">
                   <p:embed/>
                 </p:oleObj>
               </mc:Choice>
@@ -9379,7 +9422,7 @@
           <a:graphicData uri="http://schemas.openxmlformats.org/presentationml/2006/ole">
             <mc:AlternateContent xmlns:mc="http://schemas.openxmlformats.org/markup-compatibility/2006">
               <mc:Choice xmlns:v="urn:schemas-microsoft-com:vml" Requires="v">
-                <p:oleObj spid="_x0000_s17752" name="Equation" r:id="rId13" imgW="101520" imgH="114120" progId="Equation.DSMT4">
+                <p:oleObj spid="_x0000_s17806" name="Equation" r:id="rId13" imgW="101520" imgH="114120" progId="Equation.DSMT4">
                   <p:embed/>
                 </p:oleObj>
               </mc:Choice>
@@ -9588,8 +9631,12 @@
           <a:lstStyle/>
           <a:p>
             <a:r>
+              <a:rPr lang="en-US" altLang="zh-CN" dirty="0" smtClean="0"/>
+              <a:t>4.5 </a:t>
+            </a:r>
+            <a:r>
               <a:rPr lang="en-US" altLang="zh-CN" dirty="0"/>
-              <a:t>3.5 LL(1) Grammar - FIRST and FOLLOW</a:t>
+              <a:t>LL(1) Grammar - FIRST and FOLLOW</a:t>
             </a:r>
             <a:endParaRPr lang="zh-CN" altLang="en-US" dirty="0"/>
           </a:p>
@@ -9747,7 +9794,7 @@
           <a:graphicData uri="http://schemas.openxmlformats.org/presentationml/2006/ole">
             <mc:AlternateContent xmlns:mc="http://schemas.openxmlformats.org/markup-compatibility/2006">
               <mc:Choice xmlns:v="urn:schemas-microsoft-com:vml" Requires="v">
-                <p:oleObj spid="_x0000_s18620" name="Equation" r:id="rId3" imgW="1879560" imgH="190440" progId="Equation.DSMT4">
+                <p:oleObj spid="_x0000_s18656" name="Equation" r:id="rId3" imgW="1879560" imgH="190440" progId="Equation.DSMT4">
                   <p:embed/>
                 </p:oleObj>
               </mc:Choice>
@@ -9804,7 +9851,7 @@
           <a:graphicData uri="http://schemas.openxmlformats.org/presentationml/2006/ole">
             <mc:AlternateContent xmlns:mc="http://schemas.openxmlformats.org/markup-compatibility/2006">
               <mc:Choice xmlns:v="urn:schemas-microsoft-com:vml" Requires="v">
-                <p:oleObj spid="_x0000_s18621" name="Equation" r:id="rId5" imgW="482400" imgH="164880" progId="Equation.DSMT4">
+                <p:oleObj spid="_x0000_s18657" name="Equation" r:id="rId5" imgW="482400" imgH="164880" progId="Equation.DSMT4">
                   <p:embed/>
                 </p:oleObj>
               </mc:Choice>
@@ -9861,7 +9908,7 @@
           <a:graphicData uri="http://schemas.openxmlformats.org/presentationml/2006/ole">
             <mc:AlternateContent xmlns:mc="http://schemas.openxmlformats.org/markup-compatibility/2006">
               <mc:Choice xmlns:v="urn:schemas-microsoft-com:vml" Requires="v">
-                <p:oleObj spid="_x0000_s18622" name="Equation" r:id="rId7" imgW="812520" imgH="164880" progId="Equation.DSMT4">
+                <p:oleObj spid="_x0000_s18658" name="Equation" r:id="rId7" imgW="812520" imgH="164880" progId="Equation.DSMT4">
                   <p:embed/>
                 </p:oleObj>
               </mc:Choice>
@@ -9918,7 +9965,7 @@
           <a:graphicData uri="http://schemas.openxmlformats.org/presentationml/2006/ole">
             <mc:AlternateContent xmlns:mc="http://schemas.openxmlformats.org/markup-compatibility/2006">
               <mc:Choice xmlns:v="urn:schemas-microsoft-com:vml" Requires="v">
-                <p:oleObj spid="_x0000_s18623" name="Equation" r:id="rId9" imgW="101520" imgH="152280" progId="Equation.DSMT4">
+                <p:oleObj spid="_x0000_s18659" name="Equation" r:id="rId9" imgW="101520" imgH="152280" progId="Equation.DSMT4">
                   <p:embed/>
                 </p:oleObj>
               </mc:Choice>
@@ -10059,8 +10106,12 @@
           <a:lstStyle/>
           <a:p>
             <a:r>
+              <a:rPr lang="en-US" altLang="zh-CN" dirty="0" smtClean="0"/>
+              <a:t>4.5 </a:t>
+            </a:r>
+            <a:r>
               <a:rPr lang="en-US" altLang="zh-CN" dirty="0"/>
-              <a:t>3.5 LL(1) Grammar - definition</a:t>
+              <a:t>LL(1) Grammar - definition</a:t>
             </a:r>
             <a:endParaRPr lang="zh-CN" altLang="en-US" dirty="0"/>
           </a:p>
@@ -10162,7 +10213,7 @@
           <a:graphicData uri="http://schemas.openxmlformats.org/presentationml/2006/ole">
             <mc:AlternateContent xmlns:mc="http://schemas.openxmlformats.org/markup-compatibility/2006">
               <mc:Choice xmlns:v="urn:schemas-microsoft-com:vml" Requires="v">
-                <p:oleObj spid="_x0000_s19622" name="Equation" r:id="rId3" imgW="876240" imgH="177480" progId="Equation.DSMT4">
+                <p:oleObj spid="_x0000_s19658" name="Equation" r:id="rId3" imgW="876240" imgH="177480" progId="Equation.DSMT4">
                   <p:embed/>
                 </p:oleObj>
               </mc:Choice>
@@ -10219,7 +10270,7 @@
           <a:graphicData uri="http://schemas.openxmlformats.org/presentationml/2006/ole">
             <mc:AlternateContent xmlns:mc="http://schemas.openxmlformats.org/markup-compatibility/2006">
               <mc:Choice xmlns:v="urn:schemas-microsoft-com:vml" Requires="v">
-                <p:oleObj spid="_x0000_s19623" name="Equation" r:id="rId5" imgW="1688760" imgH="190440" progId="Equation.DSMT4">
+                <p:oleObj spid="_x0000_s19659" name="Equation" r:id="rId5" imgW="1688760" imgH="190440" progId="Equation.DSMT4">
                   <p:embed/>
                 </p:oleObj>
               </mc:Choice>
@@ -10276,7 +10327,7 @@
           <a:graphicData uri="http://schemas.openxmlformats.org/presentationml/2006/ole">
             <mc:AlternateContent xmlns:mc="http://schemas.openxmlformats.org/markup-compatibility/2006">
               <mc:Choice xmlns:v="urn:schemas-microsoft-com:vml" Requires="v">
-                <p:oleObj spid="_x0000_s19624" name="Equation" r:id="rId7" imgW="660240" imgH="152280" progId="Equation.DSMT4">
+                <p:oleObj spid="_x0000_s19660" name="Equation" r:id="rId7" imgW="660240" imgH="152280" progId="Equation.DSMT4">
                   <p:embed/>
                 </p:oleObj>
               </mc:Choice>
@@ -10333,7 +10384,7 @@
           <a:graphicData uri="http://schemas.openxmlformats.org/presentationml/2006/ole">
             <mc:AlternateContent xmlns:mc="http://schemas.openxmlformats.org/markup-compatibility/2006">
               <mc:Choice xmlns:v="urn:schemas-microsoft-com:vml" Requires="v">
-                <p:oleObj spid="_x0000_s19625" name="Equation" r:id="rId9" imgW="1384200" imgH="152280" progId="Equation.DSMT4">
+                <p:oleObj spid="_x0000_s19661" name="Equation" r:id="rId9" imgW="1384200" imgH="152280" progId="Equation.DSMT4">
                   <p:embed/>
                 </p:oleObj>
               </mc:Choice>
@@ -10426,8 +10477,12 @@
           <a:lstStyle/>
           <a:p>
             <a:r>
+              <a:rPr lang="en-US" altLang="zh-CN" dirty="0" smtClean="0"/>
+              <a:t>4.5 </a:t>
+            </a:r>
+            <a:r>
               <a:rPr lang="en-US" altLang="zh-CN" dirty="0"/>
-              <a:t>3.5 LL(1) Grammar – Top-Down Parsing (Framework)</a:t>
+              <a:t>LL(1) Grammar – Top-Down Parsing (Framework)</a:t>
             </a:r>
             <a:endParaRPr lang="zh-CN" altLang="en-US" dirty="0"/>
           </a:p>
@@ -10594,7 +10649,7 @@
           <a:graphicData uri="http://schemas.openxmlformats.org/presentationml/2006/ole">
             <mc:AlternateContent xmlns:mc="http://schemas.openxmlformats.org/markup-compatibility/2006">
               <mc:Choice xmlns:v="urn:schemas-microsoft-com:vml" Requires="v">
-                <p:oleObj spid="_x0000_s20728" name="Equation" r:id="rId3" imgW="876240" imgH="177480" progId="Equation.DSMT4">
+                <p:oleObj spid="_x0000_s20791" name="Equation" r:id="rId3" imgW="876240" imgH="177480" progId="Equation.DSMT4">
                   <p:embed/>
                 </p:oleObj>
               </mc:Choice>
@@ -10651,7 +10706,7 @@
           <a:graphicData uri="http://schemas.openxmlformats.org/presentationml/2006/ole">
             <mc:AlternateContent xmlns:mc="http://schemas.openxmlformats.org/markup-compatibility/2006">
               <mc:Choice xmlns:v="urn:schemas-microsoft-com:vml" Requires="v">
-                <p:oleObj spid="_x0000_s20729" name="Equation" r:id="rId5" imgW="685800" imgH="177480" progId="Equation.DSMT4">
+                <p:oleObj spid="_x0000_s20792" name="Equation" r:id="rId5" imgW="685800" imgH="177480" progId="Equation.DSMT4">
                   <p:embed/>
                 </p:oleObj>
               </mc:Choice>
@@ -10708,7 +10763,7 @@
           <a:graphicData uri="http://schemas.openxmlformats.org/presentationml/2006/ole">
             <mc:AlternateContent xmlns:mc="http://schemas.openxmlformats.org/markup-compatibility/2006">
               <mc:Choice xmlns:v="urn:schemas-microsoft-com:vml" Requires="v">
-                <p:oleObj spid="_x0000_s20730" name="Equation" r:id="rId7" imgW="139680" imgH="177480" progId="Equation.DSMT4">
+                <p:oleObj spid="_x0000_s20793" name="Equation" r:id="rId7" imgW="139680" imgH="177480" progId="Equation.DSMT4">
                   <p:embed/>
                 </p:oleObj>
               </mc:Choice>
@@ -10765,7 +10820,7 @@
           <a:graphicData uri="http://schemas.openxmlformats.org/presentationml/2006/ole">
             <mc:AlternateContent xmlns:mc="http://schemas.openxmlformats.org/markup-compatibility/2006">
               <mc:Choice xmlns:v="urn:schemas-microsoft-com:vml" Requires="v">
-                <p:oleObj spid="_x0000_s20731" name="Equation" r:id="rId9" imgW="2171520" imgH="177480" progId="Equation.DSMT4">
+                <p:oleObj spid="_x0000_s20794" name="Equation" r:id="rId9" imgW="2171520" imgH="177480" progId="Equation.DSMT4">
                   <p:embed/>
                 </p:oleObj>
               </mc:Choice>
@@ -10822,7 +10877,7 @@
           <a:graphicData uri="http://schemas.openxmlformats.org/presentationml/2006/ole">
             <mc:AlternateContent xmlns:mc="http://schemas.openxmlformats.org/markup-compatibility/2006">
               <mc:Choice xmlns:v="urn:schemas-microsoft-com:vml" Requires="v">
-                <p:oleObj spid="_x0000_s20732" name="Equation" r:id="rId11" imgW="685800" imgH="177480" progId="Equation.DSMT4">
+                <p:oleObj spid="_x0000_s20795" name="Equation" r:id="rId11" imgW="685800" imgH="177480" progId="Equation.DSMT4">
                   <p:embed/>
                 </p:oleObj>
               </mc:Choice>
@@ -10879,7 +10934,7 @@
           <a:graphicData uri="http://schemas.openxmlformats.org/presentationml/2006/ole">
             <mc:AlternateContent xmlns:mc="http://schemas.openxmlformats.org/markup-compatibility/2006">
               <mc:Choice xmlns:v="urn:schemas-microsoft-com:vml" Requires="v">
-                <p:oleObj spid="_x0000_s20733" name="Equation" r:id="rId13" imgW="812520" imgH="152280" progId="Equation.DSMT4">
+                <p:oleObj spid="_x0000_s20796" name="Equation" r:id="rId13" imgW="812520" imgH="152280" progId="Equation.DSMT4">
                   <p:embed/>
                 </p:oleObj>
               </mc:Choice>
@@ -10936,7 +10991,7 @@
           <a:graphicData uri="http://schemas.openxmlformats.org/presentationml/2006/ole">
             <mc:AlternateContent xmlns:mc="http://schemas.openxmlformats.org/markup-compatibility/2006">
               <mc:Choice xmlns:v="urn:schemas-microsoft-com:vml" Requires="v">
-                <p:oleObj spid="_x0000_s20734" name="Equation" r:id="rId15" imgW="101520" imgH="114120" progId="Equation.DSMT4">
+                <p:oleObj spid="_x0000_s20797" name="Equation" r:id="rId15" imgW="101520" imgH="114120" progId="Equation.DSMT4">
                   <p:embed/>
                 </p:oleObj>
               </mc:Choice>
@@ -11029,8 +11084,12 @@
           <a:lstStyle/>
           <a:p>
             <a:r>
+              <a:rPr lang="en-US" altLang="zh-CN" dirty="0" smtClean="0"/>
+              <a:t>4.6 </a:t>
+            </a:r>
+            <a:r>
               <a:rPr lang="en-US" altLang="zh-CN" dirty="0"/>
-              <a:t>3.6 Predictive Parsing for LL(1) Grammar</a:t>
+              <a:t>Predictive Parsing for LL(1) Grammar</a:t>
             </a:r>
             <a:endParaRPr lang="zh-CN" altLang="en-US" dirty="0"/>
           </a:p>
@@ -11160,8 +11219,12 @@
           <a:lstStyle/>
           <a:p>
             <a:r>
+              <a:rPr lang="en-US" altLang="zh-CN" dirty="0" smtClean="0"/>
+              <a:t>4.6 </a:t>
+            </a:r>
+            <a:r>
               <a:rPr lang="en-US" altLang="zh-CN" dirty="0"/>
-              <a:t>3.6 Predictive Parsing for LL(1) Grammar</a:t>
+              <a:t>Predictive Parsing for LL(1) Grammar</a:t>
             </a:r>
             <a:endParaRPr lang="zh-CN" altLang="en-US" dirty="0"/>
           </a:p>
@@ -11357,8 +11420,12 @@
           <a:lstStyle/>
           <a:p>
             <a:r>
+              <a:rPr lang="en-US" altLang="zh-CN" dirty="0" smtClean="0"/>
+              <a:t>4.6 </a:t>
+            </a:r>
+            <a:r>
               <a:rPr lang="en-US" altLang="zh-CN" dirty="0"/>
-              <a:t>3.6 Predictive Parsing for LL(1) Grammar</a:t>
+              <a:t>Predictive Parsing for LL(1) Grammar</a:t>
             </a:r>
             <a:endParaRPr lang="zh-CN" altLang="en-US" dirty="0"/>
           </a:p>
@@ -11513,8 +11580,12 @@
           <a:lstStyle/>
           <a:p>
             <a:r>
+              <a:rPr lang="en-US" altLang="zh-CN" dirty="0" smtClean="0"/>
+              <a:t>4.6 </a:t>
+            </a:r>
+            <a:r>
               <a:rPr lang="en-US" altLang="zh-CN" dirty="0"/>
-              <a:t>3.6 Predictive Parsing for LL(1) Grammar</a:t>
+              <a:t>Predictive Parsing for LL(1) Grammar</a:t>
             </a:r>
             <a:endParaRPr lang="zh-CN" altLang="en-US" dirty="0"/>
           </a:p>
@@ -11664,7 +11735,11 @@
           <a:p>
             <a:r>
               <a:rPr lang="en-US" altLang="zh-CN" dirty="0" smtClean="0"/>
-              <a:t>Error Handling in LL(1)</a:t>
+              <a:t>4.7 Error </a:t>
+            </a:r>
+            <a:r>
+              <a:rPr lang="en-US" altLang="zh-CN" dirty="0"/>
+              <a:t>Recovery in Predictive Parsing</a:t>
             </a:r>
             <a:endParaRPr lang="zh-CN" altLang="en-US" dirty="0"/>
           </a:p>
@@ -11712,20 +11787,93 @@
             </a:r>
           </a:p>
           <a:p>
-            <a:r>
-              <a:rPr lang="en-US" altLang="zh-CN" dirty="0" smtClean="0"/>
-              <a:t>(1) panic mode</a:t>
-            </a:r>
-          </a:p>
-          <a:p>
-            <a:r>
-              <a:rPr lang="en-US" altLang="zh-CN" dirty="0"/>
-              <a:t>(2) Phrase-level Recovery</a:t>
-            </a:r>
+            <a:pPr lvl="1"/>
+            <a:r>
+              <a:rPr lang="en-US" altLang="zh-CN" sz="1400" b="1" dirty="0" smtClean="0">
+                <a:solidFill>
+                  <a:srgbClr val="7030A0"/>
+                </a:solidFill>
+              </a:rPr>
+              <a:t>panic mode</a:t>
+            </a:r>
+          </a:p>
+          <a:p>
+            <a:pPr marL="342900" lvl="1" indent="0">
+              <a:buNone/>
+            </a:pPr>
+            <a:r>
+              <a:rPr lang="en-US" altLang="zh-CN" sz="1600" dirty="0"/>
+              <a:t>Panic-mode error recovery is based on the idea of skipping symbols on </a:t>
+            </a:r>
+            <a:r>
+              <a:rPr lang="en-US" altLang="zh-CN" sz="1600" dirty="0" smtClean="0"/>
+              <a:t>the input </a:t>
+            </a:r>
+            <a:r>
+              <a:rPr lang="en-US" altLang="zh-CN" sz="1600" dirty="0"/>
+              <a:t>until a token in a selected set of synchronizing tokens appears</a:t>
+            </a:r>
+            <a:r>
+              <a:rPr lang="en-US" altLang="zh-CN" sz="1600" dirty="0" smtClean="0"/>
+              <a:t>. </a:t>
+            </a:r>
+            <a:r>
+              <a:rPr lang="en-US" altLang="zh-CN" sz="1600" dirty="0"/>
+              <a:t>Its effectiveness depends on the choice of synchronizing set. The sets should </a:t>
+            </a:r>
+            <a:r>
+              <a:rPr lang="en-US" altLang="zh-CN" sz="1600" dirty="0" smtClean="0"/>
+              <a:t>be chosen </a:t>
+            </a:r>
+            <a:r>
+              <a:rPr lang="en-US" altLang="zh-CN" sz="1600" dirty="0"/>
+              <a:t>so that the parser recovers quickly from errors that are likely to </a:t>
+            </a:r>
+            <a:r>
+              <a:rPr lang="en-US" altLang="zh-CN" sz="1600" dirty="0" smtClean="0"/>
+              <a:t>occur in </a:t>
+            </a:r>
+            <a:r>
+              <a:rPr lang="en-US" altLang="zh-CN" sz="1600" dirty="0"/>
+              <a:t>practice. Some heuristics are as follows</a:t>
+            </a:r>
+            <a:r>
+              <a:rPr lang="en-US" altLang="zh-CN" sz="1600" dirty="0" smtClean="0"/>
+              <a:t>:</a:t>
+            </a:r>
+          </a:p>
+          <a:p>
+            <a:pPr marL="342900" lvl="1" indent="0">
+              <a:buNone/>
+            </a:pPr>
             <a:endParaRPr lang="en-US" altLang="zh-CN" dirty="0" smtClean="0"/>
           </a:p>
         </p:txBody>
       </p:sp>
+      <p:pic>
+        <p:nvPicPr>
+          <p:cNvPr id="4" name="图片 3"/>
+          <p:cNvPicPr>
+            <a:picLocks noChangeAspect="1"/>
+          </p:cNvPicPr>
+          <p:nvPr/>
+        </p:nvPicPr>
+        <p:blipFill>
+          <a:blip r:embed="rId2"/>
+          <a:stretch>
+            <a:fillRect/>
+          </a:stretch>
+        </p:blipFill>
+        <p:spPr>
+          <a:xfrm>
+            <a:off x="828675" y="5116362"/>
+            <a:ext cx="7761905" cy="1219048"/>
+          </a:xfrm>
+          <a:prstGeom prst="rect">
+            <a:avLst/>
+          </a:prstGeom>
+        </p:spPr>
+      </p:pic>
     </p:spTree>
     <p:extLst>
       <p:ext uri="{BB962C8B-B14F-4D97-AF65-F5344CB8AC3E}">
@@ -11785,7 +11933,278 @@
           <a:p>
             <a:r>
               <a:rPr lang="en-US" altLang="zh-CN" dirty="0" smtClean="0"/>
-              <a:t>Homework</a:t>
+              <a:t>4.7 Error </a:t>
+            </a:r>
+            <a:r>
+              <a:rPr lang="en-US" altLang="zh-CN" dirty="0"/>
+              <a:t>Recovery in Predictive Parsing</a:t>
+            </a:r>
+            <a:endParaRPr lang="zh-CN" altLang="en-US" dirty="0"/>
+          </a:p>
+        </p:txBody>
+      </p:sp>
+      <p:pic>
+        <p:nvPicPr>
+          <p:cNvPr id="5" name="图片 4"/>
+          <p:cNvPicPr>
+            <a:picLocks noChangeAspect="1"/>
+          </p:cNvPicPr>
+          <p:nvPr/>
+        </p:nvPicPr>
+        <p:blipFill>
+          <a:blip r:embed="rId2"/>
+          <a:stretch>
+            <a:fillRect/>
+          </a:stretch>
+        </p:blipFill>
+        <p:spPr>
+          <a:xfrm>
+            <a:off x="735237" y="1407686"/>
+            <a:ext cx="7238095" cy="428571"/>
+          </a:xfrm>
+          <a:prstGeom prst="rect">
+            <a:avLst/>
+          </a:prstGeom>
+        </p:spPr>
+      </p:pic>
+      <p:sp>
+        <p:nvSpPr>
+          <p:cNvPr id="6" name="文本框 5"/>
+          <p:cNvSpPr txBox="1"/>
+          <p:nvPr/>
+        </p:nvSpPr>
+        <p:spPr>
+          <a:xfrm>
+            <a:off x="1077686" y="1836257"/>
+            <a:ext cx="1800493" cy="646331"/>
+          </a:xfrm>
+          <a:prstGeom prst="rect">
+            <a:avLst/>
+          </a:prstGeom>
+          <a:noFill/>
+        </p:spPr>
+        <p:txBody>
+          <a:bodyPr wrap="none" rtlCol="0">
+            <a:spAutoFit/>
+          </a:bodyPr>
+          <a:lstStyle/>
+          <a:p>
+            <a:r>
+              <a:rPr lang="en-US" altLang="zh-CN" dirty="0" err="1" smtClean="0"/>
+              <a:t>int</a:t>
+            </a:r>
+            <a:r>
+              <a:rPr lang="en-US" altLang="zh-CN" dirty="0" smtClean="0"/>
+              <a:t> </a:t>
+            </a:r>
+            <a:r>
+              <a:rPr lang="en-US" altLang="zh-CN" dirty="0" err="1" smtClean="0"/>
+              <a:t>var</a:t>
+            </a:r>
+            <a:r>
+              <a:rPr lang="en-US" altLang="zh-CN" dirty="0" smtClean="0"/>
+              <a:t> = 20 </a:t>
+            </a:r>
+          </a:p>
+          <a:p>
+            <a:r>
+              <a:rPr lang="en-US" altLang="zh-CN" dirty="0"/>
+              <a:t>d</a:t>
+            </a:r>
+            <a:r>
+              <a:rPr lang="en-US" altLang="zh-CN" dirty="0" smtClean="0"/>
+              <a:t>ouble r = 40;</a:t>
+            </a:r>
+            <a:endParaRPr lang="zh-CN" altLang="en-US" dirty="0"/>
+          </a:p>
+        </p:txBody>
+      </p:sp>
+      <p:cxnSp>
+        <p:nvCxnSpPr>
+          <p:cNvPr id="8" name="直接箭头连接符 7"/>
+          <p:cNvCxnSpPr/>
+          <p:nvPr/>
+        </p:nvCxnSpPr>
+        <p:spPr>
+          <a:xfrm flipH="1">
+            <a:off x="2801979" y="2070780"/>
+            <a:ext cx="539935" cy="1"/>
+          </a:xfrm>
+          <a:prstGeom prst="straightConnector1">
+            <a:avLst/>
+          </a:prstGeom>
+          <a:ln>
+            <a:solidFill>
+              <a:schemeClr val="accent1"/>
+            </a:solidFill>
+            <a:tailEnd type="triangle"/>
+          </a:ln>
+        </p:spPr>
+        <p:style>
+          <a:lnRef idx="1">
+            <a:schemeClr val="accent1"/>
+          </a:lnRef>
+          <a:fillRef idx="0">
+            <a:schemeClr val="accent1"/>
+          </a:fillRef>
+          <a:effectRef idx="0">
+            <a:schemeClr val="accent1"/>
+          </a:effectRef>
+          <a:fontRef idx="minor">
+            <a:schemeClr val="tx1"/>
+          </a:fontRef>
+        </p:style>
+      </p:cxnSp>
+      <p:sp>
+        <p:nvSpPr>
+          <p:cNvPr id="12" name="椭圆 11"/>
+          <p:cNvSpPr/>
+          <p:nvPr/>
+        </p:nvSpPr>
+        <p:spPr>
+          <a:xfrm>
+            <a:off x="3341914" y="1836257"/>
+            <a:ext cx="2764972" cy="490503"/>
+          </a:xfrm>
+          <a:prstGeom prst="ellipse">
+            <a:avLst/>
+          </a:prstGeom>
+        </p:spPr>
+        <p:style>
+          <a:lnRef idx="1">
+            <a:schemeClr val="accent6"/>
+          </a:lnRef>
+          <a:fillRef idx="2">
+            <a:schemeClr val="accent6"/>
+          </a:fillRef>
+          <a:effectRef idx="1">
+            <a:schemeClr val="accent6"/>
+          </a:effectRef>
+          <a:fontRef idx="minor">
+            <a:schemeClr val="dk1"/>
+          </a:fontRef>
+        </p:style>
+        <p:txBody>
+          <a:bodyPr rtlCol="0" anchor="ctr"/>
+          <a:lstStyle/>
+          <a:p>
+            <a:pPr algn="ctr"/>
+            <a:r>
+              <a:rPr lang="en-US" altLang="zh-CN" sz="1200" b="1" dirty="0" smtClean="0"/>
+              <a:t>Missing semicolon results in the skip for next keywords</a:t>
+            </a:r>
+            <a:endParaRPr lang="zh-CN" altLang="en-US" sz="1200" b="1" dirty="0"/>
+          </a:p>
+        </p:txBody>
+      </p:sp>
+      <p:pic>
+        <p:nvPicPr>
+          <p:cNvPr id="13" name="图片 12"/>
+          <p:cNvPicPr>
+            <a:picLocks noChangeAspect="1"/>
+          </p:cNvPicPr>
+          <p:nvPr/>
+        </p:nvPicPr>
+        <p:blipFill>
+          <a:blip r:embed="rId3"/>
+          <a:stretch>
+            <a:fillRect/>
+          </a:stretch>
+        </p:blipFill>
+        <p:spPr>
+          <a:xfrm>
+            <a:off x="794016" y="2561283"/>
+            <a:ext cx="7520171" cy="908415"/>
+          </a:xfrm>
+          <a:prstGeom prst="rect">
+            <a:avLst/>
+          </a:prstGeom>
+        </p:spPr>
+      </p:pic>
+      <p:pic>
+        <p:nvPicPr>
+          <p:cNvPr id="14" name="图片 13"/>
+          <p:cNvPicPr>
+            <a:picLocks noChangeAspect="1"/>
+          </p:cNvPicPr>
+          <p:nvPr/>
+        </p:nvPicPr>
+        <p:blipFill>
+          <a:blip r:embed="rId4"/>
+          <a:stretch>
+            <a:fillRect/>
+          </a:stretch>
+        </p:blipFill>
+        <p:spPr>
+          <a:xfrm>
+            <a:off x="696958" y="3548393"/>
+            <a:ext cx="7714286" cy="2742857"/>
+          </a:xfrm>
+          <a:prstGeom prst="rect">
+            <a:avLst/>
+          </a:prstGeom>
+        </p:spPr>
+      </p:pic>
+    </p:spTree>
+    <p:extLst>
+      <p:ext uri="{BB962C8B-B14F-4D97-AF65-F5344CB8AC3E}">
+        <p14:creationId xmlns:p14="http://schemas.microsoft.com/office/powerpoint/2010/main" val="3006334179"/>
+      </p:ext>
+    </p:extLst>
+  </p:cSld>
+  <p:clrMapOvr>
+    <a:masterClrMapping/>
+  </p:clrMapOvr>
+  <mc:AlternateContent xmlns:mc="http://schemas.openxmlformats.org/markup-compatibility/2006" xmlns:p14="http://schemas.microsoft.com/office/powerpoint/2010/main">
+    <mc:Choice Requires="p14">
+      <p:transition spd="med" p14:dur="700">
+        <p:fade/>
+      </p:transition>
+    </mc:Choice>
+    <mc:Fallback xmlns="">
+      <p:transition spd="med">
+        <p:fade/>
+      </p:transition>
+    </mc:Fallback>
+  </mc:AlternateContent>
+</p:sld>
+</file>
+
+<file path=ppt/slides/slide29.xml><?xml version="1.0" encoding="utf-8"?>
+<p:sld xmlns:a="http://schemas.openxmlformats.org/drawingml/2006/main" xmlns:r="http://schemas.openxmlformats.org/officeDocument/2006/relationships" xmlns:p="http://schemas.openxmlformats.org/presentationml/2006/main">
+  <p:cSld>
+    <p:spTree>
+      <p:nvGrpSpPr>
+        <p:cNvPr id="1" name=""/>
+        <p:cNvGrpSpPr/>
+        <p:nvPr/>
+      </p:nvGrpSpPr>
+      <p:grpSpPr>
+        <a:xfrm>
+          <a:off x="0" y="0"/>
+          <a:ext cx="0" cy="0"/>
+          <a:chOff x="0" y="0"/>
+          <a:chExt cx="0" cy="0"/>
+        </a:xfrm>
+      </p:grpSpPr>
+      <p:sp>
+        <p:nvSpPr>
+          <p:cNvPr id="2" name="标题 1"/>
+          <p:cNvSpPr>
+            <a:spLocks noGrp="1"/>
+          </p:cNvSpPr>
+          <p:nvPr>
+            <p:ph type="title"/>
+          </p:nvPr>
+        </p:nvSpPr>
+        <p:spPr/>
+        <p:txBody>
+          <a:bodyPr/>
+          <a:lstStyle/>
+          <a:p>
+            <a:r>
+              <a:rPr lang="en-US" altLang="zh-CN" dirty="0"/>
+              <a:t>4.7 Error Recovery in Predictive Parsing</a:t>
             </a:r>
             <a:endParaRPr lang="zh-CN" altLang="en-US" dirty="0"/>
           </a:p>
@@ -11801,12 +12220,850 @@
             <p:ph idx="1"/>
           </p:nvPr>
         </p:nvSpPr>
+        <p:spPr>
+          <a:xfrm>
+            <a:off x="827537" y="3751695"/>
+            <a:ext cx="7486650" cy="1722720"/>
+          </a:xfrm>
+        </p:spPr>
+        <p:txBody>
+          <a:bodyPr>
+            <a:noAutofit/>
+          </a:bodyPr>
+          <a:lstStyle/>
+          <a:p>
+            <a:r>
+              <a:rPr lang="en-US" altLang="zh-CN" sz="1600" dirty="0"/>
+              <a:t>If the parser looks up </a:t>
+            </a:r>
+            <a:r>
+              <a:rPr lang="en-US" altLang="zh-CN" sz="1600" dirty="0" smtClean="0"/>
+              <a:t>entry M[A</a:t>
+            </a:r>
+            <a:r>
+              <a:rPr lang="en-US" altLang="zh-CN" sz="1600" dirty="0"/>
+              <a:t>, a] and finds that it is blank, then the input symbol </a:t>
+            </a:r>
+            <a:r>
+              <a:rPr lang="en-US" altLang="zh-CN" sz="1600" i="1" dirty="0"/>
+              <a:t>a</a:t>
+            </a:r>
+            <a:r>
+              <a:rPr lang="en-US" altLang="zh-CN" sz="1600" dirty="0"/>
+              <a:t> is skipped. If </a:t>
+            </a:r>
+            <a:r>
+              <a:rPr lang="en-US" altLang="zh-CN" sz="1600" dirty="0" smtClean="0"/>
+              <a:t>the entry </a:t>
+            </a:r>
+            <a:r>
+              <a:rPr lang="en-US" altLang="zh-CN" sz="1600" dirty="0"/>
+              <a:t>is "synch," then the nonterminal on top of the stack is </a:t>
+            </a:r>
+            <a:r>
+              <a:rPr lang="en-US" altLang="zh-CN" sz="1600" b="1" dirty="0"/>
+              <a:t>popped</a:t>
+            </a:r>
+            <a:r>
+              <a:rPr lang="en-US" altLang="zh-CN" sz="1600" dirty="0"/>
+              <a:t> in </a:t>
+            </a:r>
+            <a:r>
+              <a:rPr lang="en-US" altLang="zh-CN" sz="1600" dirty="0" smtClean="0"/>
+              <a:t>an attempt </a:t>
+            </a:r>
+            <a:r>
+              <a:rPr lang="en-US" altLang="zh-CN" sz="1600" dirty="0"/>
+              <a:t>to resume parsing. If a token on top of the stack does not match </a:t>
+            </a:r>
+            <a:r>
+              <a:rPr lang="en-US" altLang="zh-CN" sz="1600" dirty="0" smtClean="0"/>
+              <a:t>the input </a:t>
+            </a:r>
+            <a:r>
+              <a:rPr lang="en-US" altLang="zh-CN" sz="1600" dirty="0"/>
+              <a:t>symbol, then we </a:t>
+            </a:r>
+            <a:r>
+              <a:rPr lang="en-US" altLang="zh-CN" sz="1600" b="1" dirty="0"/>
+              <a:t>pop</a:t>
+            </a:r>
+            <a:r>
+              <a:rPr lang="en-US" altLang="zh-CN" sz="1600" dirty="0"/>
+              <a:t> the token from the </a:t>
+            </a:r>
+            <a:r>
+              <a:rPr lang="en-US" altLang="zh-CN" sz="1600" dirty="0" smtClean="0"/>
+              <a:t>stack.</a:t>
+            </a:r>
+            <a:endParaRPr lang="zh-CN" altLang="en-US" sz="1600" dirty="0"/>
+          </a:p>
+        </p:txBody>
+      </p:sp>
+      <p:pic>
+        <p:nvPicPr>
+          <p:cNvPr id="4" name="图片 3"/>
+          <p:cNvPicPr>
+            <a:picLocks noChangeAspect="1"/>
+          </p:cNvPicPr>
+          <p:nvPr/>
+        </p:nvPicPr>
+        <p:blipFill>
+          <a:blip r:embed="rId2"/>
+          <a:stretch>
+            <a:fillRect/>
+          </a:stretch>
+        </p:blipFill>
+        <p:spPr>
+          <a:xfrm>
+            <a:off x="828675" y="1317172"/>
+            <a:ext cx="6701704" cy="2190786"/>
+          </a:xfrm>
+          <a:prstGeom prst="rect">
+            <a:avLst/>
+          </a:prstGeom>
+        </p:spPr>
+      </p:pic>
+      <p:sp>
+        <p:nvSpPr>
+          <p:cNvPr id="5" name="文本框 4"/>
+          <p:cNvSpPr txBox="1"/>
+          <p:nvPr/>
+        </p:nvSpPr>
+        <p:spPr>
+          <a:xfrm>
+            <a:off x="5943600" y="1888860"/>
+            <a:ext cx="772886" cy="338554"/>
+          </a:xfrm>
+          <a:prstGeom prst="rect">
+            <a:avLst/>
+          </a:prstGeom>
+          <a:noFill/>
+        </p:spPr>
+        <p:txBody>
+          <a:bodyPr wrap="square" rtlCol="0">
+            <a:spAutoFit/>
+          </a:bodyPr>
+          <a:lstStyle/>
+          <a:p>
+            <a:r>
+              <a:rPr lang="en-US" altLang="zh-CN" sz="1600" b="1" dirty="0" smtClean="0">
+                <a:solidFill>
+                  <a:srgbClr val="7030A0"/>
+                </a:solidFill>
+                <a:latin typeface="Times New Roman" panose="02020603050405020304" pitchFamily="18" charset="0"/>
+                <a:cs typeface="Times New Roman" panose="02020603050405020304" pitchFamily="18" charset="0"/>
+              </a:rPr>
+              <a:t>synch</a:t>
+            </a:r>
+            <a:endParaRPr lang="zh-CN" altLang="en-US" sz="1600" b="1" dirty="0">
+              <a:solidFill>
+                <a:srgbClr val="7030A0"/>
+              </a:solidFill>
+              <a:latin typeface="Times New Roman" panose="02020603050405020304" pitchFamily="18" charset="0"/>
+              <a:cs typeface="Times New Roman" panose="02020603050405020304" pitchFamily="18" charset="0"/>
+            </a:endParaRPr>
+          </a:p>
+        </p:txBody>
+      </p:sp>
+      <p:sp>
+        <p:nvSpPr>
+          <p:cNvPr id="6" name="文本框 5"/>
+          <p:cNvSpPr txBox="1"/>
+          <p:nvPr/>
+        </p:nvSpPr>
+        <p:spPr>
+          <a:xfrm>
+            <a:off x="6629400" y="1900483"/>
+            <a:ext cx="772886" cy="338554"/>
+          </a:xfrm>
+          <a:prstGeom prst="rect">
+            <a:avLst/>
+          </a:prstGeom>
+          <a:noFill/>
+        </p:spPr>
+        <p:txBody>
+          <a:bodyPr wrap="square" rtlCol="0">
+            <a:spAutoFit/>
+          </a:bodyPr>
+          <a:lstStyle/>
+          <a:p>
+            <a:r>
+              <a:rPr lang="en-US" altLang="zh-CN" sz="1600" b="1" dirty="0" smtClean="0">
+                <a:solidFill>
+                  <a:srgbClr val="7030A0"/>
+                </a:solidFill>
+                <a:latin typeface="Times New Roman" panose="02020603050405020304" pitchFamily="18" charset="0"/>
+                <a:cs typeface="Times New Roman" panose="02020603050405020304" pitchFamily="18" charset="0"/>
+              </a:rPr>
+              <a:t>synch</a:t>
+            </a:r>
+            <a:endParaRPr lang="zh-CN" altLang="en-US" sz="1600" b="1" dirty="0">
+              <a:solidFill>
+                <a:srgbClr val="7030A0"/>
+              </a:solidFill>
+              <a:latin typeface="Times New Roman" panose="02020603050405020304" pitchFamily="18" charset="0"/>
+              <a:cs typeface="Times New Roman" panose="02020603050405020304" pitchFamily="18" charset="0"/>
+            </a:endParaRPr>
+          </a:p>
+        </p:txBody>
+      </p:sp>
+      <p:sp>
+        <p:nvSpPr>
+          <p:cNvPr id="7" name="文本框 6"/>
+          <p:cNvSpPr txBox="1"/>
+          <p:nvPr/>
+        </p:nvSpPr>
+        <p:spPr>
+          <a:xfrm>
+            <a:off x="5987143" y="2450117"/>
+            <a:ext cx="772886" cy="338554"/>
+          </a:xfrm>
+          <a:prstGeom prst="rect">
+            <a:avLst/>
+          </a:prstGeom>
+          <a:noFill/>
+        </p:spPr>
+        <p:txBody>
+          <a:bodyPr wrap="square" rtlCol="0">
+            <a:spAutoFit/>
+          </a:bodyPr>
+          <a:lstStyle/>
+          <a:p>
+            <a:r>
+              <a:rPr lang="en-US" altLang="zh-CN" sz="1600" b="1" dirty="0" smtClean="0">
+                <a:solidFill>
+                  <a:srgbClr val="7030A0"/>
+                </a:solidFill>
+                <a:latin typeface="Times New Roman" panose="02020603050405020304" pitchFamily="18" charset="0"/>
+                <a:cs typeface="Times New Roman" panose="02020603050405020304" pitchFamily="18" charset="0"/>
+              </a:rPr>
+              <a:t>synch</a:t>
+            </a:r>
+            <a:endParaRPr lang="zh-CN" altLang="en-US" sz="1600" b="1" dirty="0">
+              <a:solidFill>
+                <a:srgbClr val="7030A0"/>
+              </a:solidFill>
+              <a:latin typeface="Times New Roman" panose="02020603050405020304" pitchFamily="18" charset="0"/>
+              <a:cs typeface="Times New Roman" panose="02020603050405020304" pitchFamily="18" charset="0"/>
+            </a:endParaRPr>
+          </a:p>
+        </p:txBody>
+      </p:sp>
+      <p:sp>
+        <p:nvSpPr>
+          <p:cNvPr id="8" name="文本框 7"/>
+          <p:cNvSpPr txBox="1"/>
+          <p:nvPr/>
+        </p:nvSpPr>
+        <p:spPr>
+          <a:xfrm>
+            <a:off x="6629400" y="2461740"/>
+            <a:ext cx="772886" cy="338554"/>
+          </a:xfrm>
+          <a:prstGeom prst="rect">
+            <a:avLst/>
+          </a:prstGeom>
+          <a:noFill/>
+        </p:spPr>
+        <p:txBody>
+          <a:bodyPr wrap="square" rtlCol="0">
+            <a:spAutoFit/>
+          </a:bodyPr>
+          <a:lstStyle/>
+          <a:p>
+            <a:r>
+              <a:rPr lang="en-US" altLang="zh-CN" sz="1600" b="1" dirty="0" smtClean="0">
+                <a:solidFill>
+                  <a:srgbClr val="7030A0"/>
+                </a:solidFill>
+                <a:latin typeface="Times New Roman" panose="02020603050405020304" pitchFamily="18" charset="0"/>
+                <a:cs typeface="Times New Roman" panose="02020603050405020304" pitchFamily="18" charset="0"/>
+              </a:rPr>
+              <a:t>synch</a:t>
+            </a:r>
+            <a:endParaRPr lang="zh-CN" altLang="en-US" sz="1600" b="1" dirty="0">
+              <a:solidFill>
+                <a:srgbClr val="7030A0"/>
+              </a:solidFill>
+              <a:latin typeface="Times New Roman" panose="02020603050405020304" pitchFamily="18" charset="0"/>
+              <a:cs typeface="Times New Roman" panose="02020603050405020304" pitchFamily="18" charset="0"/>
+            </a:endParaRPr>
+          </a:p>
+        </p:txBody>
+      </p:sp>
+      <p:sp>
+        <p:nvSpPr>
+          <p:cNvPr id="9" name="文本框 8"/>
+          <p:cNvSpPr txBox="1"/>
+          <p:nvPr/>
+        </p:nvSpPr>
+        <p:spPr>
+          <a:xfrm>
+            <a:off x="5992586" y="3045505"/>
+            <a:ext cx="772886" cy="338554"/>
+          </a:xfrm>
+          <a:prstGeom prst="rect">
+            <a:avLst/>
+          </a:prstGeom>
+          <a:noFill/>
+        </p:spPr>
+        <p:txBody>
+          <a:bodyPr wrap="square" rtlCol="0">
+            <a:spAutoFit/>
+          </a:bodyPr>
+          <a:lstStyle/>
+          <a:p>
+            <a:r>
+              <a:rPr lang="en-US" altLang="zh-CN" sz="1600" b="1" dirty="0" smtClean="0">
+                <a:solidFill>
+                  <a:srgbClr val="7030A0"/>
+                </a:solidFill>
+                <a:latin typeface="Times New Roman" panose="02020603050405020304" pitchFamily="18" charset="0"/>
+                <a:cs typeface="Times New Roman" panose="02020603050405020304" pitchFamily="18" charset="0"/>
+              </a:rPr>
+              <a:t>synch</a:t>
+            </a:r>
+            <a:endParaRPr lang="zh-CN" altLang="en-US" sz="1600" b="1" dirty="0">
+              <a:solidFill>
+                <a:srgbClr val="7030A0"/>
+              </a:solidFill>
+              <a:latin typeface="Times New Roman" panose="02020603050405020304" pitchFamily="18" charset="0"/>
+              <a:cs typeface="Times New Roman" panose="02020603050405020304" pitchFamily="18" charset="0"/>
+            </a:endParaRPr>
+          </a:p>
+        </p:txBody>
+      </p:sp>
+      <p:sp>
+        <p:nvSpPr>
+          <p:cNvPr id="10" name="文本框 9"/>
+          <p:cNvSpPr txBox="1"/>
+          <p:nvPr/>
+        </p:nvSpPr>
+        <p:spPr>
+          <a:xfrm>
+            <a:off x="6645729" y="3044031"/>
+            <a:ext cx="772886" cy="338554"/>
+          </a:xfrm>
+          <a:prstGeom prst="rect">
+            <a:avLst/>
+          </a:prstGeom>
+          <a:noFill/>
+        </p:spPr>
+        <p:txBody>
+          <a:bodyPr wrap="square" rtlCol="0">
+            <a:spAutoFit/>
+          </a:bodyPr>
+          <a:lstStyle/>
+          <a:p>
+            <a:r>
+              <a:rPr lang="en-US" altLang="zh-CN" sz="1600" b="1" dirty="0" smtClean="0">
+                <a:solidFill>
+                  <a:srgbClr val="7030A0"/>
+                </a:solidFill>
+                <a:latin typeface="Times New Roman" panose="02020603050405020304" pitchFamily="18" charset="0"/>
+                <a:cs typeface="Times New Roman" panose="02020603050405020304" pitchFamily="18" charset="0"/>
+              </a:rPr>
+              <a:t>synch</a:t>
+            </a:r>
+            <a:endParaRPr lang="zh-CN" altLang="en-US" sz="1600" b="1" dirty="0">
+              <a:solidFill>
+                <a:srgbClr val="7030A0"/>
+              </a:solidFill>
+              <a:latin typeface="Times New Roman" panose="02020603050405020304" pitchFamily="18" charset="0"/>
+              <a:cs typeface="Times New Roman" panose="02020603050405020304" pitchFamily="18" charset="0"/>
+            </a:endParaRPr>
+          </a:p>
+        </p:txBody>
+      </p:sp>
+      <p:sp>
+        <p:nvSpPr>
+          <p:cNvPr id="11" name="文本框 10"/>
+          <p:cNvSpPr txBox="1"/>
+          <p:nvPr/>
+        </p:nvSpPr>
+        <p:spPr>
+          <a:xfrm>
+            <a:off x="3265714" y="2461740"/>
+            <a:ext cx="772886" cy="338554"/>
+          </a:xfrm>
+          <a:prstGeom prst="rect">
+            <a:avLst/>
+          </a:prstGeom>
+          <a:noFill/>
+        </p:spPr>
+        <p:txBody>
+          <a:bodyPr wrap="square" rtlCol="0">
+            <a:spAutoFit/>
+          </a:bodyPr>
+          <a:lstStyle/>
+          <a:p>
+            <a:r>
+              <a:rPr lang="en-US" altLang="zh-CN" sz="1600" b="1" dirty="0" smtClean="0">
+                <a:solidFill>
+                  <a:srgbClr val="7030A0"/>
+                </a:solidFill>
+                <a:latin typeface="Times New Roman" panose="02020603050405020304" pitchFamily="18" charset="0"/>
+                <a:cs typeface="Times New Roman" panose="02020603050405020304" pitchFamily="18" charset="0"/>
+              </a:rPr>
+              <a:t>synch</a:t>
+            </a:r>
+            <a:endParaRPr lang="zh-CN" altLang="en-US" sz="1600" b="1" dirty="0">
+              <a:solidFill>
+                <a:srgbClr val="7030A0"/>
+              </a:solidFill>
+              <a:latin typeface="Times New Roman" panose="02020603050405020304" pitchFamily="18" charset="0"/>
+              <a:cs typeface="Times New Roman" panose="02020603050405020304" pitchFamily="18" charset="0"/>
+            </a:endParaRPr>
+          </a:p>
+        </p:txBody>
+      </p:sp>
+      <p:sp>
+        <p:nvSpPr>
+          <p:cNvPr id="12" name="文本框 11"/>
+          <p:cNvSpPr txBox="1"/>
+          <p:nvPr/>
+        </p:nvSpPr>
+        <p:spPr>
+          <a:xfrm>
+            <a:off x="3265714" y="3052385"/>
+            <a:ext cx="772886" cy="338554"/>
+          </a:xfrm>
+          <a:prstGeom prst="rect">
+            <a:avLst/>
+          </a:prstGeom>
+          <a:noFill/>
+        </p:spPr>
+        <p:txBody>
+          <a:bodyPr wrap="square" rtlCol="0">
+            <a:spAutoFit/>
+          </a:bodyPr>
+          <a:lstStyle/>
+          <a:p>
+            <a:r>
+              <a:rPr lang="en-US" altLang="zh-CN" sz="1600" b="1" dirty="0" smtClean="0">
+                <a:solidFill>
+                  <a:srgbClr val="7030A0"/>
+                </a:solidFill>
+                <a:latin typeface="Times New Roman" panose="02020603050405020304" pitchFamily="18" charset="0"/>
+                <a:cs typeface="Times New Roman" panose="02020603050405020304" pitchFamily="18" charset="0"/>
+              </a:rPr>
+              <a:t>synch</a:t>
+            </a:r>
+            <a:endParaRPr lang="zh-CN" altLang="en-US" sz="1600" b="1" dirty="0">
+              <a:solidFill>
+                <a:srgbClr val="7030A0"/>
+              </a:solidFill>
+              <a:latin typeface="Times New Roman" panose="02020603050405020304" pitchFamily="18" charset="0"/>
+              <a:cs typeface="Times New Roman" panose="02020603050405020304" pitchFamily="18" charset="0"/>
+            </a:endParaRPr>
+          </a:p>
+        </p:txBody>
+      </p:sp>
+      <p:sp>
+        <p:nvSpPr>
+          <p:cNvPr id="13" name="文本框 12"/>
+          <p:cNvSpPr txBox="1"/>
+          <p:nvPr/>
+        </p:nvSpPr>
+        <p:spPr>
+          <a:xfrm>
+            <a:off x="4242707" y="3060739"/>
+            <a:ext cx="772886" cy="338554"/>
+          </a:xfrm>
+          <a:prstGeom prst="rect">
+            <a:avLst/>
+          </a:prstGeom>
+          <a:noFill/>
+        </p:spPr>
+        <p:txBody>
+          <a:bodyPr wrap="square" rtlCol="0">
+            <a:spAutoFit/>
+          </a:bodyPr>
+          <a:lstStyle/>
+          <a:p>
+            <a:r>
+              <a:rPr lang="en-US" altLang="zh-CN" sz="1600" b="1" dirty="0" smtClean="0">
+                <a:solidFill>
+                  <a:srgbClr val="7030A0"/>
+                </a:solidFill>
+                <a:latin typeface="Times New Roman" panose="02020603050405020304" pitchFamily="18" charset="0"/>
+                <a:cs typeface="Times New Roman" panose="02020603050405020304" pitchFamily="18" charset="0"/>
+              </a:rPr>
+              <a:t>synch</a:t>
+            </a:r>
+            <a:endParaRPr lang="zh-CN" altLang="en-US" sz="1600" b="1" dirty="0">
+              <a:solidFill>
+                <a:srgbClr val="7030A0"/>
+              </a:solidFill>
+              <a:latin typeface="Times New Roman" panose="02020603050405020304" pitchFamily="18" charset="0"/>
+              <a:cs typeface="Times New Roman" panose="02020603050405020304" pitchFamily="18" charset="0"/>
+            </a:endParaRPr>
+          </a:p>
+        </p:txBody>
+      </p:sp>
+    </p:spTree>
+    <p:extLst>
+      <p:ext uri="{BB962C8B-B14F-4D97-AF65-F5344CB8AC3E}">
+        <p14:creationId xmlns:p14="http://schemas.microsoft.com/office/powerpoint/2010/main" val="4233550228"/>
+      </p:ext>
+    </p:extLst>
+  </p:cSld>
+  <p:clrMapOvr>
+    <a:masterClrMapping/>
+  </p:clrMapOvr>
+  <mc:AlternateContent xmlns:mc="http://schemas.openxmlformats.org/markup-compatibility/2006" xmlns:p14="http://schemas.microsoft.com/office/powerpoint/2010/main">
+    <mc:Choice Requires="p14">
+      <p:transition spd="med" p14:dur="700">
+        <p:fade/>
+      </p:transition>
+    </mc:Choice>
+    <mc:Fallback xmlns="">
+      <p:transition spd="med">
+        <p:fade/>
+      </p:transition>
+    </mc:Fallback>
+  </mc:AlternateContent>
+</p:sld>
+</file>
+
+<file path=ppt/slides/slide3.xml><?xml version="1.0" encoding="utf-8"?>
+<p:sld xmlns:a="http://schemas.openxmlformats.org/drawingml/2006/main" xmlns:r="http://schemas.openxmlformats.org/officeDocument/2006/relationships" xmlns:p="http://schemas.openxmlformats.org/presentationml/2006/main">
+  <p:cSld>
+    <p:spTree>
+      <p:nvGrpSpPr>
+        <p:cNvPr id="1" name=""/>
+        <p:cNvGrpSpPr/>
+        <p:nvPr/>
+      </p:nvGrpSpPr>
+      <p:grpSpPr>
+        <a:xfrm>
+          <a:off x="0" y="0"/>
+          <a:ext cx="0" cy="0"/>
+          <a:chOff x="0" y="0"/>
+          <a:chExt cx="0" cy="0"/>
+        </a:xfrm>
+      </p:grpSpPr>
+      <p:sp>
+        <p:nvSpPr>
+          <p:cNvPr id="2" name="标题 1"/>
+          <p:cNvSpPr>
+            <a:spLocks noGrp="1"/>
+          </p:cNvSpPr>
+          <p:nvPr>
+            <p:ph type="title"/>
+          </p:nvPr>
+        </p:nvSpPr>
         <p:spPr/>
         <p:txBody>
           <a:bodyPr/>
           <a:lstStyle/>
           <a:p>
             <a:r>
+              <a:rPr lang="en-US" altLang="zh-CN" dirty="0"/>
+              <a:t>Outlines</a:t>
+            </a:r>
+            <a:endParaRPr lang="zh-CN" altLang="en-US" dirty="0"/>
+          </a:p>
+        </p:txBody>
+      </p:sp>
+      <p:sp>
+        <p:nvSpPr>
+          <p:cNvPr id="3" name="内容占位符 2"/>
+          <p:cNvSpPr>
+            <a:spLocks noGrp="1"/>
+          </p:cNvSpPr>
+          <p:nvPr>
+            <p:ph idx="1"/>
+          </p:nvPr>
+        </p:nvSpPr>
+        <p:spPr/>
+        <p:txBody>
+          <a:bodyPr/>
+          <a:lstStyle/>
+          <a:p>
+            <a:r>
+              <a:rPr lang="en-US" altLang="zh-CN" dirty="0"/>
+              <a:t>Context-free Grammar – review</a:t>
+            </a:r>
+          </a:p>
+          <a:p>
+            <a:r>
+              <a:rPr lang="en-US" altLang="zh-CN" dirty="0"/>
+              <a:t>Top-Down Parsing</a:t>
+            </a:r>
+          </a:p>
+          <a:p>
+            <a:r>
+              <a:rPr lang="en-US" altLang="zh-CN" dirty="0"/>
+              <a:t>Write Grammar for Top-Down Parsing</a:t>
+            </a:r>
+          </a:p>
+          <a:p>
+            <a:r>
+              <a:rPr lang="en-US" altLang="zh-CN" dirty="0"/>
+              <a:t>Recursive-Descent Parsing</a:t>
+            </a:r>
+          </a:p>
+          <a:p>
+            <a:r>
+              <a:rPr lang="en-US" altLang="zh-CN" dirty="0"/>
+              <a:t>LL(1) Grammar</a:t>
+            </a:r>
+          </a:p>
+          <a:p>
+            <a:r>
+              <a:rPr lang="en-US" altLang="zh-CN" dirty="0"/>
+              <a:t>Predictive Parsing for LL(1) </a:t>
+            </a:r>
+            <a:r>
+              <a:rPr lang="en-US" altLang="zh-CN" dirty="0" smtClean="0"/>
+              <a:t>Grammar</a:t>
+            </a:r>
+          </a:p>
+          <a:p>
+            <a:r>
+              <a:rPr lang="en-US" altLang="zh-CN" dirty="0"/>
+              <a:t>Error Recovery in Predictive Parsing</a:t>
+            </a:r>
+            <a:endParaRPr lang="zh-CN" altLang="en-US" dirty="0"/>
+          </a:p>
+        </p:txBody>
+      </p:sp>
+    </p:spTree>
+    <p:extLst>
+      <p:ext uri="{BB962C8B-B14F-4D97-AF65-F5344CB8AC3E}">
+        <p14:creationId xmlns:p14="http://schemas.microsoft.com/office/powerpoint/2010/main" val="1955709725"/>
+      </p:ext>
+    </p:extLst>
+  </p:cSld>
+  <p:clrMapOvr>
+    <a:masterClrMapping/>
+  </p:clrMapOvr>
+  <mc:AlternateContent xmlns:mc="http://schemas.openxmlformats.org/markup-compatibility/2006" xmlns:p14="http://schemas.microsoft.com/office/powerpoint/2010/main">
+    <mc:Choice Requires="p14">
+      <p:transition spd="med" p14:dur="700">
+        <p:fade/>
+      </p:transition>
+    </mc:Choice>
+    <mc:Fallback xmlns="">
+      <p:transition spd="med">
+        <p:fade/>
+      </p:transition>
+    </mc:Fallback>
+  </mc:AlternateContent>
+</p:sld>
+</file>
+
+<file path=ppt/slides/slide30.xml><?xml version="1.0" encoding="utf-8"?>
+<p:sld xmlns:a="http://schemas.openxmlformats.org/drawingml/2006/main" xmlns:r="http://schemas.openxmlformats.org/officeDocument/2006/relationships" xmlns:p="http://schemas.openxmlformats.org/presentationml/2006/main">
+  <p:cSld>
+    <p:spTree>
+      <p:nvGrpSpPr>
+        <p:cNvPr id="1" name=""/>
+        <p:cNvGrpSpPr/>
+        <p:nvPr/>
+      </p:nvGrpSpPr>
+      <p:grpSpPr>
+        <a:xfrm>
+          <a:off x="0" y="0"/>
+          <a:ext cx="0" cy="0"/>
+          <a:chOff x="0" y="0"/>
+          <a:chExt cx="0" cy="0"/>
+        </a:xfrm>
+      </p:grpSpPr>
+      <p:sp>
+        <p:nvSpPr>
+          <p:cNvPr id="2" name="标题 1"/>
+          <p:cNvSpPr>
+            <a:spLocks noGrp="1"/>
+          </p:cNvSpPr>
+          <p:nvPr>
+            <p:ph type="title"/>
+          </p:nvPr>
+        </p:nvSpPr>
+        <p:spPr/>
+        <p:txBody>
+          <a:bodyPr/>
+          <a:lstStyle/>
+          <a:p>
+            <a:r>
+              <a:rPr lang="en-US" altLang="zh-CN" dirty="0"/>
+              <a:t>4.7 Error Recovery in Predictive Parsing</a:t>
+            </a:r>
+            <a:endParaRPr lang="zh-CN" altLang="en-US" dirty="0"/>
+          </a:p>
+        </p:txBody>
+      </p:sp>
+      <p:sp>
+        <p:nvSpPr>
+          <p:cNvPr id="3" name="内容占位符 2"/>
+          <p:cNvSpPr>
+            <a:spLocks noGrp="1"/>
+          </p:cNvSpPr>
+          <p:nvPr>
+            <p:ph idx="1"/>
+          </p:nvPr>
+        </p:nvSpPr>
+        <p:spPr>
+          <a:xfrm>
+            <a:off x="4844143" y="1600200"/>
+            <a:ext cx="3471182" cy="4572000"/>
+          </a:xfrm>
+        </p:spPr>
+        <p:txBody>
+          <a:bodyPr/>
+          <a:lstStyle/>
+          <a:p>
+            <a:r>
+              <a:rPr lang="en-US" altLang="zh-CN" sz="1600" b="1" dirty="0" smtClean="0">
+                <a:solidFill>
+                  <a:srgbClr val="7030A0"/>
+                </a:solidFill>
+              </a:rPr>
+              <a:t>Phrase-level Recovery</a:t>
+            </a:r>
+          </a:p>
+          <a:p>
+            <a:pPr marL="342900" lvl="1" indent="0">
+              <a:buNone/>
+            </a:pPr>
+            <a:r>
+              <a:rPr lang="en-US" altLang="zh-CN" sz="1300" b="1" dirty="0"/>
+              <a:t>Phrase-level error recovery is implemented by filling in the blank entries </a:t>
+            </a:r>
+            <a:r>
+              <a:rPr lang="en-US" altLang="zh-CN" sz="1300" b="1" dirty="0" smtClean="0"/>
+              <a:t>in the </a:t>
+            </a:r>
+            <a:r>
+              <a:rPr lang="en-US" altLang="zh-CN" sz="1300" b="1" dirty="0"/>
+              <a:t>predictive parsing table with pointers to error routines. These </a:t>
+            </a:r>
+            <a:r>
+              <a:rPr lang="en-US" altLang="zh-CN" sz="1300" b="1" dirty="0" smtClean="0"/>
+              <a:t>routines may </a:t>
+            </a:r>
+            <a:r>
+              <a:rPr lang="en-US" altLang="zh-CN" sz="1300" b="1" dirty="0"/>
+              <a:t>change, insert, or delete symbols on the input and issue appropriate </a:t>
+            </a:r>
+            <a:r>
+              <a:rPr lang="en-US" altLang="zh-CN" sz="1300" b="1" dirty="0" smtClean="0"/>
+              <a:t>error messages</a:t>
+            </a:r>
+            <a:r>
+              <a:rPr lang="en-US" altLang="zh-CN" sz="1300" b="1" dirty="0"/>
+              <a:t>.</a:t>
+            </a:r>
+          </a:p>
+        </p:txBody>
+      </p:sp>
+      <p:pic>
+        <p:nvPicPr>
+          <p:cNvPr id="4" name="图片 3"/>
+          <p:cNvPicPr>
+            <a:picLocks noChangeAspect="1"/>
+          </p:cNvPicPr>
+          <p:nvPr/>
+        </p:nvPicPr>
+        <p:blipFill>
+          <a:blip r:embed="rId2"/>
+          <a:stretch>
+            <a:fillRect/>
+          </a:stretch>
+        </p:blipFill>
+        <p:spPr>
+          <a:xfrm>
+            <a:off x="828675" y="1376343"/>
+            <a:ext cx="3895726" cy="4795857"/>
+          </a:xfrm>
+          <a:prstGeom prst="rect">
+            <a:avLst/>
+          </a:prstGeom>
+        </p:spPr>
+      </p:pic>
+    </p:spTree>
+    <p:extLst>
+      <p:ext uri="{BB962C8B-B14F-4D97-AF65-F5344CB8AC3E}">
+        <p14:creationId xmlns:p14="http://schemas.microsoft.com/office/powerpoint/2010/main" val="3607818958"/>
+      </p:ext>
+    </p:extLst>
+  </p:cSld>
+  <p:clrMapOvr>
+    <a:masterClrMapping/>
+  </p:clrMapOvr>
+  <mc:AlternateContent xmlns:mc="http://schemas.openxmlformats.org/markup-compatibility/2006" xmlns:p14="http://schemas.microsoft.com/office/powerpoint/2010/main">
+    <mc:Choice Requires="p14">
+      <p:transition spd="med" p14:dur="700">
+        <p:fade/>
+      </p:transition>
+    </mc:Choice>
+    <mc:Fallback xmlns="">
+      <p:transition spd="med">
+        <p:fade/>
+      </p:transition>
+    </mc:Fallback>
+  </mc:AlternateContent>
+</p:sld>
+</file>
+
+<file path=ppt/slides/slide31.xml><?xml version="1.0" encoding="utf-8"?>
+<p:sld xmlns:a="http://schemas.openxmlformats.org/drawingml/2006/main" xmlns:r="http://schemas.openxmlformats.org/officeDocument/2006/relationships" xmlns:p="http://schemas.openxmlformats.org/presentationml/2006/main">
+  <p:cSld>
+    <p:spTree>
+      <p:nvGrpSpPr>
+        <p:cNvPr id="1" name=""/>
+        <p:cNvGrpSpPr/>
+        <p:nvPr/>
+      </p:nvGrpSpPr>
+      <p:grpSpPr>
+        <a:xfrm>
+          <a:off x="0" y="0"/>
+          <a:ext cx="0" cy="0"/>
+          <a:chOff x="0" y="0"/>
+          <a:chExt cx="0" cy="0"/>
+        </a:xfrm>
+      </p:grpSpPr>
+      <p:sp>
+        <p:nvSpPr>
+          <p:cNvPr id="2" name="标题 1"/>
+          <p:cNvSpPr>
+            <a:spLocks noGrp="1"/>
+          </p:cNvSpPr>
+          <p:nvPr>
+            <p:ph type="title"/>
+          </p:nvPr>
+        </p:nvSpPr>
+        <p:spPr/>
+        <p:txBody>
+          <a:bodyPr/>
+          <a:lstStyle/>
+          <a:p>
+            <a:r>
+              <a:rPr lang="en-US" altLang="zh-CN" dirty="0" smtClean="0"/>
+              <a:t>Homework 4</a:t>
+            </a:r>
+            <a:endParaRPr lang="zh-CN" altLang="en-US" dirty="0"/>
+          </a:p>
+        </p:txBody>
+      </p:sp>
+      <p:sp>
+        <p:nvSpPr>
+          <p:cNvPr id="3" name="内容占位符 2"/>
+          <p:cNvSpPr>
+            <a:spLocks noGrp="1"/>
+          </p:cNvSpPr>
+          <p:nvPr>
+            <p:ph idx="1"/>
+          </p:nvPr>
+        </p:nvSpPr>
+        <p:spPr/>
+        <p:txBody>
+          <a:bodyPr/>
+          <a:lstStyle/>
+          <a:p>
+            <a:r>
               <a:rPr lang="en-US" altLang="zh-CN" dirty="0" smtClean="0"/>
               <a:t>1. Consider Grammar G:</a:t>
             </a:r>
@@ -11882,7 +13139,6 @@
               <a:rPr lang="en-US" altLang="zh-CN" dirty="0" smtClean="0"/>
               <a:t>G4: </a:t>
             </a:r>
-            <a:endParaRPr lang="en-US" altLang="zh-CN" dirty="0" smtClean="0"/>
           </a:p>
           <a:p>
             <a:pPr marL="0" indent="0">
@@ -11923,7 +13179,7 @@
           <a:graphicData uri="http://schemas.openxmlformats.org/presentationml/2006/ole">
             <mc:AlternateContent xmlns:mc="http://schemas.openxmlformats.org/markup-compatibility/2006">
               <mc:Choice xmlns:v="urn:schemas-microsoft-com:vml" Requires="v">
-                <p:oleObj spid="_x0000_s23596" name="Equation" r:id="rId3" imgW="787320" imgH="1143000" progId="Equation.DSMT4">
+                <p:oleObj spid="_x0000_s23641" name="Equation" r:id="rId3" imgW="787320" imgH="1143000" progId="Equation.DSMT4">
                   <p:embed/>
                 </p:oleObj>
               </mc:Choice>
@@ -11980,7 +13236,7 @@
           <a:graphicData uri="http://schemas.openxmlformats.org/presentationml/2006/ole">
             <mc:AlternateContent xmlns:mc="http://schemas.openxmlformats.org/markup-compatibility/2006">
               <mc:Choice xmlns:v="urn:schemas-microsoft-com:vml" Requires="v">
-                <p:oleObj spid="_x0000_s23597" name="Equation" r:id="rId5" imgW="457200" imgH="482400" progId="Equation.DSMT4">
+                <p:oleObj spid="_x0000_s23642" name="Equation" r:id="rId5" imgW="457200" imgH="482400" progId="Equation.DSMT4">
                   <p:embed/>
                 </p:oleObj>
               </mc:Choice>
@@ -12037,7 +13293,7 @@
           <a:graphicData uri="http://schemas.openxmlformats.org/presentationml/2006/ole">
             <mc:AlternateContent xmlns:mc="http://schemas.openxmlformats.org/markup-compatibility/2006">
               <mc:Choice xmlns:v="urn:schemas-microsoft-com:vml" Requires="v">
-                <p:oleObj spid="_x0000_s23598" name="Equation" r:id="rId7" imgW="596880" imgH="482400" progId="Equation.DSMT4">
+                <p:oleObj spid="_x0000_s23643" name="Equation" r:id="rId7" imgW="596880" imgH="482400" progId="Equation.DSMT4">
                   <p:embed/>
                 </p:oleObj>
               </mc:Choice>
@@ -12094,7 +13350,7 @@
           <a:graphicData uri="http://schemas.openxmlformats.org/presentationml/2006/ole">
             <mc:AlternateContent xmlns:mc="http://schemas.openxmlformats.org/markup-compatibility/2006">
               <mc:Choice xmlns:v="urn:schemas-microsoft-com:vml" Requires="v">
-                <p:oleObj spid="_x0000_s23599" name="Equation" r:id="rId9" imgW="545760" imgH="482400" progId="Equation.DSMT4">
+                <p:oleObj spid="_x0000_s23644" name="Equation" r:id="rId9" imgW="545760" imgH="482400" progId="Equation.DSMT4">
                   <p:embed/>
                 </p:oleObj>
               </mc:Choice>
@@ -12151,7 +13407,7 @@
           <a:graphicData uri="http://schemas.openxmlformats.org/presentationml/2006/ole">
             <mc:AlternateContent xmlns:mc="http://schemas.openxmlformats.org/markup-compatibility/2006">
               <mc:Choice xmlns:v="urn:schemas-microsoft-com:vml" Requires="v">
-                <p:oleObj spid="_x0000_s23600" name="Equation" r:id="rId11" imgW="583920" imgH="482400" progId="Equation.DSMT4">
+                <p:oleObj spid="_x0000_s23645" name="Equation" r:id="rId11" imgW="583920" imgH="482400" progId="Equation.DSMT4">
                   <p:embed/>
                 </p:oleObj>
               </mc:Choice>
@@ -12211,7 +13467,7 @@
 </p:sld>
 </file>
 
-<file path=ppt/slides/slide29.xml><?xml version="1.0" encoding="utf-8"?>
+<file path=ppt/slides/slide32.xml><?xml version="1.0" encoding="utf-8"?>
 <p:sld xmlns:a="http://schemas.openxmlformats.org/drawingml/2006/main" xmlns:r="http://schemas.openxmlformats.org/officeDocument/2006/relationships" xmlns:p="http://schemas.openxmlformats.org/presentationml/2006/main">
   <p:cSld>
     <p:spTree>
@@ -12244,8 +13500,8 @@
           <a:lstStyle/>
           <a:p>
             <a:r>
-              <a:rPr lang="en-US" altLang="zh-CN" dirty="0"/>
-              <a:t>Homework</a:t>
+              <a:rPr lang="en-US" altLang="zh-CN" dirty="0" smtClean="0"/>
+              <a:t>Homework 4</a:t>
             </a:r>
             <a:endParaRPr lang="zh-CN" altLang="en-US" dirty="0"/>
           </a:p>
@@ -12326,7 +13582,7 @@
           <a:graphicData uri="http://schemas.openxmlformats.org/presentationml/2006/ole">
             <mc:AlternateContent xmlns:mc="http://schemas.openxmlformats.org/markup-compatibility/2006">
               <mc:Choice xmlns:v="urn:schemas-microsoft-com:vml" Requires="v">
-                <p:oleObj spid="_x0000_s24599" name="Equation" r:id="rId3" imgW="647640" imgH="634680" progId="Equation.DSMT4">
+                <p:oleObj spid="_x0000_s24626" name="Equation" r:id="rId3" imgW="647640" imgH="634680" progId="Equation.DSMT4">
                   <p:embed/>
                 </p:oleObj>
               </mc:Choice>
@@ -12383,7 +13639,7 @@
           <a:graphicData uri="http://schemas.openxmlformats.org/presentationml/2006/ole">
             <mc:AlternateContent xmlns:mc="http://schemas.openxmlformats.org/markup-compatibility/2006">
               <mc:Choice xmlns:v="urn:schemas-microsoft-com:vml" Requires="v">
-                <p:oleObj spid="_x0000_s24600" name="Equation" r:id="rId5" imgW="457200" imgH="152280" progId="Equation.DSMT4">
+                <p:oleObj spid="_x0000_s24627" name="Equation" r:id="rId5" imgW="457200" imgH="152280" progId="Equation.DSMT4">
                   <p:embed/>
                 </p:oleObj>
               </mc:Choice>
@@ -12440,7 +13696,7 @@
           <a:graphicData uri="http://schemas.openxmlformats.org/presentationml/2006/ole">
             <mc:AlternateContent xmlns:mc="http://schemas.openxmlformats.org/markup-compatibility/2006">
               <mc:Choice xmlns:v="urn:schemas-microsoft-com:vml" Requires="v">
-                <p:oleObj spid="_x0000_s24601" name="Equation" r:id="rId7" imgW="1257120" imgH="965160" progId="Equation.DSMT4">
+                <p:oleObj spid="_x0000_s24628" name="Equation" r:id="rId7" imgW="1257120" imgH="965160" progId="Equation.DSMT4">
                   <p:embed/>
                 </p:oleObj>
               </mc:Choice>
@@ -12500,124 +13756,6 @@
 </p:sld>
 </file>
 
-<file path=ppt/slides/slide3.xml><?xml version="1.0" encoding="utf-8"?>
-<p:sld xmlns:a="http://schemas.openxmlformats.org/drawingml/2006/main" xmlns:r="http://schemas.openxmlformats.org/officeDocument/2006/relationships" xmlns:p="http://schemas.openxmlformats.org/presentationml/2006/main">
-  <p:cSld>
-    <p:spTree>
-      <p:nvGrpSpPr>
-        <p:cNvPr id="1" name=""/>
-        <p:cNvGrpSpPr/>
-        <p:nvPr/>
-      </p:nvGrpSpPr>
-      <p:grpSpPr>
-        <a:xfrm>
-          <a:off x="0" y="0"/>
-          <a:ext cx="0" cy="0"/>
-          <a:chOff x="0" y="0"/>
-          <a:chExt cx="0" cy="0"/>
-        </a:xfrm>
-      </p:grpSpPr>
-      <p:sp>
-        <p:nvSpPr>
-          <p:cNvPr id="2" name="标题 1"/>
-          <p:cNvSpPr>
-            <a:spLocks noGrp="1"/>
-          </p:cNvSpPr>
-          <p:nvPr>
-            <p:ph type="title"/>
-          </p:nvPr>
-        </p:nvSpPr>
-        <p:spPr/>
-        <p:txBody>
-          <a:bodyPr/>
-          <a:lstStyle/>
-          <a:p>
-            <a:r>
-              <a:rPr lang="en-US" altLang="zh-CN" dirty="0"/>
-              <a:t>Outlines</a:t>
-            </a:r>
-            <a:endParaRPr lang="zh-CN" altLang="en-US" dirty="0"/>
-          </a:p>
-        </p:txBody>
-      </p:sp>
-      <p:sp>
-        <p:nvSpPr>
-          <p:cNvPr id="3" name="内容占位符 2"/>
-          <p:cNvSpPr>
-            <a:spLocks noGrp="1"/>
-          </p:cNvSpPr>
-          <p:nvPr>
-            <p:ph idx="1"/>
-          </p:nvPr>
-        </p:nvSpPr>
-        <p:spPr/>
-        <p:txBody>
-          <a:bodyPr/>
-          <a:lstStyle/>
-          <a:p>
-            <a:r>
-              <a:rPr lang="en-US" altLang="zh-CN" dirty="0"/>
-              <a:t>Context-free Grammar – review</a:t>
-            </a:r>
-          </a:p>
-          <a:p>
-            <a:r>
-              <a:rPr lang="en-US" altLang="zh-CN" dirty="0"/>
-              <a:t>Top-Down Parsing</a:t>
-            </a:r>
-          </a:p>
-          <a:p>
-            <a:r>
-              <a:rPr lang="en-US" altLang="zh-CN" dirty="0"/>
-              <a:t>Write Grammar for Top-Down Parsing</a:t>
-            </a:r>
-          </a:p>
-          <a:p>
-            <a:r>
-              <a:rPr lang="en-US" altLang="zh-CN" dirty="0"/>
-              <a:t>Recursive-Descent Parsing</a:t>
-            </a:r>
-          </a:p>
-          <a:p>
-            <a:r>
-              <a:rPr lang="en-US" altLang="zh-CN" dirty="0"/>
-              <a:t>LL(1) Grammar</a:t>
-            </a:r>
-          </a:p>
-          <a:p>
-            <a:r>
-              <a:rPr lang="en-US" altLang="zh-CN" dirty="0"/>
-              <a:t>Predictive Parsing for LL(1) Grammar</a:t>
-            </a:r>
-            <a:endParaRPr lang="zh-CN" altLang="en-US" dirty="0"/>
-          </a:p>
-        </p:txBody>
-      </p:sp>
-    </p:spTree>
-    <p:extLst>
-      <p:ext uri="{BB962C8B-B14F-4D97-AF65-F5344CB8AC3E}">
-        <p14:creationId xmlns:p14="http://schemas.microsoft.com/office/powerpoint/2010/main" val="1955709725"/>
-      </p:ext>
-    </p:extLst>
-  </p:cSld>
-  <p:clrMapOvr>
-    <a:masterClrMapping/>
-  </p:clrMapOvr>
-  <mc:AlternateContent xmlns:mc="http://schemas.openxmlformats.org/markup-compatibility/2006" xmlns:p14="http://schemas.microsoft.com/office/powerpoint/2010/main">
-    <mc:Choice Requires="p14">
-      <p:transition spd="med" p14:dur="700">
-        <p:fade/>
-      </p:transition>
-    </mc:Choice>
-    <mc:Fallback xmlns="">
-      <p:transition spd="med">
-        <p:fade/>
-      </p:transition>
-    </mc:Fallback>
-  </mc:AlternateContent>
-</p:sld>
-</file>
-
 <file path=ppt/slides/slide4.xml><?xml version="1.0" encoding="utf-8"?>
 <p:sld xmlns:a="http://schemas.openxmlformats.org/drawingml/2006/main" xmlns:r="http://schemas.openxmlformats.org/officeDocument/2006/relationships" xmlns:p="http://schemas.openxmlformats.org/presentationml/2006/main">
   <p:cSld>
@@ -12651,8 +13789,12 @@
           <a:lstStyle/>
           <a:p>
             <a:r>
+              <a:rPr lang="en-US" altLang="zh-CN" dirty="0" smtClean="0"/>
+              <a:t>4.1 </a:t>
+            </a:r>
+            <a:r>
               <a:rPr lang="en-US" altLang="zh-CN" dirty="0"/>
-              <a:t>3.1 Context-free Grammar - review</a:t>
+              <a:t>Context-free Grammar - review</a:t>
             </a:r>
             <a:endParaRPr lang="zh-CN" altLang="en-US" dirty="0"/>
           </a:p>
@@ -12680,7 +13822,7 @@
           <a:graphicData uri="http://schemas.openxmlformats.org/presentationml/2006/ole">
             <mc:AlternateContent xmlns:mc="http://schemas.openxmlformats.org/markup-compatibility/2006">
               <mc:Choice xmlns:v="urn:schemas-microsoft-com:vml" Requires="v">
-                <p:oleObj spid="_x0000_s21530" name="Visio" r:id="rId3" imgW="9303798" imgH="3634662" progId="Visio.Drawing.15">
+                <p:oleObj spid="_x0000_s21539" name="Visio" r:id="rId3" imgW="9303798" imgH="3634662" progId="Visio.Drawing.15">
                   <p:embed/>
                 </p:oleObj>
               </mc:Choice>
@@ -12773,8 +13915,12 @@
           <a:lstStyle/>
           <a:p>
             <a:r>
+              <a:rPr lang="en-US" altLang="zh-CN" dirty="0" smtClean="0"/>
+              <a:t>4.1 </a:t>
+            </a:r>
+            <a:r>
               <a:rPr lang="en-US" altLang="zh-CN" dirty="0"/>
-              <a:t>3.1 Context-free Grammar - review</a:t>
+              <a:t>Context-free Grammar - review</a:t>
             </a:r>
             <a:endParaRPr lang="zh-CN" altLang="en-US" dirty="0"/>
           </a:p>
@@ -13021,7 +14167,7 @@
           <a:graphicData uri="http://schemas.openxmlformats.org/presentationml/2006/ole">
             <mc:AlternateContent xmlns:mc="http://schemas.openxmlformats.org/markup-compatibility/2006">
               <mc:Choice xmlns:v="urn:schemas-microsoft-com:vml" Requires="v">
-                <p:oleObj spid="_x0000_s3230" name="Equation" r:id="rId3" imgW="3022560" imgH="190440" progId="Equation.DSMT4">
+                <p:oleObj spid="_x0000_s3239" name="Equation" r:id="rId3" imgW="3022560" imgH="190440" progId="Equation.DSMT4">
                   <p:embed/>
                 </p:oleObj>
               </mc:Choice>
@@ -13114,8 +14260,12 @@
           <a:lstStyle/>
           <a:p>
             <a:r>
+              <a:rPr lang="en-US" altLang="zh-CN" dirty="0" smtClean="0"/>
+              <a:t>4.1 </a:t>
+            </a:r>
+            <a:r>
               <a:rPr lang="en-US" altLang="zh-CN" dirty="0"/>
-              <a:t>3.1 Context-free Grammar - review</a:t>
+              <a:t>Context-free Grammar - review</a:t>
             </a:r>
             <a:endParaRPr lang="zh-CN" altLang="en-US" dirty="0"/>
           </a:p>
@@ -13236,7 +14386,7 @@
           <a:graphicData uri="http://schemas.openxmlformats.org/presentationml/2006/ole">
             <mc:AlternateContent xmlns:mc="http://schemas.openxmlformats.org/markup-compatibility/2006">
               <mc:Choice xmlns:v="urn:schemas-microsoft-com:vml" Requires="v">
-                <p:oleObj spid="_x0000_s22707" name="Equation" r:id="rId3" imgW="850680" imgH="228600" progId="Equation.DSMT4">
+                <p:oleObj spid="_x0000_s22779" name="Equation" r:id="rId3" imgW="850680" imgH="228600" progId="Equation.DSMT4">
                   <p:embed/>
                 </p:oleObj>
               </mc:Choice>
@@ -13293,7 +14443,7 @@
           <a:graphicData uri="http://schemas.openxmlformats.org/presentationml/2006/ole">
             <mc:AlternateContent xmlns:mc="http://schemas.openxmlformats.org/markup-compatibility/2006">
               <mc:Choice xmlns:v="urn:schemas-microsoft-com:vml" Requires="v">
-                <p:oleObj spid="_x0000_s22708" name="Equation" r:id="rId5" imgW="177480" imgH="177480" progId="Equation.DSMT4">
+                <p:oleObj spid="_x0000_s22780" name="Equation" r:id="rId5" imgW="177480" imgH="177480" progId="Equation.DSMT4">
                   <p:embed/>
                 </p:oleObj>
               </mc:Choice>
@@ -13350,7 +14500,7 @@
           <a:graphicData uri="http://schemas.openxmlformats.org/presentationml/2006/ole">
             <mc:AlternateContent xmlns:mc="http://schemas.openxmlformats.org/markup-compatibility/2006">
               <mc:Choice xmlns:v="urn:schemas-microsoft-com:vml" Requires="v">
-                <p:oleObj spid="_x0000_s22709" name="Equation" r:id="rId7" imgW="469800" imgH="177480" progId="Equation.DSMT4">
+                <p:oleObj spid="_x0000_s22781" name="Equation" r:id="rId7" imgW="469800" imgH="177480" progId="Equation.DSMT4">
                   <p:embed/>
                 </p:oleObj>
               </mc:Choice>
@@ -13407,7 +14557,7 @@
           <a:graphicData uri="http://schemas.openxmlformats.org/presentationml/2006/ole">
             <mc:AlternateContent xmlns:mc="http://schemas.openxmlformats.org/markup-compatibility/2006">
               <mc:Choice xmlns:v="urn:schemas-microsoft-com:vml" Requires="v">
-                <p:oleObj spid="_x0000_s22710" name="Equation" r:id="rId9" imgW="1384200" imgH="241200" progId="Equation.DSMT4">
+                <p:oleObj spid="_x0000_s22782" name="Equation" r:id="rId9" imgW="1384200" imgH="241200" progId="Equation.DSMT4">
                   <p:embed/>
                 </p:oleObj>
               </mc:Choice>
@@ -13464,7 +14614,7 @@
           <a:graphicData uri="http://schemas.openxmlformats.org/presentationml/2006/ole">
             <mc:AlternateContent xmlns:mc="http://schemas.openxmlformats.org/markup-compatibility/2006">
               <mc:Choice xmlns:v="urn:schemas-microsoft-com:vml" Requires="v">
-                <p:oleObj spid="_x0000_s22711" name="Equation" r:id="rId11" imgW="711000" imgH="228600" progId="Equation.DSMT4">
+                <p:oleObj spid="_x0000_s22783" name="Equation" r:id="rId11" imgW="711000" imgH="228600" progId="Equation.DSMT4">
                   <p:embed/>
                 </p:oleObj>
               </mc:Choice>
@@ -13712,7 +14862,7 @@
           <a:graphicData uri="http://schemas.openxmlformats.org/presentationml/2006/ole">
             <mc:AlternateContent xmlns:mc="http://schemas.openxmlformats.org/markup-compatibility/2006">
               <mc:Choice xmlns:v="urn:schemas-microsoft-com:vml" Requires="v">
-                <p:oleObj spid="_x0000_s22712" name="Equation" r:id="rId13" imgW="520560" imgH="914400" progId="Equation.DSMT4">
+                <p:oleObj spid="_x0000_s22784" name="Equation" r:id="rId13" imgW="520560" imgH="914400" progId="Equation.DSMT4">
                   <p:embed/>
                 </p:oleObj>
               </mc:Choice>
@@ -13807,7 +14957,7 @@
           <a:graphicData uri="http://schemas.openxmlformats.org/presentationml/2006/ole">
             <mc:AlternateContent xmlns:mc="http://schemas.openxmlformats.org/markup-compatibility/2006">
               <mc:Choice xmlns:v="urn:schemas-microsoft-com:vml" Requires="v">
-                <p:oleObj spid="_x0000_s22713" name="Equation" r:id="rId15" imgW="1091880" imgH="228600" progId="Equation.DSMT4">
+                <p:oleObj spid="_x0000_s22785" name="Equation" r:id="rId15" imgW="1091880" imgH="228600" progId="Equation.DSMT4">
                   <p:embed/>
                 </p:oleObj>
               </mc:Choice>
@@ -13864,7 +15014,7 @@
           <a:graphicData uri="http://schemas.openxmlformats.org/presentationml/2006/ole">
             <mc:AlternateContent xmlns:mc="http://schemas.openxmlformats.org/markup-compatibility/2006">
               <mc:Choice xmlns:v="urn:schemas-microsoft-com:vml" Requires="v">
-                <p:oleObj spid="_x0000_s22714" name="Equation" r:id="rId17" imgW="2145960" imgH="228600" progId="Equation.DSMT4">
+                <p:oleObj spid="_x0000_s22786" name="Equation" r:id="rId17" imgW="2145960" imgH="228600" progId="Equation.DSMT4">
                   <p:embed/>
                 </p:oleObj>
               </mc:Choice>
@@ -13957,8 +15107,12 @@
           <a:lstStyle/>
           <a:p>
             <a:r>
+              <a:rPr lang="en-US" altLang="zh-CN" dirty="0" smtClean="0"/>
+              <a:t>4.1 </a:t>
+            </a:r>
+            <a:r>
               <a:rPr lang="en-US" altLang="zh-CN" dirty="0"/>
-              <a:t>3.1 Context-free Grammar - review</a:t>
+              <a:t>Context-free Grammar - review</a:t>
             </a:r>
             <a:endParaRPr lang="zh-CN" altLang="en-US" dirty="0"/>
           </a:p>
@@ -14022,7 +15176,7 @@
           <a:graphicData uri="http://schemas.openxmlformats.org/presentationml/2006/ole">
             <mc:AlternateContent xmlns:mc="http://schemas.openxmlformats.org/markup-compatibility/2006">
               <mc:Choice xmlns:v="urn:schemas-microsoft-com:vml" Requires="v">
-                <p:oleObj spid="_x0000_s9781" name="Equation" r:id="rId3" imgW="647640" imgH="177480" progId="Equation.DSMT4">
+                <p:oleObj spid="_x0000_s9826" name="Equation" r:id="rId3" imgW="647640" imgH="177480" progId="Equation.DSMT4">
                   <p:embed/>
                 </p:oleObj>
               </mc:Choice>
@@ -14566,7 +15720,7 @@
           <a:graphicData uri="http://schemas.openxmlformats.org/presentationml/2006/ole">
             <mc:AlternateContent xmlns:mc="http://schemas.openxmlformats.org/markup-compatibility/2006">
               <mc:Choice xmlns:v="urn:schemas-microsoft-com:vml" Requires="v">
-                <p:oleObj spid="_x0000_s9782" name="Equation" r:id="rId5" imgW="126720" imgH="139680" progId="Equation.DSMT4">
+                <p:oleObj spid="_x0000_s9827" name="Equation" r:id="rId5" imgW="126720" imgH="139680" progId="Equation.DSMT4">
                   <p:embed/>
                 </p:oleObj>
               </mc:Choice>
@@ -14623,7 +15777,7 @@
           <a:graphicData uri="http://schemas.openxmlformats.org/presentationml/2006/ole">
             <mc:AlternateContent xmlns:mc="http://schemas.openxmlformats.org/markup-compatibility/2006">
               <mc:Choice xmlns:v="urn:schemas-microsoft-com:vml" Requires="v">
-                <p:oleObj spid="_x0000_s9783" name="Equation" r:id="rId7" imgW="1041120" imgH="228600" progId="Equation.DSMT4">
+                <p:oleObj spid="_x0000_s9828" name="Equation" r:id="rId7" imgW="1041120" imgH="228600" progId="Equation.DSMT4">
                   <p:embed/>
                 </p:oleObj>
               </mc:Choice>
@@ -14680,7 +15834,7 @@
           <a:graphicData uri="http://schemas.openxmlformats.org/presentationml/2006/ole">
             <mc:AlternateContent xmlns:mc="http://schemas.openxmlformats.org/markup-compatibility/2006">
               <mc:Choice xmlns:v="urn:schemas-microsoft-com:vml" Requires="v">
-                <p:oleObj spid="_x0000_s9784" name="Equation" r:id="rId9" imgW="444240" imgH="177480" progId="Equation.DSMT4">
+                <p:oleObj spid="_x0000_s9829" name="Equation" r:id="rId9" imgW="444240" imgH="177480" progId="Equation.DSMT4">
                   <p:embed/>
                 </p:oleObj>
               </mc:Choice>
@@ -14737,7 +15891,7 @@
           <a:graphicData uri="http://schemas.openxmlformats.org/presentationml/2006/ole">
             <mc:AlternateContent xmlns:mc="http://schemas.openxmlformats.org/markup-compatibility/2006">
               <mc:Choice xmlns:v="urn:schemas-microsoft-com:vml" Requires="v">
-                <p:oleObj spid="_x0000_s9785" name="Equation" r:id="rId11" imgW="126720" imgH="139680" progId="Equation.DSMT4">
+                <p:oleObj spid="_x0000_s9830" name="Equation" r:id="rId11" imgW="126720" imgH="139680" progId="Equation.DSMT4">
                   <p:embed/>
                 </p:oleObj>
               </mc:Choice>
@@ -14962,8 +16116,12 @@
           <a:lstStyle/>
           <a:p>
             <a:r>
+              <a:rPr lang="en-US" altLang="zh-CN" dirty="0" smtClean="0"/>
+              <a:t>4.2 </a:t>
+            </a:r>
+            <a:r>
               <a:rPr lang="en-US" altLang="zh-CN" dirty="0"/>
-              <a:t>3.2 Top-Down Parsing</a:t>
+              <a:t>Top-Down Parsing</a:t>
             </a:r>
             <a:endParaRPr lang="zh-CN" altLang="en-US" dirty="0"/>
           </a:p>
@@ -15085,8 +16243,12 @@
           <a:lstStyle/>
           <a:p>
             <a:r>
+              <a:rPr lang="en-US" altLang="zh-CN" dirty="0" smtClean="0"/>
+              <a:t>4.2 </a:t>
+            </a:r>
+            <a:r>
               <a:rPr lang="en-US" altLang="zh-CN" dirty="0"/>
-              <a:t>3.2 Top-Down Parsing - Problems</a:t>
+              <a:t>Top-Down Parsing - Problems</a:t>
             </a:r>
             <a:endParaRPr lang="zh-CN" altLang="en-US" dirty="0"/>
           </a:p>
@@ -15168,7 +16330,7 @@
           <a:graphicData uri="http://schemas.openxmlformats.org/presentationml/2006/ole">
             <mc:AlternateContent xmlns:mc="http://schemas.openxmlformats.org/markup-compatibility/2006">
               <mc:Choice xmlns:v="urn:schemas-microsoft-com:vml" Requires="v">
-                <p:oleObj spid="_x0000_s10332" name="Equation" r:id="rId3" imgW="469800" imgH="164880" progId="Equation.DSMT4">
+                <p:oleObj spid="_x0000_s10341" name="Equation" r:id="rId3" imgW="469800" imgH="164880" progId="Equation.DSMT4">
                   <p:embed/>
                 </p:oleObj>
               </mc:Choice>
@@ -16043,15 +17205,6 @@
 </file>
 
 <file path=customXml/item1.xml><?xml version="1.0" encoding="utf-8"?>
-<?mso-contentType ?>
-<FormTemplates xmlns="http://schemas.microsoft.com/sharepoint/v3/contenttype/forms">
-  <Display>DocumentLibraryForm</Display>
-  <Edit>AssetEditForm</Edit>
-  <New>DocumentLibraryForm</New>
-</FormTemplates>
-</file>
-
-<file path=customXml/item2.xml><?xml version="1.0" encoding="utf-8"?>
 <p:properties xmlns:p="http://schemas.microsoft.com/office/2006/metadata/properties" xmlns:xsi="http://www.w3.org/2001/XMLSchema-instance" xmlns:pc="http://schemas.microsoft.com/office/infopath/2007/PartnerControls">
   <documentManagement>
     <APDescription xmlns="4873beb7-5857-4685-be1f-d57550cc96cc" xsi:nil="true"/>
@@ -16175,6 +17328,15 @@
     <UANotes xmlns="4873beb7-5857-4685-be1f-d57550cc96cc" xsi:nil="true"/>
   </documentManagement>
 </p:properties>
+</file>
+
+<file path=customXml/item2.xml><?xml version="1.0" encoding="utf-8"?>
+<?mso-contentType ?>
+<FormTemplates xmlns="http://schemas.microsoft.com/sharepoint/v3/contenttype/forms">
+  <Display>DocumentLibraryForm</Display>
+  <Edit>AssetEditForm</Edit>
+  <New>DocumentLibraryForm</New>
+</FormTemplates>
 </file>
 
 <file path=customXml/item3.xml><?xml version="1.0" encoding="utf-8"?>
@@ -17218,14 +18380,6 @@
 </file>
 
 <file path=customXml/itemProps1.xml><?xml version="1.0" encoding="utf-8"?>
-<ds:datastoreItem xmlns:ds="http://schemas.openxmlformats.org/officeDocument/2006/customXml" ds:itemID="{561E720F-F05D-4536-9C34-0CFCED65D3B7}">
-  <ds:schemaRefs>
-    <ds:schemaRef ds:uri="http://schemas.microsoft.com/sharepoint/v3/contenttype/forms"/>
-  </ds:schemaRefs>
-</ds:datastoreItem>
-</file>
-
-<file path=customXml/itemProps2.xml><?xml version="1.0" encoding="utf-8"?>
 <ds:datastoreItem xmlns:ds="http://schemas.openxmlformats.org/officeDocument/2006/customXml" ds:itemID="{8CDDBB83-77C1-4099-A0AA-289882E745E2}">
   <ds:schemaRefs>
     <ds:schemaRef ds:uri="http://schemas.microsoft.com/office/infopath/2007/PartnerControls"/>
@@ -17237,6 +18391,14 @@
     <ds:schemaRef ds:uri="http://schemas.openxmlformats.org/package/2006/metadata/core-properties"/>
     <ds:schemaRef ds:uri="http://schemas.microsoft.com/office/2006/metadata/properties"/>
     <ds:schemaRef ds:uri="http://www.w3.org/XML/1998/namespace"/>
+  </ds:schemaRefs>
+</ds:datastoreItem>
+</file>
+
+<file path=customXml/itemProps2.xml><?xml version="1.0" encoding="utf-8"?>
+<ds:datastoreItem xmlns:ds="http://schemas.openxmlformats.org/officeDocument/2006/customXml" ds:itemID="{561E720F-F05D-4536-9C34-0CFCED65D3B7}">
+  <ds:schemaRefs>
+    <ds:schemaRef ds:uri="http://schemas.microsoft.com/sharepoint/v3/contenttype/forms"/>
   </ds:schemaRefs>
 </ds:datastoreItem>
 </file>

--- a/course/compiler/LectureNotes/(Spring2017)Lecture4.pptx
+++ b/course/compiler/LectureNotes/(Spring2017)Lecture4.pptx
@@ -258,7 +258,7 @@
                 <a:ea typeface="微软雅黑" panose="020B0503020204020204" pitchFamily="34" charset="-122"/>
               </a:rPr>
               <a:pPr algn="r" rtl="0"/>
-              <a:t>2017/5/7</a:t>
+              <a:t>2017/5/21</a:t>
             </a:fld>
             <a:endParaRPr lang="zh-CN" altLang="en-US" dirty="0">
               <a:latin typeface="微软雅黑" panose="020B0503020204020204" pitchFamily="34" charset="-122"/>
@@ -445,7 +445,7 @@
             <a:fld id="{229B22C3-6CB1-491B-AD00-E0837F23A3F3}" type="datetime1">
               <a:rPr lang="zh-CN" altLang="en-US" smtClean="0"/>
               <a:pPr/>
-              <a:t>2017/5/7</a:t>
+              <a:t>2017/5/21</a:t>
             </a:fld>
             <a:endParaRPr lang="zh-CN" altLang="en-US" dirty="0"/>
           </a:p>
@@ -1041,7 +1041,7 @@
             <a:fld id="{A7392AAC-879E-4B39-8824-AF6B730A809E}" type="datetime1">
               <a:rPr lang="zh-CN" altLang="en-US" smtClean="0"/>
               <a:pPr/>
-              <a:t>2017/5/7</a:t>
+              <a:t>2017/5/21</a:t>
             </a:fld>
             <a:endParaRPr lang="zh-CN" altLang="en-US" dirty="0"/>
           </a:p>
@@ -1382,7 +1382,7 @@
             <a:fld id="{7118C275-B304-48F5-8C4F-015CBCF4E7C1}" type="datetime1">
               <a:rPr lang="zh-CN" altLang="en-US" smtClean="0"/>
               <a:pPr/>
-              <a:t>2017/5/7</a:t>
+              <a:t>2017/5/21</a:t>
             </a:fld>
             <a:r>
               <a:rPr lang="zh-CN" altLang="en-US" dirty="0"/>
@@ -1588,7 +1588,7 @@
             <a:fld id="{98791AA9-DDCB-4BA8-AD1D-963A3AA00622}" type="datetime1">
               <a:rPr lang="zh-CN" altLang="en-US" smtClean="0"/>
               <a:pPr/>
-              <a:t>2017/5/7</a:t>
+              <a:t>2017/5/21</a:t>
             </a:fld>
             <a:endParaRPr lang="zh-CN" altLang="en-US" dirty="0"/>
           </a:p>
@@ -1792,7 +1792,7 @@
             <a:fld id="{9170426F-E661-472B-BE42-25E072CD46D9}" type="datetime1">
               <a:rPr lang="zh-CN" altLang="en-US" smtClean="0"/>
               <a:pPr/>
-              <a:t>2017/5/7</a:t>
+              <a:t>2017/5/21</a:t>
             </a:fld>
             <a:endParaRPr lang="zh-CN" altLang="en-US" dirty="0"/>
           </a:p>
@@ -2114,7 +2114,7 @@
             <a:fld id="{9BA78444-6099-4C0A-A3A9-C6F3C5D7F289}" type="datetime1">
               <a:rPr lang="zh-CN" altLang="en-US" smtClean="0"/>
               <a:pPr/>
-              <a:t>2017/5/7</a:t>
+              <a:t>2017/5/21</a:t>
             </a:fld>
             <a:endParaRPr lang="zh-CN" altLang="en-US" dirty="0"/>
           </a:p>
@@ -3226,7 +3226,7 @@
             <a:fld id="{AF5F6A19-70BF-4380-9A40-68C9536408C6}" type="datetime1">
               <a:rPr lang="zh-CN" altLang="en-US" smtClean="0"/>
               <a:pPr/>
-              <a:t>2017/5/7</a:t>
+              <a:t>2017/5/21</a:t>
             </a:fld>
             <a:endParaRPr lang="zh-CN" altLang="en-US" dirty="0"/>
           </a:p>
@@ -3625,7 +3625,7 @@
             <a:fld id="{6017EB90-196C-4C15-BD31-13E0E0436C73}" type="datetime1">
               <a:rPr lang="zh-CN" altLang="en-US" smtClean="0"/>
               <a:pPr/>
-              <a:t>2017/5/7</a:t>
+              <a:t>2017/5/21</a:t>
             </a:fld>
             <a:r>
               <a:rPr lang="zh-CN" altLang="en-US" dirty="0"/>
@@ -4107,7 +4107,7 @@
             <a:fld id="{C2EC0F41-B48F-4298-A7F6-618EB9D22195}" type="datetime1">
               <a:rPr lang="zh-CN" altLang="en-US" smtClean="0"/>
               <a:pPr/>
-              <a:t>2017/5/7</a:t>
+              <a:t>2017/5/21</a:t>
             </a:fld>
             <a:endParaRPr lang="zh-CN" altLang="en-US" dirty="0"/>
           </a:p>
@@ -4258,7 +4258,7 @@
             <a:fld id="{7DB2D836-56E8-4B15-857C-14B1A5B3B67B}" type="datetime1">
               <a:rPr lang="zh-CN" altLang="en-US" smtClean="0"/>
               <a:pPr/>
-              <a:t>2017/5/7</a:t>
+              <a:t>2017/5/21</a:t>
             </a:fld>
             <a:endParaRPr lang="zh-CN" altLang="en-US" dirty="0"/>
           </a:p>
@@ -4376,7 +4376,7 @@
             <a:fld id="{038D929F-7D8C-4CC3-8AC7-BB9B8FE2DEBF}" type="datetime1">
               <a:rPr lang="zh-CN" altLang="en-US" smtClean="0"/>
               <a:pPr/>
-              <a:t>2017/5/7</a:t>
+              <a:t>2017/5/21</a:t>
             </a:fld>
             <a:endParaRPr lang="zh-CN" altLang="en-US" dirty="0"/>
           </a:p>
@@ -4679,7 +4679,7 @@
             <a:fld id="{F7892ACC-8BC8-4C9E-9D2B-0669DA5038B6}" type="datetime1">
               <a:rPr lang="zh-CN" altLang="en-US" smtClean="0"/>
               <a:pPr/>
-              <a:t>2017/5/7</a:t>
+              <a:t>2017/5/21</a:t>
             </a:fld>
             <a:endParaRPr lang="zh-CN" altLang="en-US" dirty="0"/>
           </a:p>
@@ -4945,7 +4945,7 @@
             <a:fld id="{660B6A15-7713-4A08-BBFD-F297CCC2B976}" type="datetime1">
               <a:rPr lang="zh-CN" altLang="en-US" smtClean="0"/>
               <a:pPr/>
-              <a:t>2017/5/7</a:t>
+              <a:t>2017/5/21</a:t>
             </a:fld>
             <a:r>
               <a:rPr lang="zh-CN" altLang="en-US" dirty="0"/>
@@ -5775,7 +5775,7 @@
           <a:graphicData uri="http://schemas.openxmlformats.org/presentationml/2006/ole">
             <mc:AlternateContent xmlns:mc="http://schemas.openxmlformats.org/markup-compatibility/2006">
               <mc:Choice xmlns:v="urn:schemas-microsoft-com:vml" Requires="v">
-                <p:oleObj spid="_x0000_s11637" name="Equation" r:id="rId3" imgW="533160" imgH="634680" progId="Equation.DSMT4">
+                <p:oleObj spid="_x0000_s11649" name="Equation" r:id="rId3" imgW="533160" imgH="634680" progId="Equation.DSMT4">
                   <p:embed/>
                 </p:oleObj>
               </mc:Choice>
@@ -5872,7 +5872,7 @@
           <a:graphicData uri="http://schemas.openxmlformats.org/presentationml/2006/ole">
             <mc:AlternateContent xmlns:mc="http://schemas.openxmlformats.org/markup-compatibility/2006">
               <mc:Choice xmlns:v="urn:schemas-microsoft-com:vml" Requires="v">
-                <p:oleObj spid="_x0000_s11638" name="Equation" r:id="rId5" imgW="660240" imgH="482400" progId="Equation.DSMT4">
+                <p:oleObj spid="_x0000_s11650" name="Equation" r:id="rId5" imgW="660240" imgH="482400" progId="Equation.DSMT4">
                   <p:embed/>
                 </p:oleObj>
               </mc:Choice>
@@ -5929,7 +5929,7 @@
           <a:graphicData uri="http://schemas.openxmlformats.org/presentationml/2006/ole">
             <mc:AlternateContent xmlns:mc="http://schemas.openxmlformats.org/markup-compatibility/2006">
               <mc:Choice xmlns:v="urn:schemas-microsoft-com:vml" Requires="v">
-                <p:oleObj spid="_x0000_s11639" name="Equation" r:id="rId7" imgW="1549080" imgH="482400" progId="Equation.DSMT4">
+                <p:oleObj spid="_x0000_s11651" name="Equation" r:id="rId7" imgW="1549080" imgH="482400" progId="Equation.DSMT4">
                   <p:embed/>
                 </p:oleObj>
               </mc:Choice>
@@ -6026,7 +6026,7 @@
           <a:graphicData uri="http://schemas.openxmlformats.org/presentationml/2006/ole">
             <mc:AlternateContent xmlns:mc="http://schemas.openxmlformats.org/markup-compatibility/2006">
               <mc:Choice xmlns:v="urn:schemas-microsoft-com:vml" Requires="v">
-                <p:oleObj spid="_x0000_s11640" name="Equation" r:id="rId9" imgW="2819160" imgH="812520" progId="Equation.DSMT4">
+                <p:oleObj spid="_x0000_s11652" name="Equation" r:id="rId9" imgW="2819160" imgH="812520" progId="Equation.DSMT4">
                   <p:embed/>
                 </p:oleObj>
               </mc:Choice>
@@ -6325,7 +6325,7 @@
           <a:graphicData uri="http://schemas.openxmlformats.org/presentationml/2006/ole">
             <mc:AlternateContent xmlns:mc="http://schemas.openxmlformats.org/markup-compatibility/2006">
               <mc:Choice xmlns:v="urn:schemas-microsoft-com:vml" Requires="v">
-                <p:oleObj spid="_x0000_s13043" name="Equation" r:id="rId3" imgW="469800" imgH="164880" progId="Equation.DSMT4">
+                <p:oleObj spid="_x0000_s13070" name="Equation" r:id="rId3" imgW="469800" imgH="164880" progId="Equation.DSMT4">
                   <p:embed/>
                 </p:oleObj>
               </mc:Choice>
@@ -6465,7 +6465,7 @@
           <a:graphicData uri="http://schemas.openxmlformats.org/presentationml/2006/ole">
             <mc:AlternateContent xmlns:mc="http://schemas.openxmlformats.org/markup-compatibility/2006">
               <mc:Choice xmlns:v="urn:schemas-microsoft-com:vml" Requires="v">
-                <p:oleObj spid="_x0000_s13044" name="Equation" r:id="rId6" imgW="558720" imgH="152280" progId="Equation.DSMT4">
+                <p:oleObj spid="_x0000_s13071" name="Equation" r:id="rId6" imgW="558720" imgH="152280" progId="Equation.DSMT4">
                   <p:embed/>
                 </p:oleObj>
               </mc:Choice>
@@ -6522,7 +6522,7 @@
           <a:graphicData uri="http://schemas.openxmlformats.org/presentationml/2006/ole">
             <mc:AlternateContent xmlns:mc="http://schemas.openxmlformats.org/markup-compatibility/2006">
               <mc:Choice xmlns:v="urn:schemas-microsoft-com:vml" Requires="v">
-                <p:oleObj spid="_x0000_s13045" name="Equation" r:id="rId8" imgW="419040" imgH="139680" progId="Equation.DSMT4">
+                <p:oleObj spid="_x0000_s13072" name="Equation" r:id="rId8" imgW="419040" imgH="139680" progId="Equation.DSMT4">
                   <p:embed/>
                 </p:oleObj>
               </mc:Choice>
@@ -6579,7 +6579,7 @@
           <a:graphicData uri="http://schemas.openxmlformats.org/presentationml/2006/ole">
             <mc:AlternateContent xmlns:mc="http://schemas.openxmlformats.org/markup-compatibility/2006">
               <mc:Choice xmlns:v="urn:schemas-microsoft-com:vml" Requires="v">
-                <p:oleObj spid="_x0000_s13046" name="Equation" r:id="rId10" imgW="596880" imgH="330120" progId="Equation.DSMT4">
+                <p:oleObj spid="_x0000_s13073" name="Equation" r:id="rId10" imgW="596880" imgH="330120" progId="Equation.DSMT4">
                   <p:embed/>
                 </p:oleObj>
               </mc:Choice>
@@ -6676,7 +6676,7 @@
           <a:graphicData uri="http://schemas.openxmlformats.org/presentationml/2006/ole">
             <mc:AlternateContent xmlns:mc="http://schemas.openxmlformats.org/markup-compatibility/2006">
               <mc:Choice xmlns:v="urn:schemas-microsoft-com:vml" Requires="v">
-                <p:oleObj spid="_x0000_s13047" name="Equation" r:id="rId12" imgW="1625400" imgH="177480" progId="Equation.DSMT4">
+                <p:oleObj spid="_x0000_s13074" name="Equation" r:id="rId12" imgW="1625400" imgH="177480" progId="Equation.DSMT4">
                   <p:embed/>
                 </p:oleObj>
               </mc:Choice>
@@ -6733,7 +6733,7 @@
           <a:graphicData uri="http://schemas.openxmlformats.org/presentationml/2006/ole">
             <mc:AlternateContent xmlns:mc="http://schemas.openxmlformats.org/markup-compatibility/2006">
               <mc:Choice xmlns:v="urn:schemas-microsoft-com:vml" Requires="v">
-                <p:oleObj spid="_x0000_s13048" name="Equation" r:id="rId14" imgW="1307880" imgH="342720" progId="Equation.DSMT4">
+                <p:oleObj spid="_x0000_s13075" name="Equation" r:id="rId14" imgW="1307880" imgH="342720" progId="Equation.DSMT4">
                   <p:embed/>
                 </p:oleObj>
               </mc:Choice>
@@ -6830,7 +6830,7 @@
           <a:graphicData uri="http://schemas.openxmlformats.org/presentationml/2006/ole">
             <mc:AlternateContent xmlns:mc="http://schemas.openxmlformats.org/markup-compatibility/2006">
               <mc:Choice xmlns:v="urn:schemas-microsoft-com:vml" Requires="v">
-                <p:oleObj spid="_x0000_s13049" name="Equation" r:id="rId16" imgW="533160" imgH="634680" progId="Equation.DSMT4">
+                <p:oleObj spid="_x0000_s13076" name="Equation" r:id="rId16" imgW="533160" imgH="634680" progId="Equation.DSMT4">
                   <p:embed/>
                 </p:oleObj>
               </mc:Choice>
@@ -6927,7 +6927,7 @@
           <a:graphicData uri="http://schemas.openxmlformats.org/presentationml/2006/ole">
             <mc:AlternateContent xmlns:mc="http://schemas.openxmlformats.org/markup-compatibility/2006">
               <mc:Choice xmlns:v="urn:schemas-microsoft-com:vml" Requires="v">
-                <p:oleObj spid="_x0000_s13050" name="Equation" r:id="rId18" imgW="660240" imgH="482400" progId="Equation.DSMT4">
+                <p:oleObj spid="_x0000_s13077" name="Equation" r:id="rId18" imgW="660240" imgH="482400" progId="Equation.DSMT4">
                   <p:embed/>
                 </p:oleObj>
               </mc:Choice>
@@ -7024,7 +7024,7 @@
           <a:graphicData uri="http://schemas.openxmlformats.org/presentationml/2006/ole">
             <mc:AlternateContent xmlns:mc="http://schemas.openxmlformats.org/markup-compatibility/2006">
               <mc:Choice xmlns:v="urn:schemas-microsoft-com:vml" Requires="v">
-                <p:oleObj spid="_x0000_s13051" name="Equation" r:id="rId20" imgW="647640" imgH="812520" progId="Equation.DSMT4">
+                <p:oleObj spid="_x0000_s13078" name="Equation" r:id="rId20" imgW="647640" imgH="812520" progId="Equation.DSMT4">
                   <p:embed/>
                 </p:oleObj>
               </mc:Choice>
@@ -7307,7 +7307,7 @@
           <a:graphicData uri="http://schemas.openxmlformats.org/presentationml/2006/ole">
             <mc:AlternateContent xmlns:mc="http://schemas.openxmlformats.org/markup-compatibility/2006">
               <mc:Choice xmlns:v="urn:schemas-microsoft-com:vml" Requires="v">
-                <p:oleObj spid="_x0000_s13650" name="Equation" r:id="rId3" imgW="596880" imgH="330120" progId="Equation.DSMT4">
+                <p:oleObj spid="_x0000_s13662" name="Equation" r:id="rId3" imgW="596880" imgH="330120" progId="Equation.DSMT4">
                   <p:embed/>
                 </p:oleObj>
               </mc:Choice>
@@ -7364,7 +7364,7 @@
           <a:graphicData uri="http://schemas.openxmlformats.org/presentationml/2006/ole">
             <mc:AlternateContent xmlns:mc="http://schemas.openxmlformats.org/markup-compatibility/2006">
               <mc:Choice xmlns:v="urn:schemas-microsoft-com:vml" Requires="v">
-                <p:oleObj spid="_x0000_s13651" name="Equation" r:id="rId5" imgW="723600" imgH="139680" progId="Equation.DSMT4">
+                <p:oleObj spid="_x0000_s13663" name="Equation" r:id="rId5" imgW="723600" imgH="139680" progId="Equation.DSMT4">
                   <p:embed/>
                 </p:oleObj>
               </mc:Choice>
@@ -7421,7 +7421,7 @@
           <a:graphicData uri="http://schemas.openxmlformats.org/presentationml/2006/ole">
             <mc:AlternateContent xmlns:mc="http://schemas.openxmlformats.org/markup-compatibility/2006">
               <mc:Choice xmlns:v="urn:schemas-microsoft-com:vml" Requires="v">
-                <p:oleObj spid="_x0000_s13652" name="Equation" r:id="rId7" imgW="406080" imgH="164880" progId="Equation.DSMT4">
+                <p:oleObj spid="_x0000_s13664" name="Equation" r:id="rId7" imgW="406080" imgH="164880" progId="Equation.DSMT4">
                   <p:embed/>
                 </p:oleObj>
               </mc:Choice>
@@ -7478,7 +7478,7 @@
           <a:graphicData uri="http://schemas.openxmlformats.org/presentationml/2006/ole">
             <mc:AlternateContent xmlns:mc="http://schemas.openxmlformats.org/markup-compatibility/2006">
               <mc:Choice xmlns:v="urn:schemas-microsoft-com:vml" Requires="v">
-                <p:oleObj spid="_x0000_s13653" name="Equation" r:id="rId9" imgW="685800" imgH="152280" progId="Equation.DSMT4">
+                <p:oleObj spid="_x0000_s13665" name="Equation" r:id="rId9" imgW="685800" imgH="152280" progId="Equation.DSMT4">
                   <p:embed/>
                 </p:oleObj>
               </mc:Choice>
@@ -7694,7 +7694,7 @@
           <a:graphicData uri="http://schemas.openxmlformats.org/presentationml/2006/ole">
             <mc:AlternateContent xmlns:mc="http://schemas.openxmlformats.org/markup-compatibility/2006">
               <mc:Choice xmlns:v="urn:schemas-microsoft-com:vml" Requires="v">
-                <p:oleObj spid="_x0000_s14748" name="Equation" r:id="rId3" imgW="1549080" imgH="330120" progId="Equation.DSMT4">
+                <p:oleObj spid="_x0000_s14763" name="Equation" r:id="rId3" imgW="1549080" imgH="330120" progId="Equation.DSMT4">
                   <p:embed/>
                 </p:oleObj>
               </mc:Choice>
@@ -7751,7 +7751,7 @@
           <a:graphicData uri="http://schemas.openxmlformats.org/presentationml/2006/ole">
             <mc:AlternateContent xmlns:mc="http://schemas.openxmlformats.org/markup-compatibility/2006">
               <mc:Choice xmlns:v="urn:schemas-microsoft-com:vml" Requires="v">
-                <p:oleObj spid="_x0000_s14749" name="Equation" r:id="rId5" imgW="622080" imgH="177480" progId="Equation.DSMT4">
+                <p:oleObj spid="_x0000_s14764" name="Equation" r:id="rId5" imgW="622080" imgH="177480" progId="Equation.DSMT4">
                   <p:embed/>
                 </p:oleObj>
               </mc:Choice>
@@ -7848,7 +7848,7 @@
           <a:graphicData uri="http://schemas.openxmlformats.org/presentationml/2006/ole">
             <mc:AlternateContent xmlns:mc="http://schemas.openxmlformats.org/markup-compatibility/2006">
               <mc:Choice xmlns:v="urn:schemas-microsoft-com:vml" Requires="v">
-                <p:oleObj spid="_x0000_s14750" name="Equation" r:id="rId7" imgW="571320" imgH="330120" progId="Equation.DSMT4">
+                <p:oleObj spid="_x0000_s14765" name="Equation" r:id="rId7" imgW="571320" imgH="330120" progId="Equation.DSMT4">
                   <p:embed/>
                 </p:oleObj>
               </mc:Choice>
@@ -7905,7 +7905,7 @@
           <a:graphicData uri="http://schemas.openxmlformats.org/presentationml/2006/ole">
             <mc:AlternateContent xmlns:mc="http://schemas.openxmlformats.org/markup-compatibility/2006">
               <mc:Choice xmlns:v="urn:schemas-microsoft-com:vml" Requires="v">
-                <p:oleObj spid="_x0000_s14751" name="Equation" r:id="rId9" imgW="1143000" imgH="177480" progId="Equation.DSMT4">
+                <p:oleObj spid="_x0000_s14766" name="Equation" r:id="rId9" imgW="1143000" imgH="177480" progId="Equation.DSMT4">
                   <p:embed/>
                 </p:oleObj>
               </mc:Choice>
@@ -8002,7 +8002,7 @@
           <a:graphicData uri="http://schemas.openxmlformats.org/presentationml/2006/ole">
             <mc:AlternateContent xmlns:mc="http://schemas.openxmlformats.org/markup-compatibility/2006">
               <mc:Choice xmlns:v="urn:schemas-microsoft-com:vml" Requires="v">
-                <p:oleObj spid="_x0000_s14752" name="Equation" r:id="rId11" imgW="825480" imgH="330120" progId="Equation.DSMT4">
+                <p:oleObj spid="_x0000_s14767" name="Equation" r:id="rId11" imgW="825480" imgH="330120" progId="Equation.DSMT4">
                   <p:embed/>
                 </p:oleObj>
               </mc:Choice>
@@ -8321,7 +8321,7 @@
           <a:graphicData uri="http://schemas.openxmlformats.org/presentationml/2006/ole">
             <mc:AlternateContent xmlns:mc="http://schemas.openxmlformats.org/markup-compatibility/2006">
               <mc:Choice xmlns:v="urn:schemas-microsoft-com:vml" Requires="v">
-                <p:oleObj spid="_x0000_s15438" name="Equation" r:id="rId3" imgW="647640" imgH="812520" progId="Equation.DSMT4">
+                <p:oleObj spid="_x0000_s15441" name="Equation" r:id="rId3" imgW="647640" imgH="812520" progId="Equation.DSMT4">
                   <p:embed/>
                 </p:oleObj>
               </mc:Choice>
@@ -8532,7 +8532,7 @@
           <a:graphicData uri="http://schemas.openxmlformats.org/presentationml/2006/ole">
             <mc:AlternateContent xmlns:mc="http://schemas.openxmlformats.org/markup-compatibility/2006">
               <mc:Choice xmlns:v="urn:schemas-microsoft-com:vml" Requires="v">
-                <p:oleObj spid="_x0000_s16459" name="Equation" r:id="rId3" imgW="647640" imgH="812520" progId="Equation.DSMT4">
+                <p:oleObj spid="_x0000_s16462" name="Equation" r:id="rId3" imgW="647640" imgH="812520" progId="Equation.DSMT4">
                   <p:embed/>
                 </p:oleObj>
               </mc:Choice>
@@ -9137,7 +9137,7 @@
           <a:graphicData uri="http://schemas.openxmlformats.org/presentationml/2006/ole">
             <mc:AlternateContent xmlns:mc="http://schemas.openxmlformats.org/markup-compatibility/2006">
               <mc:Choice xmlns:v="urn:schemas-microsoft-com:vml" Requires="v">
-                <p:oleObj spid="_x0000_s17801" name="Equation" r:id="rId3" imgW="876240" imgH="177480" progId="Equation.DSMT4">
+                <p:oleObj spid="_x0000_s17819" name="Equation" r:id="rId3" imgW="876240" imgH="177480" progId="Equation.DSMT4">
                   <p:embed/>
                 </p:oleObj>
               </mc:Choice>
@@ -9194,7 +9194,7 @@
           <a:graphicData uri="http://schemas.openxmlformats.org/presentationml/2006/ole">
             <mc:AlternateContent xmlns:mc="http://schemas.openxmlformats.org/markup-compatibility/2006">
               <mc:Choice xmlns:v="urn:schemas-microsoft-com:vml" Requires="v">
-                <p:oleObj spid="_x0000_s17802" name="Equation" r:id="rId5" imgW="571320" imgH="177480" progId="Equation.DSMT4">
+                <p:oleObj spid="_x0000_s17820" name="Equation" r:id="rId5" imgW="571320" imgH="177480" progId="Equation.DSMT4">
                   <p:embed/>
                 </p:oleObj>
               </mc:Choice>
@@ -9251,7 +9251,7 @@
           <a:graphicData uri="http://schemas.openxmlformats.org/presentationml/2006/ole">
             <mc:AlternateContent xmlns:mc="http://schemas.openxmlformats.org/markup-compatibility/2006">
               <mc:Choice xmlns:v="urn:schemas-microsoft-com:vml" Requires="v">
-                <p:oleObj spid="_x0000_s17803" name="Equation" r:id="rId7" imgW="1434960" imgH="190440" progId="Equation.DSMT4">
+                <p:oleObj spid="_x0000_s17821" name="Equation" r:id="rId7" imgW="1434960" imgH="190440" progId="Equation.DSMT4">
                   <p:embed/>
                 </p:oleObj>
               </mc:Choice>
@@ -9308,7 +9308,7 @@
           <a:graphicData uri="http://schemas.openxmlformats.org/presentationml/2006/ole">
             <mc:AlternateContent xmlns:mc="http://schemas.openxmlformats.org/markup-compatibility/2006">
               <mc:Choice xmlns:v="urn:schemas-microsoft-com:vml" Requires="v">
-                <p:oleObj spid="_x0000_s17804" name="Equation" r:id="rId9" imgW="355320" imgH="164880" progId="Equation.DSMT4">
+                <p:oleObj spid="_x0000_s17822" name="Equation" r:id="rId9" imgW="355320" imgH="164880" progId="Equation.DSMT4">
                   <p:embed/>
                 </p:oleObj>
               </mc:Choice>
@@ -9365,7 +9365,7 @@
           <a:graphicData uri="http://schemas.openxmlformats.org/presentationml/2006/ole">
             <mc:AlternateContent xmlns:mc="http://schemas.openxmlformats.org/markup-compatibility/2006">
               <mc:Choice xmlns:v="urn:schemas-microsoft-com:vml" Requires="v">
-                <p:oleObj spid="_x0000_s17805" name="Equation" r:id="rId11" imgW="634680" imgH="152280" progId="Equation.DSMT4">
+                <p:oleObj spid="_x0000_s17823" name="Equation" r:id="rId11" imgW="634680" imgH="152280" progId="Equation.DSMT4">
                   <p:embed/>
                 </p:oleObj>
               </mc:Choice>
@@ -9422,7 +9422,7 @@
           <a:graphicData uri="http://schemas.openxmlformats.org/presentationml/2006/ole">
             <mc:AlternateContent xmlns:mc="http://schemas.openxmlformats.org/markup-compatibility/2006">
               <mc:Choice xmlns:v="urn:schemas-microsoft-com:vml" Requires="v">
-                <p:oleObj spid="_x0000_s17806" name="Equation" r:id="rId13" imgW="101520" imgH="114120" progId="Equation.DSMT4">
+                <p:oleObj spid="_x0000_s17824" name="Equation" r:id="rId13" imgW="101520" imgH="114120" progId="Equation.DSMT4">
                   <p:embed/>
                 </p:oleObj>
               </mc:Choice>
@@ -9794,7 +9794,7 @@
           <a:graphicData uri="http://schemas.openxmlformats.org/presentationml/2006/ole">
             <mc:AlternateContent xmlns:mc="http://schemas.openxmlformats.org/markup-compatibility/2006">
               <mc:Choice xmlns:v="urn:schemas-microsoft-com:vml" Requires="v">
-                <p:oleObj spid="_x0000_s18656" name="Equation" r:id="rId3" imgW="1879560" imgH="190440" progId="Equation.DSMT4">
+                <p:oleObj spid="_x0000_s18668" name="Equation" r:id="rId3" imgW="1879560" imgH="190440" progId="Equation.DSMT4">
                   <p:embed/>
                 </p:oleObj>
               </mc:Choice>
@@ -9851,7 +9851,7 @@
           <a:graphicData uri="http://schemas.openxmlformats.org/presentationml/2006/ole">
             <mc:AlternateContent xmlns:mc="http://schemas.openxmlformats.org/markup-compatibility/2006">
               <mc:Choice xmlns:v="urn:schemas-microsoft-com:vml" Requires="v">
-                <p:oleObj spid="_x0000_s18657" name="Equation" r:id="rId5" imgW="482400" imgH="164880" progId="Equation.DSMT4">
+                <p:oleObj spid="_x0000_s18669" name="Equation" r:id="rId5" imgW="482400" imgH="164880" progId="Equation.DSMT4">
                   <p:embed/>
                 </p:oleObj>
               </mc:Choice>
@@ -9908,7 +9908,7 @@
           <a:graphicData uri="http://schemas.openxmlformats.org/presentationml/2006/ole">
             <mc:AlternateContent xmlns:mc="http://schemas.openxmlformats.org/markup-compatibility/2006">
               <mc:Choice xmlns:v="urn:schemas-microsoft-com:vml" Requires="v">
-                <p:oleObj spid="_x0000_s18658" name="Equation" r:id="rId7" imgW="812520" imgH="164880" progId="Equation.DSMT4">
+                <p:oleObj spid="_x0000_s18670" name="Equation" r:id="rId7" imgW="812520" imgH="164880" progId="Equation.DSMT4">
                   <p:embed/>
                 </p:oleObj>
               </mc:Choice>
@@ -9965,7 +9965,7 @@
           <a:graphicData uri="http://schemas.openxmlformats.org/presentationml/2006/ole">
             <mc:AlternateContent xmlns:mc="http://schemas.openxmlformats.org/markup-compatibility/2006">
               <mc:Choice xmlns:v="urn:schemas-microsoft-com:vml" Requires="v">
-                <p:oleObj spid="_x0000_s18659" name="Equation" r:id="rId9" imgW="101520" imgH="152280" progId="Equation.DSMT4">
+                <p:oleObj spid="_x0000_s18671" name="Equation" r:id="rId9" imgW="101520" imgH="152280" progId="Equation.DSMT4">
                   <p:embed/>
                 </p:oleObj>
               </mc:Choice>
@@ -10213,7 +10213,7 @@
           <a:graphicData uri="http://schemas.openxmlformats.org/presentationml/2006/ole">
             <mc:AlternateContent xmlns:mc="http://schemas.openxmlformats.org/markup-compatibility/2006">
               <mc:Choice xmlns:v="urn:schemas-microsoft-com:vml" Requires="v">
-                <p:oleObj spid="_x0000_s19658" name="Equation" r:id="rId3" imgW="876240" imgH="177480" progId="Equation.DSMT4">
+                <p:oleObj spid="_x0000_s19670" name="Equation" r:id="rId3" imgW="876240" imgH="177480" progId="Equation.DSMT4">
                   <p:embed/>
                 </p:oleObj>
               </mc:Choice>
@@ -10270,7 +10270,7 @@
           <a:graphicData uri="http://schemas.openxmlformats.org/presentationml/2006/ole">
             <mc:AlternateContent xmlns:mc="http://schemas.openxmlformats.org/markup-compatibility/2006">
               <mc:Choice xmlns:v="urn:schemas-microsoft-com:vml" Requires="v">
-                <p:oleObj spid="_x0000_s19659" name="Equation" r:id="rId5" imgW="1688760" imgH="190440" progId="Equation.DSMT4">
+                <p:oleObj spid="_x0000_s19671" name="Equation" r:id="rId5" imgW="1688760" imgH="190440" progId="Equation.DSMT4">
                   <p:embed/>
                 </p:oleObj>
               </mc:Choice>
@@ -10327,7 +10327,7 @@
           <a:graphicData uri="http://schemas.openxmlformats.org/presentationml/2006/ole">
             <mc:AlternateContent xmlns:mc="http://schemas.openxmlformats.org/markup-compatibility/2006">
               <mc:Choice xmlns:v="urn:schemas-microsoft-com:vml" Requires="v">
-                <p:oleObj spid="_x0000_s19660" name="Equation" r:id="rId7" imgW="660240" imgH="152280" progId="Equation.DSMT4">
+                <p:oleObj spid="_x0000_s19672" name="Equation" r:id="rId7" imgW="660240" imgH="152280" progId="Equation.DSMT4">
                   <p:embed/>
                 </p:oleObj>
               </mc:Choice>
@@ -10384,7 +10384,7 @@
           <a:graphicData uri="http://schemas.openxmlformats.org/presentationml/2006/ole">
             <mc:AlternateContent xmlns:mc="http://schemas.openxmlformats.org/markup-compatibility/2006">
               <mc:Choice xmlns:v="urn:schemas-microsoft-com:vml" Requires="v">
-                <p:oleObj spid="_x0000_s19661" name="Equation" r:id="rId9" imgW="1384200" imgH="152280" progId="Equation.DSMT4">
+                <p:oleObj spid="_x0000_s19673" name="Equation" r:id="rId9" imgW="1384200" imgH="152280" progId="Equation.DSMT4">
                   <p:embed/>
                 </p:oleObj>
               </mc:Choice>
@@ -10649,7 +10649,7 @@
           <a:graphicData uri="http://schemas.openxmlformats.org/presentationml/2006/ole">
             <mc:AlternateContent xmlns:mc="http://schemas.openxmlformats.org/markup-compatibility/2006">
               <mc:Choice xmlns:v="urn:schemas-microsoft-com:vml" Requires="v">
-                <p:oleObj spid="_x0000_s20791" name="Equation" r:id="rId3" imgW="876240" imgH="177480" progId="Equation.DSMT4">
+                <p:oleObj spid="_x0000_s20812" name="Equation" r:id="rId3" imgW="876240" imgH="177480" progId="Equation.DSMT4">
                   <p:embed/>
                 </p:oleObj>
               </mc:Choice>
@@ -10706,7 +10706,7 @@
           <a:graphicData uri="http://schemas.openxmlformats.org/presentationml/2006/ole">
             <mc:AlternateContent xmlns:mc="http://schemas.openxmlformats.org/markup-compatibility/2006">
               <mc:Choice xmlns:v="urn:schemas-microsoft-com:vml" Requires="v">
-                <p:oleObj spid="_x0000_s20792" name="Equation" r:id="rId5" imgW="685800" imgH="177480" progId="Equation.DSMT4">
+                <p:oleObj spid="_x0000_s20813" name="Equation" r:id="rId5" imgW="685800" imgH="177480" progId="Equation.DSMT4">
                   <p:embed/>
                 </p:oleObj>
               </mc:Choice>
@@ -10763,7 +10763,7 @@
           <a:graphicData uri="http://schemas.openxmlformats.org/presentationml/2006/ole">
             <mc:AlternateContent xmlns:mc="http://schemas.openxmlformats.org/markup-compatibility/2006">
               <mc:Choice xmlns:v="urn:schemas-microsoft-com:vml" Requires="v">
-                <p:oleObj spid="_x0000_s20793" name="Equation" r:id="rId7" imgW="139680" imgH="177480" progId="Equation.DSMT4">
+                <p:oleObj spid="_x0000_s20814" name="Equation" r:id="rId7" imgW="139680" imgH="177480" progId="Equation.DSMT4">
                   <p:embed/>
                 </p:oleObj>
               </mc:Choice>
@@ -10820,7 +10820,7 @@
           <a:graphicData uri="http://schemas.openxmlformats.org/presentationml/2006/ole">
             <mc:AlternateContent xmlns:mc="http://schemas.openxmlformats.org/markup-compatibility/2006">
               <mc:Choice xmlns:v="urn:schemas-microsoft-com:vml" Requires="v">
-                <p:oleObj spid="_x0000_s20794" name="Equation" r:id="rId9" imgW="2171520" imgH="177480" progId="Equation.DSMT4">
+                <p:oleObj spid="_x0000_s20815" name="Equation" r:id="rId9" imgW="2171520" imgH="177480" progId="Equation.DSMT4">
                   <p:embed/>
                 </p:oleObj>
               </mc:Choice>
@@ -10877,7 +10877,7 @@
           <a:graphicData uri="http://schemas.openxmlformats.org/presentationml/2006/ole">
             <mc:AlternateContent xmlns:mc="http://schemas.openxmlformats.org/markup-compatibility/2006">
               <mc:Choice xmlns:v="urn:schemas-microsoft-com:vml" Requires="v">
-                <p:oleObj spid="_x0000_s20795" name="Equation" r:id="rId11" imgW="685800" imgH="177480" progId="Equation.DSMT4">
+                <p:oleObj spid="_x0000_s20816" name="Equation" r:id="rId11" imgW="685800" imgH="177480" progId="Equation.DSMT4">
                   <p:embed/>
                 </p:oleObj>
               </mc:Choice>
@@ -10934,7 +10934,7 @@
           <a:graphicData uri="http://schemas.openxmlformats.org/presentationml/2006/ole">
             <mc:AlternateContent xmlns:mc="http://schemas.openxmlformats.org/markup-compatibility/2006">
               <mc:Choice xmlns:v="urn:schemas-microsoft-com:vml" Requires="v">
-                <p:oleObj spid="_x0000_s20796" name="Equation" r:id="rId13" imgW="812520" imgH="152280" progId="Equation.DSMT4">
+                <p:oleObj spid="_x0000_s20817" name="Equation" r:id="rId13" imgW="812520" imgH="152280" progId="Equation.DSMT4">
                   <p:embed/>
                 </p:oleObj>
               </mc:Choice>
@@ -10991,7 +10991,7 @@
           <a:graphicData uri="http://schemas.openxmlformats.org/presentationml/2006/ole">
             <mc:AlternateContent xmlns:mc="http://schemas.openxmlformats.org/markup-compatibility/2006">
               <mc:Choice xmlns:v="urn:schemas-microsoft-com:vml" Requires="v">
-                <p:oleObj spid="_x0000_s20797" name="Equation" r:id="rId15" imgW="101520" imgH="114120" progId="Equation.DSMT4">
+                <p:oleObj spid="_x0000_s20818" name="Equation" r:id="rId15" imgW="101520" imgH="114120" progId="Equation.DSMT4">
                   <p:embed/>
                 </p:oleObj>
               </mc:Choice>
@@ -13179,7 +13179,7 @@
           <a:graphicData uri="http://schemas.openxmlformats.org/presentationml/2006/ole">
             <mc:AlternateContent xmlns:mc="http://schemas.openxmlformats.org/markup-compatibility/2006">
               <mc:Choice xmlns:v="urn:schemas-microsoft-com:vml" Requires="v">
-                <p:oleObj spid="_x0000_s23641" name="Equation" r:id="rId3" imgW="787320" imgH="1143000" progId="Equation.DSMT4">
+                <p:oleObj spid="_x0000_s23656" name="Equation" r:id="rId3" imgW="787320" imgH="1143000" progId="Equation.DSMT4">
                   <p:embed/>
                 </p:oleObj>
               </mc:Choice>
@@ -13223,7 +13223,7 @@
           <p:nvPr>
             <p:extLst>
               <p:ext uri="{D42A27DB-BD31-4B8C-83A1-F6EECF244321}">
-                <p14:modId xmlns:p14="http://schemas.microsoft.com/office/powerpoint/2010/main" val="997504583"/>
+                <p14:modId xmlns:p14="http://schemas.microsoft.com/office/powerpoint/2010/main" val="1149312370"/>
               </p:ext>
             </p:extLst>
           </p:nvPr>
@@ -13236,7 +13236,7 @@
           <a:graphicData uri="http://schemas.openxmlformats.org/presentationml/2006/ole">
             <mc:AlternateContent xmlns:mc="http://schemas.openxmlformats.org/markup-compatibility/2006">
               <mc:Choice xmlns:v="urn:schemas-microsoft-com:vml" Requires="v">
-                <p:oleObj spid="_x0000_s23642" name="Equation" r:id="rId5" imgW="457200" imgH="482400" progId="Equation.DSMT4">
+                <p:oleObj spid="_x0000_s23657" name="Equation" r:id="rId5" imgW="457200" imgH="482400" progId="Equation.DSMT4">
                   <p:embed/>
                 </p:oleObj>
               </mc:Choice>
@@ -13293,7 +13293,7 @@
           <a:graphicData uri="http://schemas.openxmlformats.org/presentationml/2006/ole">
             <mc:AlternateContent xmlns:mc="http://schemas.openxmlformats.org/markup-compatibility/2006">
               <mc:Choice xmlns:v="urn:schemas-microsoft-com:vml" Requires="v">
-                <p:oleObj spid="_x0000_s23643" name="Equation" r:id="rId7" imgW="596880" imgH="482400" progId="Equation.DSMT4">
+                <p:oleObj spid="_x0000_s23658" name="Equation" r:id="rId7" imgW="596880" imgH="482400" progId="Equation.DSMT4">
                   <p:embed/>
                 </p:oleObj>
               </mc:Choice>
@@ -13350,7 +13350,7 @@
           <a:graphicData uri="http://schemas.openxmlformats.org/presentationml/2006/ole">
             <mc:AlternateContent xmlns:mc="http://schemas.openxmlformats.org/markup-compatibility/2006">
               <mc:Choice xmlns:v="urn:schemas-microsoft-com:vml" Requires="v">
-                <p:oleObj spid="_x0000_s23644" name="Equation" r:id="rId9" imgW="545760" imgH="482400" progId="Equation.DSMT4">
+                <p:oleObj spid="_x0000_s23659" name="Equation" r:id="rId9" imgW="545760" imgH="482400" progId="Equation.DSMT4">
                   <p:embed/>
                 </p:oleObj>
               </mc:Choice>
@@ -13407,7 +13407,7 @@
           <a:graphicData uri="http://schemas.openxmlformats.org/presentationml/2006/ole">
             <mc:AlternateContent xmlns:mc="http://schemas.openxmlformats.org/markup-compatibility/2006">
               <mc:Choice xmlns:v="urn:schemas-microsoft-com:vml" Requires="v">
-                <p:oleObj spid="_x0000_s23645" name="Equation" r:id="rId11" imgW="583920" imgH="482400" progId="Equation.DSMT4">
+                <p:oleObj spid="_x0000_s23660" name="Equation" r:id="rId11" imgW="583920" imgH="482400" progId="Equation.DSMT4">
                   <p:embed/>
                 </p:oleObj>
               </mc:Choice>
@@ -13582,7 +13582,7 @@
           <a:graphicData uri="http://schemas.openxmlformats.org/presentationml/2006/ole">
             <mc:AlternateContent xmlns:mc="http://schemas.openxmlformats.org/markup-compatibility/2006">
               <mc:Choice xmlns:v="urn:schemas-microsoft-com:vml" Requires="v">
-                <p:oleObj spid="_x0000_s24626" name="Equation" r:id="rId3" imgW="647640" imgH="634680" progId="Equation.DSMT4">
+                <p:oleObj spid="_x0000_s24635" name="Equation" r:id="rId3" imgW="647640" imgH="634680" progId="Equation.DSMT4">
                   <p:embed/>
                 </p:oleObj>
               </mc:Choice>
@@ -13639,7 +13639,7 @@
           <a:graphicData uri="http://schemas.openxmlformats.org/presentationml/2006/ole">
             <mc:AlternateContent xmlns:mc="http://schemas.openxmlformats.org/markup-compatibility/2006">
               <mc:Choice xmlns:v="urn:schemas-microsoft-com:vml" Requires="v">
-                <p:oleObj spid="_x0000_s24627" name="Equation" r:id="rId5" imgW="457200" imgH="152280" progId="Equation.DSMT4">
+                <p:oleObj spid="_x0000_s24636" name="Equation" r:id="rId5" imgW="457200" imgH="152280" progId="Equation.DSMT4">
                   <p:embed/>
                 </p:oleObj>
               </mc:Choice>
@@ -13696,7 +13696,7 @@
           <a:graphicData uri="http://schemas.openxmlformats.org/presentationml/2006/ole">
             <mc:AlternateContent xmlns:mc="http://schemas.openxmlformats.org/markup-compatibility/2006">
               <mc:Choice xmlns:v="urn:schemas-microsoft-com:vml" Requires="v">
-                <p:oleObj spid="_x0000_s24628" name="Equation" r:id="rId7" imgW="1257120" imgH="965160" progId="Equation.DSMT4">
+                <p:oleObj spid="_x0000_s24637" name="Equation" r:id="rId7" imgW="1257120" imgH="965160" progId="Equation.DSMT4">
                   <p:embed/>
                 </p:oleObj>
               </mc:Choice>
@@ -13822,7 +13822,7 @@
           <a:graphicData uri="http://schemas.openxmlformats.org/presentationml/2006/ole">
             <mc:AlternateContent xmlns:mc="http://schemas.openxmlformats.org/markup-compatibility/2006">
               <mc:Choice xmlns:v="urn:schemas-microsoft-com:vml" Requires="v">
-                <p:oleObj spid="_x0000_s21539" name="Visio" r:id="rId3" imgW="9303798" imgH="3634662" progId="Visio.Drawing.15">
+                <p:oleObj spid="_x0000_s21542" name="Visio" r:id="rId3" imgW="9303798" imgH="3634662" progId="Visio.Drawing.15">
                   <p:embed/>
                 </p:oleObj>
               </mc:Choice>
@@ -14167,7 +14167,7 @@
           <a:graphicData uri="http://schemas.openxmlformats.org/presentationml/2006/ole">
             <mc:AlternateContent xmlns:mc="http://schemas.openxmlformats.org/markup-compatibility/2006">
               <mc:Choice xmlns:v="urn:schemas-microsoft-com:vml" Requires="v">
-                <p:oleObj spid="_x0000_s3239" name="Equation" r:id="rId3" imgW="3022560" imgH="190440" progId="Equation.DSMT4">
+                <p:oleObj spid="_x0000_s3242" name="Equation" r:id="rId3" imgW="3022560" imgH="190440" progId="Equation.DSMT4">
                   <p:embed/>
                 </p:oleObj>
               </mc:Choice>
@@ -14386,7 +14386,7 @@
           <a:graphicData uri="http://schemas.openxmlformats.org/presentationml/2006/ole">
             <mc:AlternateContent xmlns:mc="http://schemas.openxmlformats.org/markup-compatibility/2006">
               <mc:Choice xmlns:v="urn:schemas-microsoft-com:vml" Requires="v">
-                <p:oleObj spid="_x0000_s22779" name="Equation" r:id="rId3" imgW="850680" imgH="228600" progId="Equation.DSMT4">
+                <p:oleObj spid="_x0000_s22803" name="Equation" r:id="rId3" imgW="850680" imgH="228600" progId="Equation.DSMT4">
                   <p:embed/>
                 </p:oleObj>
               </mc:Choice>
@@ -14443,7 +14443,7 @@
           <a:graphicData uri="http://schemas.openxmlformats.org/presentationml/2006/ole">
             <mc:AlternateContent xmlns:mc="http://schemas.openxmlformats.org/markup-compatibility/2006">
               <mc:Choice xmlns:v="urn:schemas-microsoft-com:vml" Requires="v">
-                <p:oleObj spid="_x0000_s22780" name="Equation" r:id="rId5" imgW="177480" imgH="177480" progId="Equation.DSMT4">
+                <p:oleObj spid="_x0000_s22804" name="Equation" r:id="rId5" imgW="177480" imgH="177480" progId="Equation.DSMT4">
                   <p:embed/>
                 </p:oleObj>
               </mc:Choice>
@@ -14500,7 +14500,7 @@
           <a:graphicData uri="http://schemas.openxmlformats.org/presentationml/2006/ole">
             <mc:AlternateContent xmlns:mc="http://schemas.openxmlformats.org/markup-compatibility/2006">
               <mc:Choice xmlns:v="urn:schemas-microsoft-com:vml" Requires="v">
-                <p:oleObj spid="_x0000_s22781" name="Equation" r:id="rId7" imgW="469800" imgH="177480" progId="Equation.DSMT4">
+                <p:oleObj spid="_x0000_s22805" name="Equation" r:id="rId7" imgW="469800" imgH="177480" progId="Equation.DSMT4">
                   <p:embed/>
                 </p:oleObj>
               </mc:Choice>
@@ -14557,7 +14557,7 @@
           <a:graphicData uri="http://schemas.openxmlformats.org/presentationml/2006/ole">
             <mc:AlternateContent xmlns:mc="http://schemas.openxmlformats.org/markup-compatibility/2006">
               <mc:Choice xmlns:v="urn:schemas-microsoft-com:vml" Requires="v">
-                <p:oleObj spid="_x0000_s22782" name="Equation" r:id="rId9" imgW="1384200" imgH="241200" progId="Equation.DSMT4">
+                <p:oleObj spid="_x0000_s22806" name="Equation" r:id="rId9" imgW="1384200" imgH="241200" progId="Equation.DSMT4">
                   <p:embed/>
                 </p:oleObj>
               </mc:Choice>
@@ -14614,7 +14614,7 @@
           <a:graphicData uri="http://schemas.openxmlformats.org/presentationml/2006/ole">
             <mc:AlternateContent xmlns:mc="http://schemas.openxmlformats.org/markup-compatibility/2006">
               <mc:Choice xmlns:v="urn:schemas-microsoft-com:vml" Requires="v">
-                <p:oleObj spid="_x0000_s22783" name="Equation" r:id="rId11" imgW="711000" imgH="228600" progId="Equation.DSMT4">
+                <p:oleObj spid="_x0000_s22807" name="Equation" r:id="rId11" imgW="711000" imgH="228600" progId="Equation.DSMT4">
                   <p:embed/>
                 </p:oleObj>
               </mc:Choice>
@@ -14862,7 +14862,7 @@
           <a:graphicData uri="http://schemas.openxmlformats.org/presentationml/2006/ole">
             <mc:AlternateContent xmlns:mc="http://schemas.openxmlformats.org/markup-compatibility/2006">
               <mc:Choice xmlns:v="urn:schemas-microsoft-com:vml" Requires="v">
-                <p:oleObj spid="_x0000_s22784" name="Equation" r:id="rId13" imgW="520560" imgH="914400" progId="Equation.DSMT4">
+                <p:oleObj spid="_x0000_s22808" name="Equation" r:id="rId13" imgW="520560" imgH="914400" progId="Equation.DSMT4">
                   <p:embed/>
                 </p:oleObj>
               </mc:Choice>
@@ -14957,7 +14957,7 @@
           <a:graphicData uri="http://schemas.openxmlformats.org/presentationml/2006/ole">
             <mc:AlternateContent xmlns:mc="http://schemas.openxmlformats.org/markup-compatibility/2006">
               <mc:Choice xmlns:v="urn:schemas-microsoft-com:vml" Requires="v">
-                <p:oleObj spid="_x0000_s22785" name="Equation" r:id="rId15" imgW="1091880" imgH="228600" progId="Equation.DSMT4">
+                <p:oleObj spid="_x0000_s22809" name="Equation" r:id="rId15" imgW="1091880" imgH="228600" progId="Equation.DSMT4">
                   <p:embed/>
                 </p:oleObj>
               </mc:Choice>
@@ -15014,7 +15014,7 @@
           <a:graphicData uri="http://schemas.openxmlformats.org/presentationml/2006/ole">
             <mc:AlternateContent xmlns:mc="http://schemas.openxmlformats.org/markup-compatibility/2006">
               <mc:Choice xmlns:v="urn:schemas-microsoft-com:vml" Requires="v">
-                <p:oleObj spid="_x0000_s22786" name="Equation" r:id="rId17" imgW="2145960" imgH="228600" progId="Equation.DSMT4">
+                <p:oleObj spid="_x0000_s22810" name="Equation" r:id="rId17" imgW="2145960" imgH="228600" progId="Equation.DSMT4">
                   <p:embed/>
                 </p:oleObj>
               </mc:Choice>
@@ -15176,7 +15176,7 @@
           <a:graphicData uri="http://schemas.openxmlformats.org/presentationml/2006/ole">
             <mc:AlternateContent xmlns:mc="http://schemas.openxmlformats.org/markup-compatibility/2006">
               <mc:Choice xmlns:v="urn:schemas-microsoft-com:vml" Requires="v">
-                <p:oleObj spid="_x0000_s9826" name="Equation" r:id="rId3" imgW="647640" imgH="177480" progId="Equation.DSMT4">
+                <p:oleObj spid="_x0000_s9841" name="Equation" r:id="rId3" imgW="647640" imgH="177480" progId="Equation.DSMT4">
                   <p:embed/>
                 </p:oleObj>
               </mc:Choice>
@@ -15720,7 +15720,7 @@
           <a:graphicData uri="http://schemas.openxmlformats.org/presentationml/2006/ole">
             <mc:AlternateContent xmlns:mc="http://schemas.openxmlformats.org/markup-compatibility/2006">
               <mc:Choice xmlns:v="urn:schemas-microsoft-com:vml" Requires="v">
-                <p:oleObj spid="_x0000_s9827" name="Equation" r:id="rId5" imgW="126720" imgH="139680" progId="Equation.DSMT4">
+                <p:oleObj spid="_x0000_s9842" name="Equation" r:id="rId5" imgW="126720" imgH="139680" progId="Equation.DSMT4">
                   <p:embed/>
                 </p:oleObj>
               </mc:Choice>
@@ -15777,7 +15777,7 @@
           <a:graphicData uri="http://schemas.openxmlformats.org/presentationml/2006/ole">
             <mc:AlternateContent xmlns:mc="http://schemas.openxmlformats.org/markup-compatibility/2006">
               <mc:Choice xmlns:v="urn:schemas-microsoft-com:vml" Requires="v">
-                <p:oleObj spid="_x0000_s9828" name="Equation" r:id="rId7" imgW="1041120" imgH="228600" progId="Equation.DSMT4">
+                <p:oleObj spid="_x0000_s9843" name="Equation" r:id="rId7" imgW="1041120" imgH="228600" progId="Equation.DSMT4">
                   <p:embed/>
                 </p:oleObj>
               </mc:Choice>
@@ -15834,7 +15834,7 @@
           <a:graphicData uri="http://schemas.openxmlformats.org/presentationml/2006/ole">
             <mc:AlternateContent xmlns:mc="http://schemas.openxmlformats.org/markup-compatibility/2006">
               <mc:Choice xmlns:v="urn:schemas-microsoft-com:vml" Requires="v">
-                <p:oleObj spid="_x0000_s9829" name="Equation" r:id="rId9" imgW="444240" imgH="177480" progId="Equation.DSMT4">
+                <p:oleObj spid="_x0000_s9844" name="Equation" r:id="rId9" imgW="444240" imgH="177480" progId="Equation.DSMT4">
                   <p:embed/>
                 </p:oleObj>
               </mc:Choice>
@@ -15891,7 +15891,7 @@
           <a:graphicData uri="http://schemas.openxmlformats.org/presentationml/2006/ole">
             <mc:AlternateContent xmlns:mc="http://schemas.openxmlformats.org/markup-compatibility/2006">
               <mc:Choice xmlns:v="urn:schemas-microsoft-com:vml" Requires="v">
-                <p:oleObj spid="_x0000_s9830" name="Equation" r:id="rId11" imgW="126720" imgH="139680" progId="Equation.DSMT4">
+                <p:oleObj spid="_x0000_s9845" name="Equation" r:id="rId11" imgW="126720" imgH="139680" progId="Equation.DSMT4">
                   <p:embed/>
                 </p:oleObj>
               </mc:Choice>
@@ -16330,7 +16330,7 @@
           <a:graphicData uri="http://schemas.openxmlformats.org/presentationml/2006/ole">
             <mc:AlternateContent xmlns:mc="http://schemas.openxmlformats.org/markup-compatibility/2006">
               <mc:Choice xmlns:v="urn:schemas-microsoft-com:vml" Requires="v">
-                <p:oleObj spid="_x0000_s10341" name="Equation" r:id="rId3" imgW="469800" imgH="164880" progId="Equation.DSMT4">
+                <p:oleObj spid="_x0000_s10344" name="Equation" r:id="rId3" imgW="469800" imgH="164880" progId="Equation.DSMT4">
                   <p:embed/>
                 </p:oleObj>
               </mc:Choice>
@@ -17205,6 +17205,15 @@
 </file>
 
 <file path=customXml/item1.xml><?xml version="1.0" encoding="utf-8"?>
+<?mso-contentType ?>
+<FormTemplates xmlns="http://schemas.microsoft.com/sharepoint/v3/contenttype/forms">
+  <Display>DocumentLibraryForm</Display>
+  <Edit>AssetEditForm</Edit>
+  <New>DocumentLibraryForm</New>
+</FormTemplates>
+</file>
+
+<file path=customXml/item2.xml><?xml version="1.0" encoding="utf-8"?>
 <p:properties xmlns:p="http://schemas.microsoft.com/office/2006/metadata/properties" xmlns:xsi="http://www.w3.org/2001/XMLSchema-instance" xmlns:pc="http://schemas.microsoft.com/office/infopath/2007/PartnerControls">
   <documentManagement>
     <APDescription xmlns="4873beb7-5857-4685-be1f-d57550cc96cc" xsi:nil="true"/>
@@ -17328,15 +17337,6 @@
     <UANotes xmlns="4873beb7-5857-4685-be1f-d57550cc96cc" xsi:nil="true"/>
   </documentManagement>
 </p:properties>
-</file>
-
-<file path=customXml/item2.xml><?xml version="1.0" encoding="utf-8"?>
-<?mso-contentType ?>
-<FormTemplates xmlns="http://schemas.microsoft.com/sharepoint/v3/contenttype/forms">
-  <Display>DocumentLibraryForm</Display>
-  <Edit>AssetEditForm</Edit>
-  <New>DocumentLibraryForm</New>
-</FormTemplates>
 </file>
 
 <file path=customXml/item3.xml><?xml version="1.0" encoding="utf-8"?>
@@ -18380,6 +18380,14 @@
 </file>
 
 <file path=customXml/itemProps1.xml><?xml version="1.0" encoding="utf-8"?>
+<ds:datastoreItem xmlns:ds="http://schemas.openxmlformats.org/officeDocument/2006/customXml" ds:itemID="{561E720F-F05D-4536-9C34-0CFCED65D3B7}">
+  <ds:schemaRefs>
+    <ds:schemaRef ds:uri="http://schemas.microsoft.com/sharepoint/v3/contenttype/forms"/>
+  </ds:schemaRefs>
+</ds:datastoreItem>
+</file>
+
+<file path=customXml/itemProps2.xml><?xml version="1.0" encoding="utf-8"?>
 <ds:datastoreItem xmlns:ds="http://schemas.openxmlformats.org/officeDocument/2006/customXml" ds:itemID="{8CDDBB83-77C1-4099-A0AA-289882E745E2}">
   <ds:schemaRefs>
     <ds:schemaRef ds:uri="http://schemas.microsoft.com/office/infopath/2007/PartnerControls"/>
@@ -18391,14 +18399,6 @@
     <ds:schemaRef ds:uri="http://schemas.openxmlformats.org/package/2006/metadata/core-properties"/>
     <ds:schemaRef ds:uri="http://schemas.microsoft.com/office/2006/metadata/properties"/>
     <ds:schemaRef ds:uri="http://www.w3.org/XML/1998/namespace"/>
-  </ds:schemaRefs>
-</ds:datastoreItem>
-</file>
-
-<file path=customXml/itemProps2.xml><?xml version="1.0" encoding="utf-8"?>
-<ds:datastoreItem xmlns:ds="http://schemas.openxmlformats.org/officeDocument/2006/customXml" ds:itemID="{561E720F-F05D-4536-9C34-0CFCED65D3B7}">
-  <ds:schemaRefs>
-    <ds:schemaRef ds:uri="http://schemas.microsoft.com/sharepoint/v3/contenttype/forms"/>
   </ds:schemaRefs>
 </ds:datastoreItem>
 </file>
